--- a/docs/W-9 Working Document/W-9.3 Presentation Slides/Phase 3/vms_presentation_3_v0.1.pptx
+++ b/docs/W-9 Working Document/W-9.3 Presentation Slides/Phase 3/vms_presentation_3_v0.1.pptx
@@ -3277,7 +3277,14 @@
               <a:ln/>
               <a:effectLst/>
             </a:rPr>
-            <a:t>Staff Management</a:t>
+            <a:t>Certificate </a:t>
+          </a:r>
+          <a:r>
+            <a:rPr lang="en-US" sz="1600" b="1" cap="none" spc="0" dirty="0" smtClean="0">
+              <a:ln/>
+              <a:effectLst/>
+            </a:rPr>
+            <a:t>Management</a:t>
           </a:r>
           <a:endParaRPr lang="en-US" sz="1600" b="1" cap="none" spc="0" dirty="0">
             <a:ln/>
@@ -3359,61 +3366,6 @@
       </dgm:t>
     </dgm:pt>
     <dgm:pt modelId="{86F3C531-528D-49DB-9EB7-8C6D718BDBE9}" type="sibTrans" cxnId="{04B3E604-C413-457E-B68C-5144C6DC9915}">
-      <dgm:prSet/>
-      <dgm:spPr/>
-      <dgm:t>
-        <a:bodyPr/>
-        <a:lstStyle/>
-        <a:p>
-          <a:endParaRPr lang="en-US" sz="1600" b="1" cap="none" spc="0">
-            <a:ln/>
-            <a:solidFill>
-              <a:schemeClr val="accent3"/>
-            </a:solidFill>
-            <a:effectLst/>
-          </a:endParaRPr>
-        </a:p>
-      </dgm:t>
-    </dgm:pt>
-    <dgm:pt modelId="{4209E399-DA0C-42D5-962A-8276C02AA8EC}">
-      <dgm:prSet phldrT="[Text]" custT="1"/>
-      <dgm:spPr/>
-      <dgm:t>
-        <a:bodyPr/>
-        <a:lstStyle/>
-        <a:p>
-          <a:r>
-            <a:rPr lang="en-US" sz="1600" b="1" cap="none" spc="0" dirty="0" smtClean="0">
-              <a:ln/>
-              <a:effectLst/>
-            </a:rPr>
-            <a:t>Itinerary Management</a:t>
-          </a:r>
-          <a:endParaRPr lang="en-US" sz="1600" b="1" cap="none" spc="0" dirty="0">
-            <a:ln/>
-            <a:effectLst/>
-          </a:endParaRPr>
-        </a:p>
-      </dgm:t>
-    </dgm:pt>
-    <dgm:pt modelId="{7ED4465C-CF67-468F-ABD7-F54F46BB659F}" type="parTrans" cxnId="{FDB03FEE-AFCB-4EB7-9D72-88B81A1DCBC1}">
-      <dgm:prSet/>
-      <dgm:spPr/>
-      <dgm:t>
-        <a:bodyPr/>
-        <a:lstStyle/>
-        <a:p>
-          <a:endParaRPr lang="en-US" sz="1600" b="1" cap="none" spc="0">
-            <a:ln/>
-            <a:solidFill>
-              <a:schemeClr val="accent3"/>
-            </a:solidFill>
-            <a:effectLst/>
-          </a:endParaRPr>
-        </a:p>
-      </dgm:t>
-    </dgm:pt>
-    <dgm:pt modelId="{F7F538C6-58F2-4EB2-9D5A-112410F40135}" type="sibTrans" cxnId="{FDB03FEE-AFCB-4EB7-9D72-88B81A1DCBC1}">
       <dgm:prSet/>
       <dgm:spPr/>
       <dgm:t>
@@ -3514,7 +3466,7 @@
       </dgm:t>
     </dgm:pt>
     <dgm:pt modelId="{81666E97-5860-45F1-88A5-99FAA589A582}" type="pres">
-      <dgm:prSet presAssocID="{885613C5-7A76-4AA0-92F0-EEDD9B446661}" presName="parentLeftMargin" presStyleLbl="node1" presStyleIdx="0" presStyleCnt="5"/>
+      <dgm:prSet presAssocID="{885613C5-7A76-4AA0-92F0-EEDD9B446661}" presName="parentLeftMargin" presStyleLbl="node1" presStyleIdx="0" presStyleCnt="4"/>
       <dgm:spPr/>
       <dgm:t>
         <a:bodyPr/>
@@ -3525,7 +3477,7 @@
       </dgm:t>
     </dgm:pt>
     <dgm:pt modelId="{E1A9A929-FEE8-4155-9F48-FAC5EE533310}" type="pres">
-      <dgm:prSet presAssocID="{885613C5-7A76-4AA0-92F0-EEDD9B446661}" presName="parentText" presStyleLbl="node1" presStyleIdx="0" presStyleCnt="5">
+      <dgm:prSet presAssocID="{885613C5-7A76-4AA0-92F0-EEDD9B446661}" presName="parentText" presStyleLbl="node1" presStyleIdx="0" presStyleCnt="4">
         <dgm:presLayoutVars>
           <dgm:chMax val="0"/>
           <dgm:bulletEnabled val="1"/>
@@ -3552,7 +3504,7 @@
       </dgm:t>
     </dgm:pt>
     <dgm:pt modelId="{BDDB4458-80D3-44D0-B84B-56AD138986B6}" type="pres">
-      <dgm:prSet presAssocID="{885613C5-7A76-4AA0-92F0-EEDD9B446661}" presName="childText" presStyleLbl="conFgAcc1" presStyleIdx="0" presStyleCnt="5">
+      <dgm:prSet presAssocID="{885613C5-7A76-4AA0-92F0-EEDD9B446661}" presName="childText" presStyleLbl="conFgAcc1" presStyleIdx="0" presStyleCnt="4">
         <dgm:presLayoutVars>
           <dgm:bulletEnabled val="1"/>
         </dgm:presLayoutVars>
@@ -3589,7 +3541,7 @@
       </dgm:t>
     </dgm:pt>
     <dgm:pt modelId="{21C03DFF-8234-4BBD-95B9-2622D999B6CC}" type="pres">
-      <dgm:prSet presAssocID="{68CDD154-F438-49AE-AED8-77DB9EC9D634}" presName="parentLeftMargin" presStyleLbl="node1" presStyleIdx="0" presStyleCnt="5"/>
+      <dgm:prSet presAssocID="{68CDD154-F438-49AE-AED8-77DB9EC9D634}" presName="parentLeftMargin" presStyleLbl="node1" presStyleIdx="0" presStyleCnt="4"/>
       <dgm:spPr/>
       <dgm:t>
         <a:bodyPr/>
@@ -3600,7 +3552,7 @@
       </dgm:t>
     </dgm:pt>
     <dgm:pt modelId="{66C22AF7-7E37-41D2-944C-F904CFD2965B}" type="pres">
-      <dgm:prSet presAssocID="{68CDD154-F438-49AE-AED8-77DB9EC9D634}" presName="parentText" presStyleLbl="node1" presStyleIdx="1" presStyleCnt="5">
+      <dgm:prSet presAssocID="{68CDD154-F438-49AE-AED8-77DB9EC9D634}" presName="parentText" presStyleLbl="node1" presStyleIdx="1" presStyleCnt="4">
         <dgm:presLayoutVars>
           <dgm:chMax val="0"/>
           <dgm:bulletEnabled val="1"/>
@@ -3627,7 +3579,7 @@
       </dgm:t>
     </dgm:pt>
     <dgm:pt modelId="{F6B0ED51-C4BD-4727-BD27-53060818C439}" type="pres">
-      <dgm:prSet presAssocID="{68CDD154-F438-49AE-AED8-77DB9EC9D634}" presName="childText" presStyleLbl="conFgAcc1" presStyleIdx="1" presStyleCnt="5">
+      <dgm:prSet presAssocID="{68CDD154-F438-49AE-AED8-77DB9EC9D634}" presName="childText" presStyleLbl="conFgAcc1" presStyleIdx="1" presStyleCnt="4">
         <dgm:presLayoutVars>
           <dgm:bulletEnabled val="1"/>
         </dgm:presLayoutVars>
@@ -3664,7 +3616,7 @@
       </dgm:t>
     </dgm:pt>
     <dgm:pt modelId="{0BB3654B-9C6D-4A61-87CC-E802B5686BC1}" type="pres">
-      <dgm:prSet presAssocID="{89B52B6D-D82C-42B0-BE38-A3B3D68F9C27}" presName="parentLeftMargin" presStyleLbl="node1" presStyleIdx="1" presStyleCnt="5"/>
+      <dgm:prSet presAssocID="{89B52B6D-D82C-42B0-BE38-A3B3D68F9C27}" presName="parentLeftMargin" presStyleLbl="node1" presStyleIdx="1" presStyleCnt="4"/>
       <dgm:spPr/>
       <dgm:t>
         <a:bodyPr/>
@@ -3675,7 +3627,7 @@
       </dgm:t>
     </dgm:pt>
     <dgm:pt modelId="{FB899ED4-0995-40A2-A345-468203D60C81}" type="pres">
-      <dgm:prSet presAssocID="{89B52B6D-D82C-42B0-BE38-A3B3D68F9C27}" presName="parentText" presStyleLbl="node1" presStyleIdx="2" presStyleCnt="5">
+      <dgm:prSet presAssocID="{89B52B6D-D82C-42B0-BE38-A3B3D68F9C27}" presName="parentText" presStyleLbl="node1" presStyleIdx="2" presStyleCnt="4">
         <dgm:presLayoutVars>
           <dgm:chMax val="0"/>
           <dgm:bulletEnabled val="1"/>
@@ -3702,7 +3654,7 @@
       </dgm:t>
     </dgm:pt>
     <dgm:pt modelId="{6F1F44CC-2CF6-4D1F-9380-EB8B891F3B87}" type="pres">
-      <dgm:prSet presAssocID="{89B52B6D-D82C-42B0-BE38-A3B3D68F9C27}" presName="childText" presStyleLbl="conFgAcc1" presStyleIdx="2" presStyleCnt="5">
+      <dgm:prSet presAssocID="{89B52B6D-D82C-42B0-BE38-A3B3D68F9C27}" presName="childText" presStyleLbl="conFgAcc1" presStyleIdx="2" presStyleCnt="4">
         <dgm:presLayoutVars>
           <dgm:bulletEnabled val="1"/>
         </dgm:presLayoutVars>
@@ -3727,81 +3679,6 @@
         </a:p>
       </dgm:t>
     </dgm:pt>
-    <dgm:pt modelId="{D633A690-4C7E-41DE-AAB7-6D1D25518FAE}" type="pres">
-      <dgm:prSet presAssocID="{4209E399-DA0C-42D5-962A-8276C02AA8EC}" presName="parentLin" presStyleCnt="0"/>
-      <dgm:spPr/>
-      <dgm:t>
-        <a:bodyPr/>
-        <a:lstStyle/>
-        <a:p>
-          <a:endParaRPr lang="en-US"/>
-        </a:p>
-      </dgm:t>
-    </dgm:pt>
-    <dgm:pt modelId="{C6C87D8D-4034-4397-984C-9BF8EEE0A79B}" type="pres">
-      <dgm:prSet presAssocID="{4209E399-DA0C-42D5-962A-8276C02AA8EC}" presName="parentLeftMargin" presStyleLbl="node1" presStyleIdx="2" presStyleCnt="5"/>
-      <dgm:spPr/>
-      <dgm:t>
-        <a:bodyPr/>
-        <a:lstStyle/>
-        <a:p>
-          <a:endParaRPr lang="en-US"/>
-        </a:p>
-      </dgm:t>
-    </dgm:pt>
-    <dgm:pt modelId="{44B548FB-45D5-465C-AA05-763364E65BC9}" type="pres">
-      <dgm:prSet presAssocID="{4209E399-DA0C-42D5-962A-8276C02AA8EC}" presName="parentText" presStyleLbl="node1" presStyleIdx="3" presStyleCnt="5">
-        <dgm:presLayoutVars>
-          <dgm:chMax val="0"/>
-          <dgm:bulletEnabled val="1"/>
-        </dgm:presLayoutVars>
-      </dgm:prSet>
-      <dgm:spPr/>
-      <dgm:t>
-        <a:bodyPr/>
-        <a:lstStyle/>
-        <a:p>
-          <a:endParaRPr lang="en-US"/>
-        </a:p>
-      </dgm:t>
-    </dgm:pt>
-    <dgm:pt modelId="{2B688452-9676-4572-8FCC-7EBB2177883D}" type="pres">
-      <dgm:prSet presAssocID="{4209E399-DA0C-42D5-962A-8276C02AA8EC}" presName="negativeSpace" presStyleCnt="0"/>
-      <dgm:spPr/>
-      <dgm:t>
-        <a:bodyPr/>
-        <a:lstStyle/>
-        <a:p>
-          <a:endParaRPr lang="en-US"/>
-        </a:p>
-      </dgm:t>
-    </dgm:pt>
-    <dgm:pt modelId="{1B040495-5579-4301-BCA9-162DC725BE9B}" type="pres">
-      <dgm:prSet presAssocID="{4209E399-DA0C-42D5-962A-8276C02AA8EC}" presName="childText" presStyleLbl="conFgAcc1" presStyleIdx="3" presStyleCnt="5">
-        <dgm:presLayoutVars>
-          <dgm:bulletEnabled val="1"/>
-        </dgm:presLayoutVars>
-      </dgm:prSet>
-      <dgm:spPr/>
-      <dgm:t>
-        <a:bodyPr/>
-        <a:lstStyle/>
-        <a:p>
-          <a:endParaRPr lang="en-US"/>
-        </a:p>
-      </dgm:t>
-    </dgm:pt>
-    <dgm:pt modelId="{FA29502E-CFDF-46D5-838D-B163F0FB93F1}" type="pres">
-      <dgm:prSet presAssocID="{F7F538C6-58F2-4EB2-9D5A-112410F40135}" presName="spaceBetweenRectangles" presStyleCnt="0"/>
-      <dgm:spPr/>
-      <dgm:t>
-        <a:bodyPr/>
-        <a:lstStyle/>
-        <a:p>
-          <a:endParaRPr lang="en-US"/>
-        </a:p>
-      </dgm:t>
-    </dgm:pt>
     <dgm:pt modelId="{35976697-83B8-454B-ACE2-4571E527B678}" type="pres">
       <dgm:prSet presAssocID="{BF9A83B9-8111-4B78-8600-312D1688C140}" presName="parentLin" presStyleCnt="0"/>
       <dgm:spPr/>
@@ -3814,7 +3691,7 @@
       </dgm:t>
     </dgm:pt>
     <dgm:pt modelId="{8ED20E6A-F08F-4955-95AA-301A4ACB2F6E}" type="pres">
-      <dgm:prSet presAssocID="{BF9A83B9-8111-4B78-8600-312D1688C140}" presName="parentLeftMargin" presStyleLbl="node1" presStyleIdx="3" presStyleCnt="5"/>
+      <dgm:prSet presAssocID="{BF9A83B9-8111-4B78-8600-312D1688C140}" presName="parentLeftMargin" presStyleLbl="node1" presStyleIdx="2" presStyleCnt="4"/>
       <dgm:spPr/>
       <dgm:t>
         <a:bodyPr/>
@@ -3825,7 +3702,7 @@
       </dgm:t>
     </dgm:pt>
     <dgm:pt modelId="{25B48118-6B58-4064-9C50-F7B4852148FC}" type="pres">
-      <dgm:prSet presAssocID="{BF9A83B9-8111-4B78-8600-312D1688C140}" presName="parentText" presStyleLbl="node1" presStyleIdx="4" presStyleCnt="5">
+      <dgm:prSet presAssocID="{BF9A83B9-8111-4B78-8600-312D1688C140}" presName="parentText" presStyleLbl="node1" presStyleIdx="3" presStyleCnt="4">
         <dgm:presLayoutVars>
           <dgm:chMax val="0"/>
           <dgm:bulletEnabled val="1"/>
@@ -3852,7 +3729,7 @@
       </dgm:t>
     </dgm:pt>
     <dgm:pt modelId="{40AFF034-79FB-446D-A396-A1D78C5E83DA}" type="pres">
-      <dgm:prSet presAssocID="{BF9A83B9-8111-4B78-8600-312D1688C140}" presName="childText" presStyleLbl="conFgAcc1" presStyleIdx="4" presStyleCnt="5">
+      <dgm:prSet presAssocID="{BF9A83B9-8111-4B78-8600-312D1688C140}" presName="childText" presStyleLbl="conFgAcc1" presStyleIdx="3" presStyleCnt="4">
         <dgm:presLayoutVars>
           <dgm:bulletEnabled val="1"/>
         </dgm:presLayoutVars>
@@ -3868,22 +3745,19 @@
     </dgm:pt>
   </dgm:ptLst>
   <dgm:cxnLst>
+    <dgm:cxn modelId="{D6122ACD-1685-43B1-9C5B-E1326B60B129}" type="presOf" srcId="{EF1F78ED-E9D5-44E4-97D4-B3FEFD902986}" destId="{DD69F0F8-C7C4-4EF4-8C1C-51E0155113CE}" srcOrd="0" destOrd="0" presId="urn:microsoft.com/office/officeart/2005/8/layout/list1"/>
+    <dgm:cxn modelId="{FFD1B7FF-14F9-4CBB-8E58-FD9C5F7FEADE}" type="presOf" srcId="{68CDD154-F438-49AE-AED8-77DB9EC9D634}" destId="{66C22AF7-7E37-41D2-944C-F904CFD2965B}" srcOrd="1" destOrd="0" presId="urn:microsoft.com/office/officeart/2005/8/layout/list1"/>
+    <dgm:cxn modelId="{9797B96C-17EB-46FB-9167-2BD4C6C8E8B2}" type="presOf" srcId="{BF9A83B9-8111-4B78-8600-312D1688C140}" destId="{8ED20E6A-F08F-4955-95AA-301A4ACB2F6E}" srcOrd="0" destOrd="0" presId="urn:microsoft.com/office/officeart/2005/8/layout/list1"/>
     <dgm:cxn modelId="{A3C9F58B-A2EE-444B-90C0-FC02C3F66175}" type="presOf" srcId="{885613C5-7A76-4AA0-92F0-EEDD9B446661}" destId="{81666E97-5860-45F1-88A5-99FAA589A582}" srcOrd="0" destOrd="0" presId="urn:microsoft.com/office/officeart/2005/8/layout/list1"/>
-    <dgm:cxn modelId="{26E52850-E159-4B84-9BAE-D590FD1CD455}" type="presOf" srcId="{4209E399-DA0C-42D5-962A-8276C02AA8EC}" destId="{44B548FB-45D5-465C-AA05-763364E65BC9}" srcOrd="1" destOrd="0" presId="urn:microsoft.com/office/officeart/2005/8/layout/list1"/>
-    <dgm:cxn modelId="{FFD1B7FF-14F9-4CBB-8E58-FD9C5F7FEADE}" type="presOf" srcId="{68CDD154-F438-49AE-AED8-77DB9EC9D634}" destId="{66C22AF7-7E37-41D2-944C-F904CFD2965B}" srcOrd="1" destOrd="0" presId="urn:microsoft.com/office/officeart/2005/8/layout/list1"/>
-    <dgm:cxn modelId="{60E6AA33-A858-4310-A69D-E844E3184D77}" type="presOf" srcId="{4209E399-DA0C-42D5-962A-8276C02AA8EC}" destId="{C6C87D8D-4034-4397-984C-9BF8EEE0A79B}" srcOrd="0" destOrd="0" presId="urn:microsoft.com/office/officeart/2005/8/layout/list1"/>
-    <dgm:cxn modelId="{FDB03FEE-AFCB-4EB7-9D72-88B81A1DCBC1}" srcId="{EF1F78ED-E9D5-44E4-97D4-B3FEFD902986}" destId="{4209E399-DA0C-42D5-962A-8276C02AA8EC}" srcOrd="3" destOrd="0" parTransId="{7ED4465C-CF67-468F-ABD7-F54F46BB659F}" sibTransId="{F7F538C6-58F2-4EB2-9D5A-112410F40135}"/>
+    <dgm:cxn modelId="{F60FB540-C952-4949-8589-E734F5994257}" type="presOf" srcId="{89B52B6D-D82C-42B0-BE38-A3B3D68F9C27}" destId="{0BB3654B-9C6D-4A61-87CC-E802B5686BC1}" srcOrd="0" destOrd="0" presId="urn:microsoft.com/office/officeart/2005/8/layout/list1"/>
+    <dgm:cxn modelId="{CB57BA4F-ABA8-48A9-9D26-B1279D4664BC}" srcId="{EF1F78ED-E9D5-44E4-97D4-B3FEFD902986}" destId="{BF9A83B9-8111-4B78-8600-312D1688C140}" srcOrd="3" destOrd="0" parTransId="{8FA8D553-4648-4D63-9876-6E7449F8F18A}" sibTransId="{9D0571FA-F277-43A1-BCD9-ED2072122346}"/>
     <dgm:cxn modelId="{C99778AD-4EA2-413E-988E-63DB77468AE8}" srcId="{EF1F78ED-E9D5-44E4-97D4-B3FEFD902986}" destId="{68CDD154-F438-49AE-AED8-77DB9EC9D634}" srcOrd="1" destOrd="0" parTransId="{80147D89-2F73-4A3C-8D2E-F94C278F0084}" sibTransId="{8E8D4616-98CD-450E-B33D-2C9FC2B13B55}"/>
-    <dgm:cxn modelId="{F60FB540-C952-4949-8589-E734F5994257}" type="presOf" srcId="{89B52B6D-D82C-42B0-BE38-A3B3D68F9C27}" destId="{0BB3654B-9C6D-4A61-87CC-E802B5686BC1}" srcOrd="0" destOrd="0" presId="urn:microsoft.com/office/officeart/2005/8/layout/list1"/>
+    <dgm:cxn modelId="{EAD8F820-CBC1-48D7-A8A9-64A6FBEB2CD0}" type="presOf" srcId="{68CDD154-F438-49AE-AED8-77DB9EC9D634}" destId="{21C03DFF-8234-4BBD-95B9-2622D999B6CC}" srcOrd="0" destOrd="0" presId="urn:microsoft.com/office/officeart/2005/8/layout/list1"/>
     <dgm:cxn modelId="{04B3E604-C413-457E-B68C-5144C6DC9915}" srcId="{EF1F78ED-E9D5-44E4-97D4-B3FEFD902986}" destId="{89B52B6D-D82C-42B0-BE38-A3B3D68F9C27}" srcOrd="2" destOrd="0" parTransId="{A5642D67-0660-487A-A1E2-D092914AC2EB}" sibTransId="{86F3C531-528D-49DB-9EB7-8C6D718BDBE9}"/>
-    <dgm:cxn modelId="{EAD8F820-CBC1-48D7-A8A9-64A6FBEB2CD0}" type="presOf" srcId="{68CDD154-F438-49AE-AED8-77DB9EC9D634}" destId="{21C03DFF-8234-4BBD-95B9-2622D999B6CC}" srcOrd="0" destOrd="0" presId="urn:microsoft.com/office/officeart/2005/8/layout/list1"/>
+    <dgm:cxn modelId="{C9E4C59F-1A71-4E66-84D4-AE84CE96437F}" type="presOf" srcId="{885613C5-7A76-4AA0-92F0-EEDD9B446661}" destId="{E1A9A929-FEE8-4155-9F48-FAC5EE533310}" srcOrd="1" destOrd="0" presId="urn:microsoft.com/office/officeart/2005/8/layout/list1"/>
     <dgm:cxn modelId="{48EEECB1-3112-4C42-87DF-4BFE0EF38A24}" type="presOf" srcId="{BF9A83B9-8111-4B78-8600-312D1688C140}" destId="{25B48118-6B58-4064-9C50-F7B4852148FC}" srcOrd="1" destOrd="0" presId="urn:microsoft.com/office/officeart/2005/8/layout/list1"/>
-    <dgm:cxn modelId="{C9E4C59F-1A71-4E66-84D4-AE84CE96437F}" type="presOf" srcId="{885613C5-7A76-4AA0-92F0-EEDD9B446661}" destId="{E1A9A929-FEE8-4155-9F48-FAC5EE533310}" srcOrd="1" destOrd="0" presId="urn:microsoft.com/office/officeart/2005/8/layout/list1"/>
+    <dgm:cxn modelId="{41B59570-FE80-4E7F-9E79-0C4F1EE64B49}" srcId="{EF1F78ED-E9D5-44E4-97D4-B3FEFD902986}" destId="{885613C5-7A76-4AA0-92F0-EEDD9B446661}" srcOrd="0" destOrd="0" parTransId="{A964CD41-1FAB-4DC7-BFB1-8EFFD3ADEC73}" sibTransId="{6C21FB75-BC17-41CC-880D-0FB92EFFD8D8}"/>
     <dgm:cxn modelId="{8F58D411-B0D3-49B8-8DB2-4EA8C96091D5}" type="presOf" srcId="{89B52B6D-D82C-42B0-BE38-A3B3D68F9C27}" destId="{FB899ED4-0995-40A2-A345-468203D60C81}" srcOrd="1" destOrd="0" presId="urn:microsoft.com/office/officeart/2005/8/layout/list1"/>
-    <dgm:cxn modelId="{D6122ACD-1685-43B1-9C5B-E1326B60B129}" type="presOf" srcId="{EF1F78ED-E9D5-44E4-97D4-B3FEFD902986}" destId="{DD69F0F8-C7C4-4EF4-8C1C-51E0155113CE}" srcOrd="0" destOrd="0" presId="urn:microsoft.com/office/officeart/2005/8/layout/list1"/>
-    <dgm:cxn modelId="{CB57BA4F-ABA8-48A9-9D26-B1279D4664BC}" srcId="{EF1F78ED-E9D5-44E4-97D4-B3FEFD902986}" destId="{BF9A83B9-8111-4B78-8600-312D1688C140}" srcOrd="4" destOrd="0" parTransId="{8FA8D553-4648-4D63-9876-6E7449F8F18A}" sibTransId="{9D0571FA-F277-43A1-BCD9-ED2072122346}"/>
-    <dgm:cxn modelId="{41B59570-FE80-4E7F-9E79-0C4F1EE64B49}" srcId="{EF1F78ED-E9D5-44E4-97D4-B3FEFD902986}" destId="{885613C5-7A76-4AA0-92F0-EEDD9B446661}" srcOrd="0" destOrd="0" parTransId="{A964CD41-1FAB-4DC7-BFB1-8EFFD3ADEC73}" sibTransId="{6C21FB75-BC17-41CC-880D-0FB92EFFD8D8}"/>
-    <dgm:cxn modelId="{9797B96C-17EB-46FB-9167-2BD4C6C8E8B2}" type="presOf" srcId="{BF9A83B9-8111-4B78-8600-312D1688C140}" destId="{8ED20E6A-F08F-4955-95AA-301A4ACB2F6E}" srcOrd="0" destOrd="0" presId="urn:microsoft.com/office/officeart/2005/8/layout/list1"/>
     <dgm:cxn modelId="{FE8DE26B-BE19-4828-A822-C5FFD39F086C}" type="presParOf" srcId="{DD69F0F8-C7C4-4EF4-8C1C-51E0155113CE}" destId="{2AC9D863-F73C-450B-9D85-60B005DA622F}" srcOrd="0" destOrd="0" presId="urn:microsoft.com/office/officeart/2005/8/layout/list1"/>
     <dgm:cxn modelId="{D99899A1-5174-4AE1-B68C-888903C0F203}" type="presParOf" srcId="{2AC9D863-F73C-450B-9D85-60B005DA622F}" destId="{81666E97-5860-45F1-88A5-99FAA589A582}" srcOrd="0" destOrd="0" presId="urn:microsoft.com/office/officeart/2005/8/layout/list1"/>
     <dgm:cxn modelId="{8E54FAD1-7DFD-4CAB-B580-2BCDC72E2854}" type="presParOf" srcId="{2AC9D863-F73C-450B-9D85-60B005DA622F}" destId="{E1A9A929-FEE8-4155-9F48-FAC5EE533310}" srcOrd="1" destOrd="0" presId="urn:microsoft.com/office/officeart/2005/8/layout/list1"/>
@@ -3902,23 +3776,17 @@
     <dgm:cxn modelId="{CE1BFEF1-5320-473F-A412-377A99778960}" type="presParOf" srcId="{DD69F0F8-C7C4-4EF4-8C1C-51E0155113CE}" destId="{868AE5E0-B723-46BA-9B8A-7BDE27FDAC96}" srcOrd="9" destOrd="0" presId="urn:microsoft.com/office/officeart/2005/8/layout/list1"/>
     <dgm:cxn modelId="{95D26A03-5A76-4D36-8DA8-491C6DEAA077}" type="presParOf" srcId="{DD69F0F8-C7C4-4EF4-8C1C-51E0155113CE}" destId="{6F1F44CC-2CF6-4D1F-9380-EB8B891F3B87}" srcOrd="10" destOrd="0" presId="urn:microsoft.com/office/officeart/2005/8/layout/list1"/>
     <dgm:cxn modelId="{BB04518A-23A3-4323-B70E-19A204A379C5}" type="presParOf" srcId="{DD69F0F8-C7C4-4EF4-8C1C-51E0155113CE}" destId="{2830F6C9-0CD4-4CC1-B63C-B8212F78FF42}" srcOrd="11" destOrd="0" presId="urn:microsoft.com/office/officeart/2005/8/layout/list1"/>
-    <dgm:cxn modelId="{8B5A0B6E-DA0C-40C5-A13C-EFBF539D3593}" type="presParOf" srcId="{DD69F0F8-C7C4-4EF4-8C1C-51E0155113CE}" destId="{D633A690-4C7E-41DE-AAB7-6D1D25518FAE}" srcOrd="12" destOrd="0" presId="urn:microsoft.com/office/officeart/2005/8/layout/list1"/>
-    <dgm:cxn modelId="{077CC5B9-AAF8-4094-8CBC-79C6B869E65A}" type="presParOf" srcId="{D633A690-4C7E-41DE-AAB7-6D1D25518FAE}" destId="{C6C87D8D-4034-4397-984C-9BF8EEE0A79B}" srcOrd="0" destOrd="0" presId="urn:microsoft.com/office/officeart/2005/8/layout/list1"/>
-    <dgm:cxn modelId="{DD62B089-D0D7-4BA8-A45F-432E6793B209}" type="presParOf" srcId="{D633A690-4C7E-41DE-AAB7-6D1D25518FAE}" destId="{44B548FB-45D5-465C-AA05-763364E65BC9}" srcOrd="1" destOrd="0" presId="urn:microsoft.com/office/officeart/2005/8/layout/list1"/>
-    <dgm:cxn modelId="{8C584666-0C7B-4D9F-B5E4-825208D10A30}" type="presParOf" srcId="{DD69F0F8-C7C4-4EF4-8C1C-51E0155113CE}" destId="{2B688452-9676-4572-8FCC-7EBB2177883D}" srcOrd="13" destOrd="0" presId="urn:microsoft.com/office/officeart/2005/8/layout/list1"/>
-    <dgm:cxn modelId="{CF55FA1F-69C7-40B3-8018-DA90868607E4}" type="presParOf" srcId="{DD69F0F8-C7C4-4EF4-8C1C-51E0155113CE}" destId="{1B040495-5579-4301-BCA9-162DC725BE9B}" srcOrd="14" destOrd="0" presId="urn:microsoft.com/office/officeart/2005/8/layout/list1"/>
-    <dgm:cxn modelId="{ED6D56B3-BE4F-4AD0-BF3D-272980B0E964}" type="presParOf" srcId="{DD69F0F8-C7C4-4EF4-8C1C-51E0155113CE}" destId="{FA29502E-CFDF-46D5-838D-B163F0FB93F1}" srcOrd="15" destOrd="0" presId="urn:microsoft.com/office/officeart/2005/8/layout/list1"/>
-    <dgm:cxn modelId="{B1B149B0-7774-4B98-A0DD-68B8E1155146}" type="presParOf" srcId="{DD69F0F8-C7C4-4EF4-8C1C-51E0155113CE}" destId="{35976697-83B8-454B-ACE2-4571E527B678}" srcOrd="16" destOrd="0" presId="urn:microsoft.com/office/officeart/2005/8/layout/list1"/>
+    <dgm:cxn modelId="{B1B149B0-7774-4B98-A0DD-68B8E1155146}" type="presParOf" srcId="{DD69F0F8-C7C4-4EF4-8C1C-51E0155113CE}" destId="{35976697-83B8-454B-ACE2-4571E527B678}" srcOrd="12" destOrd="0" presId="urn:microsoft.com/office/officeart/2005/8/layout/list1"/>
     <dgm:cxn modelId="{171F3A33-68D9-420F-9A4E-29619858DD7F}" type="presParOf" srcId="{35976697-83B8-454B-ACE2-4571E527B678}" destId="{8ED20E6A-F08F-4955-95AA-301A4ACB2F6E}" srcOrd="0" destOrd="0" presId="urn:microsoft.com/office/officeart/2005/8/layout/list1"/>
     <dgm:cxn modelId="{F926DDEC-3E78-4C1E-9BE6-1855A314CDA3}" type="presParOf" srcId="{35976697-83B8-454B-ACE2-4571E527B678}" destId="{25B48118-6B58-4064-9C50-F7B4852148FC}" srcOrd="1" destOrd="0" presId="urn:microsoft.com/office/officeart/2005/8/layout/list1"/>
-    <dgm:cxn modelId="{F401E6A0-DA35-425F-825F-D98826F60590}" type="presParOf" srcId="{DD69F0F8-C7C4-4EF4-8C1C-51E0155113CE}" destId="{8C709240-4DF1-42AB-B93B-B126A518580F}" srcOrd="17" destOrd="0" presId="urn:microsoft.com/office/officeart/2005/8/layout/list1"/>
-    <dgm:cxn modelId="{600ACC10-E972-4FE0-AD08-7D4B1FE76A6E}" type="presParOf" srcId="{DD69F0F8-C7C4-4EF4-8C1C-51E0155113CE}" destId="{40AFF034-79FB-446D-A396-A1D78C5E83DA}" srcOrd="18" destOrd="0" presId="urn:microsoft.com/office/officeart/2005/8/layout/list1"/>
+    <dgm:cxn modelId="{F401E6A0-DA35-425F-825F-D98826F60590}" type="presParOf" srcId="{DD69F0F8-C7C4-4EF4-8C1C-51E0155113CE}" destId="{8C709240-4DF1-42AB-B93B-B126A518580F}" srcOrd="13" destOrd="0" presId="urn:microsoft.com/office/officeart/2005/8/layout/list1"/>
+    <dgm:cxn modelId="{600ACC10-E972-4FE0-AD08-7D4B1FE76A6E}" type="presParOf" srcId="{DD69F0F8-C7C4-4EF4-8C1C-51E0155113CE}" destId="{40AFF034-79FB-446D-A396-A1D78C5E83DA}" srcOrd="14" destOrd="0" presId="urn:microsoft.com/office/officeart/2005/8/layout/list1"/>
   </dgm:cxnLst>
   <dgm:bg/>
   <dgm:whole/>
   <dgm:extLst>
     <a:ext uri="http://schemas.microsoft.com/office/drawing/2008/diagram">
-      <dsp:dataModelExt xmlns:dsp="http://schemas.microsoft.com/office/drawing/2008/diagram" xmlns="" relId="rId6" minVer="http://schemas.openxmlformats.org/drawingml/2006/diagram"/>
+      <dsp:dataModelExt xmlns:dsp="http://schemas.microsoft.com/office/drawing/2008/diagram" relId="rId6" minVer="http://schemas.openxmlformats.org/drawingml/2006/diagram"/>
     </a:ext>
   </dgm:extLst>
 </dgm:dataModel>
@@ -4149,17 +4017,17 @@
     </dgm:pt>
   </dgm:ptLst>
   <dgm:cxnLst>
+    <dgm:cxn modelId="{0F92CF51-8E61-460B-8E99-6FCFD7D21AC4}" type="presOf" srcId="{3ED2506A-D607-4A12-8A50-AC72420F3F00}" destId="{715D256F-02F7-4191-B84E-3A4C6CD8FFC5}" srcOrd="0" destOrd="0" presId="urn:microsoft.com/office/officeart/2005/8/layout/process2"/>
+    <dgm:cxn modelId="{8181B420-CCBA-47B0-99DB-8B0F75FCFC67}" type="presOf" srcId="{50A8F3E4-F51A-4E67-BB1C-EFC8155DD776}" destId="{5EF98626-1B98-4F0E-B74A-248A9D343D4B}" srcOrd="1" destOrd="0" presId="urn:microsoft.com/office/officeart/2005/8/layout/process2"/>
+    <dgm:cxn modelId="{B5133DE3-4354-4D03-B7CF-D23477E96DD9}" srcId="{DC9B3652-DE2A-4335-B0FB-3045EDEEA6A8}" destId="{8CAA25DF-3B38-443D-A48F-CCAB7142450C}" srcOrd="2" destOrd="0" parTransId="{4BD1F383-75F3-4570-947F-2F89081482BF}" sibTransId="{186EB40E-0379-4173-8900-E632C05B1B0B}"/>
+    <dgm:cxn modelId="{442EB815-09F3-4564-824E-AF9A49E81176}" srcId="{DC9B3652-DE2A-4335-B0FB-3045EDEEA6A8}" destId="{0E522B13-F764-4BC6-83A0-CA4F5944C6E0}" srcOrd="1" destOrd="0" parTransId="{D0C64C9C-06C7-4696-B64E-72EB6765D37D}" sibTransId="{B7FC2DBC-2209-4B52-A6BB-A5B96B108E97}"/>
+    <dgm:cxn modelId="{E8BC3270-1B78-42AA-98F0-9309B2A170EE}" type="presOf" srcId="{8CAA25DF-3B38-443D-A48F-CCAB7142450C}" destId="{4DA5EE49-8168-4D22-9537-7BE4A3708548}" srcOrd="0" destOrd="0" presId="urn:microsoft.com/office/officeart/2005/8/layout/process2"/>
     <dgm:cxn modelId="{F18AB1FE-0025-496D-BE04-40DF17B8D59D}" type="presOf" srcId="{DC9B3652-DE2A-4335-B0FB-3045EDEEA6A8}" destId="{40A287E9-C42B-4334-9643-572CE6DD897B}" srcOrd="0" destOrd="0" presId="urn:microsoft.com/office/officeart/2005/8/layout/process2"/>
+    <dgm:cxn modelId="{801EFD6F-FC26-4BA6-AA03-29FB41AE3CC1}" type="presOf" srcId="{B7FC2DBC-2209-4B52-A6BB-A5B96B108E97}" destId="{D7B61D4E-81AD-4336-8A85-CB458552E574}" srcOrd="1" destOrd="0" presId="urn:microsoft.com/office/officeart/2005/8/layout/process2"/>
+    <dgm:cxn modelId="{1E76EC3B-6F04-4B8F-9B08-F745AF155804}" type="presOf" srcId="{B7FC2DBC-2209-4B52-A6BB-A5B96B108E97}" destId="{30F2A522-5361-42FD-BDF3-9AAF9B6E48CD}" srcOrd="0" destOrd="0" presId="urn:microsoft.com/office/officeart/2005/8/layout/process2"/>
+    <dgm:cxn modelId="{B120A2B9-9B85-406D-954D-6713BD88FF5C}" srcId="{DC9B3652-DE2A-4335-B0FB-3045EDEEA6A8}" destId="{3ED2506A-D607-4A12-8A50-AC72420F3F00}" srcOrd="0" destOrd="0" parTransId="{E8D3A7A7-32F7-4A63-91CB-C04C53F7C046}" sibTransId="{50A8F3E4-F51A-4E67-BB1C-EFC8155DD776}"/>
+    <dgm:cxn modelId="{BAA27956-6A5E-4829-BFFD-6D60B13C8EAC}" type="presOf" srcId="{0E522B13-F764-4BC6-83A0-CA4F5944C6E0}" destId="{BFBD83CE-AD3D-4B36-AFD4-F505FE96449E}" srcOrd="0" destOrd="0" presId="urn:microsoft.com/office/officeart/2005/8/layout/process2"/>
     <dgm:cxn modelId="{5BC899BC-FAF8-41E4-9EA1-66AA57398186}" type="presOf" srcId="{50A8F3E4-F51A-4E67-BB1C-EFC8155DD776}" destId="{C5BE00BD-745C-43E7-912B-9157D7920E0A}" srcOrd="0" destOrd="0" presId="urn:microsoft.com/office/officeart/2005/8/layout/process2"/>
-    <dgm:cxn modelId="{0F92CF51-8E61-460B-8E99-6FCFD7D21AC4}" type="presOf" srcId="{3ED2506A-D607-4A12-8A50-AC72420F3F00}" destId="{715D256F-02F7-4191-B84E-3A4C6CD8FFC5}" srcOrd="0" destOrd="0" presId="urn:microsoft.com/office/officeart/2005/8/layout/process2"/>
-    <dgm:cxn modelId="{BAA27956-6A5E-4829-BFFD-6D60B13C8EAC}" type="presOf" srcId="{0E522B13-F764-4BC6-83A0-CA4F5944C6E0}" destId="{BFBD83CE-AD3D-4B36-AFD4-F505FE96449E}" srcOrd="0" destOrd="0" presId="urn:microsoft.com/office/officeart/2005/8/layout/process2"/>
-    <dgm:cxn modelId="{E8BC3270-1B78-42AA-98F0-9309B2A170EE}" type="presOf" srcId="{8CAA25DF-3B38-443D-A48F-CCAB7142450C}" destId="{4DA5EE49-8168-4D22-9537-7BE4A3708548}" srcOrd="0" destOrd="0" presId="urn:microsoft.com/office/officeart/2005/8/layout/process2"/>
-    <dgm:cxn modelId="{B120A2B9-9B85-406D-954D-6713BD88FF5C}" srcId="{DC9B3652-DE2A-4335-B0FB-3045EDEEA6A8}" destId="{3ED2506A-D607-4A12-8A50-AC72420F3F00}" srcOrd="0" destOrd="0" parTransId="{E8D3A7A7-32F7-4A63-91CB-C04C53F7C046}" sibTransId="{50A8F3E4-F51A-4E67-BB1C-EFC8155DD776}"/>
-    <dgm:cxn modelId="{442EB815-09F3-4564-824E-AF9A49E81176}" srcId="{DC9B3652-DE2A-4335-B0FB-3045EDEEA6A8}" destId="{0E522B13-F764-4BC6-83A0-CA4F5944C6E0}" srcOrd="1" destOrd="0" parTransId="{D0C64C9C-06C7-4696-B64E-72EB6765D37D}" sibTransId="{B7FC2DBC-2209-4B52-A6BB-A5B96B108E97}"/>
-    <dgm:cxn modelId="{B5133DE3-4354-4D03-B7CF-D23477E96DD9}" srcId="{DC9B3652-DE2A-4335-B0FB-3045EDEEA6A8}" destId="{8CAA25DF-3B38-443D-A48F-CCAB7142450C}" srcOrd="2" destOrd="0" parTransId="{4BD1F383-75F3-4570-947F-2F89081482BF}" sibTransId="{186EB40E-0379-4173-8900-E632C05B1B0B}"/>
-    <dgm:cxn modelId="{1E76EC3B-6F04-4B8F-9B08-F745AF155804}" type="presOf" srcId="{B7FC2DBC-2209-4B52-A6BB-A5B96B108E97}" destId="{30F2A522-5361-42FD-BDF3-9AAF9B6E48CD}" srcOrd="0" destOrd="0" presId="urn:microsoft.com/office/officeart/2005/8/layout/process2"/>
-    <dgm:cxn modelId="{8181B420-CCBA-47B0-99DB-8B0F75FCFC67}" type="presOf" srcId="{50A8F3E4-F51A-4E67-BB1C-EFC8155DD776}" destId="{5EF98626-1B98-4F0E-B74A-248A9D343D4B}" srcOrd="1" destOrd="0" presId="urn:microsoft.com/office/officeart/2005/8/layout/process2"/>
-    <dgm:cxn modelId="{801EFD6F-FC26-4BA6-AA03-29FB41AE3CC1}" type="presOf" srcId="{B7FC2DBC-2209-4B52-A6BB-A5B96B108E97}" destId="{D7B61D4E-81AD-4336-8A85-CB458552E574}" srcOrd="1" destOrd="0" presId="urn:microsoft.com/office/officeart/2005/8/layout/process2"/>
     <dgm:cxn modelId="{08C7413F-9BBB-42CA-B81C-A9C03F1F5B27}" type="presParOf" srcId="{40A287E9-C42B-4334-9643-572CE6DD897B}" destId="{715D256F-02F7-4191-B84E-3A4C6CD8FFC5}" srcOrd="0" destOrd="0" presId="urn:microsoft.com/office/officeart/2005/8/layout/process2"/>
     <dgm:cxn modelId="{990F8155-4613-4776-AD5A-E5F243E154A7}" type="presParOf" srcId="{40A287E9-C42B-4334-9643-572CE6DD897B}" destId="{C5BE00BD-745C-43E7-912B-9157D7920E0A}" srcOrd="1" destOrd="0" presId="urn:microsoft.com/office/officeart/2005/8/layout/process2"/>
     <dgm:cxn modelId="{543C2B9E-731F-4B2F-B780-7C67A2CFC07B}" type="presParOf" srcId="{C5BE00BD-745C-43E7-912B-9157D7920E0A}" destId="{5EF98626-1B98-4F0E-B74A-248A9D343D4B}" srcOrd="0" destOrd="0" presId="urn:microsoft.com/office/officeart/2005/8/layout/process2"/>
@@ -4172,7 +4040,7 @@
   <dgm:whole/>
   <dgm:extLst>
     <a:ext uri="http://schemas.microsoft.com/office/drawing/2008/diagram">
-      <dsp:dataModelExt xmlns:dsp="http://schemas.microsoft.com/office/drawing/2008/diagram" xmlns="" relId="rId6" minVer="http://schemas.openxmlformats.org/drawingml/2006/diagram"/>
+      <dsp:dataModelExt xmlns:dsp="http://schemas.microsoft.com/office/drawing/2008/diagram" relId="rId6" minVer="http://schemas.openxmlformats.org/drawingml/2006/diagram"/>
     </a:ext>
   </dgm:extLst>
 </dgm:dataModel>
@@ -4476,20 +4344,20 @@
   </dgm:ptLst>
   <dgm:cxnLst>
     <dgm:cxn modelId="{FCD099FA-4F06-4275-9DF4-7552D29FA9CB}" type="presOf" srcId="{3ED2506A-D607-4A12-8A50-AC72420F3F00}" destId="{715D256F-02F7-4191-B84E-3A4C6CD8FFC5}" srcOrd="0" destOrd="0" presId="urn:microsoft.com/office/officeart/2005/8/layout/process2"/>
+    <dgm:cxn modelId="{3674EAE9-5C2E-4F0D-9BE7-5234E85DC312}" type="presOf" srcId="{8CAA25DF-3B38-443D-A48F-CCAB7142450C}" destId="{4DA5EE49-8168-4D22-9537-7BE4A3708548}" srcOrd="0" destOrd="0" presId="urn:microsoft.com/office/officeart/2005/8/layout/process2"/>
     <dgm:cxn modelId="{1417121F-BF3C-49F7-91CD-28895F1A9C54}" type="presOf" srcId="{50A8F3E4-F51A-4E67-BB1C-EFC8155DD776}" destId="{5EF98626-1B98-4F0E-B74A-248A9D343D4B}" srcOrd="1" destOrd="0" presId="urn:microsoft.com/office/officeart/2005/8/layout/process2"/>
-    <dgm:cxn modelId="{FD02D3B5-4382-4110-B6E3-38F56D702F7F}" type="presOf" srcId="{186EB40E-0379-4173-8900-E632C05B1B0B}" destId="{B95826F5-EC8D-4A7F-8A27-E8AB981A9383}" srcOrd="1" destOrd="0" presId="urn:microsoft.com/office/officeart/2005/8/layout/process2"/>
-    <dgm:cxn modelId="{6811263B-3ADE-4806-BEED-B5669D3BD03F}" type="presOf" srcId="{50A8F3E4-F51A-4E67-BB1C-EFC8155DD776}" destId="{C5BE00BD-745C-43E7-912B-9157D7920E0A}" srcOrd="0" destOrd="0" presId="urn:microsoft.com/office/officeart/2005/8/layout/process2"/>
     <dgm:cxn modelId="{3A49BE87-DDE8-4117-90E1-4D1F43716916}" type="presOf" srcId="{B7FC2DBC-2209-4B52-A6BB-A5B96B108E97}" destId="{30F2A522-5361-42FD-BDF3-9AAF9B6E48CD}" srcOrd="0" destOrd="0" presId="urn:microsoft.com/office/officeart/2005/8/layout/process2"/>
     <dgm:cxn modelId="{AE85E0F8-3E84-4834-ACE2-FEF364977D56}" srcId="{DC9B3652-DE2A-4335-B0FB-3045EDEEA6A8}" destId="{F9D03C1F-FCD3-47EE-8DD0-0D1606D84F14}" srcOrd="3" destOrd="0" parTransId="{9873DB66-AF3B-4D25-B308-EBD2C0797D8B}" sibTransId="{53717F26-050D-4185-9F29-62773EF64F6B}"/>
     <dgm:cxn modelId="{57875DBF-32A5-4055-B5DD-2D37F8209E9F}" type="presOf" srcId="{F9D03C1F-FCD3-47EE-8DD0-0D1606D84F14}" destId="{AE75F7EB-863A-409D-A3CE-B00CBC7A14AA}" srcOrd="0" destOrd="0" presId="urn:microsoft.com/office/officeart/2005/8/layout/process2"/>
-    <dgm:cxn modelId="{3674EAE9-5C2E-4F0D-9BE7-5234E85DC312}" type="presOf" srcId="{8CAA25DF-3B38-443D-A48F-CCAB7142450C}" destId="{4DA5EE49-8168-4D22-9537-7BE4A3708548}" srcOrd="0" destOrd="0" presId="urn:microsoft.com/office/officeart/2005/8/layout/process2"/>
+    <dgm:cxn modelId="{FD02D3B5-4382-4110-B6E3-38F56D702F7F}" type="presOf" srcId="{186EB40E-0379-4173-8900-E632C05B1B0B}" destId="{B95826F5-EC8D-4A7F-8A27-E8AB981A9383}" srcOrd="1" destOrd="0" presId="urn:microsoft.com/office/officeart/2005/8/layout/process2"/>
+    <dgm:cxn modelId="{B5133DE3-4354-4D03-B7CF-D23477E96DD9}" srcId="{DC9B3652-DE2A-4335-B0FB-3045EDEEA6A8}" destId="{8CAA25DF-3B38-443D-A48F-CCAB7142450C}" srcOrd="2" destOrd="0" parTransId="{4BD1F383-75F3-4570-947F-2F89081482BF}" sibTransId="{186EB40E-0379-4173-8900-E632C05B1B0B}"/>
+    <dgm:cxn modelId="{1F632DDF-2108-42D1-8F30-E4933BE2547B}" type="presOf" srcId="{DC9B3652-DE2A-4335-B0FB-3045EDEEA6A8}" destId="{40A287E9-C42B-4334-9643-572CE6DD897B}" srcOrd="0" destOrd="0" presId="urn:microsoft.com/office/officeart/2005/8/layout/process2"/>
+    <dgm:cxn modelId="{442EB815-09F3-4564-824E-AF9A49E81176}" srcId="{DC9B3652-DE2A-4335-B0FB-3045EDEEA6A8}" destId="{0E522B13-F764-4BC6-83A0-CA4F5944C6E0}" srcOrd="1" destOrd="0" parTransId="{D0C64C9C-06C7-4696-B64E-72EB6765D37D}" sibTransId="{B7FC2DBC-2209-4B52-A6BB-A5B96B108E97}"/>
+    <dgm:cxn modelId="{25EFED14-9170-49F6-B528-DAADC8ECC110}" type="presOf" srcId="{186EB40E-0379-4173-8900-E632C05B1B0B}" destId="{7876155E-F8DD-4EF2-AD82-9C7F7224B37D}" srcOrd="0" destOrd="0" presId="urn:microsoft.com/office/officeart/2005/8/layout/process2"/>
     <dgm:cxn modelId="{B120A2B9-9B85-406D-954D-6713BD88FF5C}" srcId="{DC9B3652-DE2A-4335-B0FB-3045EDEEA6A8}" destId="{3ED2506A-D607-4A12-8A50-AC72420F3F00}" srcOrd="0" destOrd="0" parTransId="{E8D3A7A7-32F7-4A63-91CB-C04C53F7C046}" sibTransId="{50A8F3E4-F51A-4E67-BB1C-EFC8155DD776}"/>
-    <dgm:cxn modelId="{1F632DDF-2108-42D1-8F30-E4933BE2547B}" type="presOf" srcId="{DC9B3652-DE2A-4335-B0FB-3045EDEEA6A8}" destId="{40A287E9-C42B-4334-9643-572CE6DD897B}" srcOrd="0" destOrd="0" presId="urn:microsoft.com/office/officeart/2005/8/layout/process2"/>
-    <dgm:cxn modelId="{B5133DE3-4354-4D03-B7CF-D23477E96DD9}" srcId="{DC9B3652-DE2A-4335-B0FB-3045EDEEA6A8}" destId="{8CAA25DF-3B38-443D-A48F-CCAB7142450C}" srcOrd="2" destOrd="0" parTransId="{4BD1F383-75F3-4570-947F-2F89081482BF}" sibTransId="{186EB40E-0379-4173-8900-E632C05B1B0B}"/>
-    <dgm:cxn modelId="{25EFED14-9170-49F6-B528-DAADC8ECC110}" type="presOf" srcId="{186EB40E-0379-4173-8900-E632C05B1B0B}" destId="{7876155E-F8DD-4EF2-AD82-9C7F7224B37D}" srcOrd="0" destOrd="0" presId="urn:microsoft.com/office/officeart/2005/8/layout/process2"/>
-    <dgm:cxn modelId="{442EB815-09F3-4564-824E-AF9A49E81176}" srcId="{DC9B3652-DE2A-4335-B0FB-3045EDEEA6A8}" destId="{0E522B13-F764-4BC6-83A0-CA4F5944C6E0}" srcOrd="1" destOrd="0" parTransId="{D0C64C9C-06C7-4696-B64E-72EB6765D37D}" sibTransId="{B7FC2DBC-2209-4B52-A6BB-A5B96B108E97}"/>
+    <dgm:cxn modelId="{C028BE47-A9CE-4C17-A602-3B095B3FB67D}" type="presOf" srcId="{0E522B13-F764-4BC6-83A0-CA4F5944C6E0}" destId="{BFBD83CE-AD3D-4B36-AFD4-F505FE96449E}" srcOrd="0" destOrd="0" presId="urn:microsoft.com/office/officeart/2005/8/layout/process2"/>
+    <dgm:cxn modelId="{6811263B-3ADE-4806-BEED-B5669D3BD03F}" type="presOf" srcId="{50A8F3E4-F51A-4E67-BB1C-EFC8155DD776}" destId="{C5BE00BD-745C-43E7-912B-9157D7920E0A}" srcOrd="0" destOrd="0" presId="urn:microsoft.com/office/officeart/2005/8/layout/process2"/>
     <dgm:cxn modelId="{AEECC6F0-8467-4F89-8B15-DD935CF58F61}" type="presOf" srcId="{B7FC2DBC-2209-4B52-A6BB-A5B96B108E97}" destId="{D7B61D4E-81AD-4336-8A85-CB458552E574}" srcOrd="1" destOrd="0" presId="urn:microsoft.com/office/officeart/2005/8/layout/process2"/>
-    <dgm:cxn modelId="{C028BE47-A9CE-4C17-A602-3B095B3FB67D}" type="presOf" srcId="{0E522B13-F764-4BC6-83A0-CA4F5944C6E0}" destId="{BFBD83CE-AD3D-4B36-AFD4-F505FE96449E}" srcOrd="0" destOrd="0" presId="urn:microsoft.com/office/officeart/2005/8/layout/process2"/>
     <dgm:cxn modelId="{122CEEBD-C34A-4231-B9CB-A3E1F536048E}" type="presParOf" srcId="{40A287E9-C42B-4334-9643-572CE6DD897B}" destId="{715D256F-02F7-4191-B84E-3A4C6CD8FFC5}" srcOrd="0" destOrd="0" presId="urn:microsoft.com/office/officeart/2005/8/layout/process2"/>
     <dgm:cxn modelId="{F5362749-61C6-45FF-A9EB-47247277E8DC}" type="presParOf" srcId="{40A287E9-C42B-4334-9643-572CE6DD897B}" destId="{C5BE00BD-745C-43E7-912B-9157D7920E0A}" srcOrd="1" destOrd="0" presId="urn:microsoft.com/office/officeart/2005/8/layout/process2"/>
     <dgm:cxn modelId="{3890D6AB-0335-43DB-970C-C41282978FDA}" type="presParOf" srcId="{C5BE00BD-745C-43E7-912B-9157D7920E0A}" destId="{5EF98626-1B98-4F0E-B74A-248A9D343D4B}" srcOrd="0" destOrd="0" presId="urn:microsoft.com/office/officeart/2005/8/layout/process2"/>
@@ -4505,7 +4373,7 @@
   <dgm:whole/>
   <dgm:extLst>
     <a:ext uri="http://schemas.microsoft.com/office/drawing/2008/diagram">
-      <dsp:dataModelExt xmlns:dsp="http://schemas.microsoft.com/office/drawing/2008/diagram" xmlns="" relId="rId11" minVer="http://schemas.openxmlformats.org/drawingml/2006/diagram"/>
+      <dsp:dataModelExt xmlns:dsp="http://schemas.microsoft.com/office/drawing/2008/diagram" relId="rId11" minVer="http://schemas.openxmlformats.org/drawingml/2006/diagram"/>
     </a:ext>
   </dgm:extLst>
 </dgm:dataModel>
@@ -4591,14 +4459,14 @@
   <dgm:whole/>
   <dgm:extLst>
     <a:ext uri="http://schemas.microsoft.com/office/drawing/2008/diagram">
-      <dsp:dataModelExt xmlns:dsp="http://schemas.microsoft.com/office/drawing/2008/diagram" xmlns="" relId="rId16" minVer="http://schemas.openxmlformats.org/drawingml/2006/diagram"/>
+      <dsp:dataModelExt xmlns:dsp="http://schemas.microsoft.com/office/drawing/2008/diagram" relId="rId16" minVer="http://schemas.openxmlformats.org/drawingml/2006/diagram"/>
     </a:ext>
   </dgm:extLst>
 </dgm:dataModel>
 </file>
 
 <file path=ppt/diagrams/drawing1.xml><?xml version="1.0" encoding="utf-8"?>
-<dsp:drawing xmlns:dgm="http://schemas.openxmlformats.org/drawingml/2006/diagram" xmlns:a="http://schemas.openxmlformats.org/drawingml/2006/main" xmlns:dsp="http://schemas.microsoft.com/office/drawing/2008/diagram">
+<dsp:drawing xmlns:dgm="http://schemas.openxmlformats.org/drawingml/2006/diagram" xmlns:dsp="http://schemas.microsoft.com/office/drawing/2008/diagram" xmlns:a="http://schemas.openxmlformats.org/drawingml/2006/main">
   <dsp:spTree>
     <dsp:nvGrpSpPr>
       <dsp:cNvPr id="0" name=""/>
@@ -4612,8 +4480,8 @@
       </dsp:nvSpPr>
       <dsp:spPr>
         <a:xfrm>
-          <a:off x="0" y="254451"/>
-          <a:ext cx="7467600" cy="302400"/>
+          <a:off x="0" y="306831"/>
+          <a:ext cx="7467600" cy="378000"/>
         </a:xfrm>
         <a:prstGeom prst="rect">
           <a:avLst/>
@@ -4660,8 +4528,8 @@
       </dsp:nvSpPr>
       <dsp:spPr>
         <a:xfrm>
-          <a:off x="373380" y="77331"/>
-          <a:ext cx="5227320" cy="354240"/>
+          <a:off x="373380" y="85431"/>
+          <a:ext cx="5227320" cy="442800"/>
         </a:xfrm>
         <a:prstGeom prst="roundRect">
           <a:avLst/>
@@ -4764,8 +4632,8 @@
         </a:p>
       </dsp:txBody>
       <dsp:txXfrm>
-        <a:off x="373380" y="77331"/>
-        <a:ext cx="5227320" cy="354240"/>
+        <a:off x="394996" y="107047"/>
+        <a:ext cx="5184088" cy="399568"/>
       </dsp:txXfrm>
     </dsp:sp>
     <dsp:sp modelId="{F6B0ED51-C4BD-4727-BD27-53060818C439}">
@@ -4775,8 +4643,8 @@
       </dsp:nvSpPr>
       <dsp:spPr>
         <a:xfrm>
-          <a:off x="0" y="798771"/>
-          <a:ext cx="7467600" cy="302400"/>
+          <a:off x="0" y="987231"/>
+          <a:ext cx="7467600" cy="378000"/>
         </a:xfrm>
         <a:prstGeom prst="rect">
           <a:avLst/>
@@ -4823,8 +4691,8 @@
       </dsp:nvSpPr>
       <dsp:spPr>
         <a:xfrm>
-          <a:off x="373380" y="621651"/>
-          <a:ext cx="5227320" cy="354240"/>
+          <a:off x="373380" y="765831"/>
+          <a:ext cx="5227320" cy="442800"/>
         </a:xfrm>
         <a:prstGeom prst="roundRect">
           <a:avLst/>
@@ -4918,7 +4786,14 @@
               <a:ln/>
               <a:effectLst/>
             </a:rPr>
-            <a:t>Staff Management</a:t>
+            <a:t>Certificate </a:t>
+          </a:r>
+          <a:r>
+            <a:rPr lang="en-US" sz="1600" b="1" kern="1200" cap="none" spc="0" dirty="0" smtClean="0">
+              <a:ln/>
+              <a:effectLst/>
+            </a:rPr>
+            <a:t>Management</a:t>
           </a:r>
           <a:endParaRPr lang="en-US" sz="1600" b="1" kern="1200" cap="none" spc="0" dirty="0">
             <a:ln/>
@@ -4927,8 +4802,8 @@
         </a:p>
       </dsp:txBody>
       <dsp:txXfrm>
-        <a:off x="373380" y="621651"/>
-        <a:ext cx="5227320" cy="354240"/>
+        <a:off x="394996" y="787447"/>
+        <a:ext cx="5184088" cy="399568"/>
       </dsp:txXfrm>
     </dsp:sp>
     <dsp:sp modelId="{6F1F44CC-2CF6-4D1F-9380-EB8B891F3B87}">
@@ -4938,8 +4813,8 @@
       </dsp:nvSpPr>
       <dsp:spPr>
         <a:xfrm>
-          <a:off x="0" y="1343091"/>
-          <a:ext cx="7467600" cy="302400"/>
+          <a:off x="0" y="1667631"/>
+          <a:ext cx="7467600" cy="378000"/>
         </a:xfrm>
         <a:prstGeom prst="rect">
           <a:avLst/>
@@ -4986,8 +4861,8 @@
       </dsp:nvSpPr>
       <dsp:spPr>
         <a:xfrm>
-          <a:off x="373380" y="1165971"/>
-          <a:ext cx="5227320" cy="354240"/>
+          <a:off x="373380" y="1446231"/>
+          <a:ext cx="5227320" cy="442800"/>
         </a:xfrm>
         <a:prstGeom prst="roundRect">
           <a:avLst/>
@@ -5090,171 +4965,8 @@
         </a:p>
       </dsp:txBody>
       <dsp:txXfrm>
-        <a:off x="373380" y="1165971"/>
-        <a:ext cx="5227320" cy="354240"/>
-      </dsp:txXfrm>
-    </dsp:sp>
-    <dsp:sp modelId="{1B040495-5579-4301-BCA9-162DC725BE9B}">
-      <dsp:nvSpPr>
-        <dsp:cNvPr id="0" name=""/>
-        <dsp:cNvSpPr/>
-      </dsp:nvSpPr>
-      <dsp:spPr>
-        <a:xfrm>
-          <a:off x="0" y="1887411"/>
-          <a:ext cx="7467600" cy="302400"/>
-        </a:xfrm>
-        <a:prstGeom prst="rect">
-          <a:avLst/>
-        </a:prstGeom>
-        <a:solidFill>
-          <a:schemeClr val="lt1">
-            <a:alpha val="90000"/>
-            <a:hueOff val="0"/>
-            <a:satOff val="0"/>
-            <a:lumOff val="0"/>
-            <a:alphaOff val="0"/>
-          </a:schemeClr>
-        </a:solidFill>
-        <a:ln w="9525" cap="flat" cmpd="sng" algn="ctr">
-          <a:solidFill>
-            <a:schemeClr val="accent1">
-              <a:hueOff val="0"/>
-              <a:satOff val="0"/>
-              <a:lumOff val="0"/>
-              <a:alphaOff val="0"/>
-            </a:schemeClr>
-          </a:solidFill>
-          <a:prstDash val="solid"/>
-        </a:ln>
-        <a:effectLst/>
-      </dsp:spPr>
-      <dsp:style>
-        <a:lnRef idx="1">
-          <a:scrgbClr r="0" g="0" b="0"/>
-        </a:lnRef>
-        <a:fillRef idx="1">
-          <a:scrgbClr r="0" g="0" b="0"/>
-        </a:fillRef>
-        <a:effectRef idx="0">
-          <a:scrgbClr r="0" g="0" b="0"/>
-        </a:effectRef>
-        <a:fontRef idx="minor"/>
-      </dsp:style>
-    </dsp:sp>
-    <dsp:sp modelId="{44B548FB-45D5-465C-AA05-763364E65BC9}">
-      <dsp:nvSpPr>
-        <dsp:cNvPr id="0" name=""/>
-        <dsp:cNvSpPr/>
-      </dsp:nvSpPr>
-      <dsp:spPr>
-        <a:xfrm>
-          <a:off x="373380" y="1710291"/>
-          <a:ext cx="5227320" cy="354240"/>
-        </a:xfrm>
-        <a:prstGeom prst="roundRect">
-          <a:avLst/>
-        </a:prstGeom>
-        <a:gradFill rotWithShape="0">
-          <a:gsLst>
-            <a:gs pos="0">
-              <a:schemeClr val="accent1">
-                <a:hueOff val="0"/>
-                <a:satOff val="0"/>
-                <a:lumOff val="0"/>
-                <a:alphaOff val="0"/>
-                <a:tint val="50000"/>
-                <a:satMod val="300000"/>
-              </a:schemeClr>
-            </a:gs>
-            <a:gs pos="35000">
-              <a:schemeClr val="accent1">
-                <a:hueOff val="0"/>
-                <a:satOff val="0"/>
-                <a:lumOff val="0"/>
-                <a:alphaOff val="0"/>
-                <a:tint val="37000"/>
-                <a:satMod val="300000"/>
-              </a:schemeClr>
-            </a:gs>
-            <a:gs pos="100000">
-              <a:schemeClr val="accent1">
-                <a:hueOff val="0"/>
-                <a:satOff val="0"/>
-                <a:lumOff val="0"/>
-                <a:alphaOff val="0"/>
-                <a:tint val="15000"/>
-                <a:satMod val="350000"/>
-              </a:schemeClr>
-            </a:gs>
-          </a:gsLst>
-          <a:lin ang="16200000" scaled="1"/>
-        </a:gradFill>
-        <a:ln>
-          <a:noFill/>
-        </a:ln>
-        <a:effectLst>
-          <a:outerShdw blurRad="40000" dist="20000" dir="5400000" rotWithShape="0">
-            <a:srgbClr val="000000">
-              <a:alpha val="38000"/>
-            </a:srgbClr>
-          </a:outerShdw>
-        </a:effectLst>
-        <a:scene3d>
-          <a:camera prst="orthographicFront"/>
-          <a:lightRig rig="flat" dir="t"/>
-        </a:scene3d>
-        <a:sp3d prstMaterial="dkEdge">
-          <a:bevelT w="8200" h="38100"/>
-        </a:sp3d>
-      </dsp:spPr>
-      <dsp:style>
-        <a:lnRef idx="0">
-          <a:scrgbClr r="0" g="0" b="0"/>
-        </a:lnRef>
-        <a:fillRef idx="2">
-          <a:scrgbClr r="0" g="0" b="0"/>
-        </a:fillRef>
-        <a:effectRef idx="1">
-          <a:scrgbClr r="0" g="0" b="0"/>
-        </a:effectRef>
-        <a:fontRef idx="minor">
-          <a:schemeClr val="dk1"/>
-        </a:fontRef>
-      </dsp:style>
-      <dsp:txBody>
-        <a:bodyPr spcFirstLastPara="0" vert="horz" wrap="square" lIns="197580" tIns="0" rIns="197580" bIns="0" numCol="1" spcCol="1270" anchor="ctr" anchorCtr="0">
-          <a:noAutofit/>
-        </a:bodyPr>
-        <a:lstStyle/>
-        <a:p>
-          <a:pPr lvl="0" algn="l" defTabSz="711200">
-            <a:lnSpc>
-              <a:spcPct val="90000"/>
-            </a:lnSpc>
-            <a:spcBef>
-              <a:spcPct val="0"/>
-            </a:spcBef>
-            <a:spcAft>
-              <a:spcPct val="35000"/>
-            </a:spcAft>
-          </a:pPr>
-          <a:r>
-            <a:rPr lang="en-US" sz="1600" b="1" kern="1200" cap="none" spc="0" dirty="0" smtClean="0">
-              <a:ln/>
-              <a:effectLst/>
-            </a:rPr>
-            <a:t>Itinerary Management</a:t>
-          </a:r>
-          <a:endParaRPr lang="en-US" sz="1600" b="1" kern="1200" cap="none" spc="0" dirty="0">
-            <a:ln/>
-            <a:effectLst/>
-          </a:endParaRPr>
-        </a:p>
-      </dsp:txBody>
-      <dsp:txXfrm>
-        <a:off x="373380" y="1710291"/>
-        <a:ext cx="5227320" cy="354240"/>
+        <a:off x="394996" y="1467847"/>
+        <a:ext cx="5184088" cy="399568"/>
       </dsp:txXfrm>
     </dsp:sp>
     <dsp:sp modelId="{40AFF034-79FB-446D-A396-A1D78C5E83DA}">
@@ -5264,8 +4976,8 @@
       </dsp:nvSpPr>
       <dsp:spPr>
         <a:xfrm>
-          <a:off x="0" y="2431731"/>
-          <a:ext cx="7467600" cy="302400"/>
+          <a:off x="0" y="2348031"/>
+          <a:ext cx="7467600" cy="378000"/>
         </a:xfrm>
         <a:prstGeom prst="rect">
           <a:avLst/>
@@ -5312,8 +5024,8 @@
       </dsp:nvSpPr>
       <dsp:spPr>
         <a:xfrm>
-          <a:off x="373380" y="2254611"/>
-          <a:ext cx="5227320" cy="354240"/>
+          <a:off x="373380" y="2126631"/>
+          <a:ext cx="5227320" cy="442800"/>
         </a:xfrm>
         <a:prstGeom prst="roundRect">
           <a:avLst/>
@@ -5416,8 +5128,8 @@
         </a:p>
       </dsp:txBody>
       <dsp:txXfrm>
-        <a:off x="373380" y="2254611"/>
-        <a:ext cx="5227320" cy="354240"/>
+        <a:off x="394996" y="2148247"/>
+        <a:ext cx="5184088" cy="399568"/>
       </dsp:txXfrm>
     </dsp:sp>
   </dsp:spTree>
@@ -5425,37 +5137,1030 @@
 </file>
 
 <file path=ppt/diagrams/drawing2.xml><?xml version="1.0" encoding="utf-8"?>
-<dsp:drawing xmlns:dgm="http://schemas.openxmlformats.org/drawingml/2006/diagram" xmlns:a="http://schemas.openxmlformats.org/drawingml/2006/main" xmlns:dsp="http://schemas.microsoft.com/office/drawing/2008/diagram">
+<dsp:drawing xmlns:dgm="http://schemas.openxmlformats.org/drawingml/2006/diagram" xmlns:dsp="http://schemas.microsoft.com/office/drawing/2008/diagram" xmlns:a="http://schemas.openxmlformats.org/drawingml/2006/main">
   <dsp:spTree>
     <dsp:nvGrpSpPr>
       <dsp:cNvPr id="0" name=""/>
       <dsp:cNvGrpSpPr/>
     </dsp:nvGrpSpPr>
     <dsp:grpSpPr/>
+    <dsp:sp modelId="{715D256F-02F7-4191-B84E-3A4C6CD8FFC5}">
+      <dsp:nvSpPr>
+        <dsp:cNvPr id="0" name=""/>
+        <dsp:cNvSpPr/>
+      </dsp:nvSpPr>
+      <dsp:spPr>
+        <a:xfrm>
+          <a:off x="228600" y="0"/>
+          <a:ext cx="1828800" cy="1016000"/>
+        </a:xfrm>
+        <a:prstGeom prst="roundRect">
+          <a:avLst>
+            <a:gd name="adj" fmla="val 10000"/>
+          </a:avLst>
+        </a:prstGeom>
+        <a:solidFill>
+          <a:schemeClr val="accent1">
+            <a:hueOff val="0"/>
+            <a:satOff val="0"/>
+            <a:lumOff val="0"/>
+            <a:alphaOff val="0"/>
+          </a:schemeClr>
+        </a:solidFill>
+        <a:ln w="25400" cap="flat" cmpd="sng" algn="ctr">
+          <a:solidFill>
+            <a:schemeClr val="lt1">
+              <a:hueOff val="0"/>
+              <a:satOff val="0"/>
+              <a:lumOff val="0"/>
+              <a:alphaOff val="0"/>
+            </a:schemeClr>
+          </a:solidFill>
+          <a:prstDash val="solid"/>
+        </a:ln>
+        <a:effectLst/>
+      </dsp:spPr>
+      <dsp:style>
+        <a:lnRef idx="2">
+          <a:scrgbClr r="0" g="0" b="0"/>
+        </a:lnRef>
+        <a:fillRef idx="1">
+          <a:scrgbClr r="0" g="0" b="0"/>
+        </a:fillRef>
+        <a:effectRef idx="0">
+          <a:scrgbClr r="0" g="0" b="0"/>
+        </a:effectRef>
+        <a:fontRef idx="minor">
+          <a:schemeClr val="lt1"/>
+        </a:fontRef>
+      </dsp:style>
+      <dsp:txBody>
+        <a:bodyPr spcFirstLastPara="0" vert="horz" wrap="square" lIns="76200" tIns="76200" rIns="76200" bIns="76200" numCol="1" spcCol="1270" anchor="ctr" anchorCtr="0">
+          <a:noAutofit/>
+        </a:bodyPr>
+        <a:lstStyle/>
+        <a:p>
+          <a:pPr lvl="0" algn="ctr" defTabSz="889000">
+            <a:lnSpc>
+              <a:spcPct val="90000"/>
+            </a:lnSpc>
+            <a:spcBef>
+              <a:spcPct val="0"/>
+            </a:spcBef>
+            <a:spcAft>
+              <a:spcPct val="35000"/>
+            </a:spcAft>
+          </a:pPr>
+          <a:r>
+            <a:rPr lang="en-US" sz="2000" kern="1200" dirty="0" smtClean="0"/>
+            <a:t>Prototyping</a:t>
+          </a:r>
+          <a:endParaRPr lang="en-US" sz="2000" kern="1200" dirty="0"/>
+        </a:p>
+      </dsp:txBody>
+      <dsp:txXfrm>
+        <a:off x="258358" y="29758"/>
+        <a:ext cx="1769284" cy="956484"/>
+      </dsp:txXfrm>
+    </dsp:sp>
+    <dsp:sp modelId="{C5BE00BD-745C-43E7-912B-9157D7920E0A}">
+      <dsp:nvSpPr>
+        <dsp:cNvPr id="0" name=""/>
+        <dsp:cNvSpPr/>
+      </dsp:nvSpPr>
+      <dsp:spPr>
+        <a:xfrm rot="5400000">
+          <a:off x="952500" y="1041399"/>
+          <a:ext cx="380999" cy="457200"/>
+        </a:xfrm>
+        <a:prstGeom prst="rightArrow">
+          <a:avLst>
+            <a:gd name="adj1" fmla="val 60000"/>
+            <a:gd name="adj2" fmla="val 50000"/>
+          </a:avLst>
+        </a:prstGeom>
+        <a:solidFill>
+          <a:schemeClr val="accent1">
+            <a:tint val="60000"/>
+            <a:hueOff val="0"/>
+            <a:satOff val="0"/>
+            <a:lumOff val="0"/>
+            <a:alphaOff val="0"/>
+          </a:schemeClr>
+        </a:solidFill>
+        <a:ln>
+          <a:noFill/>
+        </a:ln>
+        <a:effectLst/>
+      </dsp:spPr>
+      <dsp:style>
+        <a:lnRef idx="0">
+          <a:scrgbClr r="0" g="0" b="0"/>
+        </a:lnRef>
+        <a:fillRef idx="1">
+          <a:scrgbClr r="0" g="0" b="0"/>
+        </a:fillRef>
+        <a:effectRef idx="0">
+          <a:scrgbClr r="0" g="0" b="0"/>
+        </a:effectRef>
+        <a:fontRef idx="minor">
+          <a:schemeClr val="lt1"/>
+        </a:fontRef>
+      </dsp:style>
+      <dsp:txBody>
+        <a:bodyPr spcFirstLastPara="0" vert="horz" wrap="square" lIns="0" tIns="0" rIns="0" bIns="0" numCol="1" spcCol="1270" anchor="ctr" anchorCtr="0">
+          <a:noAutofit/>
+        </a:bodyPr>
+        <a:lstStyle/>
+        <a:p>
+          <a:pPr lvl="0" algn="ctr" defTabSz="711200">
+            <a:lnSpc>
+              <a:spcPct val="90000"/>
+            </a:lnSpc>
+            <a:spcBef>
+              <a:spcPct val="0"/>
+            </a:spcBef>
+            <a:spcAft>
+              <a:spcPct val="35000"/>
+            </a:spcAft>
+          </a:pPr>
+          <a:endParaRPr lang="en-US" sz="1600" kern="1200"/>
+        </a:p>
+      </dsp:txBody>
+      <dsp:txXfrm rot="-5400000">
+        <a:off x="1005840" y="1079499"/>
+        <a:ext cx="274320" cy="266699"/>
+      </dsp:txXfrm>
+    </dsp:sp>
+    <dsp:sp modelId="{BFBD83CE-AD3D-4B36-AFD4-F505FE96449E}">
+      <dsp:nvSpPr>
+        <dsp:cNvPr id="0" name=""/>
+        <dsp:cNvSpPr/>
+      </dsp:nvSpPr>
+      <dsp:spPr>
+        <a:xfrm>
+          <a:off x="228600" y="1523999"/>
+          <a:ext cx="1828800" cy="1016000"/>
+        </a:xfrm>
+        <a:prstGeom prst="roundRect">
+          <a:avLst>
+            <a:gd name="adj" fmla="val 10000"/>
+          </a:avLst>
+        </a:prstGeom>
+        <a:solidFill>
+          <a:schemeClr val="accent1">
+            <a:hueOff val="0"/>
+            <a:satOff val="0"/>
+            <a:lumOff val="0"/>
+            <a:alphaOff val="0"/>
+          </a:schemeClr>
+        </a:solidFill>
+        <a:ln w="25400" cap="flat" cmpd="sng" algn="ctr">
+          <a:solidFill>
+            <a:schemeClr val="lt1">
+              <a:hueOff val="0"/>
+              <a:satOff val="0"/>
+              <a:lumOff val="0"/>
+              <a:alphaOff val="0"/>
+            </a:schemeClr>
+          </a:solidFill>
+          <a:prstDash val="solid"/>
+        </a:ln>
+        <a:effectLst/>
+      </dsp:spPr>
+      <dsp:style>
+        <a:lnRef idx="2">
+          <a:scrgbClr r="0" g="0" b="0"/>
+        </a:lnRef>
+        <a:fillRef idx="1">
+          <a:scrgbClr r="0" g="0" b="0"/>
+        </a:fillRef>
+        <a:effectRef idx="0">
+          <a:scrgbClr r="0" g="0" b="0"/>
+        </a:effectRef>
+        <a:fontRef idx="minor">
+          <a:schemeClr val="lt1"/>
+        </a:fontRef>
+      </dsp:style>
+      <dsp:txBody>
+        <a:bodyPr spcFirstLastPara="0" vert="horz" wrap="square" lIns="76200" tIns="76200" rIns="76200" bIns="76200" numCol="1" spcCol="1270" anchor="ctr" anchorCtr="0">
+          <a:noAutofit/>
+        </a:bodyPr>
+        <a:lstStyle/>
+        <a:p>
+          <a:pPr lvl="0" algn="ctr" defTabSz="889000">
+            <a:lnSpc>
+              <a:spcPct val="90000"/>
+            </a:lnSpc>
+            <a:spcBef>
+              <a:spcPct val="0"/>
+            </a:spcBef>
+            <a:spcAft>
+              <a:spcPct val="35000"/>
+            </a:spcAft>
+          </a:pPr>
+          <a:r>
+            <a:rPr lang="en-US" sz="2000" kern="1200" dirty="0" smtClean="0"/>
+            <a:t>Use Case Modeling</a:t>
+          </a:r>
+          <a:endParaRPr lang="en-US" sz="2000" kern="1200" dirty="0"/>
+        </a:p>
+      </dsp:txBody>
+      <dsp:txXfrm>
+        <a:off x="258358" y="1553757"/>
+        <a:ext cx="1769284" cy="956484"/>
+      </dsp:txXfrm>
+    </dsp:sp>
+    <dsp:sp modelId="{30F2A522-5361-42FD-BDF3-9AAF9B6E48CD}">
+      <dsp:nvSpPr>
+        <dsp:cNvPr id="0" name=""/>
+        <dsp:cNvSpPr/>
+      </dsp:nvSpPr>
+      <dsp:spPr>
+        <a:xfrm rot="5400000">
+          <a:off x="952500" y="2565399"/>
+          <a:ext cx="381000" cy="457200"/>
+        </a:xfrm>
+        <a:prstGeom prst="rightArrow">
+          <a:avLst>
+            <a:gd name="adj1" fmla="val 60000"/>
+            <a:gd name="adj2" fmla="val 50000"/>
+          </a:avLst>
+        </a:prstGeom>
+        <a:solidFill>
+          <a:schemeClr val="accent1">
+            <a:tint val="60000"/>
+            <a:hueOff val="0"/>
+            <a:satOff val="0"/>
+            <a:lumOff val="0"/>
+            <a:alphaOff val="0"/>
+          </a:schemeClr>
+        </a:solidFill>
+        <a:ln>
+          <a:noFill/>
+        </a:ln>
+        <a:effectLst/>
+      </dsp:spPr>
+      <dsp:style>
+        <a:lnRef idx="0">
+          <a:scrgbClr r="0" g="0" b="0"/>
+        </a:lnRef>
+        <a:fillRef idx="1">
+          <a:scrgbClr r="0" g="0" b="0"/>
+        </a:fillRef>
+        <a:effectRef idx="0">
+          <a:scrgbClr r="0" g="0" b="0"/>
+        </a:effectRef>
+        <a:fontRef idx="minor">
+          <a:schemeClr val="lt1"/>
+        </a:fontRef>
+      </dsp:style>
+      <dsp:txBody>
+        <a:bodyPr spcFirstLastPara="0" vert="horz" wrap="square" lIns="0" tIns="0" rIns="0" bIns="0" numCol="1" spcCol="1270" anchor="ctr" anchorCtr="0">
+          <a:noAutofit/>
+        </a:bodyPr>
+        <a:lstStyle/>
+        <a:p>
+          <a:pPr lvl="0" algn="ctr" defTabSz="711200">
+            <a:lnSpc>
+              <a:spcPct val="90000"/>
+            </a:lnSpc>
+            <a:spcBef>
+              <a:spcPct val="0"/>
+            </a:spcBef>
+            <a:spcAft>
+              <a:spcPct val="35000"/>
+            </a:spcAft>
+          </a:pPr>
+          <a:endParaRPr lang="en-US" sz="1600" kern="1200"/>
+        </a:p>
+      </dsp:txBody>
+      <dsp:txXfrm rot="-5400000">
+        <a:off x="1005840" y="2603499"/>
+        <a:ext cx="274320" cy="266700"/>
+      </dsp:txXfrm>
+    </dsp:sp>
+    <dsp:sp modelId="{4DA5EE49-8168-4D22-9537-7BE4A3708548}">
+      <dsp:nvSpPr>
+        <dsp:cNvPr id="0" name=""/>
+        <dsp:cNvSpPr/>
+      </dsp:nvSpPr>
+      <dsp:spPr>
+        <a:xfrm>
+          <a:off x="228600" y="3047999"/>
+          <a:ext cx="1828800" cy="1016000"/>
+        </a:xfrm>
+        <a:prstGeom prst="roundRect">
+          <a:avLst>
+            <a:gd name="adj" fmla="val 10000"/>
+          </a:avLst>
+        </a:prstGeom>
+        <a:solidFill>
+          <a:schemeClr val="accent1">
+            <a:hueOff val="0"/>
+            <a:satOff val="0"/>
+            <a:lumOff val="0"/>
+            <a:alphaOff val="0"/>
+          </a:schemeClr>
+        </a:solidFill>
+        <a:ln w="25400" cap="flat" cmpd="sng" algn="ctr">
+          <a:solidFill>
+            <a:schemeClr val="lt1">
+              <a:hueOff val="0"/>
+              <a:satOff val="0"/>
+              <a:lumOff val="0"/>
+              <a:alphaOff val="0"/>
+            </a:schemeClr>
+          </a:solidFill>
+          <a:prstDash val="solid"/>
+        </a:ln>
+        <a:effectLst/>
+      </dsp:spPr>
+      <dsp:style>
+        <a:lnRef idx="2">
+          <a:scrgbClr r="0" g="0" b="0"/>
+        </a:lnRef>
+        <a:fillRef idx="1">
+          <a:scrgbClr r="0" g="0" b="0"/>
+        </a:fillRef>
+        <a:effectRef idx="0">
+          <a:scrgbClr r="0" g="0" b="0"/>
+        </a:effectRef>
+        <a:fontRef idx="minor">
+          <a:schemeClr val="lt1"/>
+        </a:fontRef>
+      </dsp:style>
+      <dsp:txBody>
+        <a:bodyPr spcFirstLastPara="0" vert="horz" wrap="square" lIns="76200" tIns="76200" rIns="76200" bIns="76200" numCol="1" spcCol="1270" anchor="ctr" anchorCtr="0">
+          <a:noAutofit/>
+        </a:bodyPr>
+        <a:lstStyle/>
+        <a:p>
+          <a:pPr lvl="0" algn="ctr" defTabSz="889000">
+            <a:lnSpc>
+              <a:spcPct val="90000"/>
+            </a:lnSpc>
+            <a:spcBef>
+              <a:spcPct val="0"/>
+            </a:spcBef>
+            <a:spcAft>
+              <a:spcPct val="35000"/>
+            </a:spcAft>
+          </a:pPr>
+          <a:r>
+            <a:rPr lang="en-US" sz="2000" kern="1200" dirty="0" smtClean="0"/>
+            <a:t>Use Case </a:t>
+          </a:r>
+          <a:r>
+            <a:rPr lang="en-US" sz="2000" kern="1200" dirty="0" err="1" smtClean="0"/>
+            <a:t>Realisation</a:t>
+          </a:r>
+          <a:r>
+            <a:rPr lang="en-US" sz="2000" kern="1200" dirty="0" smtClean="0"/>
+            <a:t> Report</a:t>
+          </a:r>
+          <a:endParaRPr lang="en-US" sz="2000" kern="1200" dirty="0"/>
+        </a:p>
+      </dsp:txBody>
+      <dsp:txXfrm>
+        <a:off x="258358" y="3077757"/>
+        <a:ext cx="1769284" cy="956484"/>
+      </dsp:txXfrm>
+    </dsp:sp>
   </dsp:spTree>
 </dsp:drawing>
 </file>
 
 <file path=ppt/diagrams/drawing3.xml><?xml version="1.0" encoding="utf-8"?>
-<dsp:drawing xmlns:dgm="http://schemas.openxmlformats.org/drawingml/2006/diagram" xmlns:a="http://schemas.openxmlformats.org/drawingml/2006/main" xmlns:dsp="http://schemas.microsoft.com/office/drawing/2008/diagram">
+<dsp:drawing xmlns:dgm="http://schemas.openxmlformats.org/drawingml/2006/diagram" xmlns:dsp="http://schemas.microsoft.com/office/drawing/2008/diagram" xmlns:a="http://schemas.openxmlformats.org/drawingml/2006/main">
   <dsp:spTree>
     <dsp:nvGrpSpPr>
       <dsp:cNvPr id="0" name=""/>
       <dsp:cNvGrpSpPr/>
     </dsp:nvGrpSpPr>
     <dsp:grpSpPr/>
+    <dsp:sp modelId="{715D256F-02F7-4191-B84E-3A4C6CD8FFC5}">
+      <dsp:nvSpPr>
+        <dsp:cNvPr id="0" name=""/>
+        <dsp:cNvSpPr/>
+      </dsp:nvSpPr>
+      <dsp:spPr>
+        <a:xfrm>
+          <a:off x="380413" y="1984"/>
+          <a:ext cx="1753772" cy="738187"/>
+        </a:xfrm>
+        <a:prstGeom prst="roundRect">
+          <a:avLst>
+            <a:gd name="adj" fmla="val 10000"/>
+          </a:avLst>
+        </a:prstGeom>
+        <a:solidFill>
+          <a:schemeClr val="accent1">
+            <a:hueOff val="0"/>
+            <a:satOff val="0"/>
+            <a:lumOff val="0"/>
+            <a:alphaOff val="0"/>
+          </a:schemeClr>
+        </a:solidFill>
+        <a:ln w="25400" cap="flat" cmpd="sng" algn="ctr">
+          <a:solidFill>
+            <a:schemeClr val="lt1">
+              <a:hueOff val="0"/>
+              <a:satOff val="0"/>
+              <a:lumOff val="0"/>
+              <a:alphaOff val="0"/>
+            </a:schemeClr>
+          </a:solidFill>
+          <a:prstDash val="solid"/>
+        </a:ln>
+        <a:effectLst/>
+      </dsp:spPr>
+      <dsp:style>
+        <a:lnRef idx="2">
+          <a:scrgbClr r="0" g="0" b="0"/>
+        </a:lnRef>
+        <a:fillRef idx="1">
+          <a:scrgbClr r="0" g="0" b="0"/>
+        </a:fillRef>
+        <a:effectRef idx="0">
+          <a:scrgbClr r="0" g="0" b="0"/>
+        </a:effectRef>
+        <a:fontRef idx="minor">
+          <a:schemeClr val="lt1"/>
+        </a:fontRef>
+      </dsp:style>
+      <dsp:txBody>
+        <a:bodyPr spcFirstLastPara="0" vert="horz" wrap="square" lIns="68580" tIns="68580" rIns="68580" bIns="68580" numCol="1" spcCol="1270" anchor="ctr" anchorCtr="0">
+          <a:noAutofit/>
+        </a:bodyPr>
+        <a:lstStyle/>
+        <a:p>
+          <a:pPr lvl="0" algn="ctr" defTabSz="800100">
+            <a:lnSpc>
+              <a:spcPct val="90000"/>
+            </a:lnSpc>
+            <a:spcBef>
+              <a:spcPct val="0"/>
+            </a:spcBef>
+            <a:spcAft>
+              <a:spcPct val="35000"/>
+            </a:spcAft>
+          </a:pPr>
+          <a:r>
+            <a:rPr lang="en-US" sz="1800" b="1" kern="1200" dirty="0" smtClean="0">
+              <a:latin typeface="Calibri" pitchFamily="34" charset="0"/>
+            </a:rPr>
+            <a:t>High-level System Design</a:t>
+          </a:r>
+          <a:endParaRPr lang="en-US" sz="1800" b="1" kern="1200" dirty="0"/>
+        </a:p>
+      </dsp:txBody>
+      <dsp:txXfrm>
+        <a:off x="402034" y="23605"/>
+        <a:ext cx="1710530" cy="694945"/>
+      </dsp:txXfrm>
+    </dsp:sp>
+    <dsp:sp modelId="{C5BE00BD-745C-43E7-912B-9157D7920E0A}">
+      <dsp:nvSpPr>
+        <dsp:cNvPr id="0" name=""/>
+        <dsp:cNvSpPr/>
+      </dsp:nvSpPr>
+      <dsp:spPr>
+        <a:xfrm rot="5400000">
+          <a:off x="1118889" y="758626"/>
+          <a:ext cx="276820" cy="332184"/>
+        </a:xfrm>
+        <a:prstGeom prst="rightArrow">
+          <a:avLst>
+            <a:gd name="adj1" fmla="val 60000"/>
+            <a:gd name="adj2" fmla="val 50000"/>
+          </a:avLst>
+        </a:prstGeom>
+        <a:solidFill>
+          <a:schemeClr val="accent1">
+            <a:tint val="60000"/>
+            <a:hueOff val="0"/>
+            <a:satOff val="0"/>
+            <a:lumOff val="0"/>
+            <a:alphaOff val="0"/>
+          </a:schemeClr>
+        </a:solidFill>
+        <a:ln>
+          <a:noFill/>
+        </a:ln>
+        <a:effectLst/>
+      </dsp:spPr>
+      <dsp:style>
+        <a:lnRef idx="0">
+          <a:scrgbClr r="0" g="0" b="0"/>
+        </a:lnRef>
+        <a:fillRef idx="1">
+          <a:scrgbClr r="0" g="0" b="0"/>
+        </a:fillRef>
+        <a:effectRef idx="0">
+          <a:scrgbClr r="0" g="0" b="0"/>
+        </a:effectRef>
+        <a:fontRef idx="minor">
+          <a:schemeClr val="lt1"/>
+        </a:fontRef>
+      </dsp:style>
+      <dsp:txBody>
+        <a:bodyPr spcFirstLastPara="0" vert="horz" wrap="square" lIns="0" tIns="0" rIns="0" bIns="0" numCol="1" spcCol="1270" anchor="ctr" anchorCtr="0">
+          <a:noAutofit/>
+        </a:bodyPr>
+        <a:lstStyle/>
+        <a:p>
+          <a:pPr lvl="0" algn="ctr" defTabSz="622300">
+            <a:lnSpc>
+              <a:spcPct val="90000"/>
+            </a:lnSpc>
+            <a:spcBef>
+              <a:spcPct val="0"/>
+            </a:spcBef>
+            <a:spcAft>
+              <a:spcPct val="35000"/>
+            </a:spcAft>
+          </a:pPr>
+          <a:endParaRPr lang="en-US" sz="1400" kern="1200"/>
+        </a:p>
+      </dsp:txBody>
+      <dsp:txXfrm rot="-5400000">
+        <a:off x="1157644" y="786308"/>
+        <a:ext cx="199310" cy="193774"/>
+      </dsp:txXfrm>
+    </dsp:sp>
+    <dsp:sp modelId="{BFBD83CE-AD3D-4B36-AFD4-F505FE96449E}">
+      <dsp:nvSpPr>
+        <dsp:cNvPr id="0" name=""/>
+        <dsp:cNvSpPr/>
+      </dsp:nvSpPr>
+      <dsp:spPr>
+        <a:xfrm>
+          <a:off x="380413" y="1109265"/>
+          <a:ext cx="1753772" cy="738187"/>
+        </a:xfrm>
+        <a:prstGeom prst="roundRect">
+          <a:avLst>
+            <a:gd name="adj" fmla="val 10000"/>
+          </a:avLst>
+        </a:prstGeom>
+        <a:solidFill>
+          <a:schemeClr val="accent1">
+            <a:hueOff val="0"/>
+            <a:satOff val="0"/>
+            <a:lumOff val="0"/>
+            <a:alphaOff val="0"/>
+          </a:schemeClr>
+        </a:solidFill>
+        <a:ln w="25400" cap="flat" cmpd="sng" algn="ctr">
+          <a:solidFill>
+            <a:schemeClr val="lt1">
+              <a:hueOff val="0"/>
+              <a:satOff val="0"/>
+              <a:lumOff val="0"/>
+              <a:alphaOff val="0"/>
+            </a:schemeClr>
+          </a:solidFill>
+          <a:prstDash val="solid"/>
+        </a:ln>
+        <a:effectLst/>
+      </dsp:spPr>
+      <dsp:style>
+        <a:lnRef idx="2">
+          <a:scrgbClr r="0" g="0" b="0"/>
+        </a:lnRef>
+        <a:fillRef idx="1">
+          <a:scrgbClr r="0" g="0" b="0"/>
+        </a:fillRef>
+        <a:effectRef idx="0">
+          <a:scrgbClr r="0" g="0" b="0"/>
+        </a:effectRef>
+        <a:fontRef idx="minor">
+          <a:schemeClr val="lt1"/>
+        </a:fontRef>
+      </dsp:style>
+      <dsp:txBody>
+        <a:bodyPr spcFirstLastPara="0" vert="horz" wrap="square" lIns="68580" tIns="68580" rIns="68580" bIns="68580" numCol="1" spcCol="1270" anchor="ctr" anchorCtr="0">
+          <a:noAutofit/>
+        </a:bodyPr>
+        <a:lstStyle/>
+        <a:p>
+          <a:pPr lvl="0" algn="ctr" defTabSz="800100">
+            <a:lnSpc>
+              <a:spcPct val="90000"/>
+            </a:lnSpc>
+            <a:spcBef>
+              <a:spcPct val="0"/>
+            </a:spcBef>
+            <a:spcAft>
+              <a:spcPct val="35000"/>
+            </a:spcAft>
+          </a:pPr>
+          <a:r>
+            <a:rPr lang="en-US" sz="1800" b="1" kern="1200" dirty="0" smtClean="0">
+              <a:latin typeface="Calibri" pitchFamily="34" charset="0"/>
+            </a:rPr>
+            <a:t>Detailed Design</a:t>
+          </a:r>
+          <a:endParaRPr lang="en-US" sz="1800" b="1" kern="1200" dirty="0"/>
+        </a:p>
+      </dsp:txBody>
+      <dsp:txXfrm>
+        <a:off x="402034" y="1130886"/>
+        <a:ext cx="1710530" cy="694945"/>
+      </dsp:txXfrm>
+    </dsp:sp>
+    <dsp:sp modelId="{30F2A522-5361-42FD-BDF3-9AAF9B6E48CD}">
+      <dsp:nvSpPr>
+        <dsp:cNvPr id="0" name=""/>
+        <dsp:cNvSpPr/>
+      </dsp:nvSpPr>
+      <dsp:spPr>
+        <a:xfrm rot="5400000">
+          <a:off x="1118889" y="1865907"/>
+          <a:ext cx="276820" cy="332184"/>
+        </a:xfrm>
+        <a:prstGeom prst="rightArrow">
+          <a:avLst>
+            <a:gd name="adj1" fmla="val 60000"/>
+            <a:gd name="adj2" fmla="val 50000"/>
+          </a:avLst>
+        </a:prstGeom>
+        <a:solidFill>
+          <a:schemeClr val="accent1">
+            <a:tint val="60000"/>
+            <a:hueOff val="0"/>
+            <a:satOff val="0"/>
+            <a:lumOff val="0"/>
+            <a:alphaOff val="0"/>
+          </a:schemeClr>
+        </a:solidFill>
+        <a:ln>
+          <a:noFill/>
+        </a:ln>
+        <a:effectLst/>
+      </dsp:spPr>
+      <dsp:style>
+        <a:lnRef idx="0">
+          <a:scrgbClr r="0" g="0" b="0"/>
+        </a:lnRef>
+        <a:fillRef idx="1">
+          <a:scrgbClr r="0" g="0" b="0"/>
+        </a:fillRef>
+        <a:effectRef idx="0">
+          <a:scrgbClr r="0" g="0" b="0"/>
+        </a:effectRef>
+        <a:fontRef idx="minor">
+          <a:schemeClr val="lt1"/>
+        </a:fontRef>
+      </dsp:style>
+      <dsp:txBody>
+        <a:bodyPr spcFirstLastPara="0" vert="horz" wrap="square" lIns="0" tIns="0" rIns="0" bIns="0" numCol="1" spcCol="1270" anchor="ctr" anchorCtr="0">
+          <a:noAutofit/>
+        </a:bodyPr>
+        <a:lstStyle/>
+        <a:p>
+          <a:pPr lvl="0" algn="ctr" defTabSz="622300">
+            <a:lnSpc>
+              <a:spcPct val="90000"/>
+            </a:lnSpc>
+            <a:spcBef>
+              <a:spcPct val="0"/>
+            </a:spcBef>
+            <a:spcAft>
+              <a:spcPct val="35000"/>
+            </a:spcAft>
+          </a:pPr>
+          <a:endParaRPr lang="en-US" sz="1400" kern="1200"/>
+        </a:p>
+      </dsp:txBody>
+      <dsp:txXfrm rot="-5400000">
+        <a:off x="1157644" y="1893589"/>
+        <a:ext cx="199310" cy="193774"/>
+      </dsp:txXfrm>
+    </dsp:sp>
+    <dsp:sp modelId="{4DA5EE49-8168-4D22-9537-7BE4A3708548}">
+      <dsp:nvSpPr>
+        <dsp:cNvPr id="0" name=""/>
+        <dsp:cNvSpPr/>
+      </dsp:nvSpPr>
+      <dsp:spPr>
+        <a:xfrm>
+          <a:off x="380413" y="2216546"/>
+          <a:ext cx="1753772" cy="738187"/>
+        </a:xfrm>
+        <a:prstGeom prst="roundRect">
+          <a:avLst>
+            <a:gd name="adj" fmla="val 10000"/>
+          </a:avLst>
+        </a:prstGeom>
+        <a:solidFill>
+          <a:schemeClr val="accent1">
+            <a:hueOff val="0"/>
+            <a:satOff val="0"/>
+            <a:lumOff val="0"/>
+            <a:alphaOff val="0"/>
+          </a:schemeClr>
+        </a:solidFill>
+        <a:ln w="25400" cap="flat" cmpd="sng" algn="ctr">
+          <a:solidFill>
+            <a:schemeClr val="lt1">
+              <a:hueOff val="0"/>
+              <a:satOff val="0"/>
+              <a:lumOff val="0"/>
+              <a:alphaOff val="0"/>
+            </a:schemeClr>
+          </a:solidFill>
+          <a:prstDash val="solid"/>
+        </a:ln>
+        <a:effectLst/>
+      </dsp:spPr>
+      <dsp:style>
+        <a:lnRef idx="2">
+          <a:scrgbClr r="0" g="0" b="0"/>
+        </a:lnRef>
+        <a:fillRef idx="1">
+          <a:scrgbClr r="0" g="0" b="0"/>
+        </a:fillRef>
+        <a:effectRef idx="0">
+          <a:scrgbClr r="0" g="0" b="0"/>
+        </a:effectRef>
+        <a:fontRef idx="minor">
+          <a:schemeClr val="lt1"/>
+        </a:fontRef>
+      </dsp:style>
+      <dsp:txBody>
+        <a:bodyPr spcFirstLastPara="0" vert="horz" wrap="square" lIns="68580" tIns="68580" rIns="68580" bIns="68580" numCol="1" spcCol="1270" anchor="ctr" anchorCtr="0">
+          <a:noAutofit/>
+        </a:bodyPr>
+        <a:lstStyle/>
+        <a:p>
+          <a:pPr lvl="0" algn="ctr" defTabSz="800100">
+            <a:lnSpc>
+              <a:spcPct val="90000"/>
+            </a:lnSpc>
+            <a:spcBef>
+              <a:spcPct val="0"/>
+            </a:spcBef>
+            <a:spcAft>
+              <a:spcPct val="35000"/>
+            </a:spcAft>
+          </a:pPr>
+          <a:r>
+            <a:rPr lang="en-US" sz="1800" b="1" kern="1200" dirty="0" smtClean="0">
+              <a:latin typeface="Calibri" pitchFamily="34" charset="0"/>
+            </a:rPr>
+            <a:t>Implementation</a:t>
+          </a:r>
+          <a:endParaRPr lang="en-US" sz="1800" b="1" kern="1200" dirty="0"/>
+        </a:p>
+      </dsp:txBody>
+      <dsp:txXfrm>
+        <a:off x="402034" y="2238167"/>
+        <a:ext cx="1710530" cy="694945"/>
+      </dsp:txXfrm>
+    </dsp:sp>
+    <dsp:sp modelId="{7876155E-F8DD-4EF2-AD82-9C7F7224B37D}">
+      <dsp:nvSpPr>
+        <dsp:cNvPr id="0" name=""/>
+        <dsp:cNvSpPr/>
+      </dsp:nvSpPr>
+      <dsp:spPr>
+        <a:xfrm rot="5400000">
+          <a:off x="1118889" y="2973189"/>
+          <a:ext cx="276820" cy="332184"/>
+        </a:xfrm>
+        <a:prstGeom prst="rightArrow">
+          <a:avLst>
+            <a:gd name="adj1" fmla="val 60000"/>
+            <a:gd name="adj2" fmla="val 50000"/>
+          </a:avLst>
+        </a:prstGeom>
+        <a:solidFill>
+          <a:schemeClr val="accent1">
+            <a:tint val="60000"/>
+            <a:hueOff val="0"/>
+            <a:satOff val="0"/>
+            <a:lumOff val="0"/>
+            <a:alphaOff val="0"/>
+          </a:schemeClr>
+        </a:solidFill>
+        <a:ln>
+          <a:noFill/>
+        </a:ln>
+        <a:effectLst/>
+      </dsp:spPr>
+      <dsp:style>
+        <a:lnRef idx="0">
+          <a:scrgbClr r="0" g="0" b="0"/>
+        </a:lnRef>
+        <a:fillRef idx="1">
+          <a:scrgbClr r="0" g="0" b="0"/>
+        </a:fillRef>
+        <a:effectRef idx="0">
+          <a:scrgbClr r="0" g="0" b="0"/>
+        </a:effectRef>
+        <a:fontRef idx="minor">
+          <a:schemeClr val="lt1"/>
+        </a:fontRef>
+      </dsp:style>
+      <dsp:txBody>
+        <a:bodyPr spcFirstLastPara="0" vert="horz" wrap="square" lIns="0" tIns="0" rIns="0" bIns="0" numCol="1" spcCol="1270" anchor="ctr" anchorCtr="0">
+          <a:noAutofit/>
+        </a:bodyPr>
+        <a:lstStyle/>
+        <a:p>
+          <a:pPr lvl="0" algn="ctr" defTabSz="622300">
+            <a:lnSpc>
+              <a:spcPct val="90000"/>
+            </a:lnSpc>
+            <a:spcBef>
+              <a:spcPct val="0"/>
+            </a:spcBef>
+            <a:spcAft>
+              <a:spcPct val="35000"/>
+            </a:spcAft>
+          </a:pPr>
+          <a:endParaRPr lang="en-US" sz="1400" kern="1200"/>
+        </a:p>
+      </dsp:txBody>
+      <dsp:txXfrm rot="-5400000">
+        <a:off x="1157644" y="3000871"/>
+        <a:ext cx="199310" cy="193774"/>
+      </dsp:txXfrm>
+    </dsp:sp>
+    <dsp:sp modelId="{AE75F7EB-863A-409D-A3CE-B00CBC7A14AA}">
+      <dsp:nvSpPr>
+        <dsp:cNvPr id="0" name=""/>
+        <dsp:cNvSpPr/>
+      </dsp:nvSpPr>
+      <dsp:spPr>
+        <a:xfrm>
+          <a:off x="380413" y="3323828"/>
+          <a:ext cx="1753772" cy="738187"/>
+        </a:xfrm>
+        <a:prstGeom prst="roundRect">
+          <a:avLst>
+            <a:gd name="adj" fmla="val 10000"/>
+          </a:avLst>
+        </a:prstGeom>
+        <a:solidFill>
+          <a:schemeClr val="accent1">
+            <a:hueOff val="0"/>
+            <a:satOff val="0"/>
+            <a:lumOff val="0"/>
+            <a:alphaOff val="0"/>
+          </a:schemeClr>
+        </a:solidFill>
+        <a:ln w="25400" cap="flat" cmpd="sng" algn="ctr">
+          <a:solidFill>
+            <a:schemeClr val="lt1">
+              <a:hueOff val="0"/>
+              <a:satOff val="0"/>
+              <a:lumOff val="0"/>
+              <a:alphaOff val="0"/>
+            </a:schemeClr>
+          </a:solidFill>
+          <a:prstDash val="solid"/>
+        </a:ln>
+        <a:effectLst/>
+      </dsp:spPr>
+      <dsp:style>
+        <a:lnRef idx="2">
+          <a:scrgbClr r="0" g="0" b="0"/>
+        </a:lnRef>
+        <a:fillRef idx="1">
+          <a:scrgbClr r="0" g="0" b="0"/>
+        </a:fillRef>
+        <a:effectRef idx="0">
+          <a:scrgbClr r="0" g="0" b="0"/>
+        </a:effectRef>
+        <a:fontRef idx="minor">
+          <a:schemeClr val="lt1"/>
+        </a:fontRef>
+      </dsp:style>
+      <dsp:txBody>
+        <a:bodyPr spcFirstLastPara="0" vert="horz" wrap="square" lIns="68580" tIns="68580" rIns="68580" bIns="68580" numCol="1" spcCol="1270" anchor="ctr" anchorCtr="0">
+          <a:noAutofit/>
+        </a:bodyPr>
+        <a:lstStyle/>
+        <a:p>
+          <a:pPr lvl="0" algn="ctr" defTabSz="800100">
+            <a:lnSpc>
+              <a:spcPct val="90000"/>
+            </a:lnSpc>
+            <a:spcBef>
+              <a:spcPct val="0"/>
+            </a:spcBef>
+            <a:spcAft>
+              <a:spcPct val="35000"/>
+            </a:spcAft>
+          </a:pPr>
+          <a:r>
+            <a:rPr lang="en-US" sz="1800" b="1" kern="1200" dirty="0" smtClean="0"/>
+            <a:t>Testing</a:t>
+          </a:r>
+          <a:endParaRPr lang="en-US" sz="1800" b="1" kern="1200" dirty="0"/>
+        </a:p>
+      </dsp:txBody>
+      <dsp:txXfrm>
+        <a:off x="402034" y="3345449"/>
+        <a:ext cx="1710530" cy="694945"/>
+      </dsp:txXfrm>
+    </dsp:sp>
   </dsp:spTree>
 </dsp:drawing>
 </file>
 
 <file path=ppt/diagrams/drawing4.xml><?xml version="1.0" encoding="utf-8"?>
-<dsp:drawing xmlns:dgm="http://schemas.openxmlformats.org/drawingml/2006/diagram" xmlns:a="http://schemas.openxmlformats.org/drawingml/2006/main" xmlns:dsp="http://schemas.microsoft.com/office/drawing/2008/diagram">
+<dsp:drawing xmlns:dgm="http://schemas.openxmlformats.org/drawingml/2006/diagram" xmlns:dsp="http://schemas.microsoft.com/office/drawing/2008/diagram" xmlns:a="http://schemas.openxmlformats.org/drawingml/2006/main">
   <dsp:spTree>
     <dsp:nvGrpSpPr>
       <dsp:cNvPr id="0" name=""/>
       <dsp:cNvGrpSpPr/>
     </dsp:nvGrpSpPr>
     <dsp:grpSpPr/>
+    <dsp:sp modelId="{715D256F-02F7-4191-B84E-3A4C6CD8FFC5}">
+      <dsp:nvSpPr>
+        <dsp:cNvPr id="0" name=""/>
+        <dsp:cNvSpPr/>
+      </dsp:nvSpPr>
+      <dsp:spPr>
+        <a:xfrm>
+          <a:off x="0" y="1984"/>
+          <a:ext cx="2438400" cy="4060031"/>
+        </a:xfrm>
+        <a:prstGeom prst="roundRect">
+          <a:avLst>
+            <a:gd name="adj" fmla="val 10000"/>
+          </a:avLst>
+        </a:prstGeom>
+        <a:solidFill>
+          <a:schemeClr val="accent1">
+            <a:hueOff val="0"/>
+            <a:satOff val="0"/>
+            <a:lumOff val="0"/>
+            <a:alphaOff val="0"/>
+          </a:schemeClr>
+        </a:solidFill>
+        <a:ln w="25400" cap="flat" cmpd="sng" algn="ctr">
+          <a:solidFill>
+            <a:schemeClr val="lt1">
+              <a:hueOff val="0"/>
+              <a:satOff val="0"/>
+              <a:lumOff val="0"/>
+              <a:alphaOff val="0"/>
+            </a:schemeClr>
+          </a:solidFill>
+          <a:prstDash val="solid"/>
+        </a:ln>
+        <a:effectLst/>
+      </dsp:spPr>
+      <dsp:style>
+        <a:lnRef idx="2">
+          <a:scrgbClr r="0" g="0" b="0"/>
+        </a:lnRef>
+        <a:fillRef idx="1">
+          <a:scrgbClr r="0" g="0" b="0"/>
+        </a:fillRef>
+        <a:effectRef idx="0">
+          <a:scrgbClr r="0" g="0" b="0"/>
+        </a:effectRef>
+        <a:fontRef idx="minor">
+          <a:schemeClr val="lt1"/>
+        </a:fontRef>
+      </dsp:style>
+      <dsp:txBody>
+        <a:bodyPr spcFirstLastPara="0" vert="horz" wrap="square" lIns="110490" tIns="110490" rIns="110490" bIns="110490" numCol="1" spcCol="1270" anchor="ctr" anchorCtr="0">
+          <a:noAutofit/>
+        </a:bodyPr>
+        <a:lstStyle/>
+        <a:p>
+          <a:pPr lvl="0" algn="ctr" defTabSz="1289050">
+            <a:lnSpc>
+              <a:spcPct val="90000"/>
+            </a:lnSpc>
+            <a:spcBef>
+              <a:spcPct val="0"/>
+            </a:spcBef>
+            <a:spcAft>
+              <a:spcPct val="35000"/>
+            </a:spcAft>
+          </a:pPr>
+          <a:r>
+            <a:rPr lang="en-US" sz="2900" kern="1200" dirty="0" smtClean="0">
+              <a:latin typeface="Calibri" pitchFamily="34" charset="0"/>
+            </a:rPr>
+            <a:t>Project Management</a:t>
+          </a:r>
+          <a:endParaRPr lang="en-US" sz="2900" kern="1200" dirty="0"/>
+        </a:p>
+      </dsp:txBody>
+      <dsp:txXfrm>
+        <a:off x="71418" y="73402"/>
+        <a:ext cx="2295564" cy="3917195"/>
+      </dsp:txXfrm>
+    </dsp:sp>
   </dsp:spTree>
 </dsp:drawing>
 </file>
@@ -10527,7 +11232,7 @@
     </p:spTree>
     <p:extLst>
       <p:ext uri="{BB962C8B-B14F-4D97-AF65-F5344CB8AC3E}">
-        <p14:creationId xmlns:p14="http://schemas.microsoft.com/office/powerpoint/2010/main" xmlns="" val="601875911"/>
+        <p14:creationId xmlns:p14="http://schemas.microsoft.com/office/powerpoint/2010/main" val="601875911"/>
       </p:ext>
     </p:extLst>
   </p:cSld>
@@ -10869,7 +11574,7 @@
     </p:spTree>
     <p:extLst>
       <p:ext uri="{BB962C8B-B14F-4D97-AF65-F5344CB8AC3E}">
-        <p14:creationId xmlns:p14="http://schemas.microsoft.com/office/powerpoint/2010/main" xmlns="" val="1461425486"/>
+        <p14:creationId xmlns:p14="http://schemas.microsoft.com/office/powerpoint/2010/main" val="1461425486"/>
       </p:ext>
     </p:extLst>
   </p:cSld>
@@ -11084,7 +11789,7 @@
 </file>
 
 <file path=ppt/slideLayouts/slideLayout1.xml><?xml version="1.0" encoding="utf-8"?>
-<p:sldLayout xmlns:a="http://schemas.openxmlformats.org/drawingml/2006/main" xmlns:r="http://schemas.openxmlformats.org/officeDocument/2006/relationships" xmlns:p="http://schemas.openxmlformats.org/presentationml/2006/main" showMasterSp="0" type="title" preserve="1">
+<p:sldLayout xmlns:a="http://schemas.openxmlformats.org/drawingml/2006/main" xmlns:r="http://schemas.openxmlformats.org/officeDocument/2006/relationships" xmlns:p="http://schemas.openxmlformats.org/presentationml/2006/main" type="title" preserve="1">
   <p:cSld name="Title Slide">
     <p:spTree>
       <p:nvGrpSpPr>
@@ -14644,9 +15349,24 @@
   <p:cSld>
     <p:bg>
       <p:bgPr>
-        <a:solidFill>
-          <a:schemeClr val="bg1"/>
-        </a:solidFill>
+        <a:gradFill flip="none" rotWithShape="1">
+          <a:gsLst>
+            <a:gs pos="0">
+              <a:srgbClr val="8488C4"/>
+            </a:gs>
+            <a:gs pos="34000">
+              <a:srgbClr val="D4DEFF"/>
+            </a:gs>
+            <a:gs pos="83000">
+              <a:srgbClr val="D4DEFF"/>
+            </a:gs>
+            <a:gs pos="100000">
+              <a:srgbClr val="96AB94"/>
+            </a:gs>
+          </a:gsLst>
+          <a:lin ang="5400000" scaled="0"/>
+          <a:tileRect/>
+        </a:gradFill>
         <a:effectLst/>
       </p:bgPr>
     </p:bg>
@@ -16535,7 +17255,7 @@
           <a:blip r:embed="rId3" cstate="print">
             <a:extLst>
               <a:ext uri="{28A0092B-C50C-407E-A947-70E740481C1C}">
-                <a14:useLocalDpi xmlns:a14="http://schemas.microsoft.com/office/drawing/2010/main" xmlns="" val="0"/>
+                <a14:useLocalDpi xmlns:a14="http://schemas.microsoft.com/office/drawing/2010/main" val="0"/>
               </a:ext>
             </a:extLst>
           </a:blip>
@@ -16546,8 +17266,8 @@
         </p:blipFill>
         <p:spPr bwMode="auto">
           <a:xfrm>
-            <a:off x="316651" y="2971800"/>
-            <a:ext cx="1969349" cy="1965434"/>
+            <a:off x="316651" y="2971799"/>
+            <a:ext cx="2350349" cy="2345677"/>
           </a:xfrm>
           <a:prstGeom prst="rect">
             <a:avLst/>
@@ -16555,7 +17275,7 @@
           <a:noFill/>
           <a:extLst>
             <a:ext uri="{909E8E84-426E-40DD-AFC4-6F175D3DCCD1}">
-              <a14:hiddenFill xmlns:a14="http://schemas.microsoft.com/office/drawing/2010/main" xmlns="">
+              <a14:hiddenFill xmlns:a14="http://schemas.microsoft.com/office/drawing/2010/main">
                 <a:solidFill>
                   <a:srgbClr val="FFFFFF"/>
                 </a:solidFill>
@@ -16576,8 +17296,8 @@
         </p:nvSpPr>
         <p:spPr>
           <a:xfrm>
-            <a:off x="381000" y="1295400"/>
-            <a:ext cx="7086600" cy="1470025"/>
+            <a:off x="381000" y="1143000"/>
+            <a:ext cx="7162800" cy="1622425"/>
           </a:xfrm>
         </p:spPr>
         <p:txBody>
@@ -16616,7 +17336,7 @@
           <a:lstStyle/>
           <a:p>
             <a:r>
-              <a:rPr lang="en-US" sz="2400" b="1" dirty="0">
+              <a:rPr lang="en-US" sz="2400" b="1" dirty="0" smtClean="0">
                 <a:solidFill>
                   <a:schemeClr val="accent4">
                     <a:lumMod val="75000"/>
@@ -16624,10 +17344,12 @@
                   </a:schemeClr>
                 </a:solidFill>
               </a:rPr>
-              <a:t>Presented by </a:t>
+              <a:t>Implementation Phase</a:t>
             </a:r>
+          </a:p>
+          <a:p>
             <a:r>
-              <a:rPr lang="en-US" sz="2400" b="1" dirty="0" smtClean="0">
+              <a:rPr lang="en-US" sz="2400" b="1" dirty="0">
                 <a:solidFill>
                   <a:schemeClr val="accent4">
                     <a:lumMod val="75000"/>
@@ -16637,6 +17359,8 @@
               </a:rPr>
               <a:t>Team SE18-08S</a:t>
             </a:r>
+          </a:p>
+          <a:p>
             <a:endParaRPr lang="en-US" sz="2400" b="1" dirty="0">
               <a:solidFill>
                 <a:schemeClr val="accent4">
@@ -16758,7 +17482,7 @@
           <a:blip r:embed="rId2" cstate="print">
             <a:extLst>
               <a:ext uri="{28A0092B-C50C-407E-A947-70E740481C1C}">
-                <a14:useLocalDpi xmlns:a14="http://schemas.microsoft.com/office/drawing/2010/main" xmlns="" val="0"/>
+                <a14:useLocalDpi xmlns:a14="http://schemas.microsoft.com/office/drawing/2010/main" val="0"/>
               </a:ext>
             </a:extLst>
           </a:blip>
@@ -16781,14 +17505,14 @@
           </a:ln>
           <a:extLst>
             <a:ext uri="{909E8E84-426E-40DD-AFC4-6F175D3DCCD1}">
-              <a14:hiddenFill xmlns:a14="http://schemas.microsoft.com/office/drawing/2010/main" xmlns="">
+              <a14:hiddenFill xmlns:a14="http://schemas.microsoft.com/office/drawing/2010/main">
                 <a:solidFill>
                   <a:srgbClr val="FFFFFF"/>
                 </a:solidFill>
               </a14:hiddenFill>
             </a:ext>
             <a:ext uri="{91240B29-F687-4F45-9708-019B960494DF}">
-              <a14:hiddenLine xmlns:a14="http://schemas.microsoft.com/office/drawing/2010/main" xmlns="" w="9525">
+              <a14:hiddenLine xmlns:a14="http://schemas.microsoft.com/office/drawing/2010/main" w="9525">
                 <a:solidFill>
                   <a:srgbClr val="000000"/>
                 </a:solidFill>
@@ -16803,7 +17527,7 @@
     </p:spTree>
     <p:extLst>
       <p:ext uri="{BB962C8B-B14F-4D97-AF65-F5344CB8AC3E}">
-        <p14:creationId xmlns:p14="http://schemas.microsoft.com/office/powerpoint/2010/main" xmlns="" val="3749085125"/>
+        <p14:creationId xmlns:p14="http://schemas.microsoft.com/office/powerpoint/2010/main" val="3749085125"/>
       </p:ext>
     </p:extLst>
   </p:cSld>
@@ -16926,7 +17650,7 @@
           <a:blip r:embed="rId2" cstate="print">
             <a:extLst>
               <a:ext uri="{28A0092B-C50C-407E-A947-70E740481C1C}">
-                <a14:useLocalDpi xmlns:a14="http://schemas.microsoft.com/office/drawing/2010/main" xmlns="" val="0"/>
+                <a14:useLocalDpi xmlns:a14="http://schemas.microsoft.com/office/drawing/2010/main" val="0"/>
               </a:ext>
             </a:extLst>
           </a:blip>
@@ -16949,14 +17673,14 @@
           </a:ln>
           <a:extLst>
             <a:ext uri="{909E8E84-426E-40DD-AFC4-6F175D3DCCD1}">
-              <a14:hiddenFill xmlns:a14="http://schemas.microsoft.com/office/drawing/2010/main" xmlns="">
+              <a14:hiddenFill xmlns:a14="http://schemas.microsoft.com/office/drawing/2010/main">
                 <a:solidFill>
                   <a:srgbClr val="FFFFFF"/>
                 </a:solidFill>
               </a14:hiddenFill>
             </a:ext>
             <a:ext uri="{91240B29-F687-4F45-9708-019B960494DF}">
-              <a14:hiddenLine xmlns:a14="http://schemas.microsoft.com/office/drawing/2010/main" xmlns="" w="9525">
+              <a14:hiddenLine xmlns:a14="http://schemas.microsoft.com/office/drawing/2010/main" w="9525">
                 <a:solidFill>
                   <a:srgbClr val="000000"/>
                 </a:solidFill>
@@ -16971,7 +17695,7 @@
     </p:spTree>
     <p:extLst>
       <p:ext uri="{BB962C8B-B14F-4D97-AF65-F5344CB8AC3E}">
-        <p14:creationId xmlns:p14="http://schemas.microsoft.com/office/powerpoint/2010/main" xmlns="" val="771240794"/>
+        <p14:creationId xmlns:p14="http://schemas.microsoft.com/office/powerpoint/2010/main" val="771240794"/>
       </p:ext>
     </p:extLst>
   </p:cSld>
@@ -17075,7 +17799,7 @@
           <a:blip r:embed="rId2" cstate="print">
             <a:extLst>
               <a:ext uri="{28A0092B-C50C-407E-A947-70E740481C1C}">
-                <a14:useLocalDpi xmlns:a14="http://schemas.microsoft.com/office/drawing/2010/main" xmlns="" val="0"/>
+                <a14:useLocalDpi xmlns:a14="http://schemas.microsoft.com/office/drawing/2010/main" val="0"/>
               </a:ext>
             </a:extLst>
           </a:blip>
@@ -17098,14 +17822,14 @@
           </a:ln>
           <a:extLst>
             <a:ext uri="{909E8E84-426E-40DD-AFC4-6F175D3DCCD1}">
-              <a14:hiddenFill xmlns:a14="http://schemas.microsoft.com/office/drawing/2010/main" xmlns="">
+              <a14:hiddenFill xmlns:a14="http://schemas.microsoft.com/office/drawing/2010/main">
                 <a:solidFill>
                   <a:srgbClr val="FFFFFF"/>
                 </a:solidFill>
               </a14:hiddenFill>
             </a:ext>
             <a:ext uri="{91240B29-F687-4F45-9708-019B960494DF}">
-              <a14:hiddenLine xmlns:a14="http://schemas.microsoft.com/office/drawing/2010/main" xmlns="" w="9525">
+              <a14:hiddenLine xmlns:a14="http://schemas.microsoft.com/office/drawing/2010/main" w="9525">
                 <a:solidFill>
                   <a:srgbClr val="000000"/>
                 </a:solidFill>
@@ -17120,7 +17844,7 @@
     </p:spTree>
     <p:extLst>
       <p:ext uri="{BB962C8B-B14F-4D97-AF65-F5344CB8AC3E}">
-        <p14:creationId xmlns:p14="http://schemas.microsoft.com/office/powerpoint/2010/main" xmlns="" val="478887766"/>
+        <p14:creationId xmlns:p14="http://schemas.microsoft.com/office/powerpoint/2010/main" val="478887766"/>
       </p:ext>
     </p:extLst>
   </p:cSld>
@@ -17382,7 +18106,7 @@
     </p:spTree>
     <p:extLst>
       <p:ext uri="{BB962C8B-B14F-4D97-AF65-F5344CB8AC3E}">
-        <p14:creationId xmlns:p14="http://schemas.microsoft.com/office/powerpoint/2010/main" xmlns="" val="4091434407"/>
+        <p14:creationId xmlns:p14="http://schemas.microsoft.com/office/powerpoint/2010/main" val="4091434407"/>
       </p:ext>
     </p:extLst>
   </p:cSld>
@@ -17458,7 +18182,7 @@
           <a:blip r:embed="rId2" cstate="print">
             <a:extLst>
               <a:ext uri="{28A0092B-C50C-407E-A947-70E740481C1C}">
-                <a14:useLocalDpi xmlns:a14="http://schemas.microsoft.com/office/drawing/2010/main" xmlns="" val="0"/>
+                <a14:useLocalDpi xmlns:a14="http://schemas.microsoft.com/office/drawing/2010/main" val="0"/>
               </a:ext>
             </a:extLst>
           </a:blip>
@@ -17481,14 +18205,14 @@
           </a:ln>
           <a:extLst>
             <a:ext uri="{909E8E84-426E-40DD-AFC4-6F175D3DCCD1}">
-              <a14:hiddenFill xmlns:a14="http://schemas.microsoft.com/office/drawing/2010/main" xmlns="">
+              <a14:hiddenFill xmlns:a14="http://schemas.microsoft.com/office/drawing/2010/main">
                 <a:solidFill>
                   <a:srgbClr val="FFFFFF"/>
                 </a:solidFill>
               </a14:hiddenFill>
             </a:ext>
             <a:ext uri="{91240B29-F687-4F45-9708-019B960494DF}">
-              <a14:hiddenLine xmlns:a14="http://schemas.microsoft.com/office/drawing/2010/main" xmlns="" w="9525">
+              <a14:hiddenLine xmlns:a14="http://schemas.microsoft.com/office/drawing/2010/main" w="9525">
                 <a:solidFill>
                   <a:srgbClr val="000000"/>
                 </a:solidFill>
@@ -17544,7 +18268,7 @@
           <a:blip r:embed="rId2" cstate="print">
             <a:extLst>
               <a:ext uri="{28A0092B-C50C-407E-A947-70E740481C1C}">
-                <a14:useLocalDpi xmlns:a14="http://schemas.microsoft.com/office/drawing/2010/main" xmlns="" val="0"/>
+                <a14:useLocalDpi xmlns:a14="http://schemas.microsoft.com/office/drawing/2010/main" val="0"/>
               </a:ext>
             </a:extLst>
           </a:blip>
@@ -17568,14 +18292,14 @@
           <a:effectLst/>
           <a:extLst>
             <a:ext uri="{909E8E84-426E-40DD-AFC4-6F175D3DCCD1}">
-              <a14:hiddenFill xmlns:a14="http://schemas.microsoft.com/office/drawing/2010/main" xmlns="">
+              <a14:hiddenFill xmlns:a14="http://schemas.microsoft.com/office/drawing/2010/main">
                 <a:solidFill>
                   <a:schemeClr val="accent1"/>
                 </a:solidFill>
               </a14:hiddenFill>
             </a:ext>
             <a:ext uri="{91240B29-F687-4F45-9708-019B960494DF}">
-              <a14:hiddenLine xmlns:a14="http://schemas.microsoft.com/office/drawing/2010/main" xmlns="" w="9525">
+              <a14:hiddenLine xmlns:a14="http://schemas.microsoft.com/office/drawing/2010/main" w="9525">
                 <a:solidFill>
                   <a:schemeClr val="tx1"/>
                 </a:solidFill>
@@ -17585,7 +18309,7 @@
               </a14:hiddenLine>
             </a:ext>
             <a:ext uri="{AF507438-7753-43E0-B8FC-AC1667EBCBE1}">
-              <a14:hiddenEffects xmlns:a14="http://schemas.microsoft.com/office/drawing/2010/main" xmlns="">
+              <a14:hiddenEffects xmlns:a14="http://schemas.microsoft.com/office/drawing/2010/main">
                 <a:effectLst>
                   <a:outerShdw dist="35921" dir="2700000" algn="ctr" rotWithShape="0">
                     <a:schemeClr val="bg2"/>
@@ -17779,7 +18503,7 @@
     </p:spTree>
     <p:extLst>
       <p:ext uri="{BB962C8B-B14F-4D97-AF65-F5344CB8AC3E}">
-        <p14:creationId xmlns:p14="http://schemas.microsoft.com/office/powerpoint/2010/main" xmlns="" val="3187625084"/>
+        <p14:creationId xmlns:p14="http://schemas.microsoft.com/office/powerpoint/2010/main" val="3187625084"/>
       </p:ext>
     </p:extLst>
   </p:cSld>
@@ -17855,7 +18579,7 @@
           <a:blip r:embed="rId2" cstate="print">
             <a:extLst>
               <a:ext uri="{28A0092B-C50C-407E-A947-70E740481C1C}">
-                <a14:useLocalDpi xmlns:a14="http://schemas.microsoft.com/office/drawing/2010/main" xmlns="" val="0"/>
+                <a14:useLocalDpi xmlns:a14="http://schemas.microsoft.com/office/drawing/2010/main" val="0"/>
               </a:ext>
             </a:extLst>
           </a:blip>
@@ -17879,14 +18603,14 @@
           <a:effectLst/>
           <a:extLst>
             <a:ext uri="{909E8E84-426E-40DD-AFC4-6F175D3DCCD1}">
-              <a14:hiddenFill xmlns:a14="http://schemas.microsoft.com/office/drawing/2010/main" xmlns="">
+              <a14:hiddenFill xmlns:a14="http://schemas.microsoft.com/office/drawing/2010/main">
                 <a:solidFill>
                   <a:schemeClr val="accent1"/>
                 </a:solidFill>
               </a14:hiddenFill>
             </a:ext>
             <a:ext uri="{91240B29-F687-4F45-9708-019B960494DF}">
-              <a14:hiddenLine xmlns:a14="http://schemas.microsoft.com/office/drawing/2010/main" xmlns="" w="9525">
+              <a14:hiddenLine xmlns:a14="http://schemas.microsoft.com/office/drawing/2010/main" w="9525">
                 <a:solidFill>
                   <a:schemeClr val="tx1"/>
                 </a:solidFill>
@@ -17896,7 +18620,7 @@
               </a14:hiddenLine>
             </a:ext>
             <a:ext uri="{AF507438-7753-43E0-B8FC-AC1667EBCBE1}">
-              <a14:hiddenEffects xmlns:a14="http://schemas.microsoft.com/office/drawing/2010/main" xmlns="">
+              <a14:hiddenEffects xmlns:a14="http://schemas.microsoft.com/office/drawing/2010/main">
                 <a:effectLst>
                   <a:outerShdw dist="35921" dir="2700000" algn="ctr" rotWithShape="0">
                     <a:schemeClr val="bg2"/>
@@ -17910,7 +18634,7 @@
     </p:spTree>
     <p:extLst>
       <p:ext uri="{BB962C8B-B14F-4D97-AF65-F5344CB8AC3E}">
-        <p14:creationId xmlns:p14="http://schemas.microsoft.com/office/powerpoint/2010/main" xmlns="" val="1486874553"/>
+        <p14:creationId xmlns:p14="http://schemas.microsoft.com/office/powerpoint/2010/main" val="1486874553"/>
       </p:ext>
     </p:extLst>
   </p:cSld>
@@ -18139,7 +18863,7 @@
     </p:spTree>
     <p:extLst>
       <p:ext uri="{BB962C8B-B14F-4D97-AF65-F5344CB8AC3E}">
-        <p14:creationId xmlns:p14="http://schemas.microsoft.com/office/powerpoint/2010/main" xmlns="" val="1486421255"/>
+        <p14:creationId xmlns:p14="http://schemas.microsoft.com/office/powerpoint/2010/main" val="1486421255"/>
       </p:ext>
     </p:extLst>
   </p:cSld>
@@ -18231,7 +18955,7 @@
           <a:blip r:embed="rId2" cstate="print">
             <a:extLst>
               <a:ext uri="{28A0092B-C50C-407E-A947-70E740481C1C}">
-                <a14:useLocalDpi xmlns:a14="http://schemas.microsoft.com/office/drawing/2010/main" xmlns="" val="0"/>
+                <a14:useLocalDpi xmlns:a14="http://schemas.microsoft.com/office/drawing/2010/main" val="0"/>
               </a:ext>
             </a:extLst>
           </a:blip>
@@ -18251,7 +18975,7 @@
           <a:noFill/>
           <a:extLst>
             <a:ext uri="{909E8E84-426E-40DD-AFC4-6F175D3DCCD1}">
-              <a14:hiddenFill xmlns:a14="http://schemas.microsoft.com/office/drawing/2010/main" xmlns="">
+              <a14:hiddenFill xmlns:a14="http://schemas.microsoft.com/office/drawing/2010/main">
                 <a:solidFill>
                   <a:srgbClr val="FFFFFF"/>
                 </a:solidFill>
@@ -18263,7 +18987,7 @@
     </p:spTree>
     <p:extLst>
       <p:ext uri="{BB962C8B-B14F-4D97-AF65-F5344CB8AC3E}">
-        <p14:creationId xmlns:p14="http://schemas.microsoft.com/office/powerpoint/2010/main" xmlns="" val="1357882309"/>
+        <p14:creationId xmlns:p14="http://schemas.microsoft.com/office/powerpoint/2010/main" val="1357882309"/>
       </p:ext>
     </p:extLst>
   </p:cSld>
@@ -18464,7 +19188,7 @@
     </p:spTree>
     <p:extLst>
       <p:ext uri="{BB962C8B-B14F-4D97-AF65-F5344CB8AC3E}">
-        <p14:creationId xmlns:p14="http://schemas.microsoft.com/office/powerpoint/2010/main" xmlns="" val="1189294953"/>
+        <p14:creationId xmlns:p14="http://schemas.microsoft.com/office/powerpoint/2010/main" val="1189294953"/>
       </p:ext>
     </p:extLst>
   </p:cSld>
@@ -18546,7 +19270,11 @@
               <a:buChar char="v"/>
             </a:pPr>
             <a:r>
-              <a:rPr lang="en-US" b="1" dirty="0"/>
+              <a:rPr lang="en-US" b="1" dirty="0">
+                <a:solidFill>
+                  <a:schemeClr val="tx2"/>
+                </a:solidFill>
+              </a:rPr>
               <a:t>Project Revisit</a:t>
             </a:r>
           </a:p>
@@ -18556,29 +19284,87 @@
               <a:buChar char="v"/>
             </a:pPr>
             <a:r>
-              <a:rPr lang="en-US" dirty="0">
+              <a:rPr lang="en-US" b="1" dirty="0" smtClean="0">
                 <a:solidFill>
                   <a:schemeClr val="bg1">
-                    <a:lumMod val="75000"/>
+                    <a:lumMod val="65000"/>
                   </a:schemeClr>
                 </a:solidFill>
               </a:rPr>
-              <a:t>Use Case </a:t>
+              <a:t>Design &amp; Architecture</a:t>
             </a:r>
+          </a:p>
+          <a:p>
+            <a:pPr>
+              <a:buFont typeface="Wingdings" pitchFamily="2" charset="2"/>
+              <a:buChar char="v"/>
+            </a:pPr>
             <a:r>
-              <a:rPr lang="en-US" dirty="0" smtClean="0">
+              <a:rPr lang="en-US" b="1" dirty="0">
                 <a:solidFill>
                   <a:schemeClr val="bg1">
-                    <a:lumMod val="75000"/>
+                    <a:lumMod val="65000"/>
                   </a:schemeClr>
                 </a:solidFill>
               </a:rPr>
-              <a:t>Modeling</a:t>
+              <a:t>Detailed Design</a:t>
             </a:r>
-            <a:endParaRPr lang="en-US" dirty="0">
+          </a:p>
+          <a:p>
+            <a:pPr>
+              <a:buFont typeface="Wingdings" pitchFamily="2" charset="2"/>
+              <a:buChar char="v"/>
+            </a:pPr>
+            <a:r>
+              <a:rPr lang="en-US" b="1" dirty="0" smtClean="0">
+                <a:solidFill>
+                  <a:schemeClr val="bg1">
+                    <a:lumMod val="65000"/>
+                  </a:schemeClr>
+                </a:solidFill>
+              </a:rPr>
+              <a:t>Development Strategy</a:t>
+            </a:r>
+          </a:p>
+          <a:p>
+            <a:pPr>
+              <a:buFont typeface="Wingdings" pitchFamily="2" charset="2"/>
+              <a:buChar char="v"/>
+            </a:pPr>
+            <a:r>
+              <a:rPr lang="en-US" b="1" dirty="0" smtClean="0">
+                <a:solidFill>
+                  <a:schemeClr val="bg1">
+                    <a:lumMod val="65000"/>
+                  </a:schemeClr>
+                </a:solidFill>
+              </a:rPr>
+              <a:t>Demo </a:t>
+            </a:r>
+            <a:r>
+              <a:rPr lang="en-US" b="1" dirty="0" smtClean="0">
+                <a:solidFill>
+                  <a:schemeClr val="bg1">
+                    <a:lumMod val="65000"/>
+                  </a:schemeClr>
+                </a:solidFill>
+              </a:rPr>
+              <a:t>of </a:t>
+            </a:r>
+            <a:r>
+              <a:rPr lang="en-US" b="1" dirty="0" smtClean="0">
+                <a:solidFill>
+                  <a:schemeClr val="bg1">
+                    <a:lumMod val="65000"/>
+                  </a:schemeClr>
+                </a:solidFill>
+              </a:rPr>
+              <a:t>Product</a:t>
+            </a:r>
+            <a:endParaRPr lang="en-US" b="1" dirty="0" smtClean="0">
               <a:solidFill>
                 <a:schemeClr val="bg1">
-                  <a:lumMod val="75000"/>
+                  <a:lumMod val="65000"/>
                 </a:schemeClr>
               </a:solidFill>
             </a:endParaRPr>
@@ -18589,15 +19375,42 @@
               <a:buChar char="v"/>
             </a:pPr>
             <a:r>
-              <a:rPr lang="en-US" dirty="0" smtClean="0">
+              <a:rPr lang="en-US" b="1" dirty="0" smtClean="0">
                 <a:solidFill>
                   <a:schemeClr val="bg1">
-                    <a:lumMod val="75000"/>
+                    <a:lumMod val="65000"/>
                   </a:schemeClr>
                 </a:solidFill>
               </a:rPr>
-              <a:t>Software Architecture</a:t>
+              <a:t>Project </a:t>
             </a:r>
+            <a:r>
+              <a:rPr lang="en-US" b="1" dirty="0" err="1" smtClean="0">
+                <a:solidFill>
+                  <a:schemeClr val="bg1">
+                    <a:lumMod val="65000"/>
+                  </a:schemeClr>
+                </a:solidFill>
+              </a:rPr>
+              <a:t>Mgmt</a:t>
+            </a:r>
+            <a:r>
+              <a:rPr lang="en-US" b="1" dirty="0" smtClean="0">
+                <a:solidFill>
+                  <a:schemeClr val="bg1">
+                    <a:lumMod val="65000"/>
+                  </a:schemeClr>
+                </a:solidFill>
+              </a:rPr>
+              <a:t> Report</a:t>
+            </a:r>
+            <a:endParaRPr lang="en-US" b="1" dirty="0" smtClean="0">
+              <a:solidFill>
+                <a:schemeClr val="bg1">
+                  <a:lumMod val="65000"/>
+                </a:schemeClr>
+              </a:solidFill>
+            </a:endParaRPr>
           </a:p>
           <a:p>
             <a:pPr>
@@ -18605,78 +19418,24 @@
               <a:buChar char="v"/>
             </a:pPr>
             <a:r>
-              <a:rPr lang="en-US" dirty="0" smtClean="0">
+              <a:rPr lang="en-US" b="1" dirty="0" smtClean="0">
                 <a:solidFill>
                   <a:schemeClr val="bg1">
-                    <a:lumMod val="75000"/>
+                    <a:lumMod val="65000"/>
                   </a:schemeClr>
                 </a:solidFill>
               </a:rPr>
-              <a:t>Demo of Prototype</a:t>
+              <a:t>Q </a:t>
             </a:r>
-          </a:p>
-          <a:p>
-            <a:pPr>
-              <a:buFont typeface="Wingdings" pitchFamily="2" charset="2"/>
-              <a:buChar char="v"/>
-            </a:pPr>
             <a:r>
-              <a:rPr lang="en-US" dirty="0" smtClean="0">
+              <a:rPr lang="en-US" b="1" dirty="0" smtClean="0">
                 <a:solidFill>
                   <a:schemeClr val="bg1">
-                    <a:lumMod val="75000"/>
+                    <a:lumMod val="65000"/>
                   </a:schemeClr>
                 </a:solidFill>
               </a:rPr>
-              <a:t>Transition Strategy</a:t>
-            </a:r>
-          </a:p>
-          <a:p>
-            <a:pPr>
-              <a:buFont typeface="Wingdings" pitchFamily="2" charset="2"/>
-              <a:buChar char="v"/>
-            </a:pPr>
-            <a:r>
-              <a:rPr lang="en-US" dirty="0" smtClean="0">
-                <a:solidFill>
-                  <a:schemeClr val="bg1">
-                    <a:lumMod val="75000"/>
-                  </a:schemeClr>
-                </a:solidFill>
-              </a:rPr>
-              <a:t>Project Progress</a:t>
-            </a:r>
-          </a:p>
-          <a:p>
-            <a:pPr>
-              <a:buFont typeface="Wingdings" pitchFamily="2" charset="2"/>
-              <a:buChar char="v"/>
-            </a:pPr>
-            <a:r>
-              <a:rPr lang="en-US" dirty="0" smtClean="0">
-                <a:solidFill>
-                  <a:schemeClr val="bg1">
-                    <a:lumMod val="75000"/>
-                  </a:schemeClr>
-                </a:solidFill>
-              </a:rPr>
-              <a:t>Challenges &amp; Problems</a:t>
-            </a:r>
-          </a:p>
-          <a:p>
-            <a:pPr>
-              <a:buFont typeface="Wingdings" pitchFamily="2" charset="2"/>
-              <a:buChar char="v"/>
-            </a:pPr>
-            <a:r>
-              <a:rPr lang="en-US" dirty="0" smtClean="0">
-                <a:solidFill>
-                  <a:schemeClr val="bg1">
-                    <a:lumMod val="75000"/>
-                  </a:schemeClr>
-                </a:solidFill>
-              </a:rPr>
-              <a:t>Q &amp; A</a:t>
+              <a:t>&amp; A</a:t>
             </a:r>
           </a:p>
         </p:txBody>
@@ -18693,7 +19452,7 @@
           <a:blip r:embed="rId2" cstate="print">
             <a:extLst>
               <a:ext uri="{28A0092B-C50C-407E-A947-70E740481C1C}">
-                <a14:useLocalDpi xmlns:a14="http://schemas.microsoft.com/office/drawing/2010/main" xmlns="" val="0"/>
+                <a14:useLocalDpi xmlns:a14="http://schemas.microsoft.com/office/drawing/2010/main" val="0"/>
               </a:ext>
             </a:extLst>
           </a:blip>
@@ -18713,7 +19472,7 @@
           <a:noFill/>
           <a:extLst>
             <a:ext uri="{909E8E84-426E-40DD-AFC4-6F175D3DCCD1}">
-              <a14:hiddenFill xmlns:a14="http://schemas.microsoft.com/office/drawing/2010/main" xmlns="">
+              <a14:hiddenFill xmlns:a14="http://schemas.microsoft.com/office/drawing/2010/main">
                 <a:solidFill>
                   <a:srgbClr val="FFFFFF"/>
                 </a:solidFill>
@@ -18725,7 +19484,7 @@
     </p:spTree>
     <p:extLst>
       <p:ext uri="{BB962C8B-B14F-4D97-AF65-F5344CB8AC3E}">
-        <p14:creationId xmlns:p14="http://schemas.microsoft.com/office/powerpoint/2010/main" xmlns="" val="2651902496"/>
+        <p14:creationId xmlns:p14="http://schemas.microsoft.com/office/powerpoint/2010/main" val="2651902496"/>
       </p:ext>
     </p:extLst>
   </p:cSld>
@@ -18987,7 +19746,7 @@
     </p:spTree>
     <p:extLst>
       <p:ext uri="{BB962C8B-B14F-4D97-AF65-F5344CB8AC3E}">
-        <p14:creationId xmlns:p14="http://schemas.microsoft.com/office/powerpoint/2010/main" xmlns="" val="4091434407"/>
+        <p14:creationId xmlns:p14="http://schemas.microsoft.com/office/powerpoint/2010/main" val="4091434407"/>
       </p:ext>
     </p:extLst>
   </p:cSld>
@@ -19105,7 +19864,7 @@
           <p:nvPr>
             <p:extLst>
               <p:ext uri="{D42A27DB-BD31-4B8C-83A1-F6EECF244321}">
-                <p14:modId xmlns:p14="http://schemas.microsoft.com/office/powerpoint/2010/main" xmlns="" val="3348270388"/>
+                <p14:modId xmlns:p14="http://schemas.microsoft.com/office/powerpoint/2010/main" val="3348270388"/>
               </p:ext>
             </p:extLst>
           </p:nvPr>
@@ -19215,7 +19974,7 @@
           <p:nvPr>
             <p:extLst>
               <p:ext uri="{D42A27DB-BD31-4B8C-83A1-F6EECF244321}">
-                <p14:modId xmlns:p14="http://schemas.microsoft.com/office/powerpoint/2010/main" xmlns="" val="3362897560"/>
+                <p14:modId xmlns:p14="http://schemas.microsoft.com/office/powerpoint/2010/main" val="3362897560"/>
               </p:ext>
             </p:extLst>
           </p:nvPr>
@@ -20400,7 +21159,7 @@
     </p:spTree>
     <p:extLst>
       <p:ext uri="{BB962C8B-B14F-4D97-AF65-F5344CB8AC3E}">
-        <p14:creationId xmlns:p14="http://schemas.microsoft.com/office/powerpoint/2010/main" xmlns="" val="4091434407"/>
+        <p14:creationId xmlns:p14="http://schemas.microsoft.com/office/powerpoint/2010/main" val="4091434407"/>
       </p:ext>
     </p:extLst>
   </p:cSld>
@@ -20467,7 +21226,7 @@
             <p:ph idx="1"/>
             <p:extLst>
               <p:ext uri="{D42A27DB-BD31-4B8C-83A1-F6EECF244321}">
-                <p14:modId xmlns:p14="http://schemas.microsoft.com/office/powerpoint/2010/main" xmlns="" val="1624300151"/>
+                <p14:modId xmlns:p14="http://schemas.microsoft.com/office/powerpoint/2010/main" val="1624300151"/>
               </p:ext>
             </p:extLst>
           </p:nvPr>
@@ -21935,7 +22694,7 @@
           <a:blip r:embed="rId2" cstate="print">
             <a:extLst>
               <a:ext uri="{28A0092B-C50C-407E-A947-70E740481C1C}">
-                <a14:useLocalDpi xmlns:a14="http://schemas.microsoft.com/office/drawing/2010/main" xmlns="" val="0"/>
+                <a14:useLocalDpi xmlns:a14="http://schemas.microsoft.com/office/drawing/2010/main" val="0"/>
               </a:ext>
             </a:extLst>
           </a:blip>
@@ -21955,7 +22714,7 @@
           <a:noFill/>
           <a:extLst>
             <a:ext uri="{909E8E84-426E-40DD-AFC4-6F175D3DCCD1}">
-              <a14:hiddenFill xmlns:a14="http://schemas.microsoft.com/office/drawing/2010/main" xmlns="">
+              <a14:hiddenFill xmlns:a14="http://schemas.microsoft.com/office/drawing/2010/main">
                 <a:solidFill>
                   <a:srgbClr val="FFFFFF"/>
                 </a:solidFill>
@@ -21976,7 +22735,7 @@
           <a:blip r:embed="rId2" cstate="print">
             <a:extLst>
               <a:ext uri="{28A0092B-C50C-407E-A947-70E740481C1C}">
-                <a14:useLocalDpi xmlns:a14="http://schemas.microsoft.com/office/drawing/2010/main" xmlns="" val="0"/>
+                <a14:useLocalDpi xmlns:a14="http://schemas.microsoft.com/office/drawing/2010/main" val="0"/>
               </a:ext>
             </a:extLst>
           </a:blip>
@@ -21996,7 +22755,7 @@
           <a:noFill/>
           <a:extLst>
             <a:ext uri="{909E8E84-426E-40DD-AFC4-6F175D3DCCD1}">
-              <a14:hiddenFill xmlns:a14="http://schemas.microsoft.com/office/drawing/2010/main" xmlns="">
+              <a14:hiddenFill xmlns:a14="http://schemas.microsoft.com/office/drawing/2010/main">
                 <a:solidFill>
                   <a:srgbClr val="FFFFFF"/>
                 </a:solidFill>
@@ -22017,7 +22776,7 @@
           <a:blip r:embed="rId2" cstate="print">
             <a:extLst>
               <a:ext uri="{28A0092B-C50C-407E-A947-70E740481C1C}">
-                <a14:useLocalDpi xmlns:a14="http://schemas.microsoft.com/office/drawing/2010/main" xmlns="" val="0"/>
+                <a14:useLocalDpi xmlns:a14="http://schemas.microsoft.com/office/drawing/2010/main" val="0"/>
               </a:ext>
             </a:extLst>
           </a:blip>
@@ -22037,7 +22796,7 @@
           <a:noFill/>
           <a:extLst>
             <a:ext uri="{909E8E84-426E-40DD-AFC4-6F175D3DCCD1}">
-              <a14:hiddenFill xmlns:a14="http://schemas.microsoft.com/office/drawing/2010/main" xmlns="">
+              <a14:hiddenFill xmlns:a14="http://schemas.microsoft.com/office/drawing/2010/main">
                 <a:solidFill>
                   <a:srgbClr val="FFFFFF"/>
                 </a:solidFill>
@@ -22058,7 +22817,7 @@
           <a:blip r:embed="rId2" cstate="print">
             <a:extLst>
               <a:ext uri="{28A0092B-C50C-407E-A947-70E740481C1C}">
-                <a14:useLocalDpi xmlns:a14="http://schemas.microsoft.com/office/drawing/2010/main" xmlns="" val="0"/>
+                <a14:useLocalDpi xmlns:a14="http://schemas.microsoft.com/office/drawing/2010/main" val="0"/>
               </a:ext>
             </a:extLst>
           </a:blip>
@@ -22078,7 +22837,7 @@
           <a:noFill/>
           <a:extLst>
             <a:ext uri="{909E8E84-426E-40DD-AFC4-6F175D3DCCD1}">
-              <a14:hiddenFill xmlns:a14="http://schemas.microsoft.com/office/drawing/2010/main" xmlns="">
+              <a14:hiddenFill xmlns:a14="http://schemas.microsoft.com/office/drawing/2010/main">
                 <a:solidFill>
                   <a:srgbClr val="FFFFFF"/>
                 </a:solidFill>
@@ -22317,7 +23076,7 @@
           <a:blip r:embed="rId2" cstate="print">
             <a:extLst>
               <a:ext uri="{28A0092B-C50C-407E-A947-70E740481C1C}">
-                <a14:useLocalDpi xmlns:a14="http://schemas.microsoft.com/office/drawing/2010/main" xmlns="" val="0"/>
+                <a14:useLocalDpi xmlns:a14="http://schemas.microsoft.com/office/drawing/2010/main" val="0"/>
               </a:ext>
             </a:extLst>
           </a:blip>
@@ -22337,7 +23096,7 @@
           <a:noFill/>
           <a:extLst>
             <a:ext uri="{909E8E84-426E-40DD-AFC4-6F175D3DCCD1}">
-              <a14:hiddenFill xmlns:a14="http://schemas.microsoft.com/office/drawing/2010/main" xmlns="">
+              <a14:hiddenFill xmlns:a14="http://schemas.microsoft.com/office/drawing/2010/main">
                 <a:solidFill>
                   <a:srgbClr val="FFFFFF"/>
                 </a:solidFill>
@@ -22349,7 +23108,7 @@
     </p:spTree>
     <p:extLst>
       <p:ext uri="{BB962C8B-B14F-4D97-AF65-F5344CB8AC3E}">
-        <p14:creationId xmlns:p14="http://schemas.microsoft.com/office/powerpoint/2010/main" xmlns="" val="4091434407"/>
+        <p14:creationId xmlns:p14="http://schemas.microsoft.com/office/powerpoint/2010/main" val="4091434407"/>
       </p:ext>
     </p:extLst>
   </p:cSld>
@@ -22418,7 +23177,7 @@
           <a:blip r:embed="rId2" cstate="print">
             <a:extLst>
               <a:ext uri="{28A0092B-C50C-407E-A947-70E740481C1C}">
-                <a14:useLocalDpi xmlns:a14="http://schemas.microsoft.com/office/drawing/2010/main" xmlns="" val="0"/>
+                <a14:useLocalDpi xmlns:a14="http://schemas.microsoft.com/office/drawing/2010/main" val="0"/>
               </a:ext>
             </a:extLst>
           </a:blip>
@@ -22442,14 +23201,14 @@
           <a:effectLst/>
           <a:extLst>
             <a:ext uri="{909E8E84-426E-40DD-AFC4-6F175D3DCCD1}">
-              <a14:hiddenFill xmlns:a14="http://schemas.microsoft.com/office/drawing/2010/main" xmlns="">
+              <a14:hiddenFill xmlns:a14="http://schemas.microsoft.com/office/drawing/2010/main">
                 <a:solidFill>
                   <a:schemeClr val="accent1"/>
                 </a:solidFill>
               </a14:hiddenFill>
             </a:ext>
             <a:ext uri="{91240B29-F687-4F45-9708-019B960494DF}">
-              <a14:hiddenLine xmlns:a14="http://schemas.microsoft.com/office/drawing/2010/main" xmlns="" w="9525">
+              <a14:hiddenLine xmlns:a14="http://schemas.microsoft.com/office/drawing/2010/main" w="9525">
                 <a:solidFill>
                   <a:schemeClr val="tx1"/>
                 </a:solidFill>
@@ -22459,7 +23218,7 @@
               </a14:hiddenLine>
             </a:ext>
             <a:ext uri="{AF507438-7753-43E0-B8FC-AC1667EBCBE1}">
-              <a14:hiddenEffects xmlns:a14="http://schemas.microsoft.com/office/drawing/2010/main" xmlns="">
+              <a14:hiddenEffects xmlns:a14="http://schemas.microsoft.com/office/drawing/2010/main">
                 <a:effectLst>
                   <a:outerShdw dist="35921" dir="2700000" algn="ctr" rotWithShape="0">
                     <a:schemeClr val="bg2"/>
@@ -22473,7 +23232,7 @@
     </p:spTree>
     <p:extLst>
       <p:ext uri="{BB962C8B-B14F-4D97-AF65-F5344CB8AC3E}">
-        <p14:creationId xmlns:p14="http://schemas.microsoft.com/office/powerpoint/2010/main" xmlns="" val="923722062"/>
+        <p14:creationId xmlns:p14="http://schemas.microsoft.com/office/powerpoint/2010/main" val="923722062"/>
       </p:ext>
     </p:extLst>
   </p:cSld>
@@ -22711,7 +23470,7 @@
           <a:blip r:embed="rId2" cstate="print">
             <a:extLst>
               <a:ext uri="{28A0092B-C50C-407E-A947-70E740481C1C}">
-                <a14:useLocalDpi xmlns:a14="http://schemas.microsoft.com/office/drawing/2010/main" xmlns="" val="0"/>
+                <a14:useLocalDpi xmlns:a14="http://schemas.microsoft.com/office/drawing/2010/main" val="0"/>
               </a:ext>
             </a:extLst>
           </a:blip>
@@ -22731,7 +23490,7 @@
           <a:noFill/>
           <a:extLst>
             <a:ext uri="{909E8E84-426E-40DD-AFC4-6F175D3DCCD1}">
-              <a14:hiddenFill xmlns:a14="http://schemas.microsoft.com/office/drawing/2010/main" xmlns="">
+              <a14:hiddenFill xmlns:a14="http://schemas.microsoft.com/office/drawing/2010/main">
                 <a:solidFill>
                   <a:srgbClr val="FFFFFF"/>
                 </a:solidFill>
@@ -22743,7 +23502,7 @@
     </p:spTree>
     <p:extLst>
       <p:ext uri="{BB962C8B-B14F-4D97-AF65-F5344CB8AC3E}">
-        <p14:creationId xmlns:p14="http://schemas.microsoft.com/office/powerpoint/2010/main" xmlns="" val="674631353"/>
+        <p14:creationId xmlns:p14="http://schemas.microsoft.com/office/powerpoint/2010/main" val="674631353"/>
       </p:ext>
     </p:extLst>
   </p:cSld>
@@ -22835,7 +23594,7 @@
           <p:nvPr>
             <p:extLst>
               <p:ext uri="{D42A27DB-BD31-4B8C-83A1-F6EECF244321}">
-                <p14:modId xmlns:p14="http://schemas.microsoft.com/office/powerpoint/2010/main" xmlns="" val="1852051571"/>
+                <p14:modId xmlns:p14="http://schemas.microsoft.com/office/powerpoint/2010/main" val="1852051571"/>
               </p:ext>
             </p:extLst>
           </p:nvPr>
@@ -23384,7 +24143,7 @@
           <a:blip r:embed="rId2" cstate="print">
             <a:extLst>
               <a:ext uri="{28A0092B-C50C-407E-A947-70E740481C1C}">
-                <a14:useLocalDpi xmlns:a14="http://schemas.microsoft.com/office/drawing/2010/main" xmlns="" val="0"/>
+                <a14:useLocalDpi xmlns:a14="http://schemas.microsoft.com/office/drawing/2010/main" val="0"/>
               </a:ext>
             </a:extLst>
           </a:blip>
@@ -23404,7 +24163,7 @@
           <a:noFill/>
           <a:extLst>
             <a:ext uri="{909E8E84-426E-40DD-AFC4-6F175D3DCCD1}">
-              <a14:hiddenFill xmlns:a14="http://schemas.microsoft.com/office/drawing/2010/main" xmlns="">
+              <a14:hiddenFill xmlns:a14="http://schemas.microsoft.com/office/drawing/2010/main">
                 <a:solidFill>
                   <a:srgbClr val="FFFFFF"/>
                 </a:solidFill>
@@ -23416,7 +24175,7 @@
     </p:spTree>
     <p:extLst>
       <p:ext uri="{BB962C8B-B14F-4D97-AF65-F5344CB8AC3E}">
-        <p14:creationId xmlns:p14="http://schemas.microsoft.com/office/powerpoint/2010/main" xmlns="" val="4091434407"/>
+        <p14:creationId xmlns:p14="http://schemas.microsoft.com/office/powerpoint/2010/main" val="4091434407"/>
       </p:ext>
     </p:extLst>
   </p:cSld>
@@ -23483,7 +24242,7 @@
             <p:ph idx="1"/>
             <p:extLst>
               <p:ext uri="{D42A27DB-BD31-4B8C-83A1-F6EECF244321}">
-                <p14:modId xmlns:p14="http://schemas.microsoft.com/office/powerpoint/2010/main" xmlns="" val="1715314121"/>
+                <p14:modId xmlns:p14="http://schemas.microsoft.com/office/powerpoint/2010/main" val="1939026704"/>
               </p:ext>
             </p:extLst>
           </p:nvPr>
@@ -23530,12 +24289,25 @@
             </a:r>
             <a:r>
               <a:rPr lang="en-US" sz="2400" i="1" dirty="0" smtClean="0"/>
-              <a:t>To build a web-based solution to facilitate the process of volunteer registration, project management till retention</a:t>
+              <a:t>To </a:t>
+            </a:r>
+            <a:r>
+              <a:rPr lang="en-US" sz="2400" i="1" dirty="0" smtClean="0"/>
+              <a:t>provide a solution </a:t>
+            </a:r>
+            <a:r>
+              <a:rPr lang="en-US" sz="2400" i="1" dirty="0" smtClean="0"/>
+              <a:t>to facilitate the process of volunteer registration, project </a:t>
+            </a:r>
+            <a:r>
+              <a:rPr lang="en-US" sz="2400" i="1" dirty="0" smtClean="0"/>
+              <a:t>management and certificate management</a:t>
             </a:r>
             <a:r>
               <a:rPr lang="en-US" dirty="0" smtClean="0"/>
               <a:t>.</a:t>
             </a:r>
+            <a:endParaRPr lang="en-US" dirty="0" smtClean="0"/>
           </a:p>
           <a:p>
             <a:pPr marL="457200" indent="-457200">
@@ -23620,7 +24392,7 @@
           <a:blip r:embed="rId2" cstate="print">
             <a:extLst>
               <a:ext uri="{28A0092B-C50C-407E-A947-70E740481C1C}">
-                <a14:useLocalDpi xmlns:a14="http://schemas.microsoft.com/office/drawing/2010/main" xmlns="" val="0"/>
+                <a14:useLocalDpi xmlns:a14="http://schemas.microsoft.com/office/drawing/2010/main" val="0"/>
               </a:ext>
             </a:extLst>
           </a:blip>
@@ -23640,7 +24412,7 @@
           <a:noFill/>
           <a:extLst>
             <a:ext uri="{909E8E84-426E-40DD-AFC4-6F175D3DCCD1}">
-              <a14:hiddenFill xmlns:a14="http://schemas.microsoft.com/office/drawing/2010/main" xmlns="">
+              <a14:hiddenFill xmlns:a14="http://schemas.microsoft.com/office/drawing/2010/main">
                 <a:solidFill>
                   <a:srgbClr val="FFFFFF"/>
                 </a:solidFill>
@@ -23704,165 +24476,6 @@
           </a:p>
         </p:txBody>
       </p:sp>
-      <p:sp>
-        <p:nvSpPr>
-          <p:cNvPr id="22533" name="Rectangle 5"/>
-          <p:cNvSpPr>
-            <a:spLocks noGrp="1" noChangeArrowheads="1"/>
-          </p:cNvSpPr>
-          <p:nvPr>
-            <p:ph type="body" idx="1"/>
-          </p:nvPr>
-        </p:nvSpPr>
-        <p:spPr>
-          <a:xfrm>
-            <a:off x="1143000" y="1524000"/>
-            <a:ext cx="7391400" cy="4648200"/>
-          </a:xfrm>
-        </p:spPr>
-        <p:txBody>
-          <a:bodyPr/>
-          <a:lstStyle/>
-          <a:p>
-            <a:pPr>
-              <a:buFont typeface="Wingdings" pitchFamily="2" charset="2"/>
-              <a:buChar char="v"/>
-            </a:pPr>
-            <a:r>
-              <a:rPr lang="en-US" dirty="0" smtClean="0">
-                <a:solidFill>
-                  <a:schemeClr val="bg1">
-                    <a:lumMod val="75000"/>
-                  </a:schemeClr>
-                </a:solidFill>
-              </a:rPr>
-              <a:t>Project Revisit</a:t>
-            </a:r>
-          </a:p>
-          <a:p>
-            <a:pPr>
-              <a:buFont typeface="Wingdings" pitchFamily="2" charset="2"/>
-              <a:buChar char="v"/>
-            </a:pPr>
-            <a:r>
-              <a:rPr lang="en-US" b="1" dirty="0"/>
-              <a:t>Use Case Modeling</a:t>
-            </a:r>
-          </a:p>
-          <a:p>
-            <a:pPr>
-              <a:buFont typeface="Wingdings" pitchFamily="2" charset="2"/>
-              <a:buChar char="v"/>
-            </a:pPr>
-            <a:r>
-              <a:rPr lang="en-US" dirty="0" smtClean="0">
-                <a:solidFill>
-                  <a:schemeClr val="bg1">
-                    <a:lumMod val="75000"/>
-                  </a:schemeClr>
-                </a:solidFill>
-              </a:rPr>
-              <a:t>Software Architecture</a:t>
-            </a:r>
-          </a:p>
-          <a:p>
-            <a:pPr>
-              <a:buFont typeface="Wingdings" pitchFamily="2" charset="2"/>
-              <a:buChar char="v"/>
-            </a:pPr>
-            <a:r>
-              <a:rPr lang="en-US" dirty="0" smtClean="0">
-                <a:solidFill>
-                  <a:schemeClr val="bg1">
-                    <a:lumMod val="75000"/>
-                  </a:schemeClr>
-                </a:solidFill>
-              </a:rPr>
-              <a:t>Demo of Prototype</a:t>
-            </a:r>
-          </a:p>
-          <a:p>
-            <a:pPr>
-              <a:buFont typeface="Wingdings" pitchFamily="2" charset="2"/>
-              <a:buChar char="v"/>
-            </a:pPr>
-            <a:r>
-              <a:rPr lang="en-US" dirty="0" smtClean="0">
-                <a:solidFill>
-                  <a:schemeClr val="bg1">
-                    <a:lumMod val="75000"/>
-                  </a:schemeClr>
-                </a:solidFill>
-              </a:rPr>
-              <a:t>Transition Strategy</a:t>
-            </a:r>
-          </a:p>
-          <a:p>
-            <a:pPr>
-              <a:buFont typeface="Wingdings" pitchFamily="2" charset="2"/>
-              <a:buChar char="v"/>
-            </a:pPr>
-            <a:r>
-              <a:rPr lang="en-US" dirty="0" smtClean="0">
-                <a:solidFill>
-                  <a:schemeClr val="bg1">
-                    <a:lumMod val="75000"/>
-                  </a:schemeClr>
-                </a:solidFill>
-              </a:rPr>
-              <a:t>Project Progress</a:t>
-            </a:r>
-          </a:p>
-          <a:p>
-            <a:pPr>
-              <a:buFont typeface="Wingdings" pitchFamily="2" charset="2"/>
-              <a:buChar char="v"/>
-            </a:pPr>
-            <a:r>
-              <a:rPr lang="en-US" dirty="0" smtClean="0">
-                <a:solidFill>
-                  <a:schemeClr val="bg1">
-                    <a:lumMod val="75000"/>
-                  </a:schemeClr>
-                </a:solidFill>
-              </a:rPr>
-              <a:t>Development Plan</a:t>
-            </a:r>
-          </a:p>
-          <a:p>
-            <a:pPr>
-              <a:buFont typeface="Wingdings" pitchFamily="2" charset="2"/>
-              <a:buChar char="v"/>
-            </a:pPr>
-            <a:r>
-              <a:rPr lang="en-US" dirty="0" smtClean="0">
-                <a:solidFill>
-                  <a:schemeClr val="bg1">
-                    <a:lumMod val="75000"/>
-                  </a:schemeClr>
-                </a:solidFill>
-              </a:rPr>
-              <a:t>Challenges &amp; Problems</a:t>
-            </a:r>
-          </a:p>
-          <a:p>
-            <a:pPr>
-              <a:buFont typeface="Wingdings" pitchFamily="2" charset="2"/>
-              <a:buChar char="v"/>
-            </a:pPr>
-            <a:r>
-              <a:rPr lang="en-US" dirty="0" smtClean="0">
-                <a:solidFill>
-                  <a:schemeClr val="bg1">
-                    <a:lumMod val="75000"/>
-                  </a:schemeClr>
-                </a:solidFill>
-              </a:rPr>
-              <a:t>Q &amp; A</a:t>
-            </a:r>
-          </a:p>
-        </p:txBody>
-      </p:sp>
       <p:pic>
         <p:nvPicPr>
           <p:cNvPr id="4" name="Picture 3" descr="C:\Users\Dio\AppData\Local\Microsoft\Windows\Temporary Internet Files\Content.IE5\J694V2JJ\MC900330873[1].wmf"/>
@@ -23875,7 +24488,7 @@
           <a:blip r:embed="rId2" cstate="print">
             <a:extLst>
               <a:ext uri="{28A0092B-C50C-407E-A947-70E740481C1C}">
-                <a14:useLocalDpi xmlns:a14="http://schemas.microsoft.com/office/drawing/2010/main" xmlns="" val="0"/>
+                <a14:useLocalDpi xmlns:a14="http://schemas.microsoft.com/office/drawing/2010/main" val="0"/>
               </a:ext>
             </a:extLst>
           </a:blip>
@@ -23895,7 +24508,7 @@
           <a:noFill/>
           <a:extLst>
             <a:ext uri="{909E8E84-426E-40DD-AFC4-6F175D3DCCD1}">
-              <a14:hiddenFill xmlns:a14="http://schemas.microsoft.com/office/drawing/2010/main" xmlns="">
+              <a14:hiddenFill xmlns:a14="http://schemas.microsoft.com/office/drawing/2010/main">
                 <a:solidFill>
                   <a:srgbClr val="FFFFFF"/>
                 </a:solidFill>
@@ -23904,10 +24517,343 @@
           </a:extLst>
         </p:spPr>
       </p:pic>
+      <p:sp>
+        <p:nvSpPr>
+          <p:cNvPr id="7" name="Rectangle 5"/>
+          <p:cNvSpPr txBox="1">
+            <a:spLocks noChangeArrowheads="1"/>
+          </p:cNvSpPr>
+          <p:nvPr/>
+        </p:nvSpPr>
+        <p:spPr bwMode="auto">
+          <a:xfrm>
+            <a:off x="1143000" y="1524000"/>
+            <a:ext cx="7391400" cy="4648200"/>
+          </a:xfrm>
+          <a:prstGeom prst="rect">
+            <a:avLst/>
+          </a:prstGeom>
+          <a:noFill/>
+          <a:ln w="9525">
+            <a:noFill/>
+            <a:miter lim="800000"/>
+            <a:headEnd/>
+            <a:tailEnd/>
+          </a:ln>
+          <a:effectLst/>
+        </p:spPr>
+        <p:txBody>
+          <a:bodyPr vert="horz" wrap="square" lIns="91440" tIns="45720" rIns="91440" bIns="45720" numCol="1" anchor="t" anchorCtr="0" compatLnSpc="1">
+            <a:prstTxWarp prst="textNoShape">
+              <a:avLst/>
+            </a:prstTxWarp>
+          </a:bodyPr>
+          <a:lstStyle>
+            <a:lvl1pPr marL="342900" indent="-342900" algn="l" rtl="0" eaLnBrk="1" fontAlgn="base" hangingPunct="1">
+              <a:spcBef>
+                <a:spcPct val="25000"/>
+              </a:spcBef>
+              <a:spcAft>
+                <a:spcPct val="0"/>
+              </a:spcAft>
+              <a:buClr>
+                <a:schemeClr val="tx2"/>
+              </a:buClr>
+              <a:buSzPct val="60000"/>
+              <a:buFont typeface="Wingdings" pitchFamily="2" charset="2"/>
+              <a:defRPr sz="2700">
+                <a:solidFill>
+                  <a:schemeClr val="tx1"/>
+                </a:solidFill>
+                <a:latin typeface="+mn-lt"/>
+                <a:ea typeface="+mn-ea"/>
+                <a:cs typeface="+mn-cs"/>
+              </a:defRPr>
+            </a:lvl1pPr>
+            <a:lvl2pPr marL="692150" indent="-347663" algn="l" rtl="0" eaLnBrk="1" fontAlgn="base" hangingPunct="1">
+              <a:spcBef>
+                <a:spcPct val="0"/>
+              </a:spcBef>
+              <a:spcAft>
+                <a:spcPct val="25000"/>
+              </a:spcAft>
+              <a:buClr>
+                <a:schemeClr val="accent2"/>
+              </a:buClr>
+              <a:buSzPct val="55000"/>
+              <a:buFont typeface="Wingdings" pitchFamily="2" charset="2"/>
+              <a:buChar char="l"/>
+              <a:defRPr sz="2400">
+                <a:solidFill>
+                  <a:schemeClr val="tx1"/>
+                </a:solidFill>
+                <a:latin typeface="+mn-lt"/>
+              </a:defRPr>
+            </a:lvl2pPr>
+            <a:lvl3pPr marL="987425" indent="-293688" algn="l" rtl="0" eaLnBrk="1" fontAlgn="base" hangingPunct="1">
+              <a:spcBef>
+                <a:spcPct val="0"/>
+              </a:spcBef>
+              <a:spcAft>
+                <a:spcPct val="25000"/>
+              </a:spcAft>
+              <a:buClr>
+                <a:schemeClr val="accent1"/>
+              </a:buClr>
+              <a:buSzPct val="50000"/>
+              <a:buFont typeface="Wingdings" pitchFamily="2" charset="2"/>
+              <a:buChar char="l"/>
+              <a:defRPr sz="2200">
+                <a:solidFill>
+                  <a:schemeClr val="tx1"/>
+                </a:solidFill>
+                <a:latin typeface="+mn-lt"/>
+              </a:defRPr>
+            </a:lvl3pPr>
+            <a:lvl4pPr marL="1281113" indent="-292100" algn="l" rtl="0" eaLnBrk="1" fontAlgn="base" hangingPunct="1">
+              <a:spcBef>
+                <a:spcPct val="20000"/>
+              </a:spcBef>
+              <a:spcAft>
+                <a:spcPct val="0"/>
+              </a:spcAft>
+              <a:buClr>
+                <a:schemeClr val="tx2"/>
+              </a:buClr>
+              <a:buSzPct val="75000"/>
+              <a:buFont typeface="Wingdings" pitchFamily="2" charset="2"/>
+              <a:buChar char="§"/>
+              <a:defRPr sz="2000">
+                <a:solidFill>
+                  <a:schemeClr val="tx1"/>
+                </a:solidFill>
+                <a:latin typeface="+mn-lt"/>
+              </a:defRPr>
+            </a:lvl4pPr>
+            <a:lvl5pPr marL="1598613" indent="-315913" algn="l" rtl="0" eaLnBrk="1" fontAlgn="base" hangingPunct="1">
+              <a:spcBef>
+                <a:spcPct val="20000"/>
+              </a:spcBef>
+              <a:spcAft>
+                <a:spcPct val="0"/>
+              </a:spcAft>
+              <a:buClr>
+                <a:schemeClr val="folHlink"/>
+              </a:buClr>
+              <a:buSzPct val="80000"/>
+              <a:buFont typeface="Wingdings" pitchFamily="2" charset="2"/>
+              <a:buChar char="§"/>
+              <a:defRPr sz="2000">
+                <a:solidFill>
+                  <a:schemeClr val="tx1"/>
+                </a:solidFill>
+                <a:latin typeface="+mn-lt"/>
+              </a:defRPr>
+            </a:lvl5pPr>
+            <a:lvl6pPr marL="2055813" indent="-315913" algn="l" rtl="0" eaLnBrk="1" fontAlgn="base" hangingPunct="1">
+              <a:spcBef>
+                <a:spcPct val="20000"/>
+              </a:spcBef>
+              <a:spcAft>
+                <a:spcPct val="0"/>
+              </a:spcAft>
+              <a:buClr>
+                <a:schemeClr val="folHlink"/>
+              </a:buClr>
+              <a:buSzPct val="80000"/>
+              <a:buFont typeface="Wingdings" pitchFamily="2" charset="2"/>
+              <a:buChar char="§"/>
+              <a:defRPr sz="2000">
+                <a:solidFill>
+                  <a:schemeClr val="tx1"/>
+                </a:solidFill>
+                <a:latin typeface="+mn-lt"/>
+              </a:defRPr>
+            </a:lvl6pPr>
+            <a:lvl7pPr marL="2513013" indent="-315913" algn="l" rtl="0" eaLnBrk="1" fontAlgn="base" hangingPunct="1">
+              <a:spcBef>
+                <a:spcPct val="20000"/>
+              </a:spcBef>
+              <a:spcAft>
+                <a:spcPct val="0"/>
+              </a:spcAft>
+              <a:buClr>
+                <a:schemeClr val="folHlink"/>
+              </a:buClr>
+              <a:buSzPct val="80000"/>
+              <a:buFont typeface="Wingdings" pitchFamily="2" charset="2"/>
+              <a:buChar char="§"/>
+              <a:defRPr sz="2000">
+                <a:solidFill>
+                  <a:schemeClr val="tx1"/>
+                </a:solidFill>
+                <a:latin typeface="+mn-lt"/>
+              </a:defRPr>
+            </a:lvl7pPr>
+            <a:lvl8pPr marL="2970213" indent="-315913" algn="l" rtl="0" eaLnBrk="1" fontAlgn="base" hangingPunct="1">
+              <a:spcBef>
+                <a:spcPct val="20000"/>
+              </a:spcBef>
+              <a:spcAft>
+                <a:spcPct val="0"/>
+              </a:spcAft>
+              <a:buClr>
+                <a:schemeClr val="folHlink"/>
+              </a:buClr>
+              <a:buSzPct val="80000"/>
+              <a:buFont typeface="Wingdings" pitchFamily="2" charset="2"/>
+              <a:buChar char="§"/>
+              <a:defRPr sz="2000">
+                <a:solidFill>
+                  <a:schemeClr val="tx1"/>
+                </a:solidFill>
+                <a:latin typeface="+mn-lt"/>
+              </a:defRPr>
+            </a:lvl8pPr>
+            <a:lvl9pPr marL="3427413" indent="-315913" algn="l" rtl="0" eaLnBrk="1" fontAlgn="base" hangingPunct="1">
+              <a:spcBef>
+                <a:spcPct val="20000"/>
+              </a:spcBef>
+              <a:spcAft>
+                <a:spcPct val="0"/>
+              </a:spcAft>
+              <a:buClr>
+                <a:schemeClr val="folHlink"/>
+              </a:buClr>
+              <a:buSzPct val="80000"/>
+              <a:buFont typeface="Wingdings" pitchFamily="2" charset="2"/>
+              <a:buChar char="§"/>
+              <a:defRPr sz="2000">
+                <a:solidFill>
+                  <a:schemeClr val="tx1"/>
+                </a:solidFill>
+                <a:latin typeface="+mn-lt"/>
+              </a:defRPr>
+            </a:lvl9pPr>
+          </a:lstStyle>
+          <a:p>
+            <a:pPr>
+              <a:buFont typeface="Wingdings" pitchFamily="2" charset="2"/>
+              <a:buChar char="v"/>
+            </a:pPr>
+            <a:r>
+              <a:rPr lang="en-US" b="1" smtClean="0">
+                <a:solidFill>
+                  <a:schemeClr val="tx2"/>
+                </a:solidFill>
+              </a:rPr>
+              <a:t>Project Revisit</a:t>
+            </a:r>
+          </a:p>
+          <a:p>
+            <a:pPr>
+              <a:buFont typeface="Wingdings" pitchFamily="2" charset="2"/>
+              <a:buChar char="v"/>
+            </a:pPr>
+            <a:r>
+              <a:rPr lang="en-US" b="1" smtClean="0">
+                <a:solidFill>
+                  <a:schemeClr val="bg1">
+                    <a:lumMod val="65000"/>
+                  </a:schemeClr>
+                </a:solidFill>
+              </a:rPr>
+              <a:t>Design &amp; Architecture</a:t>
+            </a:r>
+          </a:p>
+          <a:p>
+            <a:pPr>
+              <a:buFont typeface="Wingdings" pitchFamily="2" charset="2"/>
+              <a:buChar char="v"/>
+            </a:pPr>
+            <a:r>
+              <a:rPr lang="en-US" b="1" smtClean="0">
+                <a:solidFill>
+                  <a:schemeClr val="bg1">
+                    <a:lumMod val="65000"/>
+                  </a:schemeClr>
+                </a:solidFill>
+              </a:rPr>
+              <a:t>Detailed Design</a:t>
+            </a:r>
+          </a:p>
+          <a:p>
+            <a:pPr>
+              <a:buFont typeface="Wingdings" pitchFamily="2" charset="2"/>
+              <a:buChar char="v"/>
+            </a:pPr>
+            <a:r>
+              <a:rPr lang="en-US" b="1" smtClean="0">
+                <a:solidFill>
+                  <a:schemeClr val="bg1">
+                    <a:lumMod val="65000"/>
+                  </a:schemeClr>
+                </a:solidFill>
+              </a:rPr>
+              <a:t>Development Strategy</a:t>
+            </a:r>
+          </a:p>
+          <a:p>
+            <a:pPr>
+              <a:buFont typeface="Wingdings" pitchFamily="2" charset="2"/>
+              <a:buChar char="v"/>
+            </a:pPr>
+            <a:r>
+              <a:rPr lang="en-US" b="1" smtClean="0">
+                <a:solidFill>
+                  <a:schemeClr val="bg1">
+                    <a:lumMod val="65000"/>
+                  </a:schemeClr>
+                </a:solidFill>
+              </a:rPr>
+              <a:t>Demo of Product</a:t>
+            </a:r>
+          </a:p>
+          <a:p>
+            <a:pPr>
+              <a:buFont typeface="Wingdings" pitchFamily="2" charset="2"/>
+              <a:buChar char="v"/>
+            </a:pPr>
+            <a:r>
+              <a:rPr lang="en-US" b="1" smtClean="0">
+                <a:solidFill>
+                  <a:schemeClr val="bg1">
+                    <a:lumMod val="65000"/>
+                  </a:schemeClr>
+                </a:solidFill>
+              </a:rPr>
+              <a:t>Project Mgmt Report</a:t>
+            </a:r>
+          </a:p>
+          <a:p>
+            <a:pPr>
+              <a:buFont typeface="Wingdings" pitchFamily="2" charset="2"/>
+              <a:buChar char="v"/>
+            </a:pPr>
+            <a:r>
+              <a:rPr lang="en-US" b="1" smtClean="0">
+                <a:solidFill>
+                  <a:schemeClr val="bg1">
+                    <a:lumMod val="65000"/>
+                  </a:schemeClr>
+                </a:solidFill>
+              </a:rPr>
+              <a:t>Q &amp; A</a:t>
+            </a:r>
+            <a:endParaRPr lang="en-US" b="1" dirty="0" smtClean="0">
+              <a:solidFill>
+                <a:schemeClr val="bg1">
+                  <a:lumMod val="65000"/>
+                </a:schemeClr>
+              </a:solidFill>
+            </a:endParaRPr>
+          </a:p>
+        </p:txBody>
+      </p:sp>
     </p:spTree>
     <p:extLst>
       <p:ext uri="{BB962C8B-B14F-4D97-AF65-F5344CB8AC3E}">
-        <p14:creationId xmlns:p14="http://schemas.microsoft.com/office/powerpoint/2010/main" xmlns="" val="706440204"/>
+        <p14:creationId xmlns:p14="http://schemas.microsoft.com/office/powerpoint/2010/main" val="706440204"/>
       </p:ext>
     </p:extLst>
   </p:cSld>
@@ -24189,7 +25135,7 @@
           <a:blip r:embed="rId2" cstate="print">
             <a:extLst>
               <a:ext uri="{28A0092B-C50C-407E-A947-70E740481C1C}">
-                <a14:useLocalDpi xmlns:a14="http://schemas.microsoft.com/office/drawing/2010/main" xmlns="" val="0"/>
+                <a14:useLocalDpi xmlns:a14="http://schemas.microsoft.com/office/drawing/2010/main" val="0"/>
               </a:ext>
             </a:extLst>
           </a:blip>
@@ -24212,14 +25158,14 @@
           </a:ln>
           <a:extLst>
             <a:ext uri="{909E8E84-426E-40DD-AFC4-6F175D3DCCD1}">
-              <a14:hiddenFill xmlns:a14="http://schemas.microsoft.com/office/drawing/2010/main" xmlns="">
+              <a14:hiddenFill xmlns:a14="http://schemas.microsoft.com/office/drawing/2010/main">
                 <a:solidFill>
                   <a:srgbClr val="FFFFFF"/>
                 </a:solidFill>
               </a14:hiddenFill>
             </a:ext>
             <a:ext uri="{91240B29-F687-4F45-9708-019B960494DF}">
-              <a14:hiddenLine xmlns:a14="http://schemas.microsoft.com/office/drawing/2010/main" xmlns="" w="9525">
+              <a14:hiddenLine xmlns:a14="http://schemas.microsoft.com/office/drawing/2010/main" w="9525">
                 <a:solidFill>
                   <a:srgbClr val="000000"/>
                 </a:solidFill>
@@ -24234,7 +25180,7 @@
     </p:spTree>
     <p:extLst>
       <p:ext uri="{BB962C8B-B14F-4D97-AF65-F5344CB8AC3E}">
-        <p14:creationId xmlns:p14="http://schemas.microsoft.com/office/powerpoint/2010/main" xmlns="" val="107169001"/>
+        <p14:creationId xmlns:p14="http://schemas.microsoft.com/office/powerpoint/2010/main" val="107169001"/>
       </p:ext>
     </p:extLst>
   </p:cSld>
@@ -24333,17 +25279,8 @@
             </a:r>
             <a:r>
               <a:rPr lang="en-US" sz="2000" dirty="0" smtClean="0"/>
-              <a:t>Let </a:t>
+              <a:t>Let System Administrator to generate certificate requested by volunteers.</a:t>
             </a:r>
-            <a:r>
-              <a:rPr lang="en-US" sz="2000" dirty="0" smtClean="0"/>
-              <a:t>System Administrator to generate certificate requested by volunteers</a:t>
-            </a:r>
-            <a:r>
-              <a:rPr lang="en-US" sz="2000" dirty="0" smtClean="0"/>
-              <a:t>.</a:t>
-            </a:r>
-            <a:endParaRPr lang="en-US" sz="2000" dirty="0" smtClean="0"/>
           </a:p>
           <a:p>
             <a:r>
@@ -24366,7 +25303,7 @@
           <a:blip r:embed="rId2" cstate="print">
             <a:extLst>
               <a:ext uri="{28A0092B-C50C-407E-A947-70E740481C1C}">
-                <a14:useLocalDpi xmlns:a14="http://schemas.microsoft.com/office/drawing/2010/main" xmlns="" val="0"/>
+                <a14:useLocalDpi xmlns:a14="http://schemas.microsoft.com/office/drawing/2010/main" val="0"/>
               </a:ext>
             </a:extLst>
           </a:blip>
@@ -24389,14 +25326,14 @@
           </a:ln>
           <a:extLst>
             <a:ext uri="{909E8E84-426E-40DD-AFC4-6F175D3DCCD1}">
-              <a14:hiddenFill xmlns:a14="http://schemas.microsoft.com/office/drawing/2010/main" xmlns="">
+              <a14:hiddenFill xmlns:a14="http://schemas.microsoft.com/office/drawing/2010/main">
                 <a:solidFill>
                   <a:srgbClr val="FFFFFF"/>
                 </a:solidFill>
               </a14:hiddenFill>
             </a:ext>
             <a:ext uri="{91240B29-F687-4F45-9708-019B960494DF}">
-              <a14:hiddenLine xmlns:a14="http://schemas.microsoft.com/office/drawing/2010/main" xmlns="" w="9525">
+              <a14:hiddenLine xmlns:a14="http://schemas.microsoft.com/office/drawing/2010/main" w="9525">
                 <a:solidFill>
                   <a:srgbClr val="000000"/>
                 </a:solidFill>
@@ -24411,7 +25348,7 @@
     </p:spTree>
     <p:extLst>
       <p:ext uri="{BB962C8B-B14F-4D97-AF65-F5344CB8AC3E}">
-        <p14:creationId xmlns:p14="http://schemas.microsoft.com/office/powerpoint/2010/main" xmlns="" val="2481635434"/>
+        <p14:creationId xmlns:p14="http://schemas.microsoft.com/office/powerpoint/2010/main" val="2481635434"/>
       </p:ext>
     </p:extLst>
   </p:cSld>
@@ -24519,7 +25456,7 @@
           <a:blip r:embed="rId2" cstate="print">
             <a:extLst>
               <a:ext uri="{28A0092B-C50C-407E-A947-70E740481C1C}">
-                <a14:useLocalDpi xmlns:a14="http://schemas.microsoft.com/office/drawing/2010/main" xmlns="" val="0"/>
+                <a14:useLocalDpi xmlns:a14="http://schemas.microsoft.com/office/drawing/2010/main" val="0"/>
               </a:ext>
             </a:extLst>
           </a:blip>
@@ -24542,14 +25479,14 @@
           </a:ln>
           <a:extLst>
             <a:ext uri="{909E8E84-426E-40DD-AFC4-6F175D3DCCD1}">
-              <a14:hiddenFill xmlns:a14="http://schemas.microsoft.com/office/drawing/2010/main" xmlns="">
+              <a14:hiddenFill xmlns:a14="http://schemas.microsoft.com/office/drawing/2010/main">
                 <a:solidFill>
                   <a:srgbClr val="FFFFFF"/>
                 </a:solidFill>
               </a14:hiddenFill>
             </a:ext>
             <a:ext uri="{91240B29-F687-4F45-9708-019B960494DF}">
-              <a14:hiddenLine xmlns:a14="http://schemas.microsoft.com/office/drawing/2010/main" xmlns="" w="9525">
+              <a14:hiddenLine xmlns:a14="http://schemas.microsoft.com/office/drawing/2010/main" w="9525">
                 <a:solidFill>
                   <a:srgbClr val="000000"/>
                 </a:solidFill>
@@ -24564,7 +25501,7 @@
     </p:spTree>
     <p:extLst>
       <p:ext uri="{BB962C8B-B14F-4D97-AF65-F5344CB8AC3E}">
-        <p14:creationId xmlns:p14="http://schemas.microsoft.com/office/powerpoint/2010/main" xmlns="" val="3699847220"/>
+        <p14:creationId xmlns:p14="http://schemas.microsoft.com/office/powerpoint/2010/main" val="3699847220"/>
       </p:ext>
     </p:extLst>
   </p:cSld>
@@ -24703,7 +25640,7 @@
           <a:blip r:embed="rId2" cstate="print">
             <a:extLst>
               <a:ext uri="{28A0092B-C50C-407E-A947-70E740481C1C}">
-                <a14:useLocalDpi xmlns:a14="http://schemas.microsoft.com/office/drawing/2010/main" xmlns="" val="0"/>
+                <a14:useLocalDpi xmlns:a14="http://schemas.microsoft.com/office/drawing/2010/main" val="0"/>
               </a:ext>
             </a:extLst>
           </a:blip>
@@ -24726,14 +25663,14 @@
           </a:ln>
           <a:extLst>
             <a:ext uri="{909E8E84-426E-40DD-AFC4-6F175D3DCCD1}">
-              <a14:hiddenFill xmlns:a14="http://schemas.microsoft.com/office/drawing/2010/main" xmlns="">
+              <a14:hiddenFill xmlns:a14="http://schemas.microsoft.com/office/drawing/2010/main">
                 <a:solidFill>
                   <a:srgbClr val="FFFFFF"/>
                 </a:solidFill>
               </a14:hiddenFill>
             </a:ext>
             <a:ext uri="{91240B29-F687-4F45-9708-019B960494DF}">
-              <a14:hiddenLine xmlns:a14="http://schemas.microsoft.com/office/drawing/2010/main" xmlns="" w="9525">
+              <a14:hiddenLine xmlns:a14="http://schemas.microsoft.com/office/drawing/2010/main" w="9525">
                 <a:solidFill>
                   <a:srgbClr val="000000"/>
                 </a:solidFill>
@@ -24748,7 +25685,7 @@
     </p:spTree>
     <p:extLst>
       <p:ext uri="{BB962C8B-B14F-4D97-AF65-F5344CB8AC3E}">
-        <p14:creationId xmlns:p14="http://schemas.microsoft.com/office/powerpoint/2010/main" xmlns="" val="1219137844"/>
+        <p14:creationId xmlns:p14="http://schemas.microsoft.com/office/powerpoint/2010/main" val="1219137844"/>
       </p:ext>
     </p:extLst>
   </p:cSld>

--- a/docs/W-9 Working Document/W-9.3 Presentation Slides/Phase 3/vms_presentation_3_v0.1.pptx
+++ b/docs/W-9 Working Document/W-9.3 Presentation Slides/Phase 3/vms_presentation_3_v0.1.pptx
@@ -5,10 +5,10 @@
     <p:sldMasterId id="2147483652" r:id="rId1"/>
   </p:sldMasterIdLst>
   <p:notesMasterIdLst>
-    <p:notesMasterId r:id="rId29"/>
+    <p:notesMasterId r:id="rId33"/>
   </p:notesMasterIdLst>
   <p:handoutMasterIdLst>
-    <p:handoutMasterId r:id="rId30"/>
+    <p:handoutMasterId r:id="rId34"/>
   </p:handoutMasterIdLst>
   <p:sldIdLst>
     <p:sldId id="256" r:id="rId2"/>
@@ -17,27 +17,31 @@
     <p:sldId id="329" r:id="rId5"/>
     <p:sldId id="265" r:id="rId6"/>
     <p:sldId id="326" r:id="rId7"/>
-    <p:sldId id="325" r:id="rId8"/>
-    <p:sldId id="330" r:id="rId9"/>
-    <p:sldId id="331" r:id="rId10"/>
-    <p:sldId id="332" r:id="rId11"/>
+    <p:sldId id="330" r:id="rId8"/>
+    <p:sldId id="331" r:id="rId9"/>
+    <p:sldId id="332" r:id="rId10"/>
+    <p:sldId id="348" r:id="rId11"/>
     <p:sldId id="333" r:id="rId12"/>
     <p:sldId id="334" r:id="rId13"/>
     <p:sldId id="337" r:id="rId14"/>
     <p:sldId id="335" r:id="rId15"/>
-    <p:sldId id="336" r:id="rId16"/>
-    <p:sldId id="338" r:id="rId17"/>
-    <p:sldId id="339" r:id="rId18"/>
-    <p:sldId id="340" r:id="rId19"/>
-    <p:sldId id="341" r:id="rId20"/>
-    <p:sldId id="342" r:id="rId21"/>
-    <p:sldId id="319" r:id="rId22"/>
-    <p:sldId id="343" r:id="rId23"/>
-    <p:sldId id="344" r:id="rId24"/>
-    <p:sldId id="261" r:id="rId25"/>
-    <p:sldId id="311" r:id="rId26"/>
-    <p:sldId id="282" r:id="rId27"/>
-    <p:sldId id="345" r:id="rId28"/>
+    <p:sldId id="351" r:id="rId16"/>
+    <p:sldId id="352" r:id="rId17"/>
+    <p:sldId id="350" r:id="rId18"/>
+    <p:sldId id="336" r:id="rId19"/>
+    <p:sldId id="349" r:id="rId20"/>
+    <p:sldId id="338" r:id="rId21"/>
+    <p:sldId id="339" r:id="rId22"/>
+    <p:sldId id="342" r:id="rId23"/>
+    <p:sldId id="319" r:id="rId24"/>
+    <p:sldId id="343" r:id="rId25"/>
+    <p:sldId id="344" r:id="rId26"/>
+    <p:sldId id="261" r:id="rId27"/>
+    <p:sldId id="354" r:id="rId28"/>
+    <p:sldId id="353" r:id="rId29"/>
+    <p:sldId id="311" r:id="rId30"/>
+    <p:sldId id="282" r:id="rId31"/>
+    <p:sldId id="345" r:id="rId32"/>
   </p:sldIdLst>
   <p:sldSz cx="9144000" cy="6858000" type="screen4x3"/>
   <p:notesSz cx="7010400" cy="9296400"/>
@@ -1725,11 +1729,18 @@
         <a:lstStyle/>
         <a:p>
           <a:r>
-            <a:rPr lang="en-US" sz="1600" b="1" cap="none" spc="0" smtClean="0">
+            <a:rPr lang="en-US" sz="1600" b="1" cap="none" spc="0" dirty="0" smtClean="0">
               <a:ln/>
               <a:effectLst/>
             </a:rPr>
-            <a:t>Volunteer Management</a:t>
+            <a:t>Volunteer Management –</a:t>
+          </a:r>
+          <a:r>
+            <a:rPr lang="en-US" sz="1200" b="1" cap="none" spc="0" dirty="0" smtClean="0">
+              <a:ln/>
+              <a:effectLst/>
+            </a:rPr>
+            <a:t>register volunteer, invite to project, request for certificate</a:t>
           </a:r>
           <a:endParaRPr lang="en-US" sz="1600" b="1" cap="none" spc="0" dirty="0" smtClean="0">
             <a:ln/>
@@ -1784,7 +1795,14 @@
               <a:ln/>
               <a:effectLst/>
             </a:rPr>
-            <a:t>Project Management</a:t>
+            <a:t>Project Management </a:t>
+          </a:r>
+          <a:r>
+            <a:rPr lang="en-US" sz="1200" b="1" cap="none" spc="0" dirty="0" smtClean="0">
+              <a:ln/>
+              <a:effectLst/>
+            </a:rPr>
+            <a:t>– propose project, manage project members, closure of project</a:t>
           </a:r>
           <a:endParaRPr lang="en-US" sz="1600" b="1" cap="none" spc="0" dirty="0">
             <a:ln/>
@@ -1839,7 +1857,14 @@
               <a:ln/>
               <a:effectLst/>
             </a:rPr>
-            <a:t>Certificate Management</a:t>
+            <a:t>Certificate Management – </a:t>
+          </a:r>
+          <a:r>
+            <a:rPr lang="en-US" sz="1200" b="1" cap="none" spc="0" dirty="0" smtClean="0">
+              <a:ln/>
+              <a:effectLst/>
+            </a:rPr>
+            <a:t>request, generate and distribute certificate of completion</a:t>
           </a:r>
           <a:endParaRPr lang="en-US" sz="1600" b="1" cap="none" spc="0" dirty="0">
             <a:ln/>
@@ -1894,7 +1919,14 @@
               <a:ln/>
               <a:effectLst/>
             </a:rPr>
-            <a:t>Administration</a:t>
+            <a:t>Administration – </a:t>
+          </a:r>
+          <a:r>
+            <a:rPr lang="en-US" sz="1200" b="1" cap="none" spc="0" dirty="0" smtClean="0">
+              <a:ln/>
+              <a:effectLst/>
+            </a:rPr>
+            <a:t>authentication and authorization, infrastructure, utility</a:t>
           </a:r>
           <a:endParaRPr lang="en-US" sz="1600" b="1" cap="none" spc="0" dirty="0">
             <a:ln/>
@@ -1977,7 +2009,7 @@
       </dgm:t>
     </dgm:pt>
     <dgm:pt modelId="{E1A9A929-FEE8-4155-9F48-FAC5EE533310}" type="pres">
-      <dgm:prSet presAssocID="{885613C5-7A76-4AA0-92F0-EEDD9B446661}" presName="parentText" presStyleLbl="node1" presStyleIdx="0" presStyleCnt="4">
+      <dgm:prSet presAssocID="{885613C5-7A76-4AA0-92F0-EEDD9B446661}" presName="parentText" presStyleLbl="node1" presStyleIdx="0" presStyleCnt="4" custScaleY="152440">
         <dgm:presLayoutVars>
           <dgm:chMax val="0"/>
           <dgm:bulletEnabled val="1"/>
@@ -2052,7 +2084,7 @@
       </dgm:t>
     </dgm:pt>
     <dgm:pt modelId="{66C22AF7-7E37-41D2-944C-F904CFD2965B}" type="pres">
-      <dgm:prSet presAssocID="{68CDD154-F438-49AE-AED8-77DB9EC9D634}" presName="parentText" presStyleLbl="node1" presStyleIdx="1" presStyleCnt="4">
+      <dgm:prSet presAssocID="{68CDD154-F438-49AE-AED8-77DB9EC9D634}" presName="parentText" presStyleLbl="node1" presStyleIdx="1" presStyleCnt="4" custScaleY="143110">
         <dgm:presLayoutVars>
           <dgm:chMax val="0"/>
           <dgm:bulletEnabled val="1"/>
@@ -2127,7 +2159,7 @@
       </dgm:t>
     </dgm:pt>
     <dgm:pt modelId="{FB899ED4-0995-40A2-A345-468203D60C81}" type="pres">
-      <dgm:prSet presAssocID="{89B52B6D-D82C-42B0-BE38-A3B3D68F9C27}" presName="parentText" presStyleLbl="node1" presStyleIdx="2" presStyleCnt="4">
+      <dgm:prSet presAssocID="{89B52B6D-D82C-42B0-BE38-A3B3D68F9C27}" presName="parentText" presStyleLbl="node1" presStyleIdx="2" presStyleCnt="4" custScaleY="136423">
         <dgm:presLayoutVars>
           <dgm:chMax val="0"/>
           <dgm:bulletEnabled val="1"/>
@@ -2202,7 +2234,7 @@
       </dgm:t>
     </dgm:pt>
     <dgm:pt modelId="{25B48118-6B58-4064-9C50-F7B4852148FC}" type="pres">
-      <dgm:prSet presAssocID="{BF9A83B9-8111-4B78-8600-312D1688C140}" presName="parentText" presStyleLbl="node1" presStyleIdx="3" presStyleCnt="4">
+      <dgm:prSet presAssocID="{BF9A83B9-8111-4B78-8600-312D1688C140}" presName="parentText" presStyleLbl="node1" presStyleIdx="3" presStyleCnt="4" custScaleY="129103">
         <dgm:presLayoutVars>
           <dgm:chMax val="0"/>
           <dgm:bulletEnabled val="1"/>
@@ -2245,19 +2277,19 @@
     </dgm:pt>
   </dgm:ptLst>
   <dgm:cxnLst>
+    <dgm:cxn modelId="{F9582DDB-DFC3-4175-B98C-F72B5BECD3C0}" type="presOf" srcId="{89B52B6D-D82C-42B0-BE38-A3B3D68F9C27}" destId="{FB899ED4-0995-40A2-A345-468203D60C81}" srcOrd="1" destOrd="0" presId="urn:microsoft.com/office/officeart/2005/8/layout/list1"/>
+    <dgm:cxn modelId="{8FBAEF7C-3AAC-45F5-AA6B-9C5CBEB2D459}" type="presOf" srcId="{89B52B6D-D82C-42B0-BE38-A3B3D68F9C27}" destId="{0BB3654B-9C6D-4A61-87CC-E802B5686BC1}" srcOrd="0" destOrd="0" presId="urn:microsoft.com/office/officeart/2005/8/layout/list1"/>
+    <dgm:cxn modelId="{8C353EE9-137E-4342-B69C-258B369F2DEB}" type="presOf" srcId="{68CDD154-F438-49AE-AED8-77DB9EC9D634}" destId="{21C03DFF-8234-4BBD-95B9-2622D999B6CC}" srcOrd="0" destOrd="0" presId="urn:microsoft.com/office/officeart/2005/8/layout/list1"/>
+    <dgm:cxn modelId="{41B59570-FE80-4E7F-9E79-0C4F1EE64B49}" srcId="{EF1F78ED-E9D5-44E4-97D4-B3FEFD902986}" destId="{885613C5-7A76-4AA0-92F0-EEDD9B446661}" srcOrd="0" destOrd="0" parTransId="{A964CD41-1FAB-4DC7-BFB1-8EFFD3ADEC73}" sibTransId="{6C21FB75-BC17-41CC-880D-0FB92EFFD8D8}"/>
     <dgm:cxn modelId="{35499995-00A1-42F3-8DDF-3D9E3F5BEB8F}" type="presOf" srcId="{BF9A83B9-8111-4B78-8600-312D1688C140}" destId="{8ED20E6A-F08F-4955-95AA-301A4ACB2F6E}" srcOrd="0" destOrd="0" presId="urn:microsoft.com/office/officeart/2005/8/layout/list1"/>
-    <dgm:cxn modelId="{6ECAA53B-94AB-44C0-BFB0-B285BF0D20B7}" type="presOf" srcId="{885613C5-7A76-4AA0-92F0-EEDD9B446661}" destId="{81666E97-5860-45F1-88A5-99FAA589A582}" srcOrd="0" destOrd="0" presId="urn:microsoft.com/office/officeart/2005/8/layout/list1"/>
-    <dgm:cxn modelId="{8FBAEF7C-3AAC-45F5-AA6B-9C5CBEB2D459}" type="presOf" srcId="{89B52B6D-D82C-42B0-BE38-A3B3D68F9C27}" destId="{0BB3654B-9C6D-4A61-87CC-E802B5686BC1}" srcOrd="0" destOrd="0" presId="urn:microsoft.com/office/officeart/2005/8/layout/list1"/>
+    <dgm:cxn modelId="{1F7114F0-5DE3-4DE9-A921-58E29984CBB8}" type="presOf" srcId="{BF9A83B9-8111-4B78-8600-312D1688C140}" destId="{25B48118-6B58-4064-9C50-F7B4852148FC}" srcOrd="1" destOrd="0" presId="urn:microsoft.com/office/officeart/2005/8/layout/list1"/>
+    <dgm:cxn modelId="{4F805CDA-AF84-4E08-BC4F-0C99619FE2F8}" type="presOf" srcId="{EF1F78ED-E9D5-44E4-97D4-B3FEFD902986}" destId="{DD69F0F8-C7C4-4EF4-8C1C-51E0155113CE}" srcOrd="0" destOrd="0" presId="urn:microsoft.com/office/officeart/2005/8/layout/list1"/>
+    <dgm:cxn modelId="{BA1F67D6-1182-49BE-8474-0DE895C335F1}" type="presOf" srcId="{68CDD154-F438-49AE-AED8-77DB9EC9D634}" destId="{66C22AF7-7E37-41D2-944C-F904CFD2965B}" srcOrd="1" destOrd="0" presId="urn:microsoft.com/office/officeart/2005/8/layout/list1"/>
     <dgm:cxn modelId="{04B3E604-C413-457E-B68C-5144C6DC9915}" srcId="{EF1F78ED-E9D5-44E4-97D4-B3FEFD902986}" destId="{89B52B6D-D82C-42B0-BE38-A3B3D68F9C27}" srcOrd="2" destOrd="0" parTransId="{A5642D67-0660-487A-A1E2-D092914AC2EB}" sibTransId="{86F3C531-528D-49DB-9EB7-8C6D718BDBE9}"/>
     <dgm:cxn modelId="{CB57BA4F-ABA8-48A9-9D26-B1279D4664BC}" srcId="{EF1F78ED-E9D5-44E4-97D4-B3FEFD902986}" destId="{BF9A83B9-8111-4B78-8600-312D1688C140}" srcOrd="3" destOrd="0" parTransId="{8FA8D553-4648-4D63-9876-6E7449F8F18A}" sibTransId="{9D0571FA-F277-43A1-BCD9-ED2072122346}"/>
-    <dgm:cxn modelId="{8C353EE9-137E-4342-B69C-258B369F2DEB}" type="presOf" srcId="{68CDD154-F438-49AE-AED8-77DB9EC9D634}" destId="{21C03DFF-8234-4BBD-95B9-2622D999B6CC}" srcOrd="0" destOrd="0" presId="urn:microsoft.com/office/officeart/2005/8/layout/list1"/>
-    <dgm:cxn modelId="{F9582DDB-DFC3-4175-B98C-F72B5BECD3C0}" type="presOf" srcId="{89B52B6D-D82C-42B0-BE38-A3B3D68F9C27}" destId="{FB899ED4-0995-40A2-A345-468203D60C81}" srcOrd="1" destOrd="0" presId="urn:microsoft.com/office/officeart/2005/8/layout/list1"/>
-    <dgm:cxn modelId="{41B59570-FE80-4E7F-9E79-0C4F1EE64B49}" srcId="{EF1F78ED-E9D5-44E4-97D4-B3FEFD902986}" destId="{885613C5-7A76-4AA0-92F0-EEDD9B446661}" srcOrd="0" destOrd="0" parTransId="{A964CD41-1FAB-4DC7-BFB1-8EFFD3ADEC73}" sibTransId="{6C21FB75-BC17-41CC-880D-0FB92EFFD8D8}"/>
-    <dgm:cxn modelId="{1F7114F0-5DE3-4DE9-A921-58E29984CBB8}" type="presOf" srcId="{BF9A83B9-8111-4B78-8600-312D1688C140}" destId="{25B48118-6B58-4064-9C50-F7B4852148FC}" srcOrd="1" destOrd="0" presId="urn:microsoft.com/office/officeart/2005/8/layout/list1"/>
-    <dgm:cxn modelId="{BA1F67D6-1182-49BE-8474-0DE895C335F1}" type="presOf" srcId="{68CDD154-F438-49AE-AED8-77DB9EC9D634}" destId="{66C22AF7-7E37-41D2-944C-F904CFD2965B}" srcOrd="1" destOrd="0" presId="urn:microsoft.com/office/officeart/2005/8/layout/list1"/>
+    <dgm:cxn modelId="{6ECAA53B-94AB-44C0-BFB0-B285BF0D20B7}" type="presOf" srcId="{885613C5-7A76-4AA0-92F0-EEDD9B446661}" destId="{81666E97-5860-45F1-88A5-99FAA589A582}" srcOrd="0" destOrd="0" presId="urn:microsoft.com/office/officeart/2005/8/layout/list1"/>
+    <dgm:cxn modelId="{C0908D23-9A99-4281-96DC-EC491AE830BD}" type="presOf" srcId="{885613C5-7A76-4AA0-92F0-EEDD9B446661}" destId="{E1A9A929-FEE8-4155-9F48-FAC5EE533310}" srcOrd="1" destOrd="0" presId="urn:microsoft.com/office/officeart/2005/8/layout/list1"/>
     <dgm:cxn modelId="{C99778AD-4EA2-413E-988E-63DB77468AE8}" srcId="{EF1F78ED-E9D5-44E4-97D4-B3FEFD902986}" destId="{68CDD154-F438-49AE-AED8-77DB9EC9D634}" srcOrd="1" destOrd="0" parTransId="{80147D89-2F73-4A3C-8D2E-F94C278F0084}" sibTransId="{8E8D4616-98CD-450E-B33D-2C9FC2B13B55}"/>
-    <dgm:cxn modelId="{4F805CDA-AF84-4E08-BC4F-0C99619FE2F8}" type="presOf" srcId="{EF1F78ED-E9D5-44E4-97D4-B3FEFD902986}" destId="{DD69F0F8-C7C4-4EF4-8C1C-51E0155113CE}" srcOrd="0" destOrd="0" presId="urn:microsoft.com/office/officeart/2005/8/layout/list1"/>
-    <dgm:cxn modelId="{C0908D23-9A99-4281-96DC-EC491AE830BD}" type="presOf" srcId="{885613C5-7A76-4AA0-92F0-EEDD9B446661}" destId="{E1A9A929-FEE8-4155-9F48-FAC5EE533310}" srcOrd="1" destOrd="0" presId="urn:microsoft.com/office/officeart/2005/8/layout/list1"/>
     <dgm:cxn modelId="{2E8FBE82-60D5-4E28-8788-90C6768A8748}" type="presParOf" srcId="{DD69F0F8-C7C4-4EF4-8C1C-51E0155113CE}" destId="{2AC9D863-F73C-450B-9D85-60B005DA622F}" srcOrd="0" destOrd="0" presId="urn:microsoft.com/office/officeart/2005/8/layout/list1"/>
     <dgm:cxn modelId="{603A55B6-86E0-4120-AA17-3BF5F4392877}" type="presParOf" srcId="{2AC9D863-F73C-450B-9D85-60B005DA622F}" destId="{81666E97-5860-45F1-88A5-99FAA589A582}" srcOrd="0" destOrd="0" presId="urn:microsoft.com/office/officeart/2005/8/layout/list1"/>
     <dgm:cxn modelId="{267E8874-1357-4B3B-93DE-31ACF87BB41F}" type="presParOf" srcId="{2AC9D863-F73C-450B-9D85-60B005DA622F}" destId="{E1A9A929-FEE8-4155-9F48-FAC5EE533310}" srcOrd="1" destOrd="0" presId="urn:microsoft.com/office/officeart/2005/8/layout/list1"/>
@@ -2499,6 +2531,13 @@
         </dgm:presLayoutVars>
       </dgm:prSet>
       <dgm:spPr/>
+      <dgm:t>
+        <a:bodyPr/>
+        <a:lstStyle/>
+        <a:p>
+          <a:endParaRPr lang="en-US"/>
+        </a:p>
+      </dgm:t>
     </dgm:pt>
     <dgm:pt modelId="{ED311BE1-397F-470F-9B87-EBDD83C1A8B1}" type="pres">
       <dgm:prSet presAssocID="{CA50A931-1069-4175-B163-50B8EB4AC1F6}" presName="cycle" presStyleCnt="0"/>
@@ -2511,10 +2550,24 @@
         </dgm:presLayoutVars>
       </dgm:prSet>
       <dgm:spPr/>
+      <dgm:t>
+        <a:bodyPr/>
+        <a:lstStyle/>
+        <a:p>
+          <a:endParaRPr lang="en-US"/>
+        </a:p>
+      </dgm:t>
     </dgm:pt>
     <dgm:pt modelId="{4F522E55-7F78-45F7-B1DD-7D89911CCAC2}" type="pres">
       <dgm:prSet presAssocID="{0FAD1D8E-86DF-4578-9909-F8DF4251DE23}" presName="sibTransFirstNode" presStyleLbl="bgShp" presStyleIdx="0" presStyleCnt="1"/>
       <dgm:spPr/>
+      <dgm:t>
+        <a:bodyPr/>
+        <a:lstStyle/>
+        <a:p>
+          <a:endParaRPr lang="en-US"/>
+        </a:p>
+      </dgm:t>
     </dgm:pt>
     <dgm:pt modelId="{9B35761A-B460-4AB9-A8EC-BB248D5B0877}" type="pres">
       <dgm:prSet presAssocID="{195F6B75-99E4-493E-A75E-5F235DCDA336}" presName="nodeFollowingNodes" presStyleLbl="node1" presStyleIdx="1" presStyleCnt="5">
@@ -2523,6 +2576,13 @@
         </dgm:presLayoutVars>
       </dgm:prSet>
       <dgm:spPr/>
+      <dgm:t>
+        <a:bodyPr/>
+        <a:lstStyle/>
+        <a:p>
+          <a:endParaRPr lang="en-US"/>
+        </a:p>
+      </dgm:t>
     </dgm:pt>
     <dgm:pt modelId="{1DD4DA60-CC81-4052-99EE-69A25A3622D9}" type="pres">
       <dgm:prSet presAssocID="{10A8B4D3-9454-4CFB-850C-073C673707BE}" presName="nodeFollowingNodes" presStyleLbl="node1" presStyleIdx="2" presStyleCnt="5">
@@ -2531,6 +2591,13 @@
         </dgm:presLayoutVars>
       </dgm:prSet>
       <dgm:spPr/>
+      <dgm:t>
+        <a:bodyPr/>
+        <a:lstStyle/>
+        <a:p>
+          <a:endParaRPr lang="en-US"/>
+        </a:p>
+      </dgm:t>
     </dgm:pt>
     <dgm:pt modelId="{19F2488A-36F8-49B4-91FE-C55DE5269B9D}" type="pres">
       <dgm:prSet presAssocID="{40351AD1-6193-4D06-8332-C733BBFA9F81}" presName="nodeFollowingNodes" presStyleLbl="node1" presStyleIdx="3" presStyleCnt="5">
@@ -2539,6 +2606,13 @@
         </dgm:presLayoutVars>
       </dgm:prSet>
       <dgm:spPr/>
+      <dgm:t>
+        <a:bodyPr/>
+        <a:lstStyle/>
+        <a:p>
+          <a:endParaRPr lang="en-US"/>
+        </a:p>
+      </dgm:t>
     </dgm:pt>
     <dgm:pt modelId="{C84B3D13-14F1-4D00-8C47-D3EFE80E9219}" type="pres">
       <dgm:prSet presAssocID="{C4AD61FD-3B5F-4840-9270-EDDF7593DF28}" presName="nodeFollowingNodes" presStyleLbl="node1" presStyleIdx="4" presStyleCnt="5">
@@ -2547,21 +2621,28 @@
         </dgm:presLayoutVars>
       </dgm:prSet>
       <dgm:spPr/>
+      <dgm:t>
+        <a:bodyPr/>
+        <a:lstStyle/>
+        <a:p>
+          <a:endParaRPr lang="en-US"/>
+        </a:p>
+      </dgm:t>
     </dgm:pt>
   </dgm:ptLst>
   <dgm:cxnLst>
+    <dgm:cxn modelId="{F2687A57-3B29-4AC4-9C12-6B6C593BED1A}" srcId="{CA50A931-1069-4175-B163-50B8EB4AC1F6}" destId="{9E8CC7EC-4627-4221-9401-ED601BBDF0CB}" srcOrd="0" destOrd="0" parTransId="{1C1EA8FC-A1A4-4B36-A5B0-56DB366DC844}" sibTransId="{0FAD1D8E-86DF-4578-9909-F8DF4251DE23}"/>
     <dgm:cxn modelId="{D307A1B4-98A4-487F-AE8F-0622359B9612}" srcId="{CA50A931-1069-4175-B163-50B8EB4AC1F6}" destId="{C4AD61FD-3B5F-4840-9270-EDDF7593DF28}" srcOrd="4" destOrd="0" parTransId="{03CC3EBF-51D1-4CC2-8183-B30F9FDE0950}" sibTransId="{3DB5D5CC-E076-4ED3-B1B3-9CEAFBCA8571}"/>
     <dgm:cxn modelId="{15036D50-E427-43F8-9A92-52827E206B91}" srcId="{CA50A931-1069-4175-B163-50B8EB4AC1F6}" destId="{40351AD1-6193-4D06-8332-C733BBFA9F81}" srcOrd="3" destOrd="0" parTransId="{7C12FCAD-0666-48A4-A163-67A0BBBA2B58}" sibTransId="{F67BBF3F-8A36-45E9-92B6-6CF670F578F6}"/>
     <dgm:cxn modelId="{8AE827DC-59FD-4B09-BEC5-828741477648}" type="presOf" srcId="{C4AD61FD-3B5F-4840-9270-EDDF7593DF28}" destId="{C84B3D13-14F1-4D00-8C47-D3EFE80E9219}" srcOrd="0" destOrd="0" presId="urn:microsoft.com/office/officeart/2005/8/layout/cycle3"/>
+    <dgm:cxn modelId="{343B69BC-6848-40FC-9411-5096EBE78853}" type="presOf" srcId="{0FAD1D8E-86DF-4578-9909-F8DF4251DE23}" destId="{4F522E55-7F78-45F7-B1DD-7D89911CCAC2}" srcOrd="0" destOrd="0" presId="urn:microsoft.com/office/officeart/2005/8/layout/cycle3"/>
+    <dgm:cxn modelId="{529D1D96-2077-454A-996F-09889F268A5B}" type="presOf" srcId="{40351AD1-6193-4D06-8332-C733BBFA9F81}" destId="{19F2488A-36F8-49B4-91FE-C55DE5269B9D}" srcOrd="0" destOrd="0" presId="urn:microsoft.com/office/officeart/2005/8/layout/cycle3"/>
+    <dgm:cxn modelId="{8011F6B3-A324-470F-8ADD-12118F18FB8C}" type="presOf" srcId="{CA50A931-1069-4175-B163-50B8EB4AC1F6}" destId="{8BB1222A-F80F-4E72-8518-CC0C380AF739}" srcOrd="0" destOrd="0" presId="urn:microsoft.com/office/officeart/2005/8/layout/cycle3"/>
+    <dgm:cxn modelId="{C6D4AAEE-4175-4E8F-9F27-B92235B8AD42}" type="presOf" srcId="{10A8B4D3-9454-4CFB-850C-073C673707BE}" destId="{1DD4DA60-CC81-4052-99EE-69A25A3622D9}" srcOrd="0" destOrd="0" presId="urn:microsoft.com/office/officeart/2005/8/layout/cycle3"/>
+    <dgm:cxn modelId="{8A82A348-EFF0-41FA-AD9E-CB7A757A1074}" type="presOf" srcId="{9E8CC7EC-4627-4221-9401-ED601BBDF0CB}" destId="{931FAFF9-A2B5-41B5-AF40-5894F118D1B1}" srcOrd="0" destOrd="0" presId="urn:microsoft.com/office/officeart/2005/8/layout/cycle3"/>
+    <dgm:cxn modelId="{04AF68A8-AA6C-4555-8B5C-FA0A74DED0A8}" type="presOf" srcId="{195F6B75-99E4-493E-A75E-5F235DCDA336}" destId="{9B35761A-B460-4AB9-A8EC-BB248D5B0877}" srcOrd="0" destOrd="0" presId="urn:microsoft.com/office/officeart/2005/8/layout/cycle3"/>
     <dgm:cxn modelId="{7220AF58-2172-4B0B-8F3F-DAD50098F86D}" srcId="{CA50A931-1069-4175-B163-50B8EB4AC1F6}" destId="{195F6B75-99E4-493E-A75E-5F235DCDA336}" srcOrd="1" destOrd="0" parTransId="{EC0D68D0-1A1A-4CBE-9837-B97ECB2E9917}" sibTransId="{11333E5D-B192-4D6E-8EDB-42171D5CE814}"/>
-    <dgm:cxn modelId="{529D1D96-2077-454A-996F-09889F268A5B}" type="presOf" srcId="{40351AD1-6193-4D06-8332-C733BBFA9F81}" destId="{19F2488A-36F8-49B4-91FE-C55DE5269B9D}" srcOrd="0" destOrd="0" presId="urn:microsoft.com/office/officeart/2005/8/layout/cycle3"/>
-    <dgm:cxn modelId="{343B69BC-6848-40FC-9411-5096EBE78853}" type="presOf" srcId="{0FAD1D8E-86DF-4578-9909-F8DF4251DE23}" destId="{4F522E55-7F78-45F7-B1DD-7D89911CCAC2}" srcOrd="0" destOrd="0" presId="urn:microsoft.com/office/officeart/2005/8/layout/cycle3"/>
-    <dgm:cxn modelId="{C6D4AAEE-4175-4E8F-9F27-B92235B8AD42}" type="presOf" srcId="{10A8B4D3-9454-4CFB-850C-073C673707BE}" destId="{1DD4DA60-CC81-4052-99EE-69A25A3622D9}" srcOrd="0" destOrd="0" presId="urn:microsoft.com/office/officeart/2005/8/layout/cycle3"/>
-    <dgm:cxn modelId="{04AF68A8-AA6C-4555-8B5C-FA0A74DED0A8}" type="presOf" srcId="{195F6B75-99E4-493E-A75E-5F235DCDA336}" destId="{9B35761A-B460-4AB9-A8EC-BB248D5B0877}" srcOrd="0" destOrd="0" presId="urn:microsoft.com/office/officeart/2005/8/layout/cycle3"/>
-    <dgm:cxn modelId="{F2687A57-3B29-4AC4-9C12-6B6C593BED1A}" srcId="{CA50A931-1069-4175-B163-50B8EB4AC1F6}" destId="{9E8CC7EC-4627-4221-9401-ED601BBDF0CB}" srcOrd="0" destOrd="0" parTransId="{1C1EA8FC-A1A4-4B36-A5B0-56DB366DC844}" sibTransId="{0FAD1D8E-86DF-4578-9909-F8DF4251DE23}"/>
-    <dgm:cxn modelId="{8A82A348-EFF0-41FA-AD9E-CB7A757A1074}" type="presOf" srcId="{9E8CC7EC-4627-4221-9401-ED601BBDF0CB}" destId="{931FAFF9-A2B5-41B5-AF40-5894F118D1B1}" srcOrd="0" destOrd="0" presId="urn:microsoft.com/office/officeart/2005/8/layout/cycle3"/>
     <dgm:cxn modelId="{C00FB9D1-3D4D-4A1F-85BA-92F61C284AAE}" srcId="{CA50A931-1069-4175-B163-50B8EB4AC1F6}" destId="{10A8B4D3-9454-4CFB-850C-073C673707BE}" srcOrd="2" destOrd="0" parTransId="{92D0882A-608C-41A1-9FDE-70DA8C766605}" sibTransId="{A05FA412-2146-4CE5-AEA8-AA62862E1591}"/>
-    <dgm:cxn modelId="{8011F6B3-A324-470F-8ADD-12118F18FB8C}" type="presOf" srcId="{CA50A931-1069-4175-B163-50B8EB4AC1F6}" destId="{8BB1222A-F80F-4E72-8518-CC0C380AF739}" srcOrd="0" destOrd="0" presId="urn:microsoft.com/office/officeart/2005/8/layout/cycle3"/>
     <dgm:cxn modelId="{0A0907BB-0EF3-4923-9F88-3E59E1ACAF2F}" type="presParOf" srcId="{8BB1222A-F80F-4E72-8518-CC0C380AF739}" destId="{ED311BE1-397F-470F-9B87-EBDD83C1A8B1}" srcOrd="0" destOrd="0" presId="urn:microsoft.com/office/officeart/2005/8/layout/cycle3"/>
     <dgm:cxn modelId="{B79E563D-F17E-49F8-94C1-3E8C51F0044F}" type="presParOf" srcId="{ED311BE1-397F-470F-9B87-EBDD83C1A8B1}" destId="{931FAFF9-A2B5-41B5-AF40-5894F118D1B1}" srcOrd="0" destOrd="0" presId="urn:microsoft.com/office/officeart/2005/8/layout/cycle3"/>
     <dgm:cxn modelId="{98C2B429-2010-4EE2-AC35-2580FB66535A}" type="presParOf" srcId="{ED311BE1-397F-470F-9B87-EBDD83C1A8B1}" destId="{4F522E55-7F78-45F7-B1DD-7D89911CCAC2}" srcOrd="1" destOrd="0" presId="urn:microsoft.com/office/officeart/2005/8/layout/cycle3"/>
@@ -2595,7 +2676,7 @@
       </dsp:nvSpPr>
       <dsp:spPr>
         <a:xfrm>
-          <a:off x="0" y="306831"/>
+          <a:off x="0" y="512157"/>
           <a:ext cx="5791200" cy="378000"/>
         </a:xfrm>
         <a:prstGeom prst="rect">
@@ -2643,171 +2724,8 @@
       </dsp:nvSpPr>
       <dsp:spPr>
         <a:xfrm>
-          <a:off x="289560" y="85431"/>
-          <a:ext cx="4053840" cy="442800"/>
-        </a:xfrm>
-        <a:prstGeom prst="roundRect">
-          <a:avLst/>
-        </a:prstGeom>
-        <a:gradFill rotWithShape="0">
-          <a:gsLst>
-            <a:gs pos="0">
-              <a:schemeClr val="accent1">
-                <a:hueOff val="0"/>
-                <a:satOff val="0"/>
-                <a:lumOff val="0"/>
-                <a:alphaOff val="0"/>
-                <a:tint val="50000"/>
-                <a:satMod val="300000"/>
-              </a:schemeClr>
-            </a:gs>
-            <a:gs pos="35000">
-              <a:schemeClr val="accent1">
-                <a:hueOff val="0"/>
-                <a:satOff val="0"/>
-                <a:lumOff val="0"/>
-                <a:alphaOff val="0"/>
-                <a:tint val="37000"/>
-                <a:satMod val="300000"/>
-              </a:schemeClr>
-            </a:gs>
-            <a:gs pos="100000">
-              <a:schemeClr val="accent1">
-                <a:hueOff val="0"/>
-                <a:satOff val="0"/>
-                <a:lumOff val="0"/>
-                <a:alphaOff val="0"/>
-                <a:tint val="15000"/>
-                <a:satMod val="350000"/>
-              </a:schemeClr>
-            </a:gs>
-          </a:gsLst>
-          <a:lin ang="16200000" scaled="1"/>
-        </a:gradFill>
-        <a:ln>
-          <a:noFill/>
-        </a:ln>
-        <a:effectLst>
-          <a:outerShdw blurRad="40000" dist="20000" dir="5400000" rotWithShape="0">
-            <a:srgbClr val="000000">
-              <a:alpha val="38000"/>
-            </a:srgbClr>
-          </a:outerShdw>
-        </a:effectLst>
-        <a:scene3d>
-          <a:camera prst="orthographicFront"/>
-          <a:lightRig rig="flat" dir="t"/>
-        </a:scene3d>
-        <a:sp3d prstMaterial="dkEdge">
-          <a:bevelT w="8200" h="38100"/>
-        </a:sp3d>
-      </dsp:spPr>
-      <dsp:style>
-        <a:lnRef idx="0">
-          <a:scrgbClr r="0" g="0" b="0"/>
-        </a:lnRef>
-        <a:fillRef idx="2">
-          <a:scrgbClr r="0" g="0" b="0"/>
-        </a:fillRef>
-        <a:effectRef idx="1">
-          <a:scrgbClr r="0" g="0" b="0"/>
-        </a:effectRef>
-        <a:fontRef idx="minor">
-          <a:schemeClr val="dk1"/>
-        </a:fontRef>
-      </dsp:style>
-      <dsp:txBody>
-        <a:bodyPr spcFirstLastPara="0" vert="horz" wrap="square" lIns="153226" tIns="0" rIns="153226" bIns="0" numCol="1" spcCol="1270" anchor="ctr" anchorCtr="0">
-          <a:noAutofit/>
-        </a:bodyPr>
-        <a:lstStyle/>
-        <a:p>
-          <a:pPr lvl="0" algn="l" defTabSz="711200">
-            <a:lnSpc>
-              <a:spcPct val="90000"/>
-            </a:lnSpc>
-            <a:spcBef>
-              <a:spcPct val="0"/>
-            </a:spcBef>
-            <a:spcAft>
-              <a:spcPct val="35000"/>
-            </a:spcAft>
-          </a:pPr>
-          <a:r>
-            <a:rPr lang="en-US" sz="1600" b="1" kern="1200" cap="none" spc="0" smtClean="0">
-              <a:ln/>
-              <a:effectLst/>
-            </a:rPr>
-            <a:t>Volunteer Management</a:t>
-          </a:r>
-          <a:endParaRPr lang="en-US" sz="1600" b="1" kern="1200" cap="none" spc="0" dirty="0" smtClean="0">
-            <a:ln/>
-            <a:effectLst/>
-          </a:endParaRPr>
-        </a:p>
-      </dsp:txBody>
-      <dsp:txXfrm>
-        <a:off x="311176" y="107047"/>
-        <a:ext cx="4010608" cy="399568"/>
-      </dsp:txXfrm>
-    </dsp:sp>
-    <dsp:sp modelId="{F6B0ED51-C4BD-4727-BD27-53060818C439}">
-      <dsp:nvSpPr>
-        <dsp:cNvPr id="0" name=""/>
-        <dsp:cNvSpPr/>
-      </dsp:nvSpPr>
-      <dsp:spPr>
-        <a:xfrm>
-          <a:off x="0" y="987231"/>
-          <a:ext cx="5791200" cy="378000"/>
-        </a:xfrm>
-        <a:prstGeom prst="rect">
-          <a:avLst/>
-        </a:prstGeom>
-        <a:solidFill>
-          <a:schemeClr val="lt1">
-            <a:alpha val="90000"/>
-            <a:hueOff val="0"/>
-            <a:satOff val="0"/>
-            <a:lumOff val="0"/>
-            <a:alphaOff val="0"/>
-          </a:schemeClr>
-        </a:solidFill>
-        <a:ln w="9525" cap="flat" cmpd="sng" algn="ctr">
-          <a:solidFill>
-            <a:schemeClr val="accent1">
-              <a:hueOff val="0"/>
-              <a:satOff val="0"/>
-              <a:lumOff val="0"/>
-              <a:alphaOff val="0"/>
-            </a:schemeClr>
-          </a:solidFill>
-          <a:prstDash val="solid"/>
-        </a:ln>
-        <a:effectLst/>
-      </dsp:spPr>
-      <dsp:style>
-        <a:lnRef idx="1">
-          <a:scrgbClr r="0" g="0" b="0"/>
-        </a:lnRef>
-        <a:fillRef idx="1">
-          <a:scrgbClr r="0" g="0" b="0"/>
-        </a:fillRef>
-        <a:effectRef idx="0">
-          <a:scrgbClr r="0" g="0" b="0"/>
-        </a:effectRef>
-        <a:fontRef idx="minor"/>
-      </dsp:style>
-    </dsp:sp>
-    <dsp:sp modelId="{66C22AF7-7E37-41D2-944C-F904CFD2965B}">
-      <dsp:nvSpPr>
-        <dsp:cNvPr id="0" name=""/>
-        <dsp:cNvSpPr/>
-      </dsp:nvSpPr>
-      <dsp:spPr>
-        <a:xfrm>
-          <a:off x="289560" y="765831"/>
-          <a:ext cx="4053840" cy="442800"/>
+          <a:off x="289560" y="58552"/>
+          <a:ext cx="4053840" cy="675004"/>
         </a:xfrm>
         <a:prstGeom prst="roundRect">
           <a:avLst/>
@@ -2901,27 +2819,34 @@
               <a:ln/>
               <a:effectLst/>
             </a:rPr>
-            <a:t>Project Management</a:t>
+            <a:t>Volunteer Management –</a:t>
           </a:r>
-          <a:endParaRPr lang="en-US" sz="1600" b="1" kern="1200" cap="none" spc="0" dirty="0">
+          <a:r>
+            <a:rPr lang="en-US" sz="1200" b="1" kern="1200" cap="none" spc="0" dirty="0" smtClean="0">
+              <a:ln/>
+              <a:effectLst/>
+            </a:rPr>
+            <a:t>register volunteer, invite to project, request for certificate</a:t>
+          </a:r>
+          <a:endParaRPr lang="en-US" sz="1600" b="1" kern="1200" cap="none" spc="0" dirty="0" smtClean="0">
             <a:ln/>
             <a:effectLst/>
           </a:endParaRPr>
         </a:p>
       </dsp:txBody>
       <dsp:txXfrm>
-        <a:off x="311176" y="787447"/>
-        <a:ext cx="4010608" cy="399568"/>
+        <a:off x="322511" y="91503"/>
+        <a:ext cx="3987938" cy="609102"/>
       </dsp:txXfrm>
     </dsp:sp>
-    <dsp:sp modelId="{6F1F44CC-2CF6-4D1F-9380-EB8B891F3B87}">
+    <dsp:sp modelId="{F6B0ED51-C4BD-4727-BD27-53060818C439}">
       <dsp:nvSpPr>
         <dsp:cNvPr id="0" name=""/>
         <dsp:cNvSpPr/>
       </dsp:nvSpPr>
       <dsp:spPr>
         <a:xfrm>
-          <a:off x="0" y="1667631"/>
+          <a:off x="0" y="1383448"/>
           <a:ext cx="5791200" cy="378000"/>
         </a:xfrm>
         <a:prstGeom prst="rect">
@@ -2962,15 +2887,15 @@
         <a:fontRef idx="minor"/>
       </dsp:style>
     </dsp:sp>
-    <dsp:sp modelId="{FB899ED4-0995-40A2-A345-468203D60C81}">
+    <dsp:sp modelId="{66C22AF7-7E37-41D2-944C-F904CFD2965B}">
       <dsp:nvSpPr>
         <dsp:cNvPr id="0" name=""/>
         <dsp:cNvSpPr/>
       </dsp:nvSpPr>
       <dsp:spPr>
         <a:xfrm>
-          <a:off x="289560" y="1446231"/>
-          <a:ext cx="4053840" cy="442800"/>
+          <a:off x="289560" y="971157"/>
+          <a:ext cx="4053840" cy="633691"/>
         </a:xfrm>
         <a:prstGeom prst="roundRect">
           <a:avLst/>
@@ -3064,7 +2989,14 @@
               <a:ln/>
               <a:effectLst/>
             </a:rPr>
-            <a:t>Certificate Management</a:t>
+            <a:t>Project Management </a:t>
+          </a:r>
+          <a:r>
+            <a:rPr lang="en-US" sz="1200" b="1" kern="1200" cap="none" spc="0" dirty="0" smtClean="0">
+              <a:ln/>
+              <a:effectLst/>
+            </a:rPr>
+            <a:t>– propose project, manage project members, closure of project</a:t>
           </a:r>
           <a:endParaRPr lang="en-US" sz="1600" b="1" kern="1200" cap="none" spc="0" dirty="0">
             <a:ln/>
@@ -3073,18 +3005,18 @@
         </a:p>
       </dsp:txBody>
       <dsp:txXfrm>
-        <a:off x="311176" y="1467847"/>
-        <a:ext cx="4010608" cy="399568"/>
+        <a:off x="320494" y="1002091"/>
+        <a:ext cx="3991972" cy="571823"/>
       </dsp:txXfrm>
     </dsp:sp>
-    <dsp:sp modelId="{40AFF034-79FB-446D-A396-A1D78C5E83DA}">
+    <dsp:sp modelId="{6F1F44CC-2CF6-4D1F-9380-EB8B891F3B87}">
       <dsp:nvSpPr>
         <dsp:cNvPr id="0" name=""/>
         <dsp:cNvSpPr/>
       </dsp:nvSpPr>
       <dsp:spPr>
         <a:xfrm>
-          <a:off x="0" y="2348031"/>
+          <a:off x="0" y="2225129"/>
           <a:ext cx="5791200" cy="378000"/>
         </a:xfrm>
         <a:prstGeom prst="rect">
@@ -3125,15 +3057,15 @@
         <a:fontRef idx="minor"/>
       </dsp:style>
     </dsp:sp>
-    <dsp:sp modelId="{25B48118-6B58-4064-9C50-F7B4852148FC}">
+    <dsp:sp modelId="{FB899ED4-0995-40A2-A345-468203D60C81}">
       <dsp:nvSpPr>
         <dsp:cNvPr id="0" name=""/>
         <dsp:cNvSpPr/>
       </dsp:nvSpPr>
       <dsp:spPr>
         <a:xfrm>
-          <a:off x="289560" y="2126631"/>
-          <a:ext cx="4053840" cy="442800"/>
+          <a:off x="289560" y="1842448"/>
+          <a:ext cx="4053840" cy="604081"/>
         </a:xfrm>
         <a:prstGeom prst="roundRect">
           <a:avLst/>
@@ -3227,7 +3159,14 @@
               <a:ln/>
               <a:effectLst/>
             </a:rPr>
-            <a:t>Administration</a:t>
+            <a:t>Certificate Management – </a:t>
+          </a:r>
+          <a:r>
+            <a:rPr lang="en-US" sz="1200" b="1" kern="1200" cap="none" spc="0" dirty="0" smtClean="0">
+              <a:ln/>
+              <a:effectLst/>
+            </a:rPr>
+            <a:t>request, generate and distribute certificate of completion</a:t>
           </a:r>
           <a:endParaRPr lang="en-US" sz="1600" b="1" kern="1200" cap="none" spc="0" dirty="0">
             <a:ln/>
@@ -3236,8 +3175,178 @@
         </a:p>
       </dsp:txBody>
       <dsp:txXfrm>
-        <a:off x="311176" y="2148247"/>
-        <a:ext cx="4010608" cy="399568"/>
+        <a:off x="319049" y="1871937"/>
+        <a:ext cx="3994862" cy="545103"/>
+      </dsp:txXfrm>
+    </dsp:sp>
+    <dsp:sp modelId="{40AFF034-79FB-446D-A396-A1D78C5E83DA}">
+      <dsp:nvSpPr>
+        <dsp:cNvPr id="0" name=""/>
+        <dsp:cNvSpPr/>
+      </dsp:nvSpPr>
+      <dsp:spPr>
+        <a:xfrm>
+          <a:off x="0" y="3034397"/>
+          <a:ext cx="5791200" cy="378000"/>
+        </a:xfrm>
+        <a:prstGeom prst="rect">
+          <a:avLst/>
+        </a:prstGeom>
+        <a:solidFill>
+          <a:schemeClr val="lt1">
+            <a:alpha val="90000"/>
+            <a:hueOff val="0"/>
+            <a:satOff val="0"/>
+            <a:lumOff val="0"/>
+            <a:alphaOff val="0"/>
+          </a:schemeClr>
+        </a:solidFill>
+        <a:ln w="9525" cap="flat" cmpd="sng" algn="ctr">
+          <a:solidFill>
+            <a:schemeClr val="accent1">
+              <a:hueOff val="0"/>
+              <a:satOff val="0"/>
+              <a:lumOff val="0"/>
+              <a:alphaOff val="0"/>
+            </a:schemeClr>
+          </a:solidFill>
+          <a:prstDash val="solid"/>
+        </a:ln>
+        <a:effectLst/>
+      </dsp:spPr>
+      <dsp:style>
+        <a:lnRef idx="1">
+          <a:scrgbClr r="0" g="0" b="0"/>
+        </a:lnRef>
+        <a:fillRef idx="1">
+          <a:scrgbClr r="0" g="0" b="0"/>
+        </a:fillRef>
+        <a:effectRef idx="0">
+          <a:scrgbClr r="0" g="0" b="0"/>
+        </a:effectRef>
+        <a:fontRef idx="minor"/>
+      </dsp:style>
+    </dsp:sp>
+    <dsp:sp modelId="{25B48118-6B58-4064-9C50-F7B4852148FC}">
+      <dsp:nvSpPr>
+        <dsp:cNvPr id="0" name=""/>
+        <dsp:cNvSpPr/>
+      </dsp:nvSpPr>
+      <dsp:spPr>
+        <a:xfrm>
+          <a:off x="289560" y="2684129"/>
+          <a:ext cx="4053840" cy="571668"/>
+        </a:xfrm>
+        <a:prstGeom prst="roundRect">
+          <a:avLst/>
+        </a:prstGeom>
+        <a:gradFill rotWithShape="0">
+          <a:gsLst>
+            <a:gs pos="0">
+              <a:schemeClr val="accent1">
+                <a:hueOff val="0"/>
+                <a:satOff val="0"/>
+                <a:lumOff val="0"/>
+                <a:alphaOff val="0"/>
+                <a:tint val="50000"/>
+                <a:satMod val="300000"/>
+              </a:schemeClr>
+            </a:gs>
+            <a:gs pos="35000">
+              <a:schemeClr val="accent1">
+                <a:hueOff val="0"/>
+                <a:satOff val="0"/>
+                <a:lumOff val="0"/>
+                <a:alphaOff val="0"/>
+                <a:tint val="37000"/>
+                <a:satMod val="300000"/>
+              </a:schemeClr>
+            </a:gs>
+            <a:gs pos="100000">
+              <a:schemeClr val="accent1">
+                <a:hueOff val="0"/>
+                <a:satOff val="0"/>
+                <a:lumOff val="0"/>
+                <a:alphaOff val="0"/>
+                <a:tint val="15000"/>
+                <a:satMod val="350000"/>
+              </a:schemeClr>
+            </a:gs>
+          </a:gsLst>
+          <a:lin ang="16200000" scaled="1"/>
+        </a:gradFill>
+        <a:ln>
+          <a:noFill/>
+        </a:ln>
+        <a:effectLst>
+          <a:outerShdw blurRad="40000" dist="20000" dir="5400000" rotWithShape="0">
+            <a:srgbClr val="000000">
+              <a:alpha val="38000"/>
+            </a:srgbClr>
+          </a:outerShdw>
+        </a:effectLst>
+        <a:scene3d>
+          <a:camera prst="orthographicFront"/>
+          <a:lightRig rig="flat" dir="t"/>
+        </a:scene3d>
+        <a:sp3d prstMaterial="dkEdge">
+          <a:bevelT w="8200" h="38100"/>
+        </a:sp3d>
+      </dsp:spPr>
+      <dsp:style>
+        <a:lnRef idx="0">
+          <a:scrgbClr r="0" g="0" b="0"/>
+        </a:lnRef>
+        <a:fillRef idx="2">
+          <a:scrgbClr r="0" g="0" b="0"/>
+        </a:fillRef>
+        <a:effectRef idx="1">
+          <a:scrgbClr r="0" g="0" b="0"/>
+        </a:effectRef>
+        <a:fontRef idx="minor">
+          <a:schemeClr val="dk1"/>
+        </a:fontRef>
+      </dsp:style>
+      <dsp:txBody>
+        <a:bodyPr spcFirstLastPara="0" vert="horz" wrap="square" lIns="153226" tIns="0" rIns="153226" bIns="0" numCol="1" spcCol="1270" anchor="ctr" anchorCtr="0">
+          <a:noAutofit/>
+        </a:bodyPr>
+        <a:lstStyle/>
+        <a:p>
+          <a:pPr lvl="0" algn="l" defTabSz="711200">
+            <a:lnSpc>
+              <a:spcPct val="90000"/>
+            </a:lnSpc>
+            <a:spcBef>
+              <a:spcPct val="0"/>
+            </a:spcBef>
+            <a:spcAft>
+              <a:spcPct val="35000"/>
+            </a:spcAft>
+          </a:pPr>
+          <a:r>
+            <a:rPr lang="en-US" sz="1600" b="1" kern="1200" cap="none" spc="0" dirty="0" smtClean="0">
+              <a:ln/>
+              <a:effectLst/>
+            </a:rPr>
+            <a:t>Administration – </a:t>
+          </a:r>
+          <a:r>
+            <a:rPr lang="en-US" sz="1200" b="1" kern="1200" cap="none" spc="0" dirty="0" smtClean="0">
+              <a:ln/>
+              <a:effectLst/>
+            </a:rPr>
+            <a:t>authentication and authorization, infrastructure, utility</a:t>
+          </a:r>
+          <a:endParaRPr lang="en-US" sz="1600" b="1" kern="1200" cap="none" spc="0" dirty="0">
+            <a:ln/>
+            <a:effectLst/>
+          </a:endParaRPr>
+        </a:p>
+      </dsp:txBody>
+      <dsp:txXfrm>
+        <a:off x="317467" y="2712036"/>
+        <a:ext cx="3998026" cy="515854"/>
       </dsp:txXfrm>
     </dsp:sp>
   </dsp:spTree>
@@ -12691,8 +12800,8 @@
         </p:nvSpPr>
         <p:spPr>
           <a:xfrm>
-            <a:off x="381000" y="1143000"/>
-            <a:ext cx="7162800" cy="1622425"/>
+            <a:off x="228600" y="990600"/>
+            <a:ext cx="7086600" cy="1622425"/>
           </a:xfrm>
         </p:spPr>
         <p:txBody>
@@ -12705,8 +12814,38 @@
                 <a:latin typeface="Calibri" pitchFamily="34" charset="0"/>
                 <a:cs typeface="Calibri" pitchFamily="34" charset="0"/>
               </a:rPr>
-              <a:t>Volunteer Management System</a:t>
-            </a:r>
+              <a:t>Volunteer Management </a:t>
+            </a:r>
+            <a:r>
+              <a:rPr lang="en-US" sz="4000" dirty="0" smtClean="0">
+                <a:latin typeface="Calibri" pitchFamily="34" charset="0"/>
+                <a:cs typeface="Calibri" pitchFamily="34" charset="0"/>
+              </a:rPr>
+              <a:t>System</a:t>
+            </a:r>
+            <a:br>
+              <a:rPr lang="en-US" sz="4000" dirty="0" smtClean="0">
+                <a:latin typeface="Calibri" pitchFamily="34" charset="0"/>
+                <a:cs typeface="Calibri" pitchFamily="34" charset="0"/>
+              </a:rPr>
+            </a:br>
+            <a:r>
+              <a:rPr lang="en-US" sz="2000" b="0" dirty="0" smtClean="0">
+                <a:solidFill>
+                  <a:srgbClr val="0070C0"/>
+                </a:solidFill>
+                <a:latin typeface="Calibri" pitchFamily="34" charset="0"/>
+                <a:cs typeface="Calibri" pitchFamily="34" charset="0"/>
+              </a:rPr>
+              <a:t>http://group.myvnc.com/VMS</a:t>
+            </a:r>
+            <a:endParaRPr lang="en-US" sz="4000" b="0" dirty="0">
+              <a:solidFill>
+                <a:srgbClr val="0070C0"/>
+              </a:solidFill>
+              <a:latin typeface="Calibri" pitchFamily="34" charset="0"/>
+              <a:cs typeface="Calibri" pitchFamily="34" charset="0"/>
+            </a:endParaRPr>
           </a:p>
         </p:txBody>
       </p:sp>
@@ -12741,14 +12880,6 @@
               </a:rPr>
               <a:t>Presented by</a:t>
             </a:r>
-            <a:endParaRPr lang="en-US" sz="2400" b="1" dirty="0" smtClean="0">
-              <a:solidFill>
-                <a:schemeClr val="accent4">
-                  <a:lumMod val="75000"/>
-                  <a:lumOff val="25000"/>
-                </a:schemeClr>
-              </a:solidFill>
-            </a:endParaRPr>
           </a:p>
           <a:p>
             <a:r>
@@ -12861,7 +12992,7 @@
           <a:p>
             <a:r>
               <a:rPr lang="en-US" dirty="0" smtClean="0"/>
-              <a:t>System Detailed Design - 2</a:t>
+              <a:t>System Detailed Design - 3</a:t>
             </a:r>
             <a:endParaRPr lang="en-US" dirty="0"/>
           </a:p>
@@ -12893,40 +13024,7 @@
             </a:pPr>
             <a:r>
               <a:rPr lang="en-US" sz="2800" b="1" dirty="0" smtClean="0"/>
-              <a:t>UCRR (Design):</a:t>
-            </a:r>
-            <a:endParaRPr lang="en-US" sz="2800" b="1" dirty="0" smtClean="0"/>
-          </a:p>
-          <a:p>
-            <a:pPr lvl="1">
-              <a:buFont typeface="Wingdings" pitchFamily="2" charset="2"/>
-              <a:buChar char="v"/>
-            </a:pPr>
-            <a:endParaRPr lang="en-US" sz="2100" b="1" dirty="0" smtClean="0"/>
-          </a:p>
-          <a:p>
-            <a:pPr lvl="1">
-              <a:buFont typeface="Wingdings" pitchFamily="2" charset="2"/>
-              <a:buChar char="v"/>
-            </a:pPr>
-            <a:r>
-              <a:rPr lang="en-US" sz="2100" b="1" dirty="0" smtClean="0"/>
-              <a:t>Register Volunteer Account</a:t>
-            </a:r>
-            <a:endParaRPr lang="en-US" sz="2000" dirty="0" smtClean="0"/>
-          </a:p>
-          <a:p>
-            <a:pPr lvl="2">
-              <a:buFont typeface="Wingdings" pitchFamily="2" charset="2"/>
-              <a:buChar char="v"/>
-            </a:pPr>
-            <a:r>
-              <a:rPr lang="en-US" sz="1600" b="1" dirty="0" smtClean="0"/>
-              <a:t>&lt;&lt;</a:t>
-            </a:r>
-            <a:r>
-              <a:rPr lang="en-US" sz="1600" b="1" dirty="0"/>
-              <a:t>UCRR design&gt;&gt;</a:t>
+              <a:t>UCRR (Design) sample: </a:t>
             </a:r>
           </a:p>
           <a:p>
@@ -12961,7 +13059,7 @@
     </p:spTree>
     <p:extLst>
       <p:ext uri="{BB962C8B-B14F-4D97-AF65-F5344CB8AC3E}">
-        <p14:creationId xmlns:p14="http://schemas.microsoft.com/office/powerpoint/2010/main" val="1870856012"/>
+        <p14:creationId xmlns:p14="http://schemas.microsoft.com/office/powerpoint/2010/main" val="3655498213"/>
       </p:ext>
     </p:extLst>
   </p:cSld>
@@ -13096,8 +13194,31 @@
                   <a:schemeClr val="tx2"/>
                 </a:solidFill>
               </a:rPr>
-              <a:t>Development Process</a:t>
-            </a:r>
+              <a:t>Implementation Strategy</a:t>
+            </a:r>
+          </a:p>
+          <a:p>
+            <a:pPr>
+              <a:buFont typeface="Wingdings" pitchFamily="2" charset="2"/>
+              <a:buChar char="v"/>
+            </a:pPr>
+            <a:r>
+              <a:rPr lang="en-US" dirty="0" smtClean="0">
+                <a:solidFill>
+                  <a:schemeClr val="bg1">
+                    <a:lumMod val="65000"/>
+                  </a:schemeClr>
+                </a:solidFill>
+              </a:rPr>
+              <a:t>Challenges &amp; Solution</a:t>
+            </a:r>
+            <a:endParaRPr lang="en-US" dirty="0">
+              <a:solidFill>
+                <a:schemeClr val="bg1">
+                  <a:lumMod val="65000"/>
+                </a:schemeClr>
+              </a:solidFill>
+            </a:endParaRPr>
           </a:p>
           <a:p>
             <a:pPr>
@@ -13112,14 +13233,18 @@
                   </a:schemeClr>
                 </a:solidFill>
               </a:rPr>
-              <a:t>Quality Management Process</a:t>
-            </a:r>
-          </a:p>
-          <a:p>
-            <a:pPr>
-              <a:buFont typeface="Wingdings" pitchFamily="2" charset="2"/>
-              <a:buChar char="v"/>
-            </a:pPr>
+              <a:t>Demo </a:t>
+            </a:r>
+            <a:r>
+              <a:rPr lang="en-US" dirty="0" smtClean="0">
+                <a:solidFill>
+                  <a:schemeClr val="bg1">
+                    <a:lumMod val="65000"/>
+                  </a:schemeClr>
+                </a:solidFill>
+              </a:rPr>
+              <a:t>of </a:t>
+            </a:r>
             <a:r>
               <a:rPr lang="en-US" dirty="0">
                 <a:solidFill>
@@ -13128,7 +13253,7 @@
                   </a:schemeClr>
                 </a:solidFill>
               </a:rPr>
-              <a:t>Demo – VMS v1.0</a:t>
+              <a:t>VMS v1.0</a:t>
             </a:r>
           </a:p>
           <a:p>
@@ -13144,7 +13269,17 @@
                   </a:schemeClr>
                 </a:solidFill>
               </a:rPr>
-              <a:t>End Project Report</a:t>
+              <a:t>End Project </a:t>
+            </a:r>
+            <a:r>
+              <a:rPr lang="en-US" dirty="0" smtClean="0">
+                <a:solidFill>
+                  <a:schemeClr val="bg1">
+                    <a:lumMod val="65000"/>
+                  </a:schemeClr>
+                </a:solidFill>
+              </a:rPr>
+              <a:t>Report</a:t>
             </a:r>
           </a:p>
           <a:p>
@@ -13160,7 +13295,33 @@
                   </a:schemeClr>
                 </a:solidFill>
               </a:rPr>
-              <a:t>Q &amp; A</a:t>
+              <a:t>Evaluation &amp; Conclusion</a:t>
+            </a:r>
+          </a:p>
+          <a:p>
+            <a:pPr>
+              <a:buFont typeface="Wingdings" pitchFamily="2" charset="2"/>
+              <a:buChar char="v"/>
+            </a:pPr>
+            <a:r>
+              <a:rPr lang="en-US" dirty="0" smtClean="0">
+                <a:solidFill>
+                  <a:schemeClr val="bg1">
+                    <a:lumMod val="65000"/>
+                  </a:schemeClr>
+                </a:solidFill>
+              </a:rPr>
+              <a:t>Q </a:t>
+            </a:r>
+            <a:r>
+              <a:rPr lang="en-US" dirty="0">
+                <a:solidFill>
+                  <a:schemeClr val="bg1">
+                    <a:lumMod val="65000"/>
+                  </a:schemeClr>
+                </a:solidFill>
+              </a:rPr>
+              <a:t>&amp; A</a:t>
             </a:r>
           </a:p>
         </p:txBody>
@@ -13260,7 +13421,7 @@
           <a:p>
             <a:r>
               <a:rPr lang="en-US" dirty="0" smtClean="0"/>
-              <a:t>Development Process - 1</a:t>
+              <a:t>Implementation Strategy - 1</a:t>
             </a:r>
             <a:endParaRPr lang="en-US" dirty="0"/>
           </a:p>
@@ -13409,8 +13570,12 @@
           <a:lstStyle/>
           <a:p>
             <a:r>
+              <a:rPr lang="en-US" dirty="0"/>
+              <a:t>Implementation Strategy- </a:t>
+            </a:r>
+            <a:r>
               <a:rPr lang="en-US" dirty="0" smtClean="0"/>
-              <a:t>Development Process - 2</a:t>
+              <a:t>2</a:t>
             </a:r>
             <a:endParaRPr lang="en-US" dirty="0"/>
           </a:p>
@@ -13425,7 +13590,7 @@
         <p:spPr>
           <a:xfrm>
             <a:off x="457200" y="1752600"/>
-            <a:ext cx="8305800" cy="2893100"/>
+            <a:ext cx="8305800" cy="4684359"/>
           </a:xfrm>
           <a:prstGeom prst="rect">
             <a:avLst/>
@@ -13442,71 +13607,131 @@
               <a:buChar char="v"/>
             </a:pPr>
             <a:r>
-              <a:rPr lang="en-US" b="1" dirty="0">
+              <a:rPr lang="en-US" sz="2800" b="1" dirty="0">
                 <a:sym typeface="Wingdings" pitchFamily="2" charset="2"/>
               </a:rPr>
-              <a:t>Build order:</a:t>
-            </a:r>
-          </a:p>
-          <a:p>
-            <a:pPr lvl="1">
-              <a:buFont typeface="Wingdings" pitchFamily="2" charset="2"/>
-              <a:buChar char="v"/>
-            </a:pPr>
+              <a:t>Build </a:t>
+            </a:r>
+            <a:r>
+              <a:rPr lang="en-US" sz="2800" b="1" dirty="0" smtClean="0">
+                <a:sym typeface="Wingdings" pitchFamily="2" charset="2"/>
+              </a:rPr>
+              <a:t>sequence</a:t>
+            </a:r>
+            <a:r>
+              <a:rPr lang="en-US" b="1" dirty="0" smtClean="0">
+                <a:sym typeface="Wingdings" pitchFamily="2" charset="2"/>
+              </a:rPr>
+              <a:t>:</a:t>
+            </a:r>
+            <a:endParaRPr lang="en-US" b="1" dirty="0">
+              <a:sym typeface="Wingdings" pitchFamily="2" charset="2"/>
+            </a:endParaRPr>
+          </a:p>
+          <a:p>
+            <a:pPr marL="971550" lvl="1" indent="-514350"/>
+            <a:r>
+              <a:rPr lang="en-US" b="1" u="sng" dirty="0" smtClean="0">
+                <a:sym typeface="Wingdings" pitchFamily="2" charset="2"/>
+              </a:rPr>
+              <a:t>Function-based</a:t>
+            </a:r>
+            <a:r>
+              <a:rPr lang="en-US" b="1" dirty="0" smtClean="0">
+                <a:sym typeface="Wingdings" pitchFamily="2" charset="2"/>
+              </a:rPr>
+              <a:t>:</a:t>
+            </a:r>
+          </a:p>
+          <a:p>
+            <a:pPr marL="1371600" lvl="2" indent="-457200"/>
+            <a:r>
+              <a:rPr lang="en-US" dirty="0" smtClean="0">
+                <a:sym typeface="Wingdings" pitchFamily="2" charset="2"/>
+              </a:rPr>
+              <a:t>Base manager, base service</a:t>
+            </a:r>
+            <a:endParaRPr lang="en-US" dirty="0">
+              <a:sym typeface="Wingdings" pitchFamily="2" charset="2"/>
+            </a:endParaRPr>
+          </a:p>
+          <a:p>
+            <a:pPr marL="1371600" lvl="2" indent="-457200"/>
+            <a:r>
+              <a:rPr lang="en-US" dirty="0" smtClean="0">
+                <a:sym typeface="Wingdings" pitchFamily="2" charset="2"/>
+              </a:rPr>
+              <a:t>Infrastructure: Security, Logging, Validation, Common </a:t>
+            </a:r>
             <a:r>
               <a:rPr lang="en-US" dirty="0">
                 <a:sym typeface="Wingdings" pitchFamily="2" charset="2"/>
               </a:rPr>
-              <a:t>Base manager / base services</a:t>
-            </a:r>
-          </a:p>
-          <a:p>
-            <a:pPr lvl="1">
-              <a:buFont typeface="Wingdings" pitchFamily="2" charset="2"/>
-              <a:buChar char="v"/>
-            </a:pPr>
+              <a:t>utility</a:t>
+            </a:r>
+          </a:p>
+          <a:p>
+            <a:pPr marL="1371600" lvl="2" indent="-457200"/>
             <a:r>
               <a:rPr lang="en-US" dirty="0">
                 <a:sym typeface="Wingdings" pitchFamily="2" charset="2"/>
               </a:rPr>
-              <a:t>Security / Logging / Validation / Common utility</a:t>
-            </a:r>
-          </a:p>
-          <a:p>
-            <a:pPr lvl="1">
-              <a:buFont typeface="Wingdings" pitchFamily="2" charset="2"/>
-              <a:buChar char="v"/>
-            </a:pPr>
+              <a:t>Master data </a:t>
+            </a:r>
+            <a:r>
+              <a:rPr lang="en-US" dirty="0" smtClean="0">
+                <a:sym typeface="Wingdings" pitchFamily="2" charset="2"/>
+              </a:rPr>
+              <a:t>management: CRUD of Project, Volunteer</a:t>
+            </a:r>
+          </a:p>
+          <a:p>
+            <a:pPr marL="914400" lvl="1" indent="-457200"/>
+            <a:r>
+              <a:rPr lang="en-US" b="1" u="sng" dirty="0" smtClean="0">
+                <a:sym typeface="Wingdings" pitchFamily="2" charset="2"/>
+              </a:rPr>
+              <a:t>Use case-based:</a:t>
+            </a:r>
+            <a:endParaRPr lang="en-US" b="1" u="sng" dirty="0">
+              <a:sym typeface="Wingdings" pitchFamily="2" charset="2"/>
+            </a:endParaRPr>
+          </a:p>
+          <a:p>
+            <a:pPr marL="1371600" lvl="2" indent="-457200"/>
+            <a:r>
+              <a:rPr lang="en-US" dirty="0" smtClean="0">
+                <a:sym typeface="Wingdings" pitchFamily="2" charset="2"/>
+              </a:rPr>
+              <a:t>Use cases logic</a:t>
+            </a:r>
+            <a:endParaRPr lang="en-US" dirty="0">
+              <a:sym typeface="Wingdings" pitchFamily="2" charset="2"/>
+            </a:endParaRPr>
+          </a:p>
+          <a:p>
+            <a:pPr marL="1371600" lvl="2" indent="-457200"/>
             <a:r>
               <a:rPr lang="en-US" dirty="0">
                 <a:sym typeface="Wingdings" pitchFamily="2" charset="2"/>
               </a:rPr>
-              <a:t>Master data management</a:t>
-            </a:r>
-          </a:p>
-          <a:p>
-            <a:pPr lvl="1">
-              <a:buFont typeface="Wingdings" pitchFamily="2" charset="2"/>
-              <a:buChar char="v"/>
-            </a:pPr>
-            <a:r>
-              <a:rPr lang="en-US" dirty="0">
+              <a:t>UI development (</a:t>
+            </a:r>
+            <a:r>
+              <a:rPr lang="en-US" dirty="0" smtClean="0">
                 <a:sym typeface="Wingdings" pitchFamily="2" charset="2"/>
               </a:rPr>
-              <a:t>Use case logic / transaction management</a:t>
-            </a:r>
-          </a:p>
-          <a:p>
-            <a:pPr lvl="1">
-              <a:buFont typeface="Wingdings" pitchFamily="2" charset="2"/>
-              <a:buChar char="v"/>
-            </a:pPr>
-            <a:r>
-              <a:rPr lang="en-US" dirty="0">
+              <a:t>JSP), </a:t>
+            </a:r>
+            <a:r>
+              <a:rPr lang="en-US" dirty="0" err="1" smtClean="0">
                 <a:sym typeface="Wingdings" pitchFamily="2" charset="2"/>
               </a:rPr>
-              <a:t>UI development (JSP) + UI validation</a:t>
-            </a:r>
+              <a:t>JasperReport</a:t>
+            </a:r>
+            <a:endParaRPr lang="en-US" dirty="0">
+              <a:sym typeface="Wingdings" pitchFamily="2" charset="2"/>
+            </a:endParaRPr>
           </a:p>
         </p:txBody>
       </p:sp>
@@ -13563,8 +13788,12 @@
           <a:lstStyle/>
           <a:p>
             <a:r>
+              <a:rPr lang="en-US" dirty="0"/>
+              <a:t>Implementation Strategy </a:t>
+            </a:r>
+            <a:r>
               <a:rPr lang="en-US" dirty="0" smtClean="0"/>
-              <a:t>Development Process - 3</a:t>
+              <a:t>- 3</a:t>
             </a:r>
             <a:endParaRPr lang="en-US" dirty="0"/>
           </a:p>
@@ -13606,7 +13835,11 @@
             </a:pPr>
             <a:r>
               <a:rPr lang="en-US" dirty="0" smtClean="0"/>
-              <a:t>SVN Repository:</a:t>
+              <a:t>Control board: </a:t>
+            </a:r>
+            <a:r>
+              <a:rPr lang="en-US" sz="2000" dirty="0" smtClean="0"/>
+              <a:t>Project Manager, QA Manager, Team Lead</a:t>
             </a:r>
           </a:p>
           <a:p>
@@ -13616,49 +13849,52 @@
             </a:pPr>
             <a:r>
               <a:rPr lang="en-US" dirty="0" smtClean="0"/>
-              <a:t>Code Check-in / Check-out / Merge</a:t>
-            </a:r>
-          </a:p>
-          <a:p>
-            <a:pPr lvl="1">
+              <a:t>Control mechanism:</a:t>
+            </a:r>
+          </a:p>
+          <a:p>
+            <a:pPr lvl="2">
               <a:buFont typeface="Wingdings" pitchFamily="2" charset="2"/>
               <a:buChar char="v"/>
             </a:pPr>
             <a:r>
-              <a:rPr lang="en-US" dirty="0" smtClean="0"/>
-              <a:t>Database rollout / backup</a:t>
-            </a:r>
-          </a:p>
-          <a:p>
-            <a:pPr lvl="1">
+              <a:rPr lang="en-US" sz="2000" dirty="0" smtClean="0"/>
+              <a:t>SVN Repository: code check-in, branching, tagging</a:t>
+            </a:r>
+          </a:p>
+          <a:p>
+            <a:pPr lvl="2">
               <a:buFont typeface="Wingdings" pitchFamily="2" charset="2"/>
               <a:buChar char="v"/>
             </a:pPr>
             <a:r>
-              <a:rPr lang="en-US" dirty="0" smtClean="0"/>
-              <a:t>Deployment server backup to disk</a:t>
-            </a:r>
-          </a:p>
-          <a:p>
-            <a:pPr>
+              <a:rPr lang="en-US" sz="2000" dirty="0" smtClean="0"/>
+              <a:t>Database deploy / backup</a:t>
+            </a:r>
+          </a:p>
+          <a:p>
+            <a:pPr lvl="2">
               <a:buFont typeface="Wingdings" pitchFamily="2" charset="2"/>
               <a:buChar char="v"/>
             </a:pPr>
             <a:r>
-              <a:rPr lang="en-US" b="1" dirty="0" smtClean="0"/>
-              <a:t>Quality Management:</a:t>
-            </a:r>
-          </a:p>
-          <a:p>
-            <a:pPr lvl="1">
+              <a:rPr lang="en-US" sz="2000" dirty="0" smtClean="0"/>
+              <a:t>Application backup to disk</a:t>
+            </a:r>
+          </a:p>
+          <a:p>
+            <a:pPr>
               <a:buFont typeface="Wingdings" pitchFamily="2" charset="2"/>
               <a:buChar char="v"/>
             </a:pPr>
             <a:r>
-              <a:rPr lang="en-US" dirty="0"/>
-              <a:t>Perspective review</a:t>
-            </a:r>
-            <a:endParaRPr lang="en-US" dirty="0" smtClean="0"/>
+              <a:rPr lang="en-US" sz="2400" b="1" dirty="0" smtClean="0"/>
+              <a:t>Q</a:t>
+            </a:r>
+            <a:r>
+              <a:rPr lang="en-US" b="1" dirty="0" smtClean="0"/>
+              <a:t>uality Management:</a:t>
+            </a:r>
           </a:p>
           <a:p>
             <a:pPr lvl="1">
@@ -13666,8 +13902,12 @@
               <a:buChar char="v"/>
             </a:pPr>
             <a:r>
+              <a:rPr lang="en-US" dirty="0"/>
+              <a:t>Perspective </a:t>
+            </a:r>
+            <a:r>
               <a:rPr lang="en-US" dirty="0" smtClean="0"/>
-              <a:t>Code walk-through</a:t>
+              <a:t>review: URS, UCRR review</a:t>
             </a:r>
           </a:p>
           <a:p>
@@ -13687,16 +13927,18 @@
             </a:pPr>
             <a:r>
               <a:rPr lang="en-US" dirty="0"/>
-              <a:t>Unit test</a:t>
-            </a:r>
-            <a:endParaRPr lang="en-US" dirty="0" smtClean="0"/>
-          </a:p>
-          <a:p>
-            <a:pPr>
+              <a:t>Code walk-through</a:t>
+            </a:r>
+          </a:p>
+          <a:p>
+            <a:pPr lvl="1">
               <a:buFont typeface="Wingdings" pitchFamily="2" charset="2"/>
               <a:buChar char="v"/>
             </a:pPr>
-            <a:endParaRPr lang="en-US" b="1" dirty="0" smtClean="0"/>
+            <a:r>
+              <a:rPr lang="en-US" dirty="0" smtClean="0"/>
+              <a:t>Unit test, SIT</a:t>
+            </a:r>
           </a:p>
         </p:txBody>
       </p:sp>
@@ -13722,7 +13964,7 @@
         </p:blipFill>
         <p:spPr>
           <a:xfrm>
-            <a:off x="6248400" y="4114800"/>
+            <a:off x="6705600" y="4114800"/>
             <a:ext cx="2027102" cy="1752600"/>
           </a:xfrm>
           <a:prstGeom prst="rect">
@@ -13754,765 +13996,6 @@
 </file>
 
 <file path=ppt/slides/slide15.xml><?xml version="1.0" encoding="utf-8"?>
-<p:sld xmlns:a="http://schemas.openxmlformats.org/drawingml/2006/main" xmlns:r="http://schemas.openxmlformats.org/officeDocument/2006/relationships" xmlns:p="http://schemas.openxmlformats.org/presentationml/2006/main">
-  <p:cSld>
-    <p:spTree>
-      <p:nvGrpSpPr>
-        <p:cNvPr id="1" name=""/>
-        <p:cNvGrpSpPr/>
-        <p:nvPr/>
-      </p:nvGrpSpPr>
-      <p:grpSpPr>
-        <a:xfrm>
-          <a:off x="0" y="0"/>
-          <a:ext cx="0" cy="0"/>
-          <a:chOff x="0" y="0"/>
-          <a:chExt cx="0" cy="0"/>
-        </a:xfrm>
-      </p:grpSpPr>
-      <p:sp>
-        <p:nvSpPr>
-          <p:cNvPr id="2" name="Title 1"/>
-          <p:cNvSpPr>
-            <a:spLocks noGrp="1"/>
-          </p:cNvSpPr>
-          <p:nvPr>
-            <p:ph type="title"/>
-          </p:nvPr>
-        </p:nvSpPr>
-        <p:spPr/>
-        <p:txBody>
-          <a:bodyPr/>
-          <a:lstStyle/>
-          <a:p>
-            <a:r>
-              <a:rPr lang="en-US" dirty="0" smtClean="0"/>
-              <a:t>Development Process - 4</a:t>
-            </a:r>
-            <a:endParaRPr lang="en-US" dirty="0"/>
-          </a:p>
-        </p:txBody>
-      </p:sp>
-      <p:sp>
-        <p:nvSpPr>
-          <p:cNvPr id="7" name="Rectangle 5"/>
-          <p:cNvSpPr>
-            <a:spLocks noGrp="1" noChangeArrowheads="1"/>
-          </p:cNvSpPr>
-          <p:nvPr>
-            <p:ph idx="1"/>
-          </p:nvPr>
-        </p:nvSpPr>
-        <p:spPr>
-          <a:xfrm>
-            <a:off x="667068" y="1500187"/>
-            <a:ext cx="8305800" cy="4876800"/>
-          </a:xfrm>
-        </p:spPr>
-        <p:txBody>
-          <a:bodyPr/>
-          <a:lstStyle/>
-          <a:p>
-            <a:pPr>
-              <a:buFont typeface="Wingdings" pitchFamily="2" charset="2"/>
-              <a:buChar char="v"/>
-            </a:pPr>
-            <a:r>
-              <a:rPr lang="en-US" b="1" dirty="0" smtClean="0"/>
-              <a:t>Challenges 1 : </a:t>
-            </a:r>
-            <a:r>
-              <a:rPr lang="en-US" dirty="0" smtClean="0"/>
-              <a:t>Development of </a:t>
-            </a:r>
-            <a:br>
-              <a:rPr lang="en-US" dirty="0" smtClean="0"/>
-            </a:br>
-            <a:r>
-              <a:rPr lang="en-US" dirty="0" smtClean="0"/>
-              <a:t>inter-dependent modules:</a:t>
-            </a:r>
-          </a:p>
-          <a:p>
-            <a:pPr lvl="2">
-              <a:buFont typeface="Wingdings" pitchFamily="2" charset="2"/>
-              <a:buChar char="v"/>
-            </a:pPr>
-            <a:r>
-              <a:rPr lang="en-US" dirty="0" smtClean="0"/>
-              <a:t>Volunteer Management</a:t>
-            </a:r>
-          </a:p>
-          <a:p>
-            <a:pPr lvl="2">
-              <a:buFont typeface="Wingdings" pitchFamily="2" charset="2"/>
-              <a:buChar char="v"/>
-            </a:pPr>
-            <a:r>
-              <a:rPr lang="en-US" dirty="0" smtClean="0"/>
-              <a:t>Project Management</a:t>
-            </a:r>
-          </a:p>
-          <a:p>
-            <a:pPr lvl="2">
-              <a:buFont typeface="Wingdings" pitchFamily="2" charset="2"/>
-              <a:buChar char="v"/>
-            </a:pPr>
-            <a:r>
-              <a:rPr lang="en-US" dirty="0" smtClean="0"/>
-              <a:t>Infrastructure Utilities (email, logging, Access Control)</a:t>
-            </a:r>
-          </a:p>
-          <a:p>
-            <a:pPr>
-              <a:buFont typeface="Wingdings" pitchFamily="2" charset="2"/>
-              <a:buChar char="v"/>
-            </a:pPr>
-            <a:r>
-              <a:rPr lang="en-US" b="1" dirty="0" smtClean="0"/>
-              <a:t>Solution:</a:t>
-            </a:r>
-          </a:p>
-          <a:p>
-            <a:pPr lvl="1">
-              <a:buFont typeface="Wingdings" pitchFamily="2" charset="2"/>
-              <a:buChar char="v"/>
-            </a:pPr>
-            <a:r>
-              <a:rPr lang="en-US" dirty="0" smtClean="0"/>
-              <a:t>Define tasks dependency network</a:t>
-            </a:r>
-          </a:p>
-          <a:p>
-            <a:pPr lvl="1">
-              <a:buFont typeface="Wingdings" pitchFamily="2" charset="2"/>
-              <a:buChar char="v"/>
-            </a:pPr>
-            <a:r>
-              <a:rPr lang="en-US" dirty="0" smtClean="0"/>
-              <a:t>Split into </a:t>
-            </a:r>
-            <a:r>
-              <a:rPr lang="en-US" dirty="0"/>
-              <a:t>p</a:t>
-            </a:r>
-            <a:r>
-              <a:rPr lang="en-US" dirty="0" smtClean="0"/>
-              <a:t>arallel developments: </a:t>
-            </a:r>
-          </a:p>
-          <a:p>
-            <a:pPr lvl="2">
-              <a:buFont typeface="Wingdings" pitchFamily="2" charset="2"/>
-              <a:buChar char="v"/>
-            </a:pPr>
-            <a:r>
-              <a:rPr lang="en-US" dirty="0" smtClean="0"/>
-              <a:t>Non-dependent components </a:t>
-            </a:r>
-          </a:p>
-          <a:p>
-            <a:pPr lvl="2">
-              <a:buFont typeface="Wingdings" pitchFamily="2" charset="2"/>
-              <a:buChar char="v"/>
-            </a:pPr>
-            <a:r>
-              <a:rPr lang="en-US" dirty="0" smtClean="0"/>
-              <a:t>Prioritized </a:t>
-            </a:r>
-            <a:r>
-              <a:rPr lang="en-US" dirty="0"/>
-              <a:t>components</a:t>
-            </a:r>
-            <a:endParaRPr lang="en-US" dirty="0" smtClean="0"/>
-          </a:p>
-          <a:p>
-            <a:pPr lvl="1">
-              <a:buFont typeface="Wingdings" pitchFamily="2" charset="2"/>
-              <a:buChar char="v"/>
-            </a:pPr>
-            <a:r>
-              <a:rPr lang="en-US" dirty="0" smtClean="0"/>
-              <a:t>Daily code merge / code compare</a:t>
-            </a:r>
-          </a:p>
-          <a:p>
-            <a:pPr>
-              <a:buFont typeface="Wingdings" pitchFamily="2" charset="2"/>
-              <a:buChar char="v"/>
-            </a:pPr>
-            <a:endParaRPr lang="en-US" b="1" dirty="0" smtClean="0"/>
-          </a:p>
-        </p:txBody>
-      </p:sp>
-      <p:pic>
-        <p:nvPicPr>
-          <p:cNvPr id="3" name="Picture 2"/>
-          <p:cNvPicPr>
-            <a:picLocks noChangeAspect="1"/>
-          </p:cNvPicPr>
-          <p:nvPr/>
-        </p:nvPicPr>
-        <p:blipFill>
-          <a:blip r:embed="rId2" cstate="print">
-            <a:extLst>
-              <a:ext uri="{28A0092B-C50C-407E-A947-70E740481C1C}">
-                <a14:useLocalDpi xmlns:a14="http://schemas.microsoft.com/office/drawing/2010/main" val="0"/>
-              </a:ext>
-            </a:extLst>
-          </a:blip>
-          <a:stretch>
-            <a:fillRect/>
-          </a:stretch>
-        </p:blipFill>
-        <p:spPr>
-          <a:xfrm>
-            <a:off x="115299" y="1524000"/>
-            <a:ext cx="617444" cy="552450"/>
-          </a:xfrm>
-          <a:prstGeom prst="rect">
-            <a:avLst/>
-          </a:prstGeom>
-        </p:spPr>
-      </p:pic>
-      <p:pic>
-        <p:nvPicPr>
-          <p:cNvPr id="5" name="Picture 4"/>
-          <p:cNvPicPr>
-            <a:picLocks noChangeAspect="1"/>
-          </p:cNvPicPr>
-          <p:nvPr/>
-        </p:nvPicPr>
-        <p:blipFill>
-          <a:blip r:embed="rId3" cstate="print">
-            <a:extLst>
-              <a:ext uri="{28A0092B-C50C-407E-A947-70E740481C1C}">
-                <a14:useLocalDpi xmlns:a14="http://schemas.microsoft.com/office/drawing/2010/main" val="0"/>
-              </a:ext>
-            </a:extLst>
-          </a:blip>
-          <a:stretch>
-            <a:fillRect/>
-          </a:stretch>
-        </p:blipFill>
-        <p:spPr>
-          <a:xfrm>
-            <a:off x="189500" y="3657600"/>
-            <a:ext cx="543243" cy="561975"/>
-          </a:xfrm>
-          <a:prstGeom prst="rect">
-            <a:avLst/>
-          </a:prstGeom>
-        </p:spPr>
-      </p:pic>
-    </p:spTree>
-    <p:extLst>
-      <p:ext uri="{BB962C8B-B14F-4D97-AF65-F5344CB8AC3E}">
-        <p14:creationId xmlns:p14="http://schemas.microsoft.com/office/powerpoint/2010/main" val="2676794187"/>
-      </p:ext>
-    </p:extLst>
-  </p:cSld>
-  <p:clrMapOvr>
-    <a:masterClrMapping/>
-  </p:clrMapOvr>
-  <p:timing>
-    <p:tnLst>
-      <p:par>
-        <p:cTn id="1" dur="indefinite" restart="never" nodeType="tmRoot"/>
-      </p:par>
-    </p:tnLst>
-  </p:timing>
-</p:sld>
-</file>
-
-<file path=ppt/slides/slide16.xml><?xml version="1.0" encoding="utf-8"?>
-<p:sld xmlns:a="http://schemas.openxmlformats.org/drawingml/2006/main" xmlns:r="http://schemas.openxmlformats.org/officeDocument/2006/relationships" xmlns:p="http://schemas.openxmlformats.org/presentationml/2006/main">
-  <p:cSld>
-    <p:spTree>
-      <p:nvGrpSpPr>
-        <p:cNvPr id="1" name=""/>
-        <p:cNvGrpSpPr/>
-        <p:nvPr/>
-      </p:nvGrpSpPr>
-      <p:grpSpPr>
-        <a:xfrm>
-          <a:off x="0" y="0"/>
-          <a:ext cx="0" cy="0"/>
-          <a:chOff x="0" y="0"/>
-          <a:chExt cx="0" cy="0"/>
-        </a:xfrm>
-      </p:grpSpPr>
-      <p:sp>
-        <p:nvSpPr>
-          <p:cNvPr id="2" name="Title 1"/>
-          <p:cNvSpPr>
-            <a:spLocks noGrp="1"/>
-          </p:cNvSpPr>
-          <p:nvPr>
-            <p:ph type="title"/>
-          </p:nvPr>
-        </p:nvSpPr>
-        <p:spPr/>
-        <p:txBody>
-          <a:bodyPr/>
-          <a:lstStyle/>
-          <a:p>
-            <a:r>
-              <a:rPr lang="en-US" dirty="0" smtClean="0"/>
-              <a:t>Development Process - 5</a:t>
-            </a:r>
-            <a:endParaRPr lang="en-US" dirty="0"/>
-          </a:p>
-        </p:txBody>
-      </p:sp>
-      <p:sp>
-        <p:nvSpPr>
-          <p:cNvPr id="7" name="Rectangle 5"/>
-          <p:cNvSpPr>
-            <a:spLocks noGrp="1" noChangeArrowheads="1"/>
-          </p:cNvSpPr>
-          <p:nvPr>
-            <p:ph idx="1"/>
-          </p:nvPr>
-        </p:nvSpPr>
-        <p:spPr>
-          <a:xfrm>
-            <a:off x="609600" y="1524000"/>
-            <a:ext cx="8305800" cy="4876800"/>
-          </a:xfrm>
-        </p:spPr>
-        <p:txBody>
-          <a:bodyPr/>
-          <a:lstStyle/>
-          <a:p>
-            <a:pPr>
-              <a:buFont typeface="Wingdings" pitchFamily="2" charset="2"/>
-              <a:buChar char="v"/>
-            </a:pPr>
-            <a:r>
-              <a:rPr lang="en-US" b="1" dirty="0" smtClean="0"/>
-              <a:t>Challenges 2 : </a:t>
-            </a:r>
-            <a:r>
-              <a:rPr lang="en-US" dirty="0" smtClean="0"/>
-              <a:t>Changes in user requirements:</a:t>
-            </a:r>
-          </a:p>
-          <a:p>
-            <a:pPr lvl="2">
-              <a:buFont typeface="Wingdings" pitchFamily="2" charset="2"/>
-              <a:buChar char="v"/>
-            </a:pPr>
-            <a:r>
-              <a:rPr lang="en-US" dirty="0" smtClean="0"/>
-              <a:t>De-scoped use cases</a:t>
-            </a:r>
-          </a:p>
-          <a:p>
-            <a:pPr lvl="2">
-              <a:buFont typeface="Wingdings" pitchFamily="2" charset="2"/>
-              <a:buChar char="v"/>
-            </a:pPr>
-            <a:r>
-              <a:rPr lang="en-US" dirty="0" smtClean="0"/>
-              <a:t>New user requirements</a:t>
-            </a:r>
-          </a:p>
-          <a:p>
-            <a:pPr>
-              <a:buFont typeface="Wingdings" pitchFamily="2" charset="2"/>
-              <a:buChar char="v"/>
-            </a:pPr>
-            <a:r>
-              <a:rPr lang="en-US" b="1" dirty="0" smtClean="0"/>
-              <a:t>Solution:</a:t>
-            </a:r>
-          </a:p>
-          <a:p>
-            <a:pPr lvl="1">
-              <a:buFont typeface="Wingdings" pitchFamily="2" charset="2"/>
-              <a:buChar char="v"/>
-            </a:pPr>
-            <a:r>
-              <a:rPr lang="en-US" dirty="0" smtClean="0"/>
-              <a:t>Prioritize and validate user requirements</a:t>
-            </a:r>
-          </a:p>
-          <a:p>
-            <a:pPr lvl="1">
-              <a:buFont typeface="Wingdings" pitchFamily="2" charset="2"/>
-              <a:buChar char="v"/>
-            </a:pPr>
-            <a:r>
-              <a:rPr lang="en-US" dirty="0" smtClean="0"/>
-              <a:t>User requirements review</a:t>
-            </a:r>
-          </a:p>
-          <a:p>
-            <a:pPr lvl="1">
-              <a:buFont typeface="Wingdings" pitchFamily="2" charset="2"/>
-              <a:buChar char="v"/>
-            </a:pPr>
-            <a:r>
-              <a:rPr lang="en-US" dirty="0" smtClean="0"/>
-              <a:t>Analysis review</a:t>
-            </a:r>
-          </a:p>
-          <a:p>
-            <a:pPr lvl="1">
-              <a:buFont typeface="Wingdings" pitchFamily="2" charset="2"/>
-              <a:buChar char="v"/>
-            </a:pPr>
-            <a:r>
-              <a:rPr lang="en-US" dirty="0" smtClean="0"/>
-              <a:t>Design review</a:t>
-            </a:r>
-          </a:p>
-          <a:p>
-            <a:pPr lvl="1">
-              <a:buFont typeface="Wingdings" pitchFamily="2" charset="2"/>
-              <a:buChar char="v"/>
-            </a:pPr>
-            <a:endParaRPr lang="en-US" dirty="0" smtClean="0"/>
-          </a:p>
-          <a:p>
-            <a:pPr>
-              <a:buFont typeface="Wingdings" pitchFamily="2" charset="2"/>
-              <a:buChar char="v"/>
-            </a:pPr>
-            <a:endParaRPr lang="en-US" b="1" dirty="0" smtClean="0"/>
-          </a:p>
-        </p:txBody>
-      </p:sp>
-      <p:pic>
-        <p:nvPicPr>
-          <p:cNvPr id="5" name="Picture 4"/>
-          <p:cNvPicPr>
-            <a:picLocks noChangeAspect="1"/>
-          </p:cNvPicPr>
-          <p:nvPr/>
-        </p:nvPicPr>
-        <p:blipFill>
-          <a:blip r:embed="rId2" cstate="print">
-            <a:extLst>
-              <a:ext uri="{28A0092B-C50C-407E-A947-70E740481C1C}">
-                <a14:useLocalDpi xmlns:a14="http://schemas.microsoft.com/office/drawing/2010/main" val="0"/>
-              </a:ext>
-            </a:extLst>
-          </a:blip>
-          <a:stretch>
-            <a:fillRect/>
-          </a:stretch>
-        </p:blipFill>
-        <p:spPr>
-          <a:xfrm>
-            <a:off x="115299" y="1524000"/>
-            <a:ext cx="617444" cy="552450"/>
-          </a:xfrm>
-          <a:prstGeom prst="rect">
-            <a:avLst/>
-          </a:prstGeom>
-        </p:spPr>
-      </p:pic>
-      <p:pic>
-        <p:nvPicPr>
-          <p:cNvPr id="6" name="Picture 5"/>
-          <p:cNvPicPr>
-            <a:picLocks noChangeAspect="1"/>
-          </p:cNvPicPr>
-          <p:nvPr/>
-        </p:nvPicPr>
-        <p:blipFill>
-          <a:blip r:embed="rId3" cstate="print">
-            <a:extLst>
-              <a:ext uri="{28A0092B-C50C-407E-A947-70E740481C1C}">
-                <a14:useLocalDpi xmlns:a14="http://schemas.microsoft.com/office/drawing/2010/main" val="0"/>
-              </a:ext>
-            </a:extLst>
-          </a:blip>
-          <a:stretch>
-            <a:fillRect/>
-          </a:stretch>
-        </p:blipFill>
-        <p:spPr>
-          <a:xfrm>
-            <a:off x="189500" y="2819400"/>
-            <a:ext cx="543243" cy="561975"/>
-          </a:xfrm>
-          <a:prstGeom prst="rect">
-            <a:avLst/>
-          </a:prstGeom>
-        </p:spPr>
-      </p:pic>
-    </p:spTree>
-    <p:extLst>
-      <p:ext uri="{BB962C8B-B14F-4D97-AF65-F5344CB8AC3E}">
-        <p14:creationId xmlns:p14="http://schemas.microsoft.com/office/powerpoint/2010/main" val="2796234740"/>
-      </p:ext>
-    </p:extLst>
-  </p:cSld>
-  <p:clrMapOvr>
-    <a:masterClrMapping/>
-  </p:clrMapOvr>
-  <p:timing>
-    <p:tnLst>
-      <p:par>
-        <p:cTn id="1" dur="indefinite" restart="never" nodeType="tmRoot"/>
-      </p:par>
-    </p:tnLst>
-  </p:timing>
-</p:sld>
-</file>
-
-<file path=ppt/slides/slide17.xml><?xml version="1.0" encoding="utf-8"?>
-<p:sld xmlns:a="http://schemas.openxmlformats.org/drawingml/2006/main" xmlns:r="http://schemas.openxmlformats.org/officeDocument/2006/relationships" xmlns:p="http://schemas.openxmlformats.org/presentationml/2006/main">
-  <p:cSld>
-    <p:spTree>
-      <p:nvGrpSpPr>
-        <p:cNvPr id="1" name=""/>
-        <p:cNvGrpSpPr/>
-        <p:nvPr/>
-      </p:nvGrpSpPr>
-      <p:grpSpPr>
-        <a:xfrm>
-          <a:off x="0" y="0"/>
-          <a:ext cx="0" cy="0"/>
-          <a:chOff x="0" y="0"/>
-          <a:chExt cx="0" cy="0"/>
-        </a:xfrm>
-      </p:grpSpPr>
-      <p:sp>
-        <p:nvSpPr>
-          <p:cNvPr id="22532" name="Rectangle 4"/>
-          <p:cNvSpPr>
-            <a:spLocks noGrp="1" noChangeArrowheads="1"/>
-          </p:cNvSpPr>
-          <p:nvPr>
-            <p:ph type="title"/>
-          </p:nvPr>
-        </p:nvSpPr>
-        <p:spPr/>
-        <p:txBody>
-          <a:bodyPr/>
-          <a:lstStyle/>
-          <a:p>
-            <a:r>
-              <a:rPr lang="en-US" dirty="0" smtClean="0"/>
-              <a:t>Agenda</a:t>
-            </a:r>
-            <a:endParaRPr lang="en-US" dirty="0"/>
-          </a:p>
-        </p:txBody>
-      </p:sp>
-      <p:sp>
-        <p:nvSpPr>
-          <p:cNvPr id="22533" name="Rectangle 5"/>
-          <p:cNvSpPr>
-            <a:spLocks noGrp="1" noChangeArrowheads="1"/>
-          </p:cNvSpPr>
-          <p:nvPr>
-            <p:ph type="body" idx="1"/>
-          </p:nvPr>
-        </p:nvSpPr>
-        <p:spPr>
-          <a:xfrm>
-            <a:off x="1143000" y="1524000"/>
-            <a:ext cx="7391400" cy="4648200"/>
-          </a:xfrm>
-        </p:spPr>
-        <p:txBody>
-          <a:bodyPr/>
-          <a:lstStyle/>
-          <a:p>
-            <a:pPr>
-              <a:buFont typeface="Wingdings" pitchFamily="2" charset="2"/>
-              <a:buChar char="v"/>
-            </a:pPr>
-            <a:r>
-              <a:rPr lang="en-US" dirty="0">
-                <a:solidFill>
-                  <a:schemeClr val="bg1">
-                    <a:lumMod val="65000"/>
-                  </a:schemeClr>
-                </a:solidFill>
-              </a:rPr>
-              <a:t>Project Revisit</a:t>
-            </a:r>
-          </a:p>
-          <a:p>
-            <a:pPr>
-              <a:buFont typeface="Wingdings" pitchFamily="2" charset="2"/>
-              <a:buChar char="v"/>
-            </a:pPr>
-            <a:r>
-              <a:rPr lang="en-US" dirty="0">
-                <a:solidFill>
-                  <a:schemeClr val="bg1">
-                    <a:lumMod val="65000"/>
-                  </a:schemeClr>
-                </a:solidFill>
-              </a:rPr>
-              <a:t>High Level Architecture</a:t>
-            </a:r>
-          </a:p>
-          <a:p>
-            <a:pPr>
-              <a:buFont typeface="Wingdings" pitchFamily="2" charset="2"/>
-              <a:buChar char="v"/>
-            </a:pPr>
-            <a:r>
-              <a:rPr lang="en-US" dirty="0">
-                <a:solidFill>
-                  <a:schemeClr val="bg1">
-                    <a:lumMod val="65000"/>
-                  </a:schemeClr>
-                </a:solidFill>
-              </a:rPr>
-              <a:t>System Detailed Design</a:t>
-            </a:r>
-          </a:p>
-          <a:p>
-            <a:pPr>
-              <a:buFont typeface="Wingdings" pitchFamily="2" charset="2"/>
-              <a:buChar char="v"/>
-            </a:pPr>
-            <a:r>
-              <a:rPr lang="en-US" dirty="0">
-                <a:solidFill>
-                  <a:schemeClr val="bg1">
-                    <a:lumMod val="65000"/>
-                  </a:schemeClr>
-                </a:solidFill>
-              </a:rPr>
-              <a:t>Development Process</a:t>
-            </a:r>
-          </a:p>
-          <a:p>
-            <a:pPr>
-              <a:buFont typeface="Wingdings" pitchFamily="2" charset="2"/>
-              <a:buChar char="v"/>
-            </a:pPr>
-            <a:r>
-              <a:rPr lang="en-US" b="1" dirty="0">
-                <a:solidFill>
-                  <a:schemeClr val="tx2"/>
-                </a:solidFill>
-              </a:rPr>
-              <a:t>Quality Management Process</a:t>
-            </a:r>
-          </a:p>
-          <a:p>
-            <a:pPr>
-              <a:buFont typeface="Wingdings" pitchFamily="2" charset="2"/>
-              <a:buChar char="v"/>
-            </a:pPr>
-            <a:r>
-              <a:rPr lang="en-US" dirty="0">
-                <a:solidFill>
-                  <a:schemeClr val="bg1">
-                    <a:lumMod val="65000"/>
-                  </a:schemeClr>
-                </a:solidFill>
-              </a:rPr>
-              <a:t>Demo – VMS v1.0</a:t>
-            </a:r>
-          </a:p>
-          <a:p>
-            <a:pPr>
-              <a:buFont typeface="Wingdings" pitchFamily="2" charset="2"/>
-              <a:buChar char="v"/>
-            </a:pPr>
-            <a:r>
-              <a:rPr lang="en-US" dirty="0">
-                <a:solidFill>
-                  <a:schemeClr val="bg1">
-                    <a:lumMod val="65000"/>
-                  </a:schemeClr>
-                </a:solidFill>
-              </a:rPr>
-              <a:t>End Project Report</a:t>
-            </a:r>
-          </a:p>
-          <a:p>
-            <a:pPr>
-              <a:buFont typeface="Wingdings" pitchFamily="2" charset="2"/>
-              <a:buChar char="v"/>
-            </a:pPr>
-            <a:r>
-              <a:rPr lang="en-US" dirty="0">
-                <a:solidFill>
-                  <a:schemeClr val="bg1">
-                    <a:lumMod val="65000"/>
-                  </a:schemeClr>
-                </a:solidFill>
-              </a:rPr>
-              <a:t>Q &amp; A</a:t>
-            </a:r>
-          </a:p>
-        </p:txBody>
-      </p:sp>
-      <p:pic>
-        <p:nvPicPr>
-          <p:cNvPr id="6" name="Picture 2" descr="C:\Users\Dio\AppData\Local\Microsoft\Windows\Temporary Internet Files\Content.IE5\QY2JGCM3\MC900295360[1].wmf"/>
-          <p:cNvPicPr>
-            <a:picLocks noChangeAspect="1" noChangeArrowheads="1"/>
-          </p:cNvPicPr>
-          <p:nvPr/>
-        </p:nvPicPr>
-        <p:blipFill>
-          <a:blip r:embed="rId2" cstate="print">
-            <a:extLst>
-              <a:ext uri="{28A0092B-C50C-407E-A947-70E740481C1C}">
-                <a14:useLocalDpi xmlns:a14="http://schemas.microsoft.com/office/drawing/2010/main" val="0"/>
-              </a:ext>
-            </a:extLst>
-          </a:blip>
-          <a:srcRect/>
-          <a:stretch>
-            <a:fillRect/>
-          </a:stretch>
-        </p:blipFill>
-        <p:spPr bwMode="auto">
-          <a:xfrm>
-            <a:off x="5518700" y="381000"/>
-            <a:ext cx="2221400" cy="2374900"/>
-          </a:xfrm>
-          <a:prstGeom prst="rect">
-            <a:avLst/>
-          </a:prstGeom>
-          <a:noFill/>
-          <a:extLst>
-            <a:ext uri="{909E8E84-426E-40DD-AFC4-6F175D3DCCD1}">
-              <a14:hiddenFill xmlns:a14="http://schemas.microsoft.com/office/drawing/2010/main">
-                <a:solidFill>
-                  <a:srgbClr val="FFFFFF"/>
-                </a:solidFill>
-              </a14:hiddenFill>
-            </a:ext>
-          </a:extLst>
-        </p:spPr>
-      </p:pic>
-    </p:spTree>
-    <p:extLst>
-      <p:ext uri="{BB962C8B-B14F-4D97-AF65-F5344CB8AC3E}">
-        <p14:creationId xmlns:p14="http://schemas.microsoft.com/office/powerpoint/2010/main" val="1374555784"/>
-      </p:ext>
-    </p:extLst>
-  </p:cSld>
-  <p:clrMapOvr>
-    <a:masterClrMapping/>
-  </p:clrMapOvr>
-  <p:timing>
-    <p:tnLst>
-      <p:par>
-        <p:cTn id="1" dur="indefinite" restart="never" nodeType="tmRoot"/>
-      </p:par>
-    </p:tnLst>
-  </p:timing>
-</p:sld>
-</file>
-
-<file path=ppt/slides/slide18.xml><?xml version="1.0" encoding="utf-8"?>
 <p:sld xmlns:a="http://schemas.openxmlformats.org/drawingml/2006/main" xmlns:r="http://schemas.openxmlformats.org/officeDocument/2006/relationships" xmlns:p="http://schemas.openxmlformats.org/presentationml/2006/main">
   <p:cSld>
     <p:spTree>
@@ -14609,8 +14092,12 @@
           <a:lstStyle/>
           <a:p>
             <a:r>
+              <a:rPr lang="en-US" dirty="0"/>
+              <a:t>Implementation Strategy - </a:t>
+            </a:r>
+            <a:r>
               <a:rPr lang="en-US" dirty="0" smtClean="0"/>
-              <a:t>Quality Management Process - 1</a:t>
+              <a:t>4</a:t>
             </a:r>
             <a:endParaRPr lang="en-US" dirty="0"/>
           </a:p>
@@ -14636,12 +14123,12 @@
           <a:bodyPr/>
           <a:lstStyle/>
           <a:p>
-            <a:pPr lvl="1">
+            <a:pPr>
               <a:buFont typeface="Wingdings" pitchFamily="2" charset="2"/>
               <a:buChar char="v"/>
             </a:pPr>
             <a:r>
-              <a:rPr lang="en-US" dirty="0" smtClean="0"/>
+              <a:rPr lang="en-US" b="1" dirty="0" smtClean="0"/>
               <a:t>Quality Assurance process</a:t>
             </a:r>
           </a:p>
@@ -14679,7 +14166,941 @@
     </p:spTree>
     <p:extLst>
       <p:ext uri="{BB962C8B-B14F-4D97-AF65-F5344CB8AC3E}">
-        <p14:creationId xmlns:p14="http://schemas.microsoft.com/office/powerpoint/2010/main" val="1176165022"/>
+        <p14:creationId xmlns:p14="http://schemas.microsoft.com/office/powerpoint/2010/main" val="1833802510"/>
+      </p:ext>
+    </p:extLst>
+  </p:cSld>
+  <p:clrMapOvr>
+    <a:masterClrMapping/>
+  </p:clrMapOvr>
+  <p:timing>
+    <p:tnLst>
+      <p:par>
+        <p:cTn id="1" dur="indefinite" restart="never" nodeType="tmRoot"/>
+      </p:par>
+    </p:tnLst>
+  </p:timing>
+</p:sld>
+</file>
+
+<file path=ppt/slides/slide16.xml><?xml version="1.0" encoding="utf-8"?>
+<p:sld xmlns:a="http://schemas.openxmlformats.org/drawingml/2006/main" xmlns:r="http://schemas.openxmlformats.org/officeDocument/2006/relationships" xmlns:p="http://schemas.openxmlformats.org/presentationml/2006/main">
+  <p:cSld>
+    <p:spTree>
+      <p:nvGrpSpPr>
+        <p:cNvPr id="1" name=""/>
+        <p:cNvGrpSpPr/>
+        <p:nvPr/>
+      </p:nvGrpSpPr>
+      <p:grpSpPr>
+        <a:xfrm>
+          <a:off x="0" y="0"/>
+          <a:ext cx="0" cy="0"/>
+          <a:chOff x="0" y="0"/>
+          <a:chExt cx="0" cy="0"/>
+        </a:xfrm>
+      </p:grpSpPr>
+      <p:sp>
+        <p:nvSpPr>
+          <p:cNvPr id="2" name="Title 1"/>
+          <p:cNvSpPr>
+            <a:spLocks noGrp="1"/>
+          </p:cNvSpPr>
+          <p:nvPr>
+            <p:ph type="title"/>
+          </p:nvPr>
+        </p:nvSpPr>
+        <p:spPr/>
+        <p:txBody>
+          <a:bodyPr/>
+          <a:lstStyle/>
+          <a:p>
+            <a:r>
+              <a:rPr lang="en-US" dirty="0"/>
+              <a:t>Implementation Strategy - </a:t>
+            </a:r>
+            <a:r>
+              <a:rPr lang="en-US" dirty="0" smtClean="0"/>
+              <a:t>5</a:t>
+            </a:r>
+            <a:endParaRPr lang="en-US" dirty="0"/>
+          </a:p>
+        </p:txBody>
+      </p:sp>
+      <p:sp>
+        <p:nvSpPr>
+          <p:cNvPr id="6" name="Rectangle 5"/>
+          <p:cNvSpPr txBox="1">
+            <a:spLocks noChangeArrowheads="1"/>
+          </p:cNvSpPr>
+          <p:nvPr/>
+        </p:nvSpPr>
+        <p:spPr bwMode="auto">
+          <a:xfrm>
+            <a:off x="381000" y="1531183"/>
+            <a:ext cx="8153400" cy="1364417"/>
+          </a:xfrm>
+          <a:prstGeom prst="rect">
+            <a:avLst/>
+          </a:prstGeom>
+          <a:noFill/>
+          <a:ln w="9525">
+            <a:noFill/>
+            <a:miter lim="800000"/>
+            <a:headEnd/>
+            <a:tailEnd/>
+          </a:ln>
+          <a:effectLst/>
+        </p:spPr>
+        <p:txBody>
+          <a:bodyPr vert="horz" wrap="square" lIns="91440" tIns="45720" rIns="91440" bIns="45720" numCol="1" anchor="t" anchorCtr="0" compatLnSpc="1">
+            <a:prstTxWarp prst="textNoShape">
+              <a:avLst/>
+            </a:prstTxWarp>
+          </a:bodyPr>
+          <a:lstStyle>
+            <a:lvl1pPr marL="342900" indent="-342900" algn="l" rtl="0" eaLnBrk="1" fontAlgn="base" hangingPunct="1">
+              <a:spcBef>
+                <a:spcPct val="25000"/>
+              </a:spcBef>
+              <a:spcAft>
+                <a:spcPct val="0"/>
+              </a:spcAft>
+              <a:buClr>
+                <a:schemeClr val="tx2"/>
+              </a:buClr>
+              <a:buSzPct val="60000"/>
+              <a:buFont typeface="Wingdings" pitchFamily="2" charset="2"/>
+              <a:defRPr sz="2700">
+                <a:solidFill>
+                  <a:schemeClr val="tx1"/>
+                </a:solidFill>
+                <a:latin typeface="+mn-lt"/>
+                <a:ea typeface="+mn-ea"/>
+                <a:cs typeface="+mn-cs"/>
+              </a:defRPr>
+            </a:lvl1pPr>
+            <a:lvl2pPr marL="692150" indent="-347663" algn="l" rtl="0" eaLnBrk="1" fontAlgn="base" hangingPunct="1">
+              <a:spcBef>
+                <a:spcPct val="0"/>
+              </a:spcBef>
+              <a:spcAft>
+                <a:spcPct val="25000"/>
+              </a:spcAft>
+              <a:buClr>
+                <a:schemeClr val="accent2"/>
+              </a:buClr>
+              <a:buSzPct val="55000"/>
+              <a:buFont typeface="Wingdings" pitchFamily="2" charset="2"/>
+              <a:buChar char="l"/>
+              <a:defRPr sz="2400">
+                <a:solidFill>
+                  <a:schemeClr val="tx1"/>
+                </a:solidFill>
+                <a:latin typeface="+mn-lt"/>
+              </a:defRPr>
+            </a:lvl2pPr>
+            <a:lvl3pPr marL="987425" indent="-293688" algn="l" rtl="0" eaLnBrk="1" fontAlgn="base" hangingPunct="1">
+              <a:spcBef>
+                <a:spcPct val="0"/>
+              </a:spcBef>
+              <a:spcAft>
+                <a:spcPct val="25000"/>
+              </a:spcAft>
+              <a:buClr>
+                <a:schemeClr val="accent1"/>
+              </a:buClr>
+              <a:buSzPct val="50000"/>
+              <a:buFont typeface="Wingdings" pitchFamily="2" charset="2"/>
+              <a:buChar char="l"/>
+              <a:defRPr sz="2200">
+                <a:solidFill>
+                  <a:schemeClr val="tx1"/>
+                </a:solidFill>
+                <a:latin typeface="+mn-lt"/>
+              </a:defRPr>
+            </a:lvl3pPr>
+            <a:lvl4pPr marL="1281113" indent="-292100" algn="l" rtl="0" eaLnBrk="1" fontAlgn="base" hangingPunct="1">
+              <a:spcBef>
+                <a:spcPct val="20000"/>
+              </a:spcBef>
+              <a:spcAft>
+                <a:spcPct val="0"/>
+              </a:spcAft>
+              <a:buClr>
+                <a:schemeClr val="tx2"/>
+              </a:buClr>
+              <a:buSzPct val="75000"/>
+              <a:buFont typeface="Wingdings" pitchFamily="2" charset="2"/>
+              <a:buChar char="§"/>
+              <a:defRPr sz="2000">
+                <a:solidFill>
+                  <a:schemeClr val="tx1"/>
+                </a:solidFill>
+                <a:latin typeface="+mn-lt"/>
+              </a:defRPr>
+            </a:lvl4pPr>
+            <a:lvl5pPr marL="1598613" indent="-315913" algn="l" rtl="0" eaLnBrk="1" fontAlgn="base" hangingPunct="1">
+              <a:spcBef>
+                <a:spcPct val="20000"/>
+              </a:spcBef>
+              <a:spcAft>
+                <a:spcPct val="0"/>
+              </a:spcAft>
+              <a:buClr>
+                <a:schemeClr val="folHlink"/>
+              </a:buClr>
+              <a:buSzPct val="80000"/>
+              <a:buFont typeface="Wingdings" pitchFamily="2" charset="2"/>
+              <a:buChar char="§"/>
+              <a:defRPr sz="2000">
+                <a:solidFill>
+                  <a:schemeClr val="tx1"/>
+                </a:solidFill>
+                <a:latin typeface="+mn-lt"/>
+              </a:defRPr>
+            </a:lvl5pPr>
+            <a:lvl6pPr marL="2055813" indent="-315913" algn="l" rtl="0" eaLnBrk="1" fontAlgn="base" hangingPunct="1">
+              <a:spcBef>
+                <a:spcPct val="20000"/>
+              </a:spcBef>
+              <a:spcAft>
+                <a:spcPct val="0"/>
+              </a:spcAft>
+              <a:buClr>
+                <a:schemeClr val="folHlink"/>
+              </a:buClr>
+              <a:buSzPct val="80000"/>
+              <a:buFont typeface="Wingdings" pitchFamily="2" charset="2"/>
+              <a:buChar char="§"/>
+              <a:defRPr sz="2000">
+                <a:solidFill>
+                  <a:schemeClr val="tx1"/>
+                </a:solidFill>
+                <a:latin typeface="+mn-lt"/>
+              </a:defRPr>
+            </a:lvl6pPr>
+            <a:lvl7pPr marL="2513013" indent="-315913" algn="l" rtl="0" eaLnBrk="1" fontAlgn="base" hangingPunct="1">
+              <a:spcBef>
+                <a:spcPct val="20000"/>
+              </a:spcBef>
+              <a:spcAft>
+                <a:spcPct val="0"/>
+              </a:spcAft>
+              <a:buClr>
+                <a:schemeClr val="folHlink"/>
+              </a:buClr>
+              <a:buSzPct val="80000"/>
+              <a:buFont typeface="Wingdings" pitchFamily="2" charset="2"/>
+              <a:buChar char="§"/>
+              <a:defRPr sz="2000">
+                <a:solidFill>
+                  <a:schemeClr val="tx1"/>
+                </a:solidFill>
+                <a:latin typeface="+mn-lt"/>
+              </a:defRPr>
+            </a:lvl7pPr>
+            <a:lvl8pPr marL="2970213" indent="-315913" algn="l" rtl="0" eaLnBrk="1" fontAlgn="base" hangingPunct="1">
+              <a:spcBef>
+                <a:spcPct val="20000"/>
+              </a:spcBef>
+              <a:spcAft>
+                <a:spcPct val="0"/>
+              </a:spcAft>
+              <a:buClr>
+                <a:schemeClr val="folHlink"/>
+              </a:buClr>
+              <a:buSzPct val="80000"/>
+              <a:buFont typeface="Wingdings" pitchFamily="2" charset="2"/>
+              <a:buChar char="§"/>
+              <a:defRPr sz="2000">
+                <a:solidFill>
+                  <a:schemeClr val="tx1"/>
+                </a:solidFill>
+                <a:latin typeface="+mn-lt"/>
+              </a:defRPr>
+            </a:lvl8pPr>
+            <a:lvl9pPr marL="3427413" indent="-315913" algn="l" rtl="0" eaLnBrk="1" fontAlgn="base" hangingPunct="1">
+              <a:spcBef>
+                <a:spcPct val="20000"/>
+              </a:spcBef>
+              <a:spcAft>
+                <a:spcPct val="0"/>
+              </a:spcAft>
+              <a:buClr>
+                <a:schemeClr val="folHlink"/>
+              </a:buClr>
+              <a:buSzPct val="80000"/>
+              <a:buFont typeface="Wingdings" pitchFamily="2" charset="2"/>
+              <a:buChar char="§"/>
+              <a:defRPr sz="2000">
+                <a:solidFill>
+                  <a:schemeClr val="tx1"/>
+                </a:solidFill>
+                <a:latin typeface="+mn-lt"/>
+              </a:defRPr>
+            </a:lvl9pPr>
+          </a:lstStyle>
+          <a:p>
+            <a:pPr>
+              <a:buFont typeface="Wingdings" pitchFamily="2" charset="2"/>
+              <a:buChar char="v"/>
+            </a:pPr>
+            <a:r>
+              <a:rPr lang="en-US" b="1" dirty="0"/>
+              <a:t>Quality Assurance </a:t>
+            </a:r>
+            <a:r>
+              <a:rPr lang="en-US" b="1" dirty="0" smtClean="0"/>
+              <a:t>result:</a:t>
+            </a:r>
+            <a:endParaRPr lang="en-US" b="1" dirty="0"/>
+          </a:p>
+        </p:txBody>
+      </p:sp>
+      <p:pic>
+        <p:nvPicPr>
+          <p:cNvPr id="2050" name="Picture 1"/>
+          <p:cNvPicPr>
+            <a:picLocks noChangeAspect="1" noChangeArrowheads="1"/>
+          </p:cNvPicPr>
+          <p:nvPr/>
+        </p:nvPicPr>
+        <p:blipFill>
+          <a:blip r:embed="rId2">
+            <a:extLst>
+              <a:ext uri="{28A0092B-C50C-407E-A947-70E740481C1C}">
+                <a14:useLocalDpi xmlns:a14="http://schemas.microsoft.com/office/drawing/2010/main" val="0"/>
+              </a:ext>
+            </a:extLst>
+          </a:blip>
+          <a:srcRect/>
+          <a:stretch>
+            <a:fillRect/>
+          </a:stretch>
+        </p:blipFill>
+        <p:spPr bwMode="auto">
+          <a:xfrm>
+            <a:off x="241300" y="2286000"/>
+            <a:ext cx="8677868" cy="3787774"/>
+          </a:xfrm>
+          <a:prstGeom prst="rect">
+            <a:avLst/>
+          </a:prstGeom>
+          <a:noFill/>
+          <a:ln w="9525">
+            <a:solidFill>
+              <a:srgbClr val="000000"/>
+            </a:solidFill>
+            <a:miter lim="800000"/>
+            <a:headEnd/>
+            <a:tailEnd/>
+          </a:ln>
+          <a:extLst>
+            <a:ext uri="{909E8E84-426E-40DD-AFC4-6F175D3DCCD1}">
+              <a14:hiddenFill xmlns:a14="http://schemas.microsoft.com/office/drawing/2010/main">
+                <a:solidFill>
+                  <a:srgbClr val="FFFFFF"/>
+                </a:solidFill>
+              </a14:hiddenFill>
+            </a:ext>
+          </a:extLst>
+        </p:spPr>
+      </p:pic>
+    </p:spTree>
+    <p:extLst>
+      <p:ext uri="{BB962C8B-B14F-4D97-AF65-F5344CB8AC3E}">
+        <p14:creationId xmlns:p14="http://schemas.microsoft.com/office/powerpoint/2010/main" val="51533539"/>
+      </p:ext>
+    </p:extLst>
+  </p:cSld>
+  <p:clrMapOvr>
+    <a:masterClrMapping/>
+  </p:clrMapOvr>
+  <p:timing>
+    <p:tnLst>
+      <p:par>
+        <p:cTn id="1" dur="indefinite" restart="never" nodeType="tmRoot"/>
+      </p:par>
+    </p:tnLst>
+  </p:timing>
+</p:sld>
+</file>
+
+<file path=ppt/slides/slide17.xml><?xml version="1.0" encoding="utf-8"?>
+<p:sld xmlns:a="http://schemas.openxmlformats.org/drawingml/2006/main" xmlns:r="http://schemas.openxmlformats.org/officeDocument/2006/relationships" xmlns:p="http://schemas.openxmlformats.org/presentationml/2006/main">
+  <p:cSld>
+    <p:spTree>
+      <p:nvGrpSpPr>
+        <p:cNvPr id="1" name=""/>
+        <p:cNvGrpSpPr/>
+        <p:nvPr/>
+      </p:nvGrpSpPr>
+      <p:grpSpPr>
+        <a:xfrm>
+          <a:off x="0" y="0"/>
+          <a:ext cx="0" cy="0"/>
+          <a:chOff x="0" y="0"/>
+          <a:chExt cx="0" cy="0"/>
+        </a:xfrm>
+      </p:grpSpPr>
+      <p:sp>
+        <p:nvSpPr>
+          <p:cNvPr id="22532" name="Rectangle 4"/>
+          <p:cNvSpPr>
+            <a:spLocks noGrp="1" noChangeArrowheads="1"/>
+          </p:cNvSpPr>
+          <p:nvPr>
+            <p:ph type="title"/>
+          </p:nvPr>
+        </p:nvSpPr>
+        <p:spPr/>
+        <p:txBody>
+          <a:bodyPr/>
+          <a:lstStyle/>
+          <a:p>
+            <a:r>
+              <a:rPr lang="en-US" dirty="0" smtClean="0"/>
+              <a:t>Agenda</a:t>
+            </a:r>
+            <a:endParaRPr lang="en-US" dirty="0"/>
+          </a:p>
+        </p:txBody>
+      </p:sp>
+      <p:sp>
+        <p:nvSpPr>
+          <p:cNvPr id="22533" name="Rectangle 5"/>
+          <p:cNvSpPr>
+            <a:spLocks noGrp="1" noChangeArrowheads="1"/>
+          </p:cNvSpPr>
+          <p:nvPr>
+            <p:ph type="body" idx="1"/>
+          </p:nvPr>
+        </p:nvSpPr>
+        <p:spPr>
+          <a:xfrm>
+            <a:off x="1143000" y="1524000"/>
+            <a:ext cx="7391400" cy="4648200"/>
+          </a:xfrm>
+        </p:spPr>
+        <p:txBody>
+          <a:bodyPr/>
+          <a:lstStyle/>
+          <a:p>
+            <a:pPr>
+              <a:buFont typeface="Wingdings" pitchFamily="2" charset="2"/>
+              <a:buChar char="v"/>
+            </a:pPr>
+            <a:r>
+              <a:rPr lang="en-US" dirty="0">
+                <a:solidFill>
+                  <a:schemeClr val="bg1">
+                    <a:lumMod val="65000"/>
+                  </a:schemeClr>
+                </a:solidFill>
+              </a:rPr>
+              <a:t>Project Revisit</a:t>
+            </a:r>
+          </a:p>
+          <a:p>
+            <a:pPr>
+              <a:buFont typeface="Wingdings" pitchFamily="2" charset="2"/>
+              <a:buChar char="v"/>
+            </a:pPr>
+            <a:r>
+              <a:rPr lang="en-US" dirty="0">
+                <a:solidFill>
+                  <a:schemeClr val="bg1">
+                    <a:lumMod val="65000"/>
+                  </a:schemeClr>
+                </a:solidFill>
+              </a:rPr>
+              <a:t>High Level Architecture</a:t>
+            </a:r>
+          </a:p>
+          <a:p>
+            <a:pPr>
+              <a:buFont typeface="Wingdings" pitchFamily="2" charset="2"/>
+              <a:buChar char="v"/>
+            </a:pPr>
+            <a:r>
+              <a:rPr lang="en-US" dirty="0">
+                <a:solidFill>
+                  <a:schemeClr val="bg1">
+                    <a:lumMod val="65000"/>
+                  </a:schemeClr>
+                </a:solidFill>
+              </a:rPr>
+              <a:t>System Detailed Design</a:t>
+            </a:r>
+          </a:p>
+          <a:p>
+            <a:pPr>
+              <a:buFont typeface="Wingdings" pitchFamily="2" charset="2"/>
+              <a:buChar char="v"/>
+            </a:pPr>
+            <a:r>
+              <a:rPr lang="en-US" dirty="0">
+                <a:solidFill>
+                  <a:schemeClr val="bg1">
+                    <a:lumMod val="65000"/>
+                  </a:schemeClr>
+                </a:solidFill>
+              </a:rPr>
+              <a:t>Implementation Strategy</a:t>
+            </a:r>
+          </a:p>
+          <a:p>
+            <a:pPr>
+              <a:buFont typeface="Wingdings" pitchFamily="2" charset="2"/>
+              <a:buChar char="v"/>
+            </a:pPr>
+            <a:r>
+              <a:rPr lang="en-US" b="1" dirty="0">
+                <a:solidFill>
+                  <a:schemeClr val="tx2"/>
+                </a:solidFill>
+              </a:rPr>
+              <a:t>Challenges &amp; Solution</a:t>
+            </a:r>
+          </a:p>
+          <a:p>
+            <a:pPr>
+              <a:buFont typeface="Wingdings" pitchFamily="2" charset="2"/>
+              <a:buChar char="v"/>
+            </a:pPr>
+            <a:r>
+              <a:rPr lang="en-US" dirty="0">
+                <a:solidFill>
+                  <a:schemeClr val="bg1">
+                    <a:lumMod val="65000"/>
+                  </a:schemeClr>
+                </a:solidFill>
+              </a:rPr>
+              <a:t>Demo </a:t>
+            </a:r>
+            <a:r>
+              <a:rPr lang="en-US" dirty="0" smtClean="0">
+                <a:solidFill>
+                  <a:schemeClr val="bg1">
+                    <a:lumMod val="65000"/>
+                  </a:schemeClr>
+                </a:solidFill>
+              </a:rPr>
+              <a:t>of </a:t>
+            </a:r>
+            <a:r>
+              <a:rPr lang="en-US" dirty="0">
+                <a:solidFill>
+                  <a:schemeClr val="bg1">
+                    <a:lumMod val="65000"/>
+                  </a:schemeClr>
+                </a:solidFill>
+              </a:rPr>
+              <a:t>VMS v1.0</a:t>
+            </a:r>
+          </a:p>
+          <a:p>
+            <a:pPr>
+              <a:buFont typeface="Wingdings" pitchFamily="2" charset="2"/>
+              <a:buChar char="v"/>
+            </a:pPr>
+            <a:r>
+              <a:rPr lang="en-US" dirty="0">
+                <a:solidFill>
+                  <a:schemeClr val="bg1">
+                    <a:lumMod val="65000"/>
+                  </a:schemeClr>
+                </a:solidFill>
+              </a:rPr>
+              <a:t>End Project </a:t>
+            </a:r>
+            <a:r>
+              <a:rPr lang="en-US" dirty="0" smtClean="0">
+                <a:solidFill>
+                  <a:schemeClr val="bg1">
+                    <a:lumMod val="65000"/>
+                  </a:schemeClr>
+                </a:solidFill>
+              </a:rPr>
+              <a:t>Report</a:t>
+            </a:r>
+          </a:p>
+          <a:p>
+            <a:pPr>
+              <a:buFont typeface="Wingdings" pitchFamily="2" charset="2"/>
+              <a:buChar char="v"/>
+            </a:pPr>
+            <a:r>
+              <a:rPr lang="en-US" dirty="0">
+                <a:solidFill>
+                  <a:schemeClr val="bg1">
+                    <a:lumMod val="65000"/>
+                  </a:schemeClr>
+                </a:solidFill>
+              </a:rPr>
+              <a:t>Evaluation &amp; Conclusion</a:t>
+            </a:r>
+          </a:p>
+          <a:p>
+            <a:pPr>
+              <a:buFont typeface="Wingdings" pitchFamily="2" charset="2"/>
+              <a:buChar char="v"/>
+            </a:pPr>
+            <a:r>
+              <a:rPr lang="en-US" dirty="0" smtClean="0">
+                <a:solidFill>
+                  <a:schemeClr val="bg1">
+                    <a:lumMod val="65000"/>
+                  </a:schemeClr>
+                </a:solidFill>
+              </a:rPr>
+              <a:t>Q </a:t>
+            </a:r>
+            <a:r>
+              <a:rPr lang="en-US" dirty="0">
+                <a:solidFill>
+                  <a:schemeClr val="bg1">
+                    <a:lumMod val="65000"/>
+                  </a:schemeClr>
+                </a:solidFill>
+              </a:rPr>
+              <a:t>&amp; A</a:t>
+            </a:r>
+          </a:p>
+        </p:txBody>
+      </p:sp>
+      <p:pic>
+        <p:nvPicPr>
+          <p:cNvPr id="6" name="Picture 2" descr="C:\Users\Dio\AppData\Local\Microsoft\Windows\Temporary Internet Files\Content.IE5\QY2JGCM3\MC900295360[1].wmf"/>
+          <p:cNvPicPr>
+            <a:picLocks noChangeAspect="1" noChangeArrowheads="1"/>
+          </p:cNvPicPr>
+          <p:nvPr/>
+        </p:nvPicPr>
+        <p:blipFill>
+          <a:blip r:embed="rId2" cstate="print">
+            <a:extLst>
+              <a:ext uri="{28A0092B-C50C-407E-A947-70E740481C1C}">
+                <a14:useLocalDpi xmlns:a14="http://schemas.microsoft.com/office/drawing/2010/main" val="0"/>
+              </a:ext>
+            </a:extLst>
+          </a:blip>
+          <a:srcRect/>
+          <a:stretch>
+            <a:fillRect/>
+          </a:stretch>
+        </p:blipFill>
+        <p:spPr bwMode="auto">
+          <a:xfrm>
+            <a:off x="6096000" y="1981200"/>
+            <a:ext cx="2221400" cy="2374900"/>
+          </a:xfrm>
+          <a:prstGeom prst="rect">
+            <a:avLst/>
+          </a:prstGeom>
+          <a:noFill/>
+          <a:extLst>
+            <a:ext uri="{909E8E84-426E-40DD-AFC4-6F175D3DCCD1}">
+              <a14:hiddenFill xmlns:a14="http://schemas.microsoft.com/office/drawing/2010/main">
+                <a:solidFill>
+                  <a:srgbClr val="FFFFFF"/>
+                </a:solidFill>
+              </a14:hiddenFill>
+            </a:ext>
+          </a:extLst>
+        </p:spPr>
+      </p:pic>
+    </p:spTree>
+    <p:extLst>
+      <p:ext uri="{BB962C8B-B14F-4D97-AF65-F5344CB8AC3E}">
+        <p14:creationId xmlns:p14="http://schemas.microsoft.com/office/powerpoint/2010/main" val="4134825941"/>
+      </p:ext>
+    </p:extLst>
+  </p:cSld>
+  <p:clrMapOvr>
+    <a:masterClrMapping/>
+  </p:clrMapOvr>
+  <p:timing>
+    <p:tnLst>
+      <p:par>
+        <p:cTn id="1" dur="indefinite" restart="never" nodeType="tmRoot"/>
+      </p:par>
+    </p:tnLst>
+  </p:timing>
+</p:sld>
+</file>
+
+<file path=ppt/slides/slide18.xml><?xml version="1.0" encoding="utf-8"?>
+<p:sld xmlns:a="http://schemas.openxmlformats.org/drawingml/2006/main" xmlns:r="http://schemas.openxmlformats.org/officeDocument/2006/relationships" xmlns:p="http://schemas.openxmlformats.org/presentationml/2006/main">
+  <p:cSld>
+    <p:spTree>
+      <p:nvGrpSpPr>
+        <p:cNvPr id="1" name=""/>
+        <p:cNvGrpSpPr/>
+        <p:nvPr/>
+      </p:nvGrpSpPr>
+      <p:grpSpPr>
+        <a:xfrm>
+          <a:off x="0" y="0"/>
+          <a:ext cx="0" cy="0"/>
+          <a:chOff x="0" y="0"/>
+          <a:chExt cx="0" cy="0"/>
+        </a:xfrm>
+      </p:grpSpPr>
+      <p:sp>
+        <p:nvSpPr>
+          <p:cNvPr id="2" name="Title 1"/>
+          <p:cNvSpPr>
+            <a:spLocks noGrp="1"/>
+          </p:cNvSpPr>
+          <p:nvPr>
+            <p:ph type="title"/>
+          </p:nvPr>
+        </p:nvSpPr>
+        <p:spPr/>
+        <p:txBody>
+          <a:bodyPr/>
+          <a:lstStyle/>
+          <a:p>
+            <a:r>
+              <a:rPr lang="en-US" dirty="0" smtClean="0"/>
+              <a:t>Challenges &amp; Solution - 1</a:t>
+            </a:r>
+            <a:endParaRPr lang="en-US" dirty="0"/>
+          </a:p>
+        </p:txBody>
+      </p:sp>
+      <p:sp>
+        <p:nvSpPr>
+          <p:cNvPr id="7" name="Rectangle 5"/>
+          <p:cNvSpPr>
+            <a:spLocks noGrp="1" noChangeArrowheads="1"/>
+          </p:cNvSpPr>
+          <p:nvPr>
+            <p:ph idx="1"/>
+          </p:nvPr>
+        </p:nvSpPr>
+        <p:spPr>
+          <a:xfrm>
+            <a:off x="667068" y="1500186"/>
+            <a:ext cx="8305800" cy="5129213"/>
+          </a:xfrm>
+        </p:spPr>
+        <p:txBody>
+          <a:bodyPr/>
+          <a:lstStyle/>
+          <a:p>
+            <a:pPr>
+              <a:buFont typeface="Wingdings" pitchFamily="2" charset="2"/>
+              <a:buChar char="v"/>
+            </a:pPr>
+            <a:r>
+              <a:rPr lang="en-US" b="1" dirty="0" smtClean="0"/>
+              <a:t>Management Challenges : </a:t>
+            </a:r>
+            <a:r>
+              <a:rPr lang="en-US" dirty="0" smtClean="0"/>
+              <a:t>Development of dependent modules:</a:t>
+            </a:r>
+          </a:p>
+          <a:p>
+            <a:pPr lvl="2">
+              <a:buFont typeface="Wingdings" pitchFamily="2" charset="2"/>
+              <a:buChar char="v"/>
+            </a:pPr>
+            <a:r>
+              <a:rPr lang="en-US" dirty="0"/>
+              <a:t>Infrastructure Utilities: </a:t>
+            </a:r>
+            <a:r>
+              <a:rPr lang="en-US" sz="1800" i="1" dirty="0"/>
+              <a:t>Email, Logging, Access Control</a:t>
+            </a:r>
+            <a:endParaRPr lang="en-US" dirty="0"/>
+          </a:p>
+          <a:p>
+            <a:pPr lvl="2">
+              <a:buFont typeface="Wingdings" pitchFamily="2" charset="2"/>
+              <a:buChar char="v"/>
+            </a:pPr>
+            <a:r>
+              <a:rPr lang="en-US" dirty="0" smtClean="0"/>
+              <a:t>Volunteer Management: </a:t>
+            </a:r>
+            <a:r>
+              <a:rPr lang="en-US" sz="1800" i="1" dirty="0" smtClean="0"/>
+              <a:t>Join Project, Request for Certificate</a:t>
+            </a:r>
+            <a:endParaRPr lang="en-US" i="1" dirty="0" smtClean="0"/>
+          </a:p>
+          <a:p>
+            <a:pPr lvl="2">
+              <a:buFont typeface="Wingdings" pitchFamily="2" charset="2"/>
+              <a:buChar char="v"/>
+            </a:pPr>
+            <a:r>
+              <a:rPr lang="en-US" dirty="0" smtClean="0"/>
+              <a:t>Project Management: </a:t>
+            </a:r>
+            <a:r>
+              <a:rPr lang="en-US" sz="1800" i="1" dirty="0" smtClean="0"/>
+              <a:t>Roles Assignment</a:t>
+            </a:r>
+            <a:endParaRPr lang="en-US" i="1" dirty="0" smtClean="0"/>
+          </a:p>
+          <a:p>
+            <a:pPr>
+              <a:buFont typeface="Wingdings" pitchFamily="2" charset="2"/>
+              <a:buChar char="v"/>
+            </a:pPr>
+            <a:r>
+              <a:rPr lang="en-US" b="1" dirty="0" smtClean="0"/>
+              <a:t>Solution:</a:t>
+            </a:r>
+          </a:p>
+          <a:p>
+            <a:pPr lvl="1">
+              <a:buFont typeface="Wingdings" pitchFamily="2" charset="2"/>
+              <a:buChar char="v"/>
+            </a:pPr>
+            <a:r>
+              <a:rPr lang="en-US" dirty="0"/>
+              <a:t>Impact </a:t>
+            </a:r>
+            <a:r>
+              <a:rPr lang="en-US" dirty="0" smtClean="0"/>
+              <a:t>Analysis: </a:t>
+            </a:r>
+            <a:r>
+              <a:rPr lang="en-US" sz="2000" i="1" dirty="0" smtClean="0"/>
+              <a:t>prioritized important tasks</a:t>
+            </a:r>
+            <a:endParaRPr lang="en-US" i="1" dirty="0"/>
+          </a:p>
+          <a:p>
+            <a:pPr lvl="1">
+              <a:buFont typeface="Wingdings" pitchFamily="2" charset="2"/>
+              <a:buChar char="v"/>
+            </a:pPr>
+            <a:r>
+              <a:rPr lang="en-US" dirty="0" smtClean="0"/>
+              <a:t>Define tasks dependency network</a:t>
+            </a:r>
+            <a:r>
+              <a:rPr lang="en-US" i="1" dirty="0" smtClean="0"/>
+              <a:t>: </a:t>
+            </a:r>
+            <a:r>
+              <a:rPr lang="en-US" sz="2000" i="1" dirty="0" smtClean="0"/>
+              <a:t>define order of build</a:t>
+            </a:r>
+            <a:r>
+              <a:rPr lang="en-US" sz="2000" dirty="0" smtClean="0"/>
+              <a:t>, </a:t>
+            </a:r>
+            <a:r>
+              <a:rPr lang="en-US" sz="1800" i="1" dirty="0" smtClean="0"/>
+              <a:t>focus on </a:t>
+            </a:r>
+            <a:r>
+              <a:rPr lang="en-US" sz="2000" i="1" dirty="0" smtClean="0"/>
+              <a:t>parallel development tasks</a:t>
+            </a:r>
+          </a:p>
+          <a:p>
+            <a:pPr lvl="1">
+              <a:buFont typeface="Wingdings" pitchFamily="2" charset="2"/>
+              <a:buChar char="v"/>
+            </a:pPr>
+            <a:r>
+              <a:rPr lang="en-US" dirty="0" smtClean="0"/>
+              <a:t>Rely on Contract / Service interface / Business Façade</a:t>
+            </a:r>
+          </a:p>
+          <a:p>
+            <a:pPr lvl="1">
+              <a:buFont typeface="Wingdings" pitchFamily="2" charset="2"/>
+              <a:buChar char="v"/>
+            </a:pPr>
+            <a:r>
+              <a:rPr lang="en-US" dirty="0" smtClean="0"/>
+              <a:t>Daily code-merge &amp; test</a:t>
+            </a:r>
+          </a:p>
+          <a:p>
+            <a:pPr>
+              <a:buFont typeface="Wingdings" pitchFamily="2" charset="2"/>
+              <a:buChar char="v"/>
+            </a:pPr>
+            <a:endParaRPr lang="en-US" b="1" dirty="0" smtClean="0"/>
+          </a:p>
+        </p:txBody>
+      </p:sp>
+      <p:pic>
+        <p:nvPicPr>
+          <p:cNvPr id="3" name="Picture 2"/>
+          <p:cNvPicPr>
+            <a:picLocks noChangeAspect="1"/>
+          </p:cNvPicPr>
+          <p:nvPr/>
+        </p:nvPicPr>
+        <p:blipFill>
+          <a:blip r:embed="rId2" cstate="print">
+            <a:extLst>
+              <a:ext uri="{28A0092B-C50C-407E-A947-70E740481C1C}">
+                <a14:useLocalDpi xmlns:a14="http://schemas.microsoft.com/office/drawing/2010/main" val="0"/>
+              </a:ext>
+            </a:extLst>
+          </a:blip>
+          <a:stretch>
+            <a:fillRect/>
+          </a:stretch>
+        </p:blipFill>
+        <p:spPr>
+          <a:xfrm>
+            <a:off x="115299" y="1524000"/>
+            <a:ext cx="617444" cy="552450"/>
+          </a:xfrm>
+          <a:prstGeom prst="rect">
+            <a:avLst/>
+          </a:prstGeom>
+        </p:spPr>
+      </p:pic>
+      <p:pic>
+        <p:nvPicPr>
+          <p:cNvPr id="5" name="Picture 4"/>
+          <p:cNvPicPr>
+            <a:picLocks noChangeAspect="1"/>
+          </p:cNvPicPr>
+          <p:nvPr/>
+        </p:nvPicPr>
+        <p:blipFill>
+          <a:blip r:embed="rId3" cstate="print">
+            <a:extLst>
+              <a:ext uri="{28A0092B-C50C-407E-A947-70E740481C1C}">
+                <a14:useLocalDpi xmlns:a14="http://schemas.microsoft.com/office/drawing/2010/main" val="0"/>
+              </a:ext>
+            </a:extLst>
+          </a:blip>
+          <a:stretch>
+            <a:fillRect/>
+          </a:stretch>
+        </p:blipFill>
+        <p:spPr>
+          <a:xfrm>
+            <a:off x="228600" y="3276600"/>
+            <a:ext cx="543243" cy="561975"/>
+          </a:xfrm>
+          <a:prstGeom prst="rect">
+            <a:avLst/>
+          </a:prstGeom>
+        </p:spPr>
+      </p:pic>
+    </p:spTree>
+    <p:extLst>
+      <p:ext uri="{BB962C8B-B14F-4D97-AF65-F5344CB8AC3E}">
+        <p14:creationId xmlns:p14="http://schemas.microsoft.com/office/powerpoint/2010/main" val="2676794187"/>
       </p:ext>
     </p:extLst>
   </p:cSld>
@@ -14729,12 +15150,8 @@
           <a:lstStyle/>
           <a:p>
             <a:r>
-              <a:rPr lang="en-US" dirty="0"/>
-              <a:t>Quality Management Process - </a:t>
-            </a:r>
-            <a:r>
               <a:rPr lang="en-US" dirty="0" smtClean="0"/>
-              <a:t>2</a:t>
+              <a:t>Challenges &amp; Solution - 2</a:t>
             </a:r>
             <a:endParaRPr lang="en-US" dirty="0"/>
           </a:p>
@@ -14742,284 +15159,195 @@
       </p:sp>
       <p:sp>
         <p:nvSpPr>
-          <p:cNvPr id="6" name="Rectangle 5"/>
-          <p:cNvSpPr txBox="1">
-            <a:spLocks noChangeArrowheads="1"/>
+          <p:cNvPr id="7" name="Rectangle 5"/>
+          <p:cNvSpPr>
+            <a:spLocks noGrp="1" noChangeArrowheads="1"/>
           </p:cNvSpPr>
-          <p:nvPr/>
+          <p:nvPr>
+            <p:ph idx="1"/>
+          </p:nvPr>
         </p:nvSpPr>
-        <p:spPr bwMode="auto">
+        <p:spPr>
           <a:xfrm>
-            <a:off x="381000" y="1531183"/>
-            <a:ext cx="8153400" cy="1364417"/>
+            <a:off x="667068" y="1500186"/>
+            <a:ext cx="8305800" cy="5129213"/>
           </a:xfrm>
-          <a:prstGeom prst="rect">
-            <a:avLst/>
-          </a:prstGeom>
-          <a:noFill/>
-          <a:ln w="9525">
-            <a:noFill/>
-            <a:miter lim="800000"/>
-            <a:headEnd/>
-            <a:tailEnd/>
-          </a:ln>
-          <a:effectLst/>
         </p:spPr>
         <p:txBody>
-          <a:bodyPr vert="horz" wrap="square" lIns="91440" tIns="45720" rIns="91440" bIns="45720" numCol="1" anchor="t" anchorCtr="0" compatLnSpc="1">
-            <a:prstTxWarp prst="textNoShape">
-              <a:avLst/>
-            </a:prstTxWarp>
-          </a:bodyPr>
-          <a:lstStyle>
-            <a:lvl1pPr marL="342900" indent="-342900" algn="l" rtl="0" eaLnBrk="1" fontAlgn="base" hangingPunct="1">
-              <a:spcBef>
-                <a:spcPct val="25000"/>
-              </a:spcBef>
-              <a:spcAft>
-                <a:spcPct val="0"/>
-              </a:spcAft>
-              <a:buClr>
-                <a:schemeClr val="tx2"/>
-              </a:buClr>
-              <a:buSzPct val="60000"/>
-              <a:buFont typeface="Wingdings" pitchFamily="2" charset="2"/>
-              <a:defRPr sz="2700">
-                <a:solidFill>
-                  <a:schemeClr val="tx1"/>
-                </a:solidFill>
-                <a:latin typeface="+mn-lt"/>
-                <a:ea typeface="+mn-ea"/>
-                <a:cs typeface="+mn-cs"/>
-              </a:defRPr>
-            </a:lvl1pPr>
-            <a:lvl2pPr marL="692150" indent="-347663" algn="l" rtl="0" eaLnBrk="1" fontAlgn="base" hangingPunct="1">
-              <a:spcBef>
-                <a:spcPct val="0"/>
-              </a:spcBef>
-              <a:spcAft>
-                <a:spcPct val="25000"/>
-              </a:spcAft>
-              <a:buClr>
-                <a:schemeClr val="accent2"/>
-              </a:buClr>
-              <a:buSzPct val="55000"/>
-              <a:buFont typeface="Wingdings" pitchFamily="2" charset="2"/>
-              <a:buChar char="l"/>
-              <a:defRPr sz="2400">
-                <a:solidFill>
-                  <a:schemeClr val="tx1"/>
-                </a:solidFill>
-                <a:latin typeface="+mn-lt"/>
-              </a:defRPr>
-            </a:lvl2pPr>
-            <a:lvl3pPr marL="987425" indent="-293688" algn="l" rtl="0" eaLnBrk="1" fontAlgn="base" hangingPunct="1">
-              <a:spcBef>
-                <a:spcPct val="0"/>
-              </a:spcBef>
-              <a:spcAft>
-                <a:spcPct val="25000"/>
-              </a:spcAft>
-              <a:buClr>
-                <a:schemeClr val="accent1"/>
-              </a:buClr>
-              <a:buSzPct val="50000"/>
-              <a:buFont typeface="Wingdings" pitchFamily="2" charset="2"/>
-              <a:buChar char="l"/>
-              <a:defRPr sz="2200">
-                <a:solidFill>
-                  <a:schemeClr val="tx1"/>
-                </a:solidFill>
-                <a:latin typeface="+mn-lt"/>
-              </a:defRPr>
-            </a:lvl3pPr>
-            <a:lvl4pPr marL="1281113" indent="-292100" algn="l" rtl="0" eaLnBrk="1" fontAlgn="base" hangingPunct="1">
-              <a:spcBef>
-                <a:spcPct val="20000"/>
-              </a:spcBef>
-              <a:spcAft>
-                <a:spcPct val="0"/>
-              </a:spcAft>
-              <a:buClr>
-                <a:schemeClr val="tx2"/>
-              </a:buClr>
-              <a:buSzPct val="75000"/>
-              <a:buFont typeface="Wingdings" pitchFamily="2" charset="2"/>
-              <a:buChar char="§"/>
-              <a:defRPr sz="2000">
-                <a:solidFill>
-                  <a:schemeClr val="tx1"/>
-                </a:solidFill>
-                <a:latin typeface="+mn-lt"/>
-              </a:defRPr>
-            </a:lvl4pPr>
-            <a:lvl5pPr marL="1598613" indent="-315913" algn="l" rtl="0" eaLnBrk="1" fontAlgn="base" hangingPunct="1">
-              <a:spcBef>
-                <a:spcPct val="20000"/>
-              </a:spcBef>
-              <a:spcAft>
-                <a:spcPct val="0"/>
-              </a:spcAft>
-              <a:buClr>
-                <a:schemeClr val="folHlink"/>
-              </a:buClr>
-              <a:buSzPct val="80000"/>
-              <a:buFont typeface="Wingdings" pitchFamily="2" charset="2"/>
-              <a:buChar char="§"/>
-              <a:defRPr sz="2000">
-                <a:solidFill>
-                  <a:schemeClr val="tx1"/>
-                </a:solidFill>
-                <a:latin typeface="+mn-lt"/>
-              </a:defRPr>
-            </a:lvl5pPr>
-            <a:lvl6pPr marL="2055813" indent="-315913" algn="l" rtl="0" eaLnBrk="1" fontAlgn="base" hangingPunct="1">
-              <a:spcBef>
-                <a:spcPct val="20000"/>
-              </a:spcBef>
-              <a:spcAft>
-                <a:spcPct val="0"/>
-              </a:spcAft>
-              <a:buClr>
-                <a:schemeClr val="folHlink"/>
-              </a:buClr>
-              <a:buSzPct val="80000"/>
-              <a:buFont typeface="Wingdings" pitchFamily="2" charset="2"/>
-              <a:buChar char="§"/>
-              <a:defRPr sz="2000">
-                <a:solidFill>
-                  <a:schemeClr val="tx1"/>
-                </a:solidFill>
-                <a:latin typeface="+mn-lt"/>
-              </a:defRPr>
-            </a:lvl6pPr>
-            <a:lvl7pPr marL="2513013" indent="-315913" algn="l" rtl="0" eaLnBrk="1" fontAlgn="base" hangingPunct="1">
-              <a:spcBef>
-                <a:spcPct val="20000"/>
-              </a:spcBef>
-              <a:spcAft>
-                <a:spcPct val="0"/>
-              </a:spcAft>
-              <a:buClr>
-                <a:schemeClr val="folHlink"/>
-              </a:buClr>
-              <a:buSzPct val="80000"/>
-              <a:buFont typeface="Wingdings" pitchFamily="2" charset="2"/>
-              <a:buChar char="§"/>
-              <a:defRPr sz="2000">
-                <a:solidFill>
-                  <a:schemeClr val="tx1"/>
-                </a:solidFill>
-                <a:latin typeface="+mn-lt"/>
-              </a:defRPr>
-            </a:lvl7pPr>
-            <a:lvl8pPr marL="2970213" indent="-315913" algn="l" rtl="0" eaLnBrk="1" fontAlgn="base" hangingPunct="1">
-              <a:spcBef>
-                <a:spcPct val="20000"/>
-              </a:spcBef>
-              <a:spcAft>
-                <a:spcPct val="0"/>
-              </a:spcAft>
-              <a:buClr>
-                <a:schemeClr val="folHlink"/>
-              </a:buClr>
-              <a:buSzPct val="80000"/>
-              <a:buFont typeface="Wingdings" pitchFamily="2" charset="2"/>
-              <a:buChar char="§"/>
-              <a:defRPr sz="2000">
-                <a:solidFill>
-                  <a:schemeClr val="tx1"/>
-                </a:solidFill>
-                <a:latin typeface="+mn-lt"/>
-              </a:defRPr>
-            </a:lvl8pPr>
-            <a:lvl9pPr marL="3427413" indent="-315913" algn="l" rtl="0" eaLnBrk="1" fontAlgn="base" hangingPunct="1">
-              <a:spcBef>
-                <a:spcPct val="20000"/>
-              </a:spcBef>
-              <a:spcAft>
-                <a:spcPct val="0"/>
-              </a:spcAft>
-              <a:buClr>
-                <a:schemeClr val="folHlink"/>
-              </a:buClr>
-              <a:buSzPct val="80000"/>
-              <a:buFont typeface="Wingdings" pitchFamily="2" charset="2"/>
-              <a:buChar char="§"/>
-              <a:defRPr sz="2000">
-                <a:solidFill>
-                  <a:schemeClr val="tx1"/>
-                </a:solidFill>
-                <a:latin typeface="+mn-lt"/>
-              </a:defRPr>
-            </a:lvl9pPr>
-          </a:lstStyle>
-          <a:p>
-            <a:pPr lvl="1">
+          <a:bodyPr/>
+          <a:lstStyle/>
+          <a:p>
+            <a:pPr>
               <a:buFont typeface="Wingdings" pitchFamily="2" charset="2"/>
               <a:buChar char="v"/>
             </a:pPr>
             <a:r>
+              <a:rPr lang="en-US" b="1" dirty="0" smtClean="0"/>
+              <a:t>Management Challenges : </a:t>
+            </a:r>
+            <a:r>
+              <a:rPr lang="en-US" dirty="0"/>
+              <a:t>fragmented Project Management </a:t>
+            </a:r>
+            <a:r>
               <a:rPr lang="en-US" dirty="0" smtClean="0"/>
-              <a:t>Test results:</a:t>
-            </a:r>
-            <a:endParaRPr lang="en-US" dirty="0" smtClean="0"/>
+              <a:t> lead to lack of project status visibility</a:t>
+            </a:r>
+          </a:p>
+          <a:p>
+            <a:pPr lvl="2">
+              <a:buFont typeface="Wingdings" pitchFamily="2" charset="2"/>
+              <a:buChar char="v"/>
+            </a:pPr>
+            <a:r>
+              <a:rPr lang="en-US" dirty="0" smtClean="0"/>
+              <a:t>Slippage by 2 weeks for code implementation</a:t>
+            </a:r>
+          </a:p>
+          <a:p>
+            <a:pPr lvl="2">
+              <a:buFont typeface="Wingdings" pitchFamily="2" charset="2"/>
+              <a:buChar char="v"/>
+            </a:pPr>
+            <a:r>
+              <a:rPr lang="en-US" dirty="0"/>
+              <a:t>Slippage by 1 week for SIT &amp; testing</a:t>
+            </a:r>
+          </a:p>
+          <a:p>
+            <a:pPr>
+              <a:buFont typeface="Wingdings" pitchFamily="2" charset="2"/>
+              <a:buChar char="v"/>
+            </a:pPr>
+            <a:r>
+              <a:rPr lang="en-US" b="1" dirty="0" smtClean="0"/>
+              <a:t>Solution:</a:t>
+            </a:r>
+          </a:p>
+          <a:p>
+            <a:pPr lvl="1">
+              <a:buFont typeface="Wingdings" pitchFamily="2" charset="2"/>
+              <a:buChar char="v"/>
+            </a:pPr>
+            <a:r>
+              <a:rPr lang="en-US" dirty="0" smtClean="0"/>
+              <a:t>Proactive engagement of progress tracking:</a:t>
+            </a:r>
+          </a:p>
+          <a:p>
+            <a:pPr lvl="2">
+              <a:buFont typeface="Wingdings" pitchFamily="2" charset="2"/>
+              <a:buChar char="v"/>
+            </a:pPr>
+            <a:r>
+              <a:rPr lang="en-US" dirty="0" smtClean="0"/>
+              <a:t>Extensive task report, deliverable checklists, meeting minutes</a:t>
+            </a:r>
+          </a:p>
+          <a:p>
+            <a:pPr lvl="1">
+              <a:buFont typeface="Wingdings" pitchFamily="2" charset="2"/>
+              <a:buChar char="v"/>
+            </a:pPr>
+            <a:r>
+              <a:rPr lang="en-US" dirty="0" smtClean="0"/>
+              <a:t>Make-up slippage by:</a:t>
+            </a:r>
+          </a:p>
+          <a:p>
+            <a:pPr lvl="2">
+              <a:buFont typeface="Wingdings" pitchFamily="2" charset="2"/>
+              <a:buChar char="v"/>
+            </a:pPr>
+            <a:r>
+              <a:rPr lang="en-US" dirty="0" smtClean="0"/>
+              <a:t>Extra time spend on weekends / holidays</a:t>
+            </a:r>
+          </a:p>
+          <a:p>
+            <a:pPr lvl="2">
+              <a:buFont typeface="Wingdings" pitchFamily="2" charset="2"/>
+              <a:buChar char="v"/>
+            </a:pPr>
+            <a:r>
+              <a:rPr lang="en-US" dirty="0" smtClean="0"/>
+              <a:t>Early problem report / Surface issue </a:t>
+            </a:r>
+            <a:r>
+              <a:rPr lang="en-US" dirty="0" err="1" smtClean="0"/>
+              <a:t>asap</a:t>
+            </a:r>
+            <a:r>
+              <a:rPr lang="en-US" dirty="0" smtClean="0"/>
+              <a:t>.</a:t>
+            </a:r>
           </a:p>
         </p:txBody>
       </p:sp>
       <p:pic>
         <p:nvPicPr>
-          <p:cNvPr id="2050" name="Picture 1"/>
+          <p:cNvPr id="3" name="Picture 2"/>
           <p:cNvPicPr>
-            <a:picLocks noChangeAspect="1" noChangeArrowheads="1"/>
+            <a:picLocks noChangeAspect="1"/>
           </p:cNvPicPr>
           <p:nvPr/>
         </p:nvPicPr>
         <p:blipFill>
-          <a:blip r:embed="rId2">
+          <a:blip r:embed="rId2" cstate="print">
             <a:extLst>
               <a:ext uri="{28A0092B-C50C-407E-A947-70E740481C1C}">
                 <a14:useLocalDpi xmlns:a14="http://schemas.microsoft.com/office/drawing/2010/main" val="0"/>
               </a:ext>
             </a:extLst>
           </a:blip>
-          <a:srcRect/>
           <a:stretch>
             <a:fillRect/>
           </a:stretch>
         </p:blipFill>
-        <p:spPr bwMode="auto">
+        <p:spPr>
           <a:xfrm>
-            <a:off x="228600" y="2167354"/>
-            <a:ext cx="8677868" cy="3787774"/>
+            <a:off x="115299" y="1524000"/>
+            <a:ext cx="617444" cy="552450"/>
           </a:xfrm>
           <a:prstGeom prst="rect">
             <a:avLst/>
           </a:prstGeom>
-          <a:noFill/>
-          <a:ln w="9525">
-            <a:solidFill>
-              <a:srgbClr val="000000"/>
-            </a:solidFill>
-            <a:miter lim="800000"/>
-            <a:headEnd/>
-            <a:tailEnd/>
-          </a:ln>
-          <a:extLst>
-            <a:ext uri="{909E8E84-426E-40DD-AFC4-6F175D3DCCD1}">
-              <a14:hiddenFill xmlns:a14="http://schemas.microsoft.com/office/drawing/2010/main">
-                <a:solidFill>
-                  <a:srgbClr val="FFFFFF"/>
-                </a:solidFill>
-              </a14:hiddenFill>
-            </a:ext>
-          </a:extLst>
+        </p:spPr>
+      </p:pic>
+      <p:pic>
+        <p:nvPicPr>
+          <p:cNvPr id="5" name="Picture 4"/>
+          <p:cNvPicPr>
+            <a:picLocks noChangeAspect="1"/>
+          </p:cNvPicPr>
+          <p:nvPr/>
+        </p:nvPicPr>
+        <p:blipFill>
+          <a:blip r:embed="rId3" cstate="print">
+            <a:extLst>
+              <a:ext uri="{28A0092B-C50C-407E-A947-70E740481C1C}">
+                <a14:useLocalDpi xmlns:a14="http://schemas.microsoft.com/office/drawing/2010/main" val="0"/>
+              </a:ext>
+            </a:extLst>
+          </a:blip>
+          <a:stretch>
+            <a:fillRect/>
+          </a:stretch>
+        </p:blipFill>
+        <p:spPr>
+          <a:xfrm>
+            <a:off x="228600" y="3276600"/>
+            <a:ext cx="543243" cy="561975"/>
+          </a:xfrm>
+          <a:prstGeom prst="rect">
+            <a:avLst/>
+          </a:prstGeom>
         </p:spPr>
       </p:pic>
     </p:spTree>
     <p:extLst>
       <p:ext uri="{BB962C8B-B14F-4D97-AF65-F5344CB8AC3E}">
-        <p14:creationId xmlns:p14="http://schemas.microsoft.com/office/powerpoint/2010/main" val="1318420286"/>
+        <p14:creationId xmlns:p14="http://schemas.microsoft.com/office/powerpoint/2010/main" val="514353539"/>
       </p:ext>
     </p:extLst>
   </p:cSld>
@@ -15076,7 +15404,7 @@
         </p:blipFill>
         <p:spPr bwMode="auto">
           <a:xfrm>
-            <a:off x="6248400" y="4343400"/>
+            <a:off x="6172200" y="1676400"/>
             <a:ext cx="2590800" cy="2293938"/>
           </a:xfrm>
           <a:prstGeom prst="rect">
@@ -15147,7 +15475,7 @@
                   <a:schemeClr val="tx2"/>
                 </a:solidFill>
               </a:rPr>
-              <a:t>Project Revisit</a:t>
+              <a:t>Project Background</a:t>
             </a:r>
             <a:endParaRPr lang="en-US" b="1" dirty="0">
               <a:solidFill>
@@ -15200,7 +15528,7 @@
                   </a:schemeClr>
                 </a:solidFill>
               </a:rPr>
-              <a:t>Development Process</a:t>
+              <a:t>Implementation Strategy</a:t>
             </a:r>
           </a:p>
           <a:p>
@@ -15216,15 +15544,8 @@
                   </a:schemeClr>
                 </a:solidFill>
               </a:rPr>
-              <a:t>Quality Management Process</a:t>
-            </a:r>
-            <a:endParaRPr lang="en-US" dirty="0" smtClean="0">
-              <a:solidFill>
-                <a:schemeClr val="bg1">
-                  <a:lumMod val="65000"/>
-                </a:schemeClr>
-              </a:solidFill>
-            </a:endParaRPr>
+              <a:t>Challenges &amp; Solution</a:t>
+            </a:r>
           </a:p>
           <a:p>
             <a:pPr>
@@ -15239,15 +15560,8 @@
                   </a:schemeClr>
                 </a:solidFill>
               </a:rPr>
-              <a:t>Demo – VMS v1.0</a:t>
-            </a:r>
-            <a:endParaRPr lang="en-US" dirty="0" smtClean="0">
-              <a:solidFill>
-                <a:schemeClr val="bg1">
-                  <a:lumMod val="65000"/>
-                </a:schemeClr>
-              </a:solidFill>
-            </a:endParaRPr>
+              <a:t>Demo of VMS v1.0</a:t>
+            </a:r>
           </a:p>
           <a:p>
             <a:pPr>
@@ -15264,13 +15578,22 @@
               </a:rPr>
               <a:t>End Project Report</a:t>
             </a:r>
-            <a:endParaRPr lang="en-US" dirty="0" smtClean="0">
-              <a:solidFill>
-                <a:schemeClr val="bg1">
-                  <a:lumMod val="65000"/>
-                </a:schemeClr>
-              </a:solidFill>
-            </a:endParaRPr>
+          </a:p>
+          <a:p>
+            <a:pPr>
+              <a:buFont typeface="Wingdings" pitchFamily="2" charset="2"/>
+              <a:buChar char="v"/>
+            </a:pPr>
+            <a:r>
+              <a:rPr lang="en-US" dirty="0" smtClean="0">
+                <a:solidFill>
+                  <a:schemeClr val="bg1">
+                    <a:lumMod val="65000"/>
+                  </a:schemeClr>
+                </a:solidFill>
+              </a:rPr>
+              <a:t>Evaluation &amp; Conclusion</a:t>
+            </a:r>
           </a:p>
           <a:p>
             <a:pPr>
@@ -15329,6 +15652,279 @@
       </p:grpSpPr>
       <p:sp>
         <p:nvSpPr>
+          <p:cNvPr id="2" name="Title 1"/>
+          <p:cNvSpPr>
+            <a:spLocks noGrp="1"/>
+          </p:cNvSpPr>
+          <p:nvPr>
+            <p:ph type="title"/>
+          </p:nvPr>
+        </p:nvSpPr>
+        <p:spPr/>
+        <p:txBody>
+          <a:bodyPr/>
+          <a:lstStyle/>
+          <a:p>
+            <a:r>
+              <a:rPr lang="en-US" dirty="0"/>
+              <a:t>Challenges &amp; Solution - </a:t>
+            </a:r>
+            <a:r>
+              <a:rPr lang="en-US" dirty="0" smtClean="0"/>
+              <a:t>3</a:t>
+            </a:r>
+            <a:endParaRPr lang="en-US" dirty="0"/>
+          </a:p>
+        </p:txBody>
+      </p:sp>
+      <p:sp>
+        <p:nvSpPr>
+          <p:cNvPr id="7" name="Rectangle 5"/>
+          <p:cNvSpPr>
+            <a:spLocks noGrp="1" noChangeArrowheads="1"/>
+          </p:cNvSpPr>
+          <p:nvPr>
+            <p:ph idx="1"/>
+          </p:nvPr>
+        </p:nvSpPr>
+        <p:spPr>
+          <a:xfrm>
+            <a:off x="609600" y="1524000"/>
+            <a:ext cx="8305800" cy="4876800"/>
+          </a:xfrm>
+        </p:spPr>
+        <p:txBody>
+          <a:bodyPr/>
+          <a:lstStyle/>
+          <a:p>
+            <a:pPr>
+              <a:buFont typeface="Wingdings" pitchFamily="2" charset="2"/>
+              <a:buChar char="v"/>
+            </a:pPr>
+            <a:r>
+              <a:rPr lang="en-US" b="1" dirty="0" smtClean="0"/>
+              <a:t>Technical Challenges : </a:t>
+            </a:r>
+            <a:r>
+              <a:rPr lang="en-US" dirty="0" smtClean="0"/>
+              <a:t>Multi-action form controller:</a:t>
+            </a:r>
+          </a:p>
+          <a:p>
+            <a:pPr lvl="2">
+              <a:buFont typeface="Wingdings" pitchFamily="2" charset="2"/>
+              <a:buChar char="v"/>
+            </a:pPr>
+            <a:r>
+              <a:rPr lang="en-US" dirty="0" smtClean="0"/>
+              <a:t>Tight coupling between controller and business layer</a:t>
+            </a:r>
+          </a:p>
+          <a:p>
+            <a:pPr lvl="3">
+              <a:buFont typeface="Wingdings" pitchFamily="2" charset="2"/>
+              <a:buChar char="v"/>
+            </a:pPr>
+            <a:r>
+              <a:rPr lang="en-US" dirty="0" smtClean="0"/>
+              <a:t>For </a:t>
+            </a:r>
+            <a:r>
+              <a:rPr lang="en-US" dirty="0" err="1" smtClean="0"/>
+              <a:t>e.g</a:t>
+            </a:r>
+            <a:r>
+              <a:rPr lang="en-US" dirty="0" smtClean="0"/>
+              <a:t>: </a:t>
+            </a:r>
+            <a:r>
+              <a:rPr lang="en-US" dirty="0" err="1" smtClean="0"/>
+              <a:t>ProjectController</a:t>
+            </a:r>
+            <a:r>
+              <a:rPr lang="en-US" dirty="0" smtClean="0"/>
+              <a:t> is tied to all sub business façades</a:t>
+            </a:r>
+          </a:p>
+          <a:p>
+            <a:pPr lvl="4">
+              <a:buFont typeface="Wingdings" pitchFamily="2" charset="2"/>
+              <a:buChar char="v"/>
+            </a:pPr>
+            <a:r>
+              <a:rPr lang="en-US" dirty="0" err="1" smtClean="0"/>
+              <a:t>ProjectMemberServiceImpl</a:t>
+            </a:r>
+            <a:endParaRPr lang="en-US" dirty="0" smtClean="0"/>
+          </a:p>
+          <a:p>
+            <a:pPr lvl="4">
+              <a:buFont typeface="Wingdings" pitchFamily="2" charset="2"/>
+              <a:buChar char="v"/>
+            </a:pPr>
+            <a:r>
+              <a:rPr lang="en-US" dirty="0" err="1" smtClean="0"/>
+              <a:t>ProjectFeedbackServiceImpl</a:t>
+            </a:r>
+            <a:r>
+              <a:rPr lang="en-US" dirty="0" smtClean="0"/>
+              <a:t>…</a:t>
+            </a:r>
+          </a:p>
+          <a:p>
+            <a:pPr>
+              <a:buFont typeface="Wingdings" pitchFamily="2" charset="2"/>
+              <a:buChar char="v"/>
+            </a:pPr>
+            <a:r>
+              <a:rPr lang="en-US" b="1" dirty="0" smtClean="0"/>
+              <a:t>Solution:</a:t>
+            </a:r>
+          </a:p>
+          <a:p>
+            <a:pPr lvl="1">
+              <a:buFont typeface="Wingdings" pitchFamily="2" charset="2"/>
+              <a:buChar char="v"/>
+            </a:pPr>
+            <a:r>
+              <a:rPr lang="en-US" dirty="0" smtClean="0"/>
+              <a:t>Refactor into 1 action – 1 form to</a:t>
+            </a:r>
+            <a:r>
+              <a:rPr lang="en-US" dirty="0" smtClean="0">
+                <a:sym typeface="Wingdings" pitchFamily="2" charset="2"/>
+              </a:rPr>
+              <a:t> acquire modularity and coherence.</a:t>
+            </a:r>
+          </a:p>
+          <a:p>
+            <a:pPr lvl="1">
+              <a:buFont typeface="Wingdings" pitchFamily="2" charset="2"/>
+              <a:buChar char="v"/>
+            </a:pPr>
+            <a:r>
+              <a:rPr lang="en-US" dirty="0" smtClean="0">
+                <a:sym typeface="Wingdings" pitchFamily="2" charset="2"/>
+              </a:rPr>
+              <a:t>Provide design guideline to direct proper implementation</a:t>
+            </a:r>
+            <a:endParaRPr lang="en-US" dirty="0" smtClean="0"/>
+          </a:p>
+          <a:p>
+            <a:pPr lvl="1">
+              <a:buFont typeface="Wingdings" pitchFamily="2" charset="2"/>
+              <a:buChar char="v"/>
+            </a:pPr>
+            <a:endParaRPr lang="en-US" dirty="0" smtClean="0"/>
+          </a:p>
+          <a:p>
+            <a:pPr>
+              <a:buFont typeface="Wingdings" pitchFamily="2" charset="2"/>
+              <a:buChar char="v"/>
+            </a:pPr>
+            <a:endParaRPr lang="en-US" b="1" dirty="0" smtClean="0"/>
+          </a:p>
+        </p:txBody>
+      </p:sp>
+      <p:pic>
+        <p:nvPicPr>
+          <p:cNvPr id="5" name="Picture 4"/>
+          <p:cNvPicPr>
+            <a:picLocks noChangeAspect="1"/>
+          </p:cNvPicPr>
+          <p:nvPr/>
+        </p:nvPicPr>
+        <p:blipFill>
+          <a:blip r:embed="rId2" cstate="print">
+            <a:extLst>
+              <a:ext uri="{28A0092B-C50C-407E-A947-70E740481C1C}">
+                <a14:useLocalDpi xmlns:a14="http://schemas.microsoft.com/office/drawing/2010/main" val="0"/>
+              </a:ext>
+            </a:extLst>
+          </a:blip>
+          <a:stretch>
+            <a:fillRect/>
+          </a:stretch>
+        </p:blipFill>
+        <p:spPr>
+          <a:xfrm>
+            <a:off x="115299" y="1524000"/>
+            <a:ext cx="617444" cy="552450"/>
+          </a:xfrm>
+          <a:prstGeom prst="rect">
+            <a:avLst/>
+          </a:prstGeom>
+        </p:spPr>
+      </p:pic>
+      <p:pic>
+        <p:nvPicPr>
+          <p:cNvPr id="6" name="Picture 5"/>
+          <p:cNvPicPr>
+            <a:picLocks noChangeAspect="1"/>
+          </p:cNvPicPr>
+          <p:nvPr/>
+        </p:nvPicPr>
+        <p:blipFill>
+          <a:blip r:embed="rId3" cstate="print">
+            <a:extLst>
+              <a:ext uri="{28A0092B-C50C-407E-A947-70E740481C1C}">
+                <a14:useLocalDpi xmlns:a14="http://schemas.microsoft.com/office/drawing/2010/main" val="0"/>
+              </a:ext>
+            </a:extLst>
+          </a:blip>
+          <a:stretch>
+            <a:fillRect/>
+          </a:stretch>
+        </p:blipFill>
+        <p:spPr>
+          <a:xfrm>
+            <a:off x="182597" y="3142264"/>
+            <a:ext cx="543243" cy="561975"/>
+          </a:xfrm>
+          <a:prstGeom prst="rect">
+            <a:avLst/>
+          </a:prstGeom>
+        </p:spPr>
+      </p:pic>
+    </p:spTree>
+    <p:extLst>
+      <p:ext uri="{BB962C8B-B14F-4D97-AF65-F5344CB8AC3E}">
+        <p14:creationId xmlns:p14="http://schemas.microsoft.com/office/powerpoint/2010/main" val="2796234740"/>
+      </p:ext>
+    </p:extLst>
+  </p:cSld>
+  <p:clrMapOvr>
+    <a:masterClrMapping/>
+  </p:clrMapOvr>
+  <p:timing>
+    <p:tnLst>
+      <p:par>
+        <p:cTn id="1" dur="indefinite" restart="never" nodeType="tmRoot"/>
+      </p:par>
+    </p:tnLst>
+  </p:timing>
+</p:sld>
+</file>
+
+<file path=ppt/slides/slide21.xml><?xml version="1.0" encoding="utf-8"?>
+<p:sld xmlns:a="http://schemas.openxmlformats.org/drawingml/2006/main" xmlns:r="http://schemas.openxmlformats.org/officeDocument/2006/relationships" xmlns:p="http://schemas.openxmlformats.org/presentationml/2006/main">
+  <p:cSld>
+    <p:spTree>
+      <p:nvGrpSpPr>
+        <p:cNvPr id="1" name=""/>
+        <p:cNvGrpSpPr/>
+        <p:nvPr/>
+      </p:nvGrpSpPr>
+      <p:grpSpPr>
+        <a:xfrm>
+          <a:off x="0" y="0"/>
+          <a:ext cx="0" cy="0"/>
+          <a:chOff x="0" y="0"/>
+          <a:chExt cx="0" cy="0"/>
+        </a:xfrm>
+      </p:grpSpPr>
+      <p:sp>
+        <p:nvSpPr>
           <p:cNvPr id="22532" name="Rectangle 4"/>
           <p:cNvSpPr>
             <a:spLocks noGrp="1" noChangeArrowheads="1"/>
@@ -15350,25 +15946,325 @@
           </a:p>
         </p:txBody>
       </p:sp>
+      <p:pic>
+        <p:nvPicPr>
+          <p:cNvPr id="6" name="Picture 2" descr="C:\Users\Dio\AppData\Local\Microsoft\Windows\Temporary Internet Files\Content.IE5\QY2JGCM3\MC900295360[1].wmf"/>
+          <p:cNvPicPr>
+            <a:picLocks noChangeAspect="1" noChangeArrowheads="1"/>
+          </p:cNvPicPr>
+          <p:nvPr/>
+        </p:nvPicPr>
+        <p:blipFill>
+          <a:blip r:embed="rId2" cstate="print">
+            <a:extLst>
+              <a:ext uri="{28A0092B-C50C-407E-A947-70E740481C1C}">
+                <a14:useLocalDpi xmlns:a14="http://schemas.microsoft.com/office/drawing/2010/main" val="0"/>
+              </a:ext>
+            </a:extLst>
+          </a:blip>
+          <a:srcRect/>
+          <a:stretch>
+            <a:fillRect/>
+          </a:stretch>
+        </p:blipFill>
+        <p:spPr bwMode="auto">
+          <a:xfrm>
+            <a:off x="5867400" y="1143000"/>
+            <a:ext cx="2221400" cy="2374900"/>
+          </a:xfrm>
+          <a:prstGeom prst="rect">
+            <a:avLst/>
+          </a:prstGeom>
+          <a:noFill/>
+          <a:extLst>
+            <a:ext uri="{909E8E84-426E-40DD-AFC4-6F175D3DCCD1}">
+              <a14:hiddenFill xmlns:a14="http://schemas.microsoft.com/office/drawing/2010/main">
+                <a:solidFill>
+                  <a:srgbClr val="FFFFFF"/>
+                </a:solidFill>
+              </a14:hiddenFill>
+            </a:ext>
+          </a:extLst>
+        </p:spPr>
+      </p:pic>
       <p:sp>
         <p:nvSpPr>
-          <p:cNvPr id="22533" name="Rectangle 5"/>
-          <p:cNvSpPr>
-            <a:spLocks noGrp="1" noChangeArrowheads="1"/>
+          <p:cNvPr id="8" name="Rectangle 5"/>
+          <p:cNvSpPr txBox="1">
+            <a:spLocks noChangeArrowheads="1"/>
           </p:cNvSpPr>
-          <p:nvPr>
-            <p:ph type="body" idx="1"/>
-          </p:nvPr>
+          <p:nvPr/>
         </p:nvSpPr>
-        <p:spPr>
+        <p:spPr bwMode="auto">
           <a:xfrm>
             <a:off x="1143000" y="1524000"/>
             <a:ext cx="7391400" cy="4648200"/>
           </a:xfrm>
+          <a:prstGeom prst="rect">
+            <a:avLst/>
+          </a:prstGeom>
+          <a:noFill/>
+          <a:ln w="9525">
+            <a:noFill/>
+            <a:miter lim="800000"/>
+            <a:headEnd/>
+            <a:tailEnd/>
+          </a:ln>
+          <a:effectLst/>
         </p:spPr>
         <p:txBody>
-          <a:bodyPr/>
-          <a:lstStyle/>
+          <a:bodyPr vert="horz" wrap="square" lIns="91440" tIns="45720" rIns="91440" bIns="45720" numCol="1" anchor="t" anchorCtr="0" compatLnSpc="1">
+            <a:prstTxWarp prst="textNoShape">
+              <a:avLst/>
+            </a:prstTxWarp>
+          </a:bodyPr>
+          <a:lstStyle>
+            <a:lvl1pPr marL="342900" indent="-342900" algn="l" rtl="0" eaLnBrk="1" fontAlgn="base" hangingPunct="1">
+              <a:spcBef>
+                <a:spcPct val="25000"/>
+              </a:spcBef>
+              <a:spcAft>
+                <a:spcPct val="0"/>
+              </a:spcAft>
+              <a:buClr>
+                <a:schemeClr val="tx2"/>
+              </a:buClr>
+              <a:buSzPct val="60000"/>
+              <a:buFont typeface="Wingdings" pitchFamily="2" charset="2"/>
+              <a:defRPr sz="2700">
+                <a:solidFill>
+                  <a:schemeClr val="tx1"/>
+                </a:solidFill>
+                <a:latin typeface="+mn-lt"/>
+                <a:ea typeface="+mn-ea"/>
+                <a:cs typeface="+mn-cs"/>
+              </a:defRPr>
+            </a:lvl1pPr>
+            <a:lvl2pPr marL="692150" indent="-347663" algn="l" rtl="0" eaLnBrk="1" fontAlgn="base" hangingPunct="1">
+              <a:spcBef>
+                <a:spcPct val="0"/>
+              </a:spcBef>
+              <a:spcAft>
+                <a:spcPct val="25000"/>
+              </a:spcAft>
+              <a:buClr>
+                <a:schemeClr val="accent2"/>
+              </a:buClr>
+              <a:buSzPct val="55000"/>
+              <a:buFont typeface="Wingdings" pitchFamily="2" charset="2"/>
+              <a:buChar char="l"/>
+              <a:defRPr sz="2400">
+                <a:solidFill>
+                  <a:schemeClr val="tx1"/>
+                </a:solidFill>
+                <a:latin typeface="+mn-lt"/>
+              </a:defRPr>
+            </a:lvl2pPr>
+            <a:lvl3pPr marL="987425" indent="-293688" algn="l" rtl="0" eaLnBrk="1" fontAlgn="base" hangingPunct="1">
+              <a:spcBef>
+                <a:spcPct val="0"/>
+              </a:spcBef>
+              <a:spcAft>
+                <a:spcPct val="25000"/>
+              </a:spcAft>
+              <a:buClr>
+                <a:schemeClr val="accent1"/>
+              </a:buClr>
+              <a:buSzPct val="50000"/>
+              <a:buFont typeface="Wingdings" pitchFamily="2" charset="2"/>
+              <a:buChar char="l"/>
+              <a:defRPr sz="2200">
+                <a:solidFill>
+                  <a:schemeClr val="tx1"/>
+                </a:solidFill>
+                <a:latin typeface="+mn-lt"/>
+              </a:defRPr>
+            </a:lvl3pPr>
+            <a:lvl4pPr marL="1281113" indent="-292100" algn="l" rtl="0" eaLnBrk="1" fontAlgn="base" hangingPunct="1">
+              <a:spcBef>
+                <a:spcPct val="20000"/>
+              </a:spcBef>
+              <a:spcAft>
+                <a:spcPct val="0"/>
+              </a:spcAft>
+              <a:buClr>
+                <a:schemeClr val="tx2"/>
+              </a:buClr>
+              <a:buSzPct val="75000"/>
+              <a:buFont typeface="Wingdings" pitchFamily="2" charset="2"/>
+              <a:buChar char="§"/>
+              <a:defRPr sz="2000">
+                <a:solidFill>
+                  <a:schemeClr val="tx1"/>
+                </a:solidFill>
+                <a:latin typeface="+mn-lt"/>
+              </a:defRPr>
+            </a:lvl4pPr>
+            <a:lvl5pPr marL="1598613" indent="-315913" algn="l" rtl="0" eaLnBrk="1" fontAlgn="base" hangingPunct="1">
+              <a:spcBef>
+                <a:spcPct val="20000"/>
+              </a:spcBef>
+              <a:spcAft>
+                <a:spcPct val="0"/>
+              </a:spcAft>
+              <a:buClr>
+                <a:schemeClr val="folHlink"/>
+              </a:buClr>
+              <a:buSzPct val="80000"/>
+              <a:buFont typeface="Wingdings" pitchFamily="2" charset="2"/>
+              <a:buChar char="§"/>
+              <a:defRPr sz="2000">
+                <a:solidFill>
+                  <a:schemeClr val="tx1"/>
+                </a:solidFill>
+                <a:latin typeface="+mn-lt"/>
+              </a:defRPr>
+            </a:lvl5pPr>
+            <a:lvl6pPr marL="2055813" indent="-315913" algn="l" rtl="0" eaLnBrk="1" fontAlgn="base" hangingPunct="1">
+              <a:spcBef>
+                <a:spcPct val="20000"/>
+              </a:spcBef>
+              <a:spcAft>
+                <a:spcPct val="0"/>
+              </a:spcAft>
+              <a:buClr>
+                <a:schemeClr val="folHlink"/>
+              </a:buClr>
+              <a:buSzPct val="80000"/>
+              <a:buFont typeface="Wingdings" pitchFamily="2" charset="2"/>
+              <a:buChar char="§"/>
+              <a:defRPr sz="2000">
+                <a:solidFill>
+                  <a:schemeClr val="tx1"/>
+                </a:solidFill>
+                <a:latin typeface="+mn-lt"/>
+              </a:defRPr>
+            </a:lvl6pPr>
+            <a:lvl7pPr marL="2513013" indent="-315913" algn="l" rtl="0" eaLnBrk="1" fontAlgn="base" hangingPunct="1">
+              <a:spcBef>
+                <a:spcPct val="20000"/>
+              </a:spcBef>
+              <a:spcAft>
+                <a:spcPct val="0"/>
+              </a:spcAft>
+              <a:buClr>
+                <a:schemeClr val="folHlink"/>
+              </a:buClr>
+              <a:buSzPct val="80000"/>
+              <a:buFont typeface="Wingdings" pitchFamily="2" charset="2"/>
+              <a:buChar char="§"/>
+              <a:defRPr sz="2000">
+                <a:solidFill>
+                  <a:schemeClr val="tx1"/>
+                </a:solidFill>
+                <a:latin typeface="+mn-lt"/>
+              </a:defRPr>
+            </a:lvl7pPr>
+            <a:lvl8pPr marL="2970213" indent="-315913" algn="l" rtl="0" eaLnBrk="1" fontAlgn="base" hangingPunct="1">
+              <a:spcBef>
+                <a:spcPct val="20000"/>
+              </a:spcBef>
+              <a:spcAft>
+                <a:spcPct val="0"/>
+              </a:spcAft>
+              <a:buClr>
+                <a:schemeClr val="folHlink"/>
+              </a:buClr>
+              <a:buSzPct val="80000"/>
+              <a:buFont typeface="Wingdings" pitchFamily="2" charset="2"/>
+              <a:buChar char="§"/>
+              <a:defRPr sz="2000">
+                <a:solidFill>
+                  <a:schemeClr val="tx1"/>
+                </a:solidFill>
+                <a:latin typeface="+mn-lt"/>
+              </a:defRPr>
+            </a:lvl8pPr>
+            <a:lvl9pPr marL="3427413" indent="-315913" algn="l" rtl="0" eaLnBrk="1" fontAlgn="base" hangingPunct="1">
+              <a:spcBef>
+                <a:spcPct val="20000"/>
+              </a:spcBef>
+              <a:spcAft>
+                <a:spcPct val="0"/>
+              </a:spcAft>
+              <a:buClr>
+                <a:schemeClr val="folHlink"/>
+              </a:buClr>
+              <a:buSzPct val="80000"/>
+              <a:buFont typeface="Wingdings" pitchFamily="2" charset="2"/>
+              <a:buChar char="§"/>
+              <a:defRPr sz="2000">
+                <a:solidFill>
+                  <a:schemeClr val="tx1"/>
+                </a:solidFill>
+                <a:latin typeface="+mn-lt"/>
+              </a:defRPr>
+            </a:lvl9pPr>
+          </a:lstStyle>
+          <a:p>
+            <a:pPr>
+              <a:buFont typeface="Wingdings" pitchFamily="2" charset="2"/>
+              <a:buChar char="v"/>
+            </a:pPr>
+            <a:r>
+              <a:rPr lang="en-US" dirty="0" smtClean="0">
+                <a:solidFill>
+                  <a:schemeClr val="bg1">
+                    <a:lumMod val="65000"/>
+                  </a:schemeClr>
+                </a:solidFill>
+              </a:rPr>
+              <a:t>Project Revisit</a:t>
+            </a:r>
+          </a:p>
+          <a:p>
+            <a:pPr>
+              <a:buFont typeface="Wingdings" pitchFamily="2" charset="2"/>
+              <a:buChar char="v"/>
+            </a:pPr>
+            <a:r>
+              <a:rPr lang="en-US" dirty="0" smtClean="0">
+                <a:solidFill>
+                  <a:schemeClr val="bg1">
+                    <a:lumMod val="65000"/>
+                  </a:schemeClr>
+                </a:solidFill>
+              </a:rPr>
+              <a:t>High Level Architecture</a:t>
+            </a:r>
+          </a:p>
+          <a:p>
+            <a:pPr>
+              <a:buFont typeface="Wingdings" pitchFamily="2" charset="2"/>
+              <a:buChar char="v"/>
+            </a:pPr>
+            <a:r>
+              <a:rPr lang="en-US" dirty="0" smtClean="0">
+                <a:solidFill>
+                  <a:schemeClr val="bg1">
+                    <a:lumMod val="65000"/>
+                  </a:schemeClr>
+                </a:solidFill>
+              </a:rPr>
+              <a:t>System Detailed Design</a:t>
+            </a:r>
+          </a:p>
+          <a:p>
+            <a:pPr>
+              <a:buFont typeface="Wingdings" pitchFamily="2" charset="2"/>
+              <a:buChar char="v"/>
+            </a:pPr>
+            <a:r>
+              <a:rPr lang="en-US" dirty="0" smtClean="0">
+                <a:solidFill>
+                  <a:schemeClr val="bg1">
+                    <a:lumMod val="65000"/>
+                  </a:schemeClr>
+                </a:solidFill>
+              </a:rPr>
+              <a:t>Implementation Strategy</a:t>
+            </a:r>
+          </a:p>
           <a:p>
             <a:pPr>
               <a:buFont typeface="Wingdings" pitchFamily="2" charset="2"/>
@@ -15382,71 +16278,7 @@
                   </a:schemeClr>
                 </a:solidFill>
               </a:rPr>
-              <a:t>Project Revisit</a:t>
-            </a:r>
-          </a:p>
-          <a:p>
-            <a:pPr>
-              <a:buFont typeface="Wingdings" pitchFamily="2" charset="2"/>
-              <a:buChar char="v"/>
-            </a:pPr>
-            <a:r>
-              <a:rPr lang="en-US" dirty="0">
-                <a:solidFill>
-                  <a:schemeClr val="bg1">
-                    <a:lumMod val="65000"/>
-                  </a:schemeClr>
-                </a:solidFill>
-              </a:rPr>
-              <a:t>High Level Architecture</a:t>
-            </a:r>
-          </a:p>
-          <a:p>
-            <a:pPr>
-              <a:buFont typeface="Wingdings" pitchFamily="2" charset="2"/>
-              <a:buChar char="v"/>
-            </a:pPr>
-            <a:r>
-              <a:rPr lang="en-US" dirty="0">
-                <a:solidFill>
-                  <a:schemeClr val="bg1">
-                    <a:lumMod val="65000"/>
-                  </a:schemeClr>
-                </a:solidFill>
-              </a:rPr>
-              <a:t>System Detailed Design</a:t>
-            </a:r>
-          </a:p>
-          <a:p>
-            <a:pPr>
-              <a:buFont typeface="Wingdings" pitchFamily="2" charset="2"/>
-              <a:buChar char="v"/>
-            </a:pPr>
-            <a:r>
-              <a:rPr lang="en-US" dirty="0">
-                <a:solidFill>
-                  <a:schemeClr val="bg1">
-                    <a:lumMod val="65000"/>
-                  </a:schemeClr>
-                </a:solidFill>
-              </a:rPr>
-              <a:t>Development Process</a:t>
-            </a:r>
-          </a:p>
-          <a:p>
-            <a:pPr>
-              <a:buFont typeface="Wingdings" pitchFamily="2" charset="2"/>
-              <a:buChar char="v"/>
-            </a:pPr>
-            <a:r>
-              <a:rPr lang="en-US" dirty="0">
-                <a:solidFill>
-                  <a:schemeClr val="bg1">
-                    <a:lumMod val="65000"/>
-                  </a:schemeClr>
-                </a:solidFill>
-              </a:rPr>
-              <a:t>Quality Management Process</a:t>
+              <a:t>Challenges &amp; Solution</a:t>
             </a:r>
           </a:p>
           <a:p>
@@ -15460,7 +16292,7 @@
                   <a:schemeClr val="tx2"/>
                 </a:solidFill>
               </a:rPr>
-              <a:t>Demo – VMS v1.0</a:t>
+              <a:t>Demo of VMS v1.0</a:t>
             </a:r>
           </a:p>
           <a:p>
@@ -15492,18 +16324,91 @@
                   </a:schemeClr>
                 </a:solidFill>
               </a:rPr>
-              <a:t>Q </a:t>
-            </a:r>
-            <a:r>
-              <a:rPr lang="en-US" dirty="0">
+              <a:t>Evaluation &amp; Conclusion</a:t>
+            </a:r>
+          </a:p>
+          <a:p>
+            <a:pPr>
+              <a:buFont typeface="Wingdings" pitchFamily="2" charset="2"/>
+              <a:buChar char="v"/>
+            </a:pPr>
+            <a:r>
+              <a:rPr lang="en-US" dirty="0" smtClean="0">
                 <a:solidFill>
                   <a:schemeClr val="bg1">
                     <a:lumMod val="65000"/>
                   </a:schemeClr>
                 </a:solidFill>
               </a:rPr>
-              <a:t>&amp; A</a:t>
-            </a:r>
+              <a:t>Q &amp; A</a:t>
+            </a:r>
+            <a:endParaRPr lang="en-US" dirty="0">
+              <a:solidFill>
+                <a:schemeClr val="bg1">
+                  <a:lumMod val="65000"/>
+                </a:schemeClr>
+              </a:solidFill>
+            </a:endParaRPr>
+          </a:p>
+        </p:txBody>
+      </p:sp>
+    </p:spTree>
+    <p:extLst>
+      <p:ext uri="{BB962C8B-B14F-4D97-AF65-F5344CB8AC3E}">
+        <p14:creationId xmlns:p14="http://schemas.microsoft.com/office/powerpoint/2010/main" val="1374555784"/>
+      </p:ext>
+    </p:extLst>
+  </p:cSld>
+  <p:clrMapOvr>
+    <a:masterClrMapping/>
+  </p:clrMapOvr>
+  <p:timing>
+    <p:tnLst>
+      <p:par>
+        <p:cTn id="1" dur="indefinite" restart="never" nodeType="tmRoot"/>
+      </p:par>
+    </p:tnLst>
+  </p:timing>
+</p:sld>
+</file>
+
+<file path=ppt/slides/slide22.xml><?xml version="1.0" encoding="utf-8"?>
+<p:sld xmlns:a="http://schemas.openxmlformats.org/drawingml/2006/main" xmlns:r="http://schemas.openxmlformats.org/officeDocument/2006/relationships" xmlns:p="http://schemas.openxmlformats.org/presentationml/2006/main">
+  <p:cSld>
+    <p:spTree>
+      <p:nvGrpSpPr>
+        <p:cNvPr id="1" name=""/>
+        <p:cNvGrpSpPr/>
+        <p:nvPr/>
+      </p:nvGrpSpPr>
+      <p:grpSpPr>
+        <a:xfrm>
+          <a:off x="0" y="0"/>
+          <a:ext cx="0" cy="0"/>
+          <a:chOff x="0" y="0"/>
+          <a:chExt cx="0" cy="0"/>
+        </a:xfrm>
+      </p:grpSpPr>
+      <p:sp>
+        <p:nvSpPr>
+          <p:cNvPr id="22532" name="Rectangle 4"/>
+          <p:cNvSpPr>
+            <a:spLocks noGrp="1" noChangeArrowheads="1"/>
+          </p:cNvSpPr>
+          <p:nvPr>
+            <p:ph type="title"/>
+          </p:nvPr>
+        </p:nvSpPr>
+        <p:spPr/>
+        <p:txBody>
+          <a:bodyPr/>
+          <a:lstStyle/>
+          <a:p>
+            <a:r>
+              <a:rPr lang="en-US" dirty="0" smtClean="0"/>
+              <a:t>Agenda</a:t>
+            </a:r>
+            <a:endParaRPr lang="en-US" dirty="0"/>
           </a:p>
         </p:txBody>
       </p:sp>
@@ -15548,278 +16453,375 @@
           </a:extLst>
         </p:spPr>
       </p:pic>
-    </p:spTree>
-    <p:extLst>
-      <p:ext uri="{BB962C8B-B14F-4D97-AF65-F5344CB8AC3E}">
-        <p14:creationId xmlns:p14="http://schemas.microsoft.com/office/powerpoint/2010/main" val="3778190427"/>
-      </p:ext>
-    </p:extLst>
-  </p:cSld>
-  <p:clrMapOvr>
-    <a:masterClrMapping/>
-  </p:clrMapOvr>
-  <p:timing>
-    <p:tnLst>
-      <p:par>
-        <p:cTn id="1" dur="indefinite" restart="never" nodeType="tmRoot"/>
-      </p:par>
-    </p:tnLst>
-  </p:timing>
-</p:sld>
-</file>
-
-<file path=ppt/slides/slide21.xml><?xml version="1.0" encoding="utf-8"?>
-<p:sld xmlns:a="http://schemas.openxmlformats.org/drawingml/2006/main" xmlns:r="http://schemas.openxmlformats.org/officeDocument/2006/relationships" xmlns:p="http://schemas.openxmlformats.org/presentationml/2006/main">
-  <p:cSld>
-    <p:spTree>
-      <p:nvGrpSpPr>
-        <p:cNvPr id="1" name=""/>
-        <p:cNvGrpSpPr/>
-        <p:nvPr/>
-      </p:nvGrpSpPr>
-      <p:grpSpPr>
-        <a:xfrm>
-          <a:off x="0" y="0"/>
-          <a:ext cx="0" cy="0"/>
-          <a:chOff x="0" y="0"/>
-          <a:chExt cx="0" cy="0"/>
-        </a:xfrm>
-      </p:grpSpPr>
-      <p:sp>
-        <p:nvSpPr>
-          <p:cNvPr id="2" name="Title 1"/>
-          <p:cNvSpPr>
-            <a:spLocks noGrp="1"/>
-          </p:cNvSpPr>
-          <p:nvPr>
-            <p:ph type="title"/>
-          </p:nvPr>
-        </p:nvSpPr>
-        <p:spPr/>
-        <p:txBody>
-          <a:bodyPr/>
-          <a:lstStyle/>
-          <a:p>
-            <a:r>
-              <a:rPr lang="en-US" dirty="0" smtClean="0"/>
-              <a:t>Demo of Prototype</a:t>
-            </a:r>
-            <a:endParaRPr lang="en-US" dirty="0"/>
-          </a:p>
-        </p:txBody>
-      </p:sp>
       <p:sp>
         <p:nvSpPr>
           <p:cNvPr id="7" name="Rectangle 5"/>
-          <p:cNvSpPr>
-            <a:spLocks noGrp="1" noChangeArrowheads="1"/>
+          <p:cNvSpPr txBox="1">
+            <a:spLocks noChangeArrowheads="1"/>
           </p:cNvSpPr>
-          <p:nvPr>
-            <p:ph idx="1"/>
-          </p:nvPr>
+          <p:nvPr/>
         </p:nvSpPr>
-        <p:spPr>
+        <p:spPr bwMode="auto">
           <a:xfrm>
-            <a:off x="381000" y="1524000"/>
-            <a:ext cx="8305800" cy="4876800"/>
+            <a:off x="1143000" y="1524000"/>
+            <a:ext cx="7391400" cy="4648200"/>
           </a:xfrm>
+          <a:prstGeom prst="rect">
+            <a:avLst/>
+          </a:prstGeom>
+          <a:noFill/>
+          <a:ln w="9525">
+            <a:noFill/>
+            <a:miter lim="800000"/>
+            <a:headEnd/>
+            <a:tailEnd/>
+          </a:ln>
+          <a:effectLst/>
         </p:spPr>
         <p:txBody>
-          <a:bodyPr/>
-          <a:lstStyle/>
+          <a:bodyPr vert="horz" wrap="square" lIns="91440" tIns="45720" rIns="91440" bIns="45720" numCol="1" anchor="t" anchorCtr="0" compatLnSpc="1">
+            <a:prstTxWarp prst="textNoShape">
+              <a:avLst/>
+            </a:prstTxWarp>
+          </a:bodyPr>
+          <a:lstStyle>
+            <a:lvl1pPr marL="342900" indent="-342900" algn="l" rtl="0" eaLnBrk="1" fontAlgn="base" hangingPunct="1">
+              <a:spcBef>
+                <a:spcPct val="25000"/>
+              </a:spcBef>
+              <a:spcAft>
+                <a:spcPct val="0"/>
+              </a:spcAft>
+              <a:buClr>
+                <a:schemeClr val="tx2"/>
+              </a:buClr>
+              <a:buSzPct val="60000"/>
+              <a:buFont typeface="Wingdings" pitchFamily="2" charset="2"/>
+              <a:defRPr sz="2700">
+                <a:solidFill>
+                  <a:schemeClr val="tx1"/>
+                </a:solidFill>
+                <a:latin typeface="+mn-lt"/>
+                <a:ea typeface="+mn-ea"/>
+                <a:cs typeface="+mn-cs"/>
+              </a:defRPr>
+            </a:lvl1pPr>
+            <a:lvl2pPr marL="692150" indent="-347663" algn="l" rtl="0" eaLnBrk="1" fontAlgn="base" hangingPunct="1">
+              <a:spcBef>
+                <a:spcPct val="0"/>
+              </a:spcBef>
+              <a:spcAft>
+                <a:spcPct val="25000"/>
+              </a:spcAft>
+              <a:buClr>
+                <a:schemeClr val="accent2"/>
+              </a:buClr>
+              <a:buSzPct val="55000"/>
+              <a:buFont typeface="Wingdings" pitchFamily="2" charset="2"/>
+              <a:buChar char="l"/>
+              <a:defRPr sz="2400">
+                <a:solidFill>
+                  <a:schemeClr val="tx1"/>
+                </a:solidFill>
+                <a:latin typeface="+mn-lt"/>
+              </a:defRPr>
+            </a:lvl2pPr>
+            <a:lvl3pPr marL="987425" indent="-293688" algn="l" rtl="0" eaLnBrk="1" fontAlgn="base" hangingPunct="1">
+              <a:spcBef>
+                <a:spcPct val="0"/>
+              </a:spcBef>
+              <a:spcAft>
+                <a:spcPct val="25000"/>
+              </a:spcAft>
+              <a:buClr>
+                <a:schemeClr val="accent1"/>
+              </a:buClr>
+              <a:buSzPct val="50000"/>
+              <a:buFont typeface="Wingdings" pitchFamily="2" charset="2"/>
+              <a:buChar char="l"/>
+              <a:defRPr sz="2200">
+                <a:solidFill>
+                  <a:schemeClr val="tx1"/>
+                </a:solidFill>
+                <a:latin typeface="+mn-lt"/>
+              </a:defRPr>
+            </a:lvl3pPr>
+            <a:lvl4pPr marL="1281113" indent="-292100" algn="l" rtl="0" eaLnBrk="1" fontAlgn="base" hangingPunct="1">
+              <a:spcBef>
+                <a:spcPct val="20000"/>
+              </a:spcBef>
+              <a:spcAft>
+                <a:spcPct val="0"/>
+              </a:spcAft>
+              <a:buClr>
+                <a:schemeClr val="tx2"/>
+              </a:buClr>
+              <a:buSzPct val="75000"/>
+              <a:buFont typeface="Wingdings" pitchFamily="2" charset="2"/>
+              <a:buChar char="§"/>
+              <a:defRPr sz="2000">
+                <a:solidFill>
+                  <a:schemeClr val="tx1"/>
+                </a:solidFill>
+                <a:latin typeface="+mn-lt"/>
+              </a:defRPr>
+            </a:lvl4pPr>
+            <a:lvl5pPr marL="1598613" indent="-315913" algn="l" rtl="0" eaLnBrk="1" fontAlgn="base" hangingPunct="1">
+              <a:spcBef>
+                <a:spcPct val="20000"/>
+              </a:spcBef>
+              <a:spcAft>
+                <a:spcPct val="0"/>
+              </a:spcAft>
+              <a:buClr>
+                <a:schemeClr val="folHlink"/>
+              </a:buClr>
+              <a:buSzPct val="80000"/>
+              <a:buFont typeface="Wingdings" pitchFamily="2" charset="2"/>
+              <a:buChar char="§"/>
+              <a:defRPr sz="2000">
+                <a:solidFill>
+                  <a:schemeClr val="tx1"/>
+                </a:solidFill>
+                <a:latin typeface="+mn-lt"/>
+              </a:defRPr>
+            </a:lvl5pPr>
+            <a:lvl6pPr marL="2055813" indent="-315913" algn="l" rtl="0" eaLnBrk="1" fontAlgn="base" hangingPunct="1">
+              <a:spcBef>
+                <a:spcPct val="20000"/>
+              </a:spcBef>
+              <a:spcAft>
+                <a:spcPct val="0"/>
+              </a:spcAft>
+              <a:buClr>
+                <a:schemeClr val="folHlink"/>
+              </a:buClr>
+              <a:buSzPct val="80000"/>
+              <a:buFont typeface="Wingdings" pitchFamily="2" charset="2"/>
+              <a:buChar char="§"/>
+              <a:defRPr sz="2000">
+                <a:solidFill>
+                  <a:schemeClr val="tx1"/>
+                </a:solidFill>
+                <a:latin typeface="+mn-lt"/>
+              </a:defRPr>
+            </a:lvl6pPr>
+            <a:lvl7pPr marL="2513013" indent="-315913" algn="l" rtl="0" eaLnBrk="1" fontAlgn="base" hangingPunct="1">
+              <a:spcBef>
+                <a:spcPct val="20000"/>
+              </a:spcBef>
+              <a:spcAft>
+                <a:spcPct val="0"/>
+              </a:spcAft>
+              <a:buClr>
+                <a:schemeClr val="folHlink"/>
+              </a:buClr>
+              <a:buSzPct val="80000"/>
+              <a:buFont typeface="Wingdings" pitchFamily="2" charset="2"/>
+              <a:buChar char="§"/>
+              <a:defRPr sz="2000">
+                <a:solidFill>
+                  <a:schemeClr val="tx1"/>
+                </a:solidFill>
+                <a:latin typeface="+mn-lt"/>
+              </a:defRPr>
+            </a:lvl7pPr>
+            <a:lvl8pPr marL="2970213" indent="-315913" algn="l" rtl="0" eaLnBrk="1" fontAlgn="base" hangingPunct="1">
+              <a:spcBef>
+                <a:spcPct val="20000"/>
+              </a:spcBef>
+              <a:spcAft>
+                <a:spcPct val="0"/>
+              </a:spcAft>
+              <a:buClr>
+                <a:schemeClr val="folHlink"/>
+              </a:buClr>
+              <a:buSzPct val="80000"/>
+              <a:buFont typeface="Wingdings" pitchFamily="2" charset="2"/>
+              <a:buChar char="§"/>
+              <a:defRPr sz="2000">
+                <a:solidFill>
+                  <a:schemeClr val="tx1"/>
+                </a:solidFill>
+                <a:latin typeface="+mn-lt"/>
+              </a:defRPr>
+            </a:lvl8pPr>
+            <a:lvl9pPr marL="3427413" indent="-315913" algn="l" rtl="0" eaLnBrk="1" fontAlgn="base" hangingPunct="1">
+              <a:spcBef>
+                <a:spcPct val="20000"/>
+              </a:spcBef>
+              <a:spcAft>
+                <a:spcPct val="0"/>
+              </a:spcAft>
+              <a:buClr>
+                <a:schemeClr val="folHlink"/>
+              </a:buClr>
+              <a:buSzPct val="80000"/>
+              <a:buFont typeface="Wingdings" pitchFamily="2" charset="2"/>
+              <a:buChar char="§"/>
+              <a:defRPr sz="2000">
+                <a:solidFill>
+                  <a:schemeClr val="tx1"/>
+                </a:solidFill>
+                <a:latin typeface="+mn-lt"/>
+              </a:defRPr>
+            </a:lvl9pPr>
+          </a:lstStyle>
           <a:p>
             <a:pPr>
               <a:buFont typeface="Wingdings" pitchFamily="2" charset="2"/>
               <a:buChar char="v"/>
             </a:pPr>
             <a:r>
-              <a:rPr lang="en-US" sz="2400" b="1" dirty="0" smtClean="0"/>
-              <a:t>Demo Use Cases:</a:t>
-            </a:r>
-          </a:p>
-          <a:p>
-            <a:pPr lvl="1">
+              <a:rPr lang="en-US" dirty="0" smtClean="0">
+                <a:solidFill>
+                  <a:schemeClr val="bg1">
+                    <a:lumMod val="65000"/>
+                  </a:schemeClr>
+                </a:solidFill>
+              </a:rPr>
+              <a:t>Project Background</a:t>
+            </a:r>
+          </a:p>
+          <a:p>
+            <a:pPr>
               <a:buFont typeface="Wingdings" pitchFamily="2" charset="2"/>
               <a:buChar char="v"/>
             </a:pPr>
-            <a:endParaRPr lang="en-US" sz="1700" b="1" dirty="0" smtClean="0"/>
-          </a:p>
-          <a:p>
-            <a:pPr lvl="1">
+            <a:r>
+              <a:rPr lang="en-US" dirty="0" smtClean="0">
+                <a:solidFill>
+                  <a:schemeClr val="bg1">
+                    <a:lumMod val="65000"/>
+                  </a:schemeClr>
+                </a:solidFill>
+              </a:rPr>
+              <a:t>High Level Architecture</a:t>
+            </a:r>
+          </a:p>
+          <a:p>
+            <a:pPr>
               <a:buFont typeface="Wingdings" pitchFamily="2" charset="2"/>
               <a:buChar char="v"/>
             </a:pPr>
             <a:r>
-              <a:rPr lang="en-US" sz="1700" b="1" dirty="0" smtClean="0"/>
-              <a:t>Register Volunteer Account</a:t>
-            </a:r>
-          </a:p>
-          <a:p>
-            <a:pPr lvl="1">
+              <a:rPr lang="en-US" dirty="0" smtClean="0">
+                <a:solidFill>
+                  <a:schemeClr val="bg1">
+                    <a:lumMod val="65000"/>
+                  </a:schemeClr>
+                </a:solidFill>
+              </a:rPr>
+              <a:t>System Detailed Design</a:t>
+            </a:r>
+          </a:p>
+          <a:p>
+            <a:pPr>
               <a:buFont typeface="Wingdings" pitchFamily="2" charset="2"/>
               <a:buChar char="v"/>
             </a:pPr>
             <a:r>
-              <a:rPr lang="en-US" sz="1700" b="1" dirty="0" smtClean="0"/>
-              <a:t>Propose Project to Organization</a:t>
-            </a:r>
-          </a:p>
-          <a:p>
-            <a:pPr lvl="1">
+              <a:rPr lang="en-US" dirty="0" smtClean="0">
+                <a:solidFill>
+                  <a:schemeClr val="bg1">
+                    <a:lumMod val="65000"/>
+                  </a:schemeClr>
+                </a:solidFill>
+              </a:rPr>
+              <a:t>Implementation Strategy</a:t>
+            </a:r>
+          </a:p>
+          <a:p>
+            <a:pPr>
               <a:buFont typeface="Wingdings" pitchFamily="2" charset="2"/>
               <a:buChar char="v"/>
             </a:pPr>
             <a:r>
-              <a:rPr lang="en-US" sz="1700" b="1" dirty="0" smtClean="0"/>
-              <a:t>Request to Join Project</a:t>
-            </a:r>
-          </a:p>
-          <a:p>
-            <a:pPr lvl="1">
+              <a:rPr lang="en-US" dirty="0">
+                <a:solidFill>
+                  <a:schemeClr val="bg1">
+                    <a:lumMod val="65000"/>
+                  </a:schemeClr>
+                </a:solidFill>
+              </a:rPr>
+              <a:t>Challenges &amp; Solution</a:t>
+            </a:r>
+          </a:p>
+          <a:p>
+            <a:pPr>
               <a:buFont typeface="Wingdings" pitchFamily="2" charset="2"/>
               <a:buChar char="v"/>
             </a:pPr>
             <a:r>
-              <a:rPr lang="en-US" sz="1700" b="1" dirty="0" smtClean="0"/>
-              <a:t>Manage Project Role</a:t>
-            </a:r>
-          </a:p>
-          <a:p>
-            <a:pPr lvl="1">
+              <a:rPr lang="en-US" b="1" dirty="0">
+                <a:solidFill>
+                  <a:schemeClr val="tx2"/>
+                </a:solidFill>
+              </a:rPr>
+              <a:t>Demo of VMS v1.0</a:t>
+            </a:r>
+          </a:p>
+          <a:p>
+            <a:pPr>
               <a:buFont typeface="Wingdings" pitchFamily="2" charset="2"/>
               <a:buChar char="v"/>
             </a:pPr>
             <a:r>
-              <a:rPr lang="en-US" sz="1700" b="1" dirty="0"/>
-              <a:t>Give Feedback To Project</a:t>
-            </a:r>
-          </a:p>
-          <a:p>
-            <a:pPr lvl="1">
+              <a:rPr lang="en-US" dirty="0" smtClean="0">
+                <a:solidFill>
+                  <a:schemeClr val="bg1">
+                    <a:lumMod val="65000"/>
+                  </a:schemeClr>
+                </a:solidFill>
+              </a:rPr>
+              <a:t>End Project Report</a:t>
+            </a:r>
+          </a:p>
+          <a:p>
+            <a:pPr>
               <a:buFont typeface="Wingdings" pitchFamily="2" charset="2"/>
               <a:buChar char="v"/>
             </a:pPr>
             <a:r>
-              <a:rPr lang="en-US" sz="1700" b="1" dirty="0" smtClean="0"/>
-              <a:t>Request </a:t>
-            </a:r>
-            <a:r>
-              <a:rPr lang="en-US" sz="1700" b="1" dirty="0"/>
-              <a:t>for Project Certificate</a:t>
-            </a:r>
-          </a:p>
-          <a:p>
-            <a:pPr lvl="1">
+              <a:rPr lang="en-US" dirty="0" smtClean="0">
+                <a:solidFill>
+                  <a:schemeClr val="bg1">
+                    <a:lumMod val="65000"/>
+                  </a:schemeClr>
+                </a:solidFill>
+              </a:rPr>
+              <a:t>Evaluation &amp; Conclusion</a:t>
+            </a:r>
+          </a:p>
+          <a:p>
+            <a:pPr>
               <a:buFont typeface="Wingdings" pitchFamily="2" charset="2"/>
               <a:buChar char="v"/>
             </a:pPr>
-            <a:endParaRPr lang="en-US" sz="1700" dirty="0" smtClean="0"/>
+            <a:r>
+              <a:rPr lang="en-US" dirty="0" smtClean="0">
+                <a:solidFill>
+                  <a:schemeClr val="bg1">
+                    <a:lumMod val="65000"/>
+                  </a:schemeClr>
+                </a:solidFill>
+              </a:rPr>
+              <a:t>Q &amp; A</a:t>
+            </a:r>
+            <a:endParaRPr lang="en-US" dirty="0">
+              <a:solidFill>
+                <a:schemeClr val="bg1">
+                  <a:lumMod val="65000"/>
+                </a:schemeClr>
+              </a:solidFill>
+            </a:endParaRPr>
           </a:p>
         </p:txBody>
       </p:sp>
     </p:spTree>
     <p:extLst>
       <p:ext uri="{BB962C8B-B14F-4D97-AF65-F5344CB8AC3E}">
-        <p14:creationId xmlns:p14="http://schemas.microsoft.com/office/powerpoint/2010/main" val="1189294953"/>
-      </p:ext>
-    </p:extLst>
-  </p:cSld>
-  <p:clrMapOvr>
-    <a:masterClrMapping/>
-  </p:clrMapOvr>
-  <p:timing>
-    <p:tnLst>
-      <p:par>
-        <p:cTn id="1" dur="indefinite" restart="never" nodeType="tmRoot"/>
-      </p:par>
-    </p:tnLst>
-  </p:timing>
-</p:sld>
-</file>
-
-<file path=ppt/slides/slide22.xml><?xml version="1.0" encoding="utf-8"?>
-<p:sld xmlns:a="http://schemas.openxmlformats.org/drawingml/2006/main" xmlns:r="http://schemas.openxmlformats.org/officeDocument/2006/relationships" xmlns:p="http://schemas.openxmlformats.org/presentationml/2006/main">
-  <p:cSld>
-    <p:spTree>
-      <p:nvGrpSpPr>
-        <p:cNvPr id="1" name=""/>
-        <p:cNvGrpSpPr/>
-        <p:nvPr/>
-      </p:nvGrpSpPr>
-      <p:grpSpPr>
-        <a:xfrm>
-          <a:off x="0" y="0"/>
-          <a:ext cx="0" cy="0"/>
-          <a:chOff x="0" y="0"/>
-          <a:chExt cx="0" cy="0"/>
-        </a:xfrm>
-      </p:grpSpPr>
-      <p:sp>
-        <p:nvSpPr>
-          <p:cNvPr id="2" name="Title 1"/>
-          <p:cNvSpPr>
-            <a:spLocks noGrp="1"/>
-          </p:cNvSpPr>
-          <p:nvPr>
-            <p:ph type="title"/>
-          </p:nvPr>
-        </p:nvSpPr>
-        <p:spPr/>
-        <p:txBody>
-          <a:bodyPr/>
-          <a:lstStyle/>
-          <a:p>
-            <a:r>
-              <a:rPr lang="en-US" dirty="0" smtClean="0"/>
-              <a:t>Demo of Prototype</a:t>
-            </a:r>
-            <a:endParaRPr lang="en-US" dirty="0"/>
-          </a:p>
-        </p:txBody>
-      </p:sp>
-      <p:sp>
-        <p:nvSpPr>
-          <p:cNvPr id="7" name="Rectangle 5"/>
-          <p:cNvSpPr>
-            <a:spLocks noGrp="1" noChangeArrowheads="1"/>
-          </p:cNvSpPr>
-          <p:nvPr>
-            <p:ph idx="1"/>
-          </p:nvPr>
-        </p:nvSpPr>
-        <p:spPr>
-          <a:xfrm>
-            <a:off x="381000" y="1524000"/>
-            <a:ext cx="8305800" cy="4876800"/>
-          </a:xfrm>
-        </p:spPr>
-        <p:txBody>
-          <a:bodyPr/>
-          <a:lstStyle/>
-          <a:p>
-            <a:pPr>
-              <a:buFont typeface="Wingdings" pitchFamily="2" charset="2"/>
-              <a:buChar char="v"/>
-            </a:pPr>
-            <a:r>
-              <a:rPr lang="en-US" sz="2400" b="1" dirty="0" smtClean="0"/>
-              <a:t>Video</a:t>
-            </a:r>
-            <a:endParaRPr lang="en-US" sz="1700" b="1" dirty="0"/>
-          </a:p>
-          <a:p>
-            <a:pPr lvl="1">
-              <a:buFont typeface="Wingdings" pitchFamily="2" charset="2"/>
-              <a:buChar char="v"/>
-            </a:pPr>
-            <a:endParaRPr lang="en-US" sz="1700" dirty="0" smtClean="0"/>
-          </a:p>
-        </p:txBody>
-      </p:sp>
-    </p:spTree>
-    <p:extLst>
-      <p:ext uri="{BB962C8B-B14F-4D97-AF65-F5344CB8AC3E}">
-        <p14:creationId xmlns:p14="http://schemas.microsoft.com/office/powerpoint/2010/main" val="3012704673"/>
+        <p14:creationId xmlns:p14="http://schemas.microsoft.com/office/powerpoint/2010/main" val="3778190427"/>
       </p:ext>
     </p:extLst>
   </p:cSld>
@@ -15855,6 +16857,278 @@
       </p:grpSpPr>
       <p:sp>
         <p:nvSpPr>
+          <p:cNvPr id="2" name="Title 1"/>
+          <p:cNvSpPr>
+            <a:spLocks noGrp="1"/>
+          </p:cNvSpPr>
+          <p:nvPr>
+            <p:ph type="title"/>
+          </p:nvPr>
+        </p:nvSpPr>
+        <p:spPr/>
+        <p:txBody>
+          <a:bodyPr/>
+          <a:lstStyle/>
+          <a:p>
+            <a:r>
+              <a:rPr lang="en-US" dirty="0" smtClean="0"/>
+              <a:t>Demo of Final System</a:t>
+            </a:r>
+            <a:endParaRPr lang="en-US" dirty="0"/>
+          </a:p>
+        </p:txBody>
+      </p:sp>
+      <p:sp>
+        <p:nvSpPr>
+          <p:cNvPr id="7" name="Rectangle 5"/>
+          <p:cNvSpPr>
+            <a:spLocks noGrp="1" noChangeArrowheads="1"/>
+          </p:cNvSpPr>
+          <p:nvPr>
+            <p:ph idx="1"/>
+          </p:nvPr>
+        </p:nvSpPr>
+        <p:spPr>
+          <a:xfrm>
+            <a:off x="381000" y="1524000"/>
+            <a:ext cx="8305800" cy="4876800"/>
+          </a:xfrm>
+        </p:spPr>
+        <p:txBody>
+          <a:bodyPr/>
+          <a:lstStyle/>
+          <a:p>
+            <a:pPr>
+              <a:buFont typeface="Wingdings" pitchFamily="2" charset="2"/>
+              <a:buChar char="v"/>
+            </a:pPr>
+            <a:r>
+              <a:rPr lang="en-US" sz="2400" b="1" dirty="0" smtClean="0"/>
+              <a:t>Demo Use Cases:</a:t>
+            </a:r>
+          </a:p>
+          <a:p>
+            <a:pPr lvl="1">
+              <a:buFont typeface="Wingdings" pitchFamily="2" charset="2"/>
+              <a:buChar char="v"/>
+            </a:pPr>
+            <a:endParaRPr lang="en-US" sz="1700" b="1" dirty="0" smtClean="0"/>
+          </a:p>
+          <a:p>
+            <a:pPr lvl="1">
+              <a:buFont typeface="Wingdings" pitchFamily="2" charset="2"/>
+              <a:buChar char="v"/>
+            </a:pPr>
+            <a:r>
+              <a:rPr lang="en-US" sz="1700" b="1" dirty="0" smtClean="0"/>
+              <a:t>Register Volunteer Account</a:t>
+            </a:r>
+          </a:p>
+          <a:p>
+            <a:pPr lvl="1">
+              <a:buFont typeface="Wingdings" pitchFamily="2" charset="2"/>
+              <a:buChar char="v"/>
+            </a:pPr>
+            <a:r>
+              <a:rPr lang="en-US" sz="1700" b="1" dirty="0" smtClean="0"/>
+              <a:t>Propose Project to Organization</a:t>
+            </a:r>
+          </a:p>
+          <a:p>
+            <a:pPr lvl="1">
+              <a:buFont typeface="Wingdings" pitchFamily="2" charset="2"/>
+              <a:buChar char="v"/>
+            </a:pPr>
+            <a:r>
+              <a:rPr lang="en-US" sz="1700" b="1" dirty="0" smtClean="0"/>
+              <a:t>Request to Join Project</a:t>
+            </a:r>
+          </a:p>
+          <a:p>
+            <a:pPr lvl="1">
+              <a:buFont typeface="Wingdings" pitchFamily="2" charset="2"/>
+              <a:buChar char="v"/>
+            </a:pPr>
+            <a:r>
+              <a:rPr lang="en-US" sz="1700" b="1" dirty="0" smtClean="0"/>
+              <a:t>Manage Project Role</a:t>
+            </a:r>
+          </a:p>
+          <a:p>
+            <a:pPr lvl="1">
+              <a:buFont typeface="Wingdings" pitchFamily="2" charset="2"/>
+              <a:buChar char="v"/>
+            </a:pPr>
+            <a:r>
+              <a:rPr lang="en-US" sz="1700" b="1" dirty="0"/>
+              <a:t>Give Feedback To Project</a:t>
+            </a:r>
+          </a:p>
+          <a:p>
+            <a:pPr lvl="1">
+              <a:buFont typeface="Wingdings" pitchFamily="2" charset="2"/>
+              <a:buChar char="v"/>
+            </a:pPr>
+            <a:r>
+              <a:rPr lang="en-US" sz="1700" b="1" dirty="0" smtClean="0"/>
+              <a:t>Request </a:t>
+            </a:r>
+            <a:r>
+              <a:rPr lang="en-US" sz="1700" b="1" dirty="0"/>
+              <a:t>for Project Certificate</a:t>
+            </a:r>
+          </a:p>
+          <a:p>
+            <a:pPr lvl="1">
+              <a:buFont typeface="Wingdings" pitchFamily="2" charset="2"/>
+              <a:buChar char="v"/>
+            </a:pPr>
+            <a:endParaRPr lang="en-US" sz="1700" dirty="0" smtClean="0"/>
+          </a:p>
+        </p:txBody>
+      </p:sp>
+    </p:spTree>
+    <p:extLst>
+      <p:ext uri="{BB962C8B-B14F-4D97-AF65-F5344CB8AC3E}">
+        <p14:creationId xmlns:p14="http://schemas.microsoft.com/office/powerpoint/2010/main" val="1189294953"/>
+      </p:ext>
+    </p:extLst>
+  </p:cSld>
+  <p:clrMapOvr>
+    <a:masterClrMapping/>
+  </p:clrMapOvr>
+  <p:timing>
+    <p:tnLst>
+      <p:par>
+        <p:cTn id="1" dur="indefinite" restart="never" nodeType="tmRoot"/>
+      </p:par>
+    </p:tnLst>
+  </p:timing>
+</p:sld>
+</file>
+
+<file path=ppt/slides/slide24.xml><?xml version="1.0" encoding="utf-8"?>
+<p:sld xmlns:a="http://schemas.openxmlformats.org/drawingml/2006/main" xmlns:r="http://schemas.openxmlformats.org/officeDocument/2006/relationships" xmlns:p="http://schemas.openxmlformats.org/presentationml/2006/main">
+  <p:cSld>
+    <p:spTree>
+      <p:nvGrpSpPr>
+        <p:cNvPr id="1" name=""/>
+        <p:cNvGrpSpPr/>
+        <p:nvPr/>
+      </p:nvGrpSpPr>
+      <p:grpSpPr>
+        <a:xfrm>
+          <a:off x="0" y="0"/>
+          <a:ext cx="0" cy="0"/>
+          <a:chOff x="0" y="0"/>
+          <a:chExt cx="0" cy="0"/>
+        </a:xfrm>
+      </p:grpSpPr>
+      <p:sp>
+        <p:nvSpPr>
+          <p:cNvPr id="2" name="Title 1"/>
+          <p:cNvSpPr>
+            <a:spLocks noGrp="1"/>
+          </p:cNvSpPr>
+          <p:nvPr>
+            <p:ph type="title"/>
+          </p:nvPr>
+        </p:nvSpPr>
+        <p:spPr/>
+        <p:txBody>
+          <a:bodyPr/>
+          <a:lstStyle/>
+          <a:p>
+            <a:r>
+              <a:rPr lang="en-US" dirty="0" smtClean="0"/>
+              <a:t>Demo </a:t>
+            </a:r>
+            <a:r>
+              <a:rPr lang="en-US" smtClean="0"/>
+              <a:t>of Final System</a:t>
+            </a:r>
+            <a:endParaRPr lang="en-US" dirty="0"/>
+          </a:p>
+        </p:txBody>
+      </p:sp>
+      <p:sp>
+        <p:nvSpPr>
+          <p:cNvPr id="7" name="Rectangle 5"/>
+          <p:cNvSpPr>
+            <a:spLocks noGrp="1" noChangeArrowheads="1"/>
+          </p:cNvSpPr>
+          <p:nvPr>
+            <p:ph idx="1"/>
+          </p:nvPr>
+        </p:nvSpPr>
+        <p:spPr>
+          <a:xfrm>
+            <a:off x="381000" y="1524000"/>
+            <a:ext cx="8305800" cy="4876800"/>
+          </a:xfrm>
+        </p:spPr>
+        <p:txBody>
+          <a:bodyPr/>
+          <a:lstStyle/>
+          <a:p>
+            <a:pPr>
+              <a:buFont typeface="Wingdings" pitchFamily="2" charset="2"/>
+              <a:buChar char="v"/>
+            </a:pPr>
+            <a:r>
+              <a:rPr lang="en-US" sz="2400" b="1" dirty="0" smtClean="0"/>
+              <a:t>Video</a:t>
+            </a:r>
+            <a:endParaRPr lang="en-US" sz="1700" b="1" dirty="0"/>
+          </a:p>
+          <a:p>
+            <a:pPr lvl="1">
+              <a:buFont typeface="Wingdings" pitchFamily="2" charset="2"/>
+              <a:buChar char="v"/>
+            </a:pPr>
+            <a:endParaRPr lang="en-US" sz="1700" dirty="0" smtClean="0"/>
+          </a:p>
+        </p:txBody>
+      </p:sp>
+    </p:spTree>
+    <p:extLst>
+      <p:ext uri="{BB962C8B-B14F-4D97-AF65-F5344CB8AC3E}">
+        <p14:creationId xmlns:p14="http://schemas.microsoft.com/office/powerpoint/2010/main" val="3012704673"/>
+      </p:ext>
+    </p:extLst>
+  </p:cSld>
+  <p:clrMapOvr>
+    <a:masterClrMapping/>
+  </p:clrMapOvr>
+  <p:timing>
+    <p:tnLst>
+      <p:par>
+        <p:cTn id="1" dur="indefinite" restart="never" nodeType="tmRoot"/>
+      </p:par>
+    </p:tnLst>
+  </p:timing>
+</p:sld>
+</file>
+
+<file path=ppt/slides/slide25.xml><?xml version="1.0" encoding="utf-8"?>
+<p:sld xmlns:a="http://schemas.openxmlformats.org/drawingml/2006/main" xmlns:r="http://schemas.openxmlformats.org/officeDocument/2006/relationships" xmlns:p="http://schemas.openxmlformats.org/presentationml/2006/main">
+  <p:cSld>
+    <p:spTree>
+      <p:nvGrpSpPr>
+        <p:cNvPr id="1" name=""/>
+        <p:cNvGrpSpPr/>
+        <p:nvPr/>
+      </p:nvGrpSpPr>
+      <p:grpSpPr>
+        <a:xfrm>
+          <a:off x="0" y="0"/>
+          <a:ext cx="0" cy="0"/>
+          <a:chOff x="0" y="0"/>
+          <a:chExt cx="0" cy="0"/>
+        </a:xfrm>
+      </p:grpSpPr>
+      <p:sp>
+        <p:nvSpPr>
           <p:cNvPr id="22532" name="Rectangle 4"/>
           <p:cNvSpPr>
             <a:spLocks noGrp="1" noChangeArrowheads="1"/>
@@ -15908,8 +17182,25 @@
                   </a:schemeClr>
                 </a:solidFill>
               </a:rPr>
-              <a:t>Project Revisit</a:t>
-            </a:r>
+              <a:t>Project </a:t>
+            </a:r>
+            <a:r>
+              <a:rPr lang="en-US" dirty="0" smtClean="0">
+                <a:solidFill>
+                  <a:schemeClr val="bg1">
+                    <a:lumMod val="65000"/>
+                  </a:schemeClr>
+                </a:solidFill>
+              </a:rPr>
+              <a:t>Background</a:t>
+            </a:r>
+            <a:endParaRPr lang="en-US" dirty="0">
+              <a:solidFill>
+                <a:schemeClr val="bg1">
+                  <a:lumMod val="65000"/>
+                </a:schemeClr>
+              </a:solidFill>
+            </a:endParaRPr>
           </a:p>
           <a:p>
             <a:pPr>
@@ -15956,24 +17247,48 @@
                   </a:schemeClr>
                 </a:solidFill>
               </a:rPr>
-              <a:t>Development Process</a:t>
-            </a:r>
-          </a:p>
-          <a:p>
-            <a:pPr>
-              <a:buFont typeface="Wingdings" pitchFamily="2" charset="2"/>
-              <a:buChar char="v"/>
-            </a:pPr>
-            <a:r>
-              <a:rPr lang="en-US" dirty="0">
+              <a:t>Development </a:t>
+            </a:r>
+            <a:r>
+              <a:rPr lang="en-US" dirty="0" smtClean="0">
                 <a:solidFill>
                   <a:schemeClr val="bg1">
                     <a:lumMod val="65000"/>
                   </a:schemeClr>
                 </a:solidFill>
               </a:rPr>
-              <a:t>Quality Management Process</a:t>
-            </a:r>
+              <a:t>Strategy</a:t>
+            </a:r>
+            <a:endParaRPr lang="en-US" dirty="0">
+              <a:solidFill>
+                <a:schemeClr val="bg1">
+                  <a:lumMod val="65000"/>
+                </a:schemeClr>
+              </a:solidFill>
+            </a:endParaRPr>
+          </a:p>
+          <a:p>
+            <a:pPr>
+              <a:buFont typeface="Wingdings" pitchFamily="2" charset="2"/>
+              <a:buChar char="v"/>
+            </a:pPr>
+            <a:r>
+              <a:rPr lang="en-US" dirty="0" smtClean="0">
+                <a:solidFill>
+                  <a:schemeClr val="bg1">
+                    <a:lumMod val="65000"/>
+                  </a:schemeClr>
+                </a:solidFill>
+              </a:rPr>
+              <a:t>Challenges &amp; Solution</a:t>
+            </a:r>
+            <a:endParaRPr lang="en-US" dirty="0">
+              <a:solidFill>
+                <a:schemeClr val="bg1">
+                  <a:lumMod val="65000"/>
+                </a:schemeClr>
+              </a:solidFill>
+            </a:endParaRPr>
           </a:p>
           <a:p>
             <a:pPr>
@@ -16002,7 +17317,31 @@
                   <a:schemeClr val="tx2"/>
                 </a:solidFill>
               </a:rPr>
-              <a:t>End Project Report</a:t>
+              <a:t>End Project </a:t>
+            </a:r>
+            <a:r>
+              <a:rPr lang="en-US" b="1" dirty="0" smtClean="0">
+                <a:solidFill>
+                  <a:schemeClr val="tx2"/>
+                </a:solidFill>
+              </a:rPr>
+              <a:t>Report</a:t>
+            </a:r>
+          </a:p>
+          <a:p>
+            <a:pPr>
+              <a:buFont typeface="Wingdings" pitchFamily="2" charset="2"/>
+              <a:buChar char="v"/>
+            </a:pPr>
+            <a:r>
+              <a:rPr lang="en-US" dirty="0">
+                <a:solidFill>
+                  <a:schemeClr val="bg1">
+                    <a:lumMod val="65000"/>
+                  </a:schemeClr>
+                </a:solidFill>
+              </a:rPr>
+              <a:t>Evaluation &amp; Conclusion</a:t>
             </a:r>
           </a:p>
           <a:p>
@@ -16086,7 +17425,7 @@
 </p:sld>
 </file>
 
-<file path=ppt/slides/slide24.xml><?xml version="1.0" encoding="utf-8"?>
+<file path=ppt/slides/slide26.xml><?xml version="1.0" encoding="utf-8"?>
 <p:sld xmlns:a="http://schemas.openxmlformats.org/drawingml/2006/main" xmlns:r="http://schemas.openxmlformats.org/officeDocument/2006/relationships" xmlns:p="http://schemas.openxmlformats.org/presentationml/2006/main">
   <p:cSld>
     <p:spTree>
@@ -16203,7 +17542,7 @@
         <p:spPr>
           <a:xfrm>
             <a:off x="381000" y="5715000"/>
-            <a:ext cx="8272318" cy="685799"/>
+            <a:ext cx="8272318" cy="914400"/>
           </a:xfrm>
         </p:spPr>
         <p:txBody>
@@ -16226,11 +17565,7 @@
             </a:pPr>
             <a:r>
               <a:rPr lang="en-US" sz="900" b="1" dirty="0" smtClean="0"/>
-              <a:t>Project Plan </a:t>
-            </a:r>
-            <a:r>
-              <a:rPr lang="en-US" sz="900" b="1" dirty="0" smtClean="0"/>
-              <a:t>was reviewed and update mid-way to reflect current progress.</a:t>
+              <a:t>Project Plan was reviewed and update mid-way to reflect current progress.</a:t>
             </a:r>
           </a:p>
           <a:p>
@@ -16242,6 +17577,44 @@
               <a:rPr lang="en-US" sz="900" b="1" dirty="0" smtClean="0"/>
               <a:t>User requirements are reviewed and updated</a:t>
             </a:r>
+          </a:p>
+          <a:p>
+            <a:pPr lvl="1">
+              <a:buFont typeface="Wingdings" pitchFamily="2" charset="2"/>
+              <a:buChar char="v"/>
+            </a:pPr>
+            <a:r>
+              <a:rPr lang="en-US" sz="900" b="1" dirty="0" smtClean="0"/>
+              <a:t>Project slippage: implementation phases slipped by </a:t>
+            </a:r>
+            <a:r>
+              <a:rPr lang="en-US" sz="900" b="1" dirty="0" smtClean="0"/>
+              <a:t>2 weeks, SIT slipped by 1 weeks</a:t>
+            </a:r>
+            <a:endParaRPr lang="en-US" sz="900" b="1" dirty="0" smtClean="0"/>
+          </a:p>
+          <a:p>
+            <a:pPr lvl="1">
+              <a:buFont typeface="Wingdings" pitchFamily="2" charset="2"/>
+              <a:buChar char="v"/>
+            </a:pPr>
+            <a:r>
+              <a:rPr lang="en-US" sz="900" b="1" dirty="0" smtClean="0"/>
+              <a:t>Mitigation strategy: </a:t>
+            </a:r>
+            <a:r>
+              <a:rPr lang="en-US" sz="900" b="1" dirty="0" smtClean="0"/>
+              <a:t>run extra </a:t>
+            </a:r>
+            <a:r>
+              <a:rPr lang="en-US" sz="900" b="1" dirty="0" smtClean="0"/>
+              <a:t>miles / extra work / </a:t>
+            </a:r>
+            <a:r>
+              <a:rPr lang="en-US" sz="900" b="1" dirty="0" smtClean="0"/>
+              <a:t>active progress checking</a:t>
+            </a:r>
+            <a:endParaRPr lang="en-US" sz="900" b="1" dirty="0" smtClean="0"/>
           </a:p>
           <a:p>
             <a:pPr>
@@ -16274,7 +17647,511 @@
 </p:sld>
 </file>
 
-<file path=ppt/slides/slide25.xml><?xml version="1.0" encoding="utf-8"?>
+<file path=ppt/slides/slide27.xml><?xml version="1.0" encoding="utf-8"?>
+<p:sld xmlns:a="http://schemas.openxmlformats.org/drawingml/2006/main" xmlns:r="http://schemas.openxmlformats.org/officeDocument/2006/relationships" xmlns:p="http://schemas.openxmlformats.org/presentationml/2006/main">
+  <p:cSld>
+    <p:spTree>
+      <p:nvGrpSpPr>
+        <p:cNvPr id="1" name=""/>
+        <p:cNvGrpSpPr/>
+        <p:nvPr/>
+      </p:nvGrpSpPr>
+      <p:grpSpPr>
+        <a:xfrm>
+          <a:off x="0" y="0"/>
+          <a:ext cx="0" cy="0"/>
+          <a:chOff x="0" y="0"/>
+          <a:chExt cx="0" cy="0"/>
+        </a:xfrm>
+      </p:grpSpPr>
+      <p:sp>
+        <p:nvSpPr>
+          <p:cNvPr id="22532" name="Rectangle 4"/>
+          <p:cNvSpPr>
+            <a:spLocks noGrp="1" noChangeArrowheads="1"/>
+          </p:cNvSpPr>
+          <p:nvPr>
+            <p:ph type="title"/>
+          </p:nvPr>
+        </p:nvSpPr>
+        <p:spPr/>
+        <p:txBody>
+          <a:bodyPr/>
+          <a:lstStyle/>
+          <a:p>
+            <a:r>
+              <a:rPr lang="en-US" dirty="0" smtClean="0"/>
+              <a:t>Agenda</a:t>
+            </a:r>
+            <a:endParaRPr lang="en-US" dirty="0"/>
+          </a:p>
+        </p:txBody>
+      </p:sp>
+      <p:sp>
+        <p:nvSpPr>
+          <p:cNvPr id="22533" name="Rectangle 5"/>
+          <p:cNvSpPr>
+            <a:spLocks noGrp="1" noChangeArrowheads="1"/>
+          </p:cNvSpPr>
+          <p:nvPr>
+            <p:ph type="body" idx="1"/>
+          </p:nvPr>
+        </p:nvSpPr>
+        <p:spPr>
+          <a:xfrm>
+            <a:off x="1143000" y="1524000"/>
+            <a:ext cx="7391400" cy="4648200"/>
+          </a:xfrm>
+        </p:spPr>
+        <p:txBody>
+          <a:bodyPr/>
+          <a:lstStyle/>
+          <a:p>
+            <a:pPr>
+              <a:buFont typeface="Wingdings" pitchFamily="2" charset="2"/>
+              <a:buChar char="v"/>
+            </a:pPr>
+            <a:r>
+              <a:rPr lang="en-US" dirty="0">
+                <a:solidFill>
+                  <a:schemeClr val="bg1">
+                    <a:lumMod val="65000"/>
+                  </a:schemeClr>
+                </a:solidFill>
+              </a:rPr>
+              <a:t>Project </a:t>
+            </a:r>
+            <a:r>
+              <a:rPr lang="en-US" dirty="0" smtClean="0">
+                <a:solidFill>
+                  <a:schemeClr val="bg1">
+                    <a:lumMod val="65000"/>
+                  </a:schemeClr>
+                </a:solidFill>
+              </a:rPr>
+              <a:t>Background</a:t>
+            </a:r>
+            <a:endParaRPr lang="en-US" dirty="0">
+              <a:solidFill>
+                <a:schemeClr val="bg1">
+                  <a:lumMod val="65000"/>
+                </a:schemeClr>
+              </a:solidFill>
+            </a:endParaRPr>
+          </a:p>
+          <a:p>
+            <a:pPr>
+              <a:buFont typeface="Wingdings" pitchFamily="2" charset="2"/>
+              <a:buChar char="v"/>
+            </a:pPr>
+            <a:r>
+              <a:rPr lang="en-US" dirty="0">
+                <a:solidFill>
+                  <a:schemeClr val="bg1">
+                    <a:lumMod val="65000"/>
+                  </a:schemeClr>
+                </a:solidFill>
+              </a:rPr>
+              <a:t>High Level Architecture</a:t>
+            </a:r>
+          </a:p>
+          <a:p>
+            <a:pPr>
+              <a:buFont typeface="Wingdings" pitchFamily="2" charset="2"/>
+              <a:buChar char="v"/>
+            </a:pPr>
+            <a:r>
+              <a:rPr lang="en-US" dirty="0">
+                <a:solidFill>
+                  <a:schemeClr val="bg1">
+                    <a:lumMod val="65000"/>
+                  </a:schemeClr>
+                </a:solidFill>
+              </a:rPr>
+              <a:t>System Detailed Design</a:t>
+            </a:r>
+          </a:p>
+          <a:p>
+            <a:pPr>
+              <a:buFont typeface="Wingdings" pitchFamily="2" charset="2"/>
+              <a:buChar char="v"/>
+            </a:pPr>
+            <a:r>
+              <a:rPr lang="en-US" dirty="0">
+                <a:solidFill>
+                  <a:schemeClr val="bg1">
+                    <a:lumMod val="65000"/>
+                  </a:schemeClr>
+                </a:solidFill>
+              </a:rPr>
+              <a:t>Development </a:t>
+            </a:r>
+            <a:r>
+              <a:rPr lang="en-US" dirty="0" smtClean="0">
+                <a:solidFill>
+                  <a:schemeClr val="bg1">
+                    <a:lumMod val="65000"/>
+                  </a:schemeClr>
+                </a:solidFill>
+              </a:rPr>
+              <a:t>Strategy</a:t>
+            </a:r>
+            <a:endParaRPr lang="en-US" dirty="0">
+              <a:solidFill>
+                <a:schemeClr val="bg1">
+                  <a:lumMod val="65000"/>
+                </a:schemeClr>
+              </a:solidFill>
+            </a:endParaRPr>
+          </a:p>
+          <a:p>
+            <a:pPr>
+              <a:buFont typeface="Wingdings" pitchFamily="2" charset="2"/>
+              <a:buChar char="v"/>
+            </a:pPr>
+            <a:r>
+              <a:rPr lang="en-US" dirty="0" smtClean="0">
+                <a:solidFill>
+                  <a:schemeClr val="bg1">
+                    <a:lumMod val="65000"/>
+                  </a:schemeClr>
+                </a:solidFill>
+              </a:rPr>
+              <a:t>Challenges &amp; Solution</a:t>
+            </a:r>
+            <a:endParaRPr lang="en-US" dirty="0">
+              <a:solidFill>
+                <a:schemeClr val="bg1">
+                  <a:lumMod val="65000"/>
+                </a:schemeClr>
+              </a:solidFill>
+            </a:endParaRPr>
+          </a:p>
+          <a:p>
+            <a:pPr>
+              <a:buFont typeface="Wingdings" pitchFamily="2" charset="2"/>
+              <a:buChar char="v"/>
+            </a:pPr>
+            <a:r>
+              <a:rPr lang="en-US" dirty="0">
+                <a:solidFill>
+                  <a:schemeClr val="bg1">
+                    <a:lumMod val="65000"/>
+                  </a:schemeClr>
+                </a:solidFill>
+              </a:rPr>
+              <a:t>Demo – VMS v1.0</a:t>
+            </a:r>
+          </a:p>
+          <a:p>
+            <a:pPr>
+              <a:buFont typeface="Wingdings" pitchFamily="2" charset="2"/>
+              <a:buChar char="v"/>
+            </a:pPr>
+            <a:r>
+              <a:rPr lang="en-US" dirty="0">
+                <a:solidFill>
+                  <a:schemeClr val="bg1">
+                    <a:lumMod val="65000"/>
+                  </a:schemeClr>
+                </a:solidFill>
+              </a:rPr>
+              <a:t>End Project </a:t>
+            </a:r>
+            <a:r>
+              <a:rPr lang="en-US" dirty="0">
+                <a:solidFill>
+                  <a:schemeClr val="bg1">
+                    <a:lumMod val="65000"/>
+                  </a:schemeClr>
+                </a:solidFill>
+              </a:rPr>
+              <a:t>Report</a:t>
+            </a:r>
+          </a:p>
+          <a:p>
+            <a:pPr>
+              <a:buFont typeface="Wingdings" pitchFamily="2" charset="2"/>
+              <a:buChar char="v"/>
+            </a:pPr>
+            <a:r>
+              <a:rPr lang="en-US" b="1" dirty="0">
+                <a:solidFill>
+                  <a:schemeClr val="tx2"/>
+                </a:solidFill>
+              </a:rPr>
+              <a:t>Evaluation &amp; Conclusion</a:t>
+            </a:r>
+          </a:p>
+          <a:p>
+            <a:pPr>
+              <a:buFont typeface="Wingdings" pitchFamily="2" charset="2"/>
+              <a:buChar char="v"/>
+            </a:pPr>
+            <a:r>
+              <a:rPr lang="en-US" dirty="0" smtClean="0">
+                <a:solidFill>
+                  <a:schemeClr val="bg1">
+                    <a:lumMod val="65000"/>
+                  </a:schemeClr>
+                </a:solidFill>
+              </a:rPr>
+              <a:t>Q </a:t>
+            </a:r>
+            <a:r>
+              <a:rPr lang="en-US" dirty="0">
+                <a:solidFill>
+                  <a:schemeClr val="bg1">
+                    <a:lumMod val="65000"/>
+                  </a:schemeClr>
+                </a:solidFill>
+              </a:rPr>
+              <a:t>&amp; A</a:t>
+            </a:r>
+          </a:p>
+        </p:txBody>
+      </p:sp>
+      <p:pic>
+        <p:nvPicPr>
+          <p:cNvPr id="5" name="Picture 2"/>
+          <p:cNvPicPr>
+            <a:picLocks noChangeAspect="1" noChangeArrowheads="1"/>
+          </p:cNvPicPr>
+          <p:nvPr/>
+        </p:nvPicPr>
+        <p:blipFill>
+          <a:blip r:embed="rId2" cstate="print"/>
+          <a:srcRect/>
+          <a:stretch>
+            <a:fillRect/>
+          </a:stretch>
+        </p:blipFill>
+        <p:spPr bwMode="auto">
+          <a:xfrm>
+            <a:off x="5562600" y="4724400"/>
+            <a:ext cx="3259296" cy="1836539"/>
+          </a:xfrm>
+          <a:prstGeom prst="rect">
+            <a:avLst/>
+          </a:prstGeom>
+          <a:noFill/>
+          <a:ln w="9525">
+            <a:noFill/>
+            <a:miter lim="800000"/>
+            <a:headEnd/>
+            <a:tailEnd/>
+          </a:ln>
+          <a:effectLst/>
+        </p:spPr>
+      </p:pic>
+    </p:spTree>
+    <p:extLst>
+      <p:ext uri="{BB962C8B-B14F-4D97-AF65-F5344CB8AC3E}">
+        <p14:creationId xmlns:p14="http://schemas.microsoft.com/office/powerpoint/2010/main" val="3731046298"/>
+      </p:ext>
+    </p:extLst>
+  </p:cSld>
+  <p:clrMapOvr>
+    <a:masterClrMapping/>
+  </p:clrMapOvr>
+  <p:timing>
+    <p:tnLst>
+      <p:par>
+        <p:cTn id="1" dur="indefinite" restart="never" nodeType="tmRoot"/>
+      </p:par>
+    </p:tnLst>
+  </p:timing>
+</p:sld>
+</file>
+
+<file path=ppt/slides/slide28.xml><?xml version="1.0" encoding="utf-8"?>
+<p:sld xmlns:a="http://schemas.openxmlformats.org/drawingml/2006/main" xmlns:r="http://schemas.openxmlformats.org/officeDocument/2006/relationships" xmlns:p="http://schemas.openxmlformats.org/presentationml/2006/main">
+  <p:cSld>
+    <p:spTree>
+      <p:nvGrpSpPr>
+        <p:cNvPr id="1" name=""/>
+        <p:cNvGrpSpPr/>
+        <p:nvPr/>
+      </p:nvGrpSpPr>
+      <p:grpSpPr>
+        <a:xfrm>
+          <a:off x="0" y="0"/>
+          <a:ext cx="0" cy="0"/>
+          <a:chOff x="0" y="0"/>
+          <a:chExt cx="0" cy="0"/>
+        </a:xfrm>
+      </p:grpSpPr>
+      <p:sp>
+        <p:nvSpPr>
+          <p:cNvPr id="2" name="Title 1"/>
+          <p:cNvSpPr>
+            <a:spLocks noGrp="1"/>
+          </p:cNvSpPr>
+          <p:nvPr>
+            <p:ph type="title"/>
+          </p:nvPr>
+        </p:nvSpPr>
+        <p:spPr/>
+        <p:txBody>
+          <a:bodyPr/>
+          <a:lstStyle/>
+          <a:p>
+            <a:r>
+              <a:rPr lang="en-US" dirty="0" smtClean="0"/>
+              <a:t>Evaluation &amp; Conclusion</a:t>
+            </a:r>
+            <a:endParaRPr lang="en-US" dirty="0"/>
+          </a:p>
+        </p:txBody>
+      </p:sp>
+      <p:sp>
+        <p:nvSpPr>
+          <p:cNvPr id="7" name="Rectangle 5"/>
+          <p:cNvSpPr>
+            <a:spLocks noGrp="1" noChangeArrowheads="1"/>
+          </p:cNvSpPr>
+          <p:nvPr>
+            <p:ph idx="1"/>
+          </p:nvPr>
+        </p:nvSpPr>
+        <p:spPr>
+          <a:xfrm>
+            <a:off x="381000" y="1524000"/>
+            <a:ext cx="8305800" cy="4876800"/>
+          </a:xfrm>
+        </p:spPr>
+        <p:txBody>
+          <a:bodyPr/>
+          <a:lstStyle/>
+          <a:p>
+            <a:pPr>
+              <a:buFont typeface="Wingdings" pitchFamily="2" charset="2"/>
+              <a:buChar char="v"/>
+            </a:pPr>
+            <a:r>
+              <a:rPr lang="en-US" sz="2400" b="1" dirty="0" smtClean="0"/>
+              <a:t>Business perspective: develop more components</a:t>
+            </a:r>
+          </a:p>
+          <a:p>
+            <a:pPr lvl="1">
+              <a:buFont typeface="Wingdings" pitchFamily="2" charset="2"/>
+              <a:buChar char="v"/>
+            </a:pPr>
+            <a:r>
+              <a:rPr lang="en-US" sz="2100" b="1" dirty="0" smtClean="0"/>
+              <a:t>Itinerary Management</a:t>
+            </a:r>
+          </a:p>
+          <a:p>
+            <a:pPr lvl="1">
+              <a:buFont typeface="Wingdings" pitchFamily="2" charset="2"/>
+              <a:buChar char="v"/>
+            </a:pPr>
+            <a:r>
+              <a:rPr lang="en-US" sz="2100" b="1" dirty="0" smtClean="0"/>
+              <a:t>Project Calendar </a:t>
+            </a:r>
+          </a:p>
+          <a:p>
+            <a:pPr lvl="1">
+              <a:buFont typeface="Wingdings" pitchFamily="2" charset="2"/>
+              <a:buChar char="v"/>
+            </a:pPr>
+            <a:r>
+              <a:rPr lang="en-US" sz="2100" b="1" dirty="0" smtClean="0"/>
+              <a:t>Project Tracking</a:t>
+            </a:r>
+          </a:p>
+          <a:p>
+            <a:pPr>
+              <a:buFont typeface="Wingdings" pitchFamily="2" charset="2"/>
+              <a:buChar char="v"/>
+            </a:pPr>
+            <a:r>
+              <a:rPr lang="en-US" sz="2400" b="1" dirty="0" smtClean="0"/>
+              <a:t> Technical perspective: integration of new components</a:t>
+            </a:r>
+            <a:endParaRPr lang="en-US" sz="1700" dirty="0"/>
+          </a:p>
+          <a:p>
+            <a:pPr lvl="1">
+              <a:buFont typeface="Wingdings" pitchFamily="2" charset="2"/>
+              <a:buChar char="v"/>
+            </a:pPr>
+            <a:r>
+              <a:rPr lang="en-US" sz="2100" b="1" dirty="0" smtClean="0"/>
+              <a:t>Web services</a:t>
+            </a:r>
+          </a:p>
+          <a:p>
+            <a:pPr lvl="1">
+              <a:buFont typeface="Wingdings" pitchFamily="2" charset="2"/>
+              <a:buChar char="v"/>
+            </a:pPr>
+            <a:r>
+              <a:rPr lang="en-US" sz="2100" b="1" dirty="0" smtClean="0"/>
+              <a:t>Mass email component: email queues</a:t>
+            </a:r>
+          </a:p>
+          <a:p>
+            <a:pPr lvl="1">
+              <a:buFont typeface="Wingdings" pitchFamily="2" charset="2"/>
+              <a:buChar char="v"/>
+            </a:pPr>
+            <a:r>
+              <a:rPr lang="en-US" sz="2100" b="1" dirty="0" smtClean="0"/>
+              <a:t>Messaging / Integration Touch-point</a:t>
+            </a:r>
+          </a:p>
+          <a:p>
+            <a:pPr lvl="1">
+              <a:buFont typeface="Wingdings" pitchFamily="2" charset="2"/>
+              <a:buChar char="v"/>
+            </a:pPr>
+            <a:r>
+              <a:rPr lang="en-US" sz="2100" b="1" dirty="0" smtClean="0"/>
+              <a:t>Exposed API / Interfacing</a:t>
+            </a:r>
+          </a:p>
+          <a:p>
+            <a:pPr lvl="1">
+              <a:buFont typeface="Wingdings" pitchFamily="2" charset="2"/>
+              <a:buChar char="v"/>
+            </a:pPr>
+            <a:r>
+              <a:rPr lang="en-US" sz="2100" b="1" dirty="0" smtClean="0"/>
+              <a:t>Integration with popular platform: Facebook, Twitter…</a:t>
+            </a:r>
+            <a:r>
+              <a:rPr lang="en-US" sz="2100" b="1" dirty="0" err="1" smtClean="0"/>
+              <a:t>etc</a:t>
+            </a:r>
+            <a:endParaRPr lang="en-US" sz="2100" b="1" dirty="0" smtClean="0"/>
+          </a:p>
+        </p:txBody>
+      </p:sp>
+    </p:spTree>
+    <p:extLst>
+      <p:ext uri="{BB962C8B-B14F-4D97-AF65-F5344CB8AC3E}">
+        <p14:creationId xmlns:p14="http://schemas.microsoft.com/office/powerpoint/2010/main" val="3986043378"/>
+      </p:ext>
+    </p:extLst>
+  </p:cSld>
+  <p:clrMapOvr>
+    <a:masterClrMapping/>
+  </p:clrMapOvr>
+  <p:timing>
+    <p:tnLst>
+      <p:par>
+        <p:cTn id="1" dur="indefinite" restart="never" nodeType="tmRoot"/>
+      </p:par>
+    </p:tnLst>
+  </p:timing>
+</p:sld>
+</file>
+
+<file path=ppt/slides/slide29.xml><?xml version="1.0" encoding="utf-8"?>
 <p:sld xmlns:a="http://schemas.openxmlformats.org/drawingml/2006/main" xmlns:r="http://schemas.openxmlformats.org/officeDocument/2006/relationships" xmlns:p="http://schemas.openxmlformats.org/presentationml/2006/main">
   <p:cSld>
     <p:spTree>
@@ -16582,7 +18459,7 @@
                   </a:schemeClr>
                 </a:solidFill>
               </a:rPr>
-              <a:t>Project Revisit</a:t>
+              <a:t>Project Background</a:t>
             </a:r>
           </a:p>
           <a:p>
@@ -16630,7 +18507,7 @@
                   </a:schemeClr>
                 </a:solidFill>
               </a:rPr>
-              <a:t>Development Process</a:t>
+              <a:t>Development Strategy</a:t>
             </a:r>
           </a:p>
           <a:p>
@@ -16646,7 +18523,7 @@
                   </a:schemeClr>
                 </a:solidFill>
               </a:rPr>
-              <a:t>Quality Management Process</a:t>
+              <a:t>Challenges &amp; Solution</a:t>
             </a:r>
           </a:p>
           <a:p>
@@ -16662,7 +18539,7 @@
                   </a:schemeClr>
                 </a:solidFill>
               </a:rPr>
-              <a:t>Demo – VMS v1.0</a:t>
+              <a:t>Demo of VMS v1.0</a:t>
             </a:r>
           </a:p>
           <a:p>
@@ -16678,8 +18555,41 @@
                   </a:schemeClr>
                 </a:solidFill>
               </a:rPr>
-              <a:t>End Project Report</a:t>
-            </a:r>
+              <a:t>End Project </a:t>
+            </a:r>
+            <a:r>
+              <a:rPr lang="en-US" dirty="0" smtClean="0">
+                <a:solidFill>
+                  <a:schemeClr val="bg1">
+                    <a:lumMod val="65000"/>
+                  </a:schemeClr>
+                </a:solidFill>
+              </a:rPr>
+              <a:t>Report</a:t>
+            </a:r>
+          </a:p>
+          <a:p>
+            <a:pPr>
+              <a:buFont typeface="Wingdings" pitchFamily="2" charset="2"/>
+              <a:buChar char="v"/>
+            </a:pPr>
+            <a:r>
+              <a:rPr lang="en-US" dirty="0" smtClean="0">
+                <a:solidFill>
+                  <a:schemeClr val="bg1">
+                    <a:lumMod val="65000"/>
+                  </a:schemeClr>
+                </a:solidFill>
+              </a:rPr>
+              <a:t>Evaluation &amp; Conclusion</a:t>
+            </a:r>
+            <a:endParaRPr lang="en-US" dirty="0">
+              <a:solidFill>
+                <a:schemeClr val="bg1">
+                  <a:lumMod val="65000"/>
+                </a:schemeClr>
+              </a:solidFill>
+            </a:endParaRPr>
           </a:p>
           <a:p>
             <a:pPr>
@@ -16694,11 +18604,6 @@
               </a:rPr>
               <a:t>Q &amp; A</a:t>
             </a:r>
-            <a:endParaRPr lang="en-US" b="1" dirty="0">
-              <a:solidFill>
-                <a:schemeClr val="tx2"/>
-              </a:solidFill>
-            </a:endParaRPr>
           </a:p>
         </p:txBody>
       </p:sp>
@@ -16722,7 +18627,151 @@
 </p:sld>
 </file>
 
-<file path=ppt/slides/slide26.xml><?xml version="1.0" encoding="utf-8"?>
+<file path=ppt/slides/slide3.xml><?xml version="1.0" encoding="utf-8"?>
+<p:sld xmlns:a="http://schemas.openxmlformats.org/drawingml/2006/main" xmlns:r="http://schemas.openxmlformats.org/officeDocument/2006/relationships" xmlns:p="http://schemas.openxmlformats.org/presentationml/2006/main">
+  <p:cSld>
+    <p:spTree>
+      <p:nvGrpSpPr>
+        <p:cNvPr id="1" name=""/>
+        <p:cNvGrpSpPr/>
+        <p:nvPr/>
+      </p:nvGrpSpPr>
+      <p:grpSpPr>
+        <a:xfrm>
+          <a:off x="0" y="0"/>
+          <a:ext cx="0" cy="0"/>
+          <a:chOff x="0" y="0"/>
+          <a:chExt cx="0" cy="0"/>
+        </a:xfrm>
+      </p:grpSpPr>
+      <p:sp>
+        <p:nvSpPr>
+          <p:cNvPr id="9220" name="Rectangle 4"/>
+          <p:cNvSpPr>
+            <a:spLocks noGrp="1" noChangeArrowheads="1"/>
+          </p:cNvSpPr>
+          <p:nvPr>
+            <p:ph type="title"/>
+          </p:nvPr>
+        </p:nvSpPr>
+        <p:spPr/>
+        <p:txBody>
+          <a:bodyPr/>
+          <a:lstStyle/>
+          <a:p>
+            <a:r>
+              <a:rPr lang="en-US" dirty="0" smtClean="0"/>
+              <a:t>Project Background</a:t>
+            </a:r>
+            <a:endParaRPr lang="en-US" dirty="0"/>
+          </a:p>
+        </p:txBody>
+      </p:sp>
+      <p:sp>
+        <p:nvSpPr>
+          <p:cNvPr id="2" name="TextBox 1"/>
+          <p:cNvSpPr txBox="1"/>
+          <p:nvPr/>
+        </p:nvSpPr>
+        <p:spPr>
+          <a:xfrm>
+            <a:off x="609600" y="1600200"/>
+            <a:ext cx="8001000" cy="1680460"/>
+          </a:xfrm>
+          <a:prstGeom prst="rect">
+            <a:avLst/>
+          </a:prstGeom>
+          <a:noFill/>
+        </p:spPr>
+        <p:txBody>
+          <a:bodyPr wrap="square" rtlCol="0">
+            <a:spAutoFit/>
+          </a:bodyPr>
+          <a:lstStyle/>
+          <a:p>
+            <a:pPr marL="457200" indent="-457200">
+              <a:buFont typeface="Wingdings" pitchFamily="2" charset="2"/>
+              <a:buChar char="v"/>
+            </a:pPr>
+            <a:r>
+              <a:rPr lang="en-US" b="1" dirty="0" smtClean="0"/>
+              <a:t>VMS - Volunteer Management System</a:t>
+            </a:r>
+            <a:r>
+              <a:rPr lang="en-US" sz="2400" i="1" dirty="0"/>
+              <a:t> </a:t>
+            </a:r>
+            <a:r>
+              <a:rPr lang="en-US" sz="2400" dirty="0" smtClean="0"/>
+              <a:t>: </a:t>
+            </a:r>
+            <a:r>
+              <a:rPr lang="en-US" sz="2000" dirty="0" smtClean="0"/>
+              <a:t>web-based solution to facilitate the volunteer &amp; project management process for non-government organization</a:t>
+            </a:r>
+            <a:r>
+              <a:rPr lang="en-US" sz="2400" dirty="0" smtClean="0"/>
+              <a:t>.</a:t>
+            </a:r>
+            <a:endParaRPr lang="en-US" dirty="0" smtClean="0"/>
+          </a:p>
+          <a:p>
+            <a:pPr marL="457200" indent="-457200">
+              <a:buFont typeface="Wingdings" pitchFamily="2" charset="2"/>
+              <a:buChar char="v"/>
+            </a:pPr>
+            <a:r>
+              <a:rPr lang="en-US" b="1" dirty="0" smtClean="0"/>
+              <a:t>Requirements overview</a:t>
+            </a:r>
+            <a:r>
+              <a:rPr lang="en-US" dirty="0" smtClean="0"/>
+              <a:t>:</a:t>
+            </a:r>
+          </a:p>
+        </p:txBody>
+      </p:sp>
+      <p:graphicFrame>
+        <p:nvGraphicFramePr>
+          <p:cNvPr id="8" name="Content Placeholder 4"/>
+          <p:cNvGraphicFramePr>
+            <a:graphicFrameLocks noGrp="1"/>
+          </p:cNvGraphicFramePr>
+          <p:nvPr>
+            <p:ph idx="1"/>
+            <p:extLst>
+              <p:ext uri="{D42A27DB-BD31-4B8C-83A1-F6EECF244321}">
+                <p14:modId xmlns:p14="http://schemas.microsoft.com/office/powerpoint/2010/main" val="3272208767"/>
+              </p:ext>
+            </p:extLst>
+          </p:nvPr>
+        </p:nvGraphicFramePr>
+        <p:xfrm>
+          <a:off x="1219200" y="3280661"/>
+          <a:ext cx="5791200" cy="3470950"/>
+        </p:xfrm>
+        <a:graphic>
+          <a:graphicData uri="http://schemas.openxmlformats.org/drawingml/2006/diagram">
+            <dgm:relIds xmlns:dgm="http://schemas.openxmlformats.org/drawingml/2006/diagram" xmlns:r="http://schemas.openxmlformats.org/officeDocument/2006/relationships" r:dm="rId2" r:lo="rId3" r:qs="rId4" r:cs="rId5"/>
+          </a:graphicData>
+        </a:graphic>
+      </p:graphicFrame>
+    </p:spTree>
+  </p:cSld>
+  <p:clrMapOvr>
+    <a:masterClrMapping/>
+  </p:clrMapOvr>
+  <p:timing>
+    <p:tnLst>
+      <p:par>
+        <p:cTn id="1" dur="indefinite" restart="never" nodeType="tmRoot"/>
+      </p:par>
+    </p:tnLst>
+  </p:timing>
+</p:sld>
+</file>
+
+<file path=ppt/slides/slide30.xml><?xml version="1.0" encoding="utf-8"?>
 <p:sld xmlns:a="http://schemas.openxmlformats.org/drawingml/2006/main" xmlns:r="http://schemas.openxmlformats.org/officeDocument/2006/relationships" xmlns:p="http://schemas.openxmlformats.org/presentationml/2006/main">
   <p:cSld>
     <p:spTree>
@@ -16818,7 +18867,7 @@
 </p:sld>
 </file>
 
-<file path=ppt/slides/slide27.xml><?xml version="1.0" encoding="utf-8"?>
+<file path=ppt/slides/slide31.xml><?xml version="1.0" encoding="utf-8"?>
 <p:sld xmlns:a="http://schemas.openxmlformats.org/drawingml/2006/main" xmlns:r="http://schemas.openxmlformats.org/officeDocument/2006/relationships" xmlns:p="http://schemas.openxmlformats.org/presentationml/2006/main">
   <p:cSld>
     <p:spTree>
@@ -17227,174 +19276,6 @@
 </p:sld>
 </file>
 
-<file path=ppt/slides/slide3.xml><?xml version="1.0" encoding="utf-8"?>
-<p:sld xmlns:a="http://schemas.openxmlformats.org/drawingml/2006/main" xmlns:r="http://schemas.openxmlformats.org/officeDocument/2006/relationships" xmlns:p="http://schemas.openxmlformats.org/presentationml/2006/main">
-  <p:cSld>
-    <p:spTree>
-      <p:nvGrpSpPr>
-        <p:cNvPr id="1" name=""/>
-        <p:cNvGrpSpPr/>
-        <p:nvPr/>
-      </p:nvGrpSpPr>
-      <p:grpSpPr>
-        <a:xfrm>
-          <a:off x="0" y="0"/>
-          <a:ext cx="0" cy="0"/>
-          <a:chOff x="0" y="0"/>
-          <a:chExt cx="0" cy="0"/>
-        </a:xfrm>
-      </p:grpSpPr>
-      <p:sp>
-        <p:nvSpPr>
-          <p:cNvPr id="9220" name="Rectangle 4"/>
-          <p:cNvSpPr>
-            <a:spLocks noGrp="1" noChangeArrowheads="1"/>
-          </p:cNvSpPr>
-          <p:nvPr>
-            <p:ph type="title"/>
-          </p:nvPr>
-        </p:nvSpPr>
-        <p:spPr/>
-        <p:txBody>
-          <a:bodyPr/>
-          <a:lstStyle/>
-          <a:p>
-            <a:r>
-              <a:rPr lang="en-US" dirty="0" smtClean="0"/>
-              <a:t>Project Revisit</a:t>
-            </a:r>
-            <a:endParaRPr lang="en-US" dirty="0"/>
-          </a:p>
-        </p:txBody>
-      </p:sp>
-      <p:sp>
-        <p:nvSpPr>
-          <p:cNvPr id="2" name="TextBox 1"/>
-          <p:cNvSpPr txBox="1"/>
-          <p:nvPr/>
-        </p:nvSpPr>
-        <p:spPr>
-          <a:xfrm>
-            <a:off x="609600" y="1600200"/>
-            <a:ext cx="8001000" cy="2111347"/>
-          </a:xfrm>
-          <a:prstGeom prst="rect">
-            <a:avLst/>
-          </a:prstGeom>
-          <a:noFill/>
-        </p:spPr>
-        <p:txBody>
-          <a:bodyPr wrap="square" rtlCol="0">
-            <a:spAutoFit/>
-          </a:bodyPr>
-          <a:lstStyle/>
-          <a:p>
-            <a:pPr marL="457200" indent="-457200">
-              <a:buFont typeface="Wingdings" pitchFamily="2" charset="2"/>
-              <a:buChar char="v"/>
-            </a:pPr>
-            <a:r>
-              <a:rPr lang="en-US" b="1" dirty="0" smtClean="0"/>
-              <a:t>VMS</a:t>
-            </a:r>
-            <a:r>
-              <a:rPr lang="en-US" b="1" dirty="0" smtClean="0"/>
-              <a:t> - Volunteer Management System</a:t>
-            </a:r>
-            <a:r>
-              <a:rPr lang="en-US" sz="2400" i="1" dirty="0"/>
-              <a:t> </a:t>
-            </a:r>
-            <a:r>
-              <a:rPr lang="en-US" sz="2400" dirty="0" smtClean="0"/>
-              <a:t>:</a:t>
-            </a:r>
-            <a:r>
-              <a:rPr lang="en-US" sz="2400" dirty="0" smtClean="0"/>
-              <a:t> web-based solution to facilitate </a:t>
-            </a:r>
-            <a:r>
-              <a:rPr lang="en-US" sz="2400" dirty="0" smtClean="0"/>
-              <a:t>the </a:t>
-            </a:r>
-            <a:r>
-              <a:rPr lang="en-US" sz="2400" dirty="0" smtClean="0"/>
-              <a:t>volunteer &amp; </a:t>
-            </a:r>
-            <a:r>
-              <a:rPr lang="en-US" sz="2400" dirty="0" smtClean="0"/>
-              <a:t>project </a:t>
-            </a:r>
-            <a:r>
-              <a:rPr lang="en-US" sz="2400" dirty="0" smtClean="0"/>
-              <a:t>management process for non-government organization</a:t>
-            </a:r>
-            <a:r>
-              <a:rPr lang="en-US" dirty="0" smtClean="0"/>
-              <a:t>.</a:t>
-            </a:r>
-            <a:endParaRPr lang="en-US" dirty="0" smtClean="0"/>
-          </a:p>
-          <a:p>
-            <a:pPr marL="457200" indent="-457200">
-              <a:buFont typeface="Wingdings" pitchFamily="2" charset="2"/>
-              <a:buChar char="v"/>
-            </a:pPr>
-            <a:r>
-              <a:rPr lang="en-US" b="1" dirty="0" smtClean="0"/>
-              <a:t>Requirement </a:t>
-            </a:r>
-            <a:r>
-              <a:rPr lang="en-US" b="1" dirty="0" smtClean="0"/>
-              <a:t>overview</a:t>
-            </a:r>
-            <a:r>
-              <a:rPr lang="en-US" dirty="0" smtClean="0"/>
-              <a:t>:</a:t>
-            </a:r>
-          </a:p>
-        </p:txBody>
-      </p:sp>
-      <p:graphicFrame>
-        <p:nvGraphicFramePr>
-          <p:cNvPr id="8" name="Content Placeholder 4"/>
-          <p:cNvGraphicFramePr>
-            <a:graphicFrameLocks noGrp="1"/>
-          </p:cNvGraphicFramePr>
-          <p:nvPr>
-            <p:ph idx="1"/>
-            <p:extLst>
-              <p:ext uri="{D42A27DB-BD31-4B8C-83A1-F6EECF244321}">
-                <p14:modId xmlns:p14="http://schemas.microsoft.com/office/powerpoint/2010/main" val="1035392707"/>
-              </p:ext>
-            </p:extLst>
-          </p:nvPr>
-        </p:nvGraphicFramePr>
-        <p:xfrm>
-          <a:off x="1219200" y="3810000"/>
-          <a:ext cx="5791200" cy="2811463"/>
-        </p:xfrm>
-        <a:graphic>
-          <a:graphicData uri="http://schemas.openxmlformats.org/drawingml/2006/diagram">
-            <dgm:relIds xmlns:dgm="http://schemas.openxmlformats.org/drawingml/2006/diagram" xmlns:r="http://schemas.openxmlformats.org/officeDocument/2006/relationships" r:dm="rId2" r:lo="rId3" r:qs="rId4" r:cs="rId5"/>
-          </a:graphicData>
-        </a:graphic>
-      </p:graphicFrame>
-    </p:spTree>
-  </p:cSld>
-  <p:clrMapOvr>
-    <a:masterClrMapping/>
-  </p:clrMapOvr>
-  <p:timing>
-    <p:tnLst>
-      <p:par>
-        <p:cTn id="1" dur="indefinite" restart="never" nodeType="tmRoot"/>
-      </p:par>
-    </p:tnLst>
-  </p:timing>
-</p:sld>
-</file>
-
 <file path=ppt/slides/slide4.xml><?xml version="1.0" encoding="utf-8"?>
 <p:sld xmlns:a="http://schemas.openxmlformats.org/drawingml/2006/main" xmlns:r="http://schemas.openxmlformats.org/officeDocument/2006/relationships" xmlns:p="http://schemas.openxmlformats.org/presentationml/2006/main">
   <p:cSld>
@@ -17432,181 +19313,6 @@
               <a:t>Agenda</a:t>
             </a:r>
             <a:endParaRPr lang="en-US" dirty="0"/>
-          </a:p>
-        </p:txBody>
-      </p:sp>
-      <p:sp>
-        <p:nvSpPr>
-          <p:cNvPr id="22533" name="Rectangle 5"/>
-          <p:cNvSpPr>
-            <a:spLocks noGrp="1" noChangeArrowheads="1"/>
-          </p:cNvSpPr>
-          <p:nvPr>
-            <p:ph type="body" idx="1"/>
-          </p:nvPr>
-        </p:nvSpPr>
-        <p:spPr>
-          <a:xfrm>
-            <a:off x="1143000" y="1524000"/>
-            <a:ext cx="7391400" cy="4648200"/>
-          </a:xfrm>
-        </p:spPr>
-        <p:txBody>
-          <a:bodyPr/>
-          <a:lstStyle/>
-          <a:p>
-            <a:pPr>
-              <a:buFont typeface="Wingdings" pitchFamily="2" charset="2"/>
-              <a:buChar char="v"/>
-            </a:pPr>
-            <a:r>
-              <a:rPr lang="en-US" dirty="0">
-                <a:solidFill>
-                  <a:schemeClr val="bg1">
-                    <a:lumMod val="65000"/>
-                  </a:schemeClr>
-                </a:solidFill>
-              </a:rPr>
-              <a:t>Project Revisit</a:t>
-            </a:r>
-            <a:endParaRPr lang="en-US" dirty="0">
-              <a:solidFill>
-                <a:schemeClr val="bg1">
-                  <a:lumMod val="65000"/>
-                </a:schemeClr>
-              </a:solidFill>
-            </a:endParaRPr>
-          </a:p>
-          <a:p>
-            <a:pPr>
-              <a:buFont typeface="Wingdings" pitchFamily="2" charset="2"/>
-              <a:buChar char="v"/>
-            </a:pPr>
-            <a:r>
-              <a:rPr lang="en-US" b="1" dirty="0">
-                <a:solidFill>
-                  <a:schemeClr val="tx2"/>
-                </a:solidFill>
-              </a:rPr>
-              <a:t>High Level Architecture</a:t>
-            </a:r>
-          </a:p>
-          <a:p>
-            <a:pPr>
-              <a:buFont typeface="Wingdings" pitchFamily="2" charset="2"/>
-              <a:buChar char="v"/>
-            </a:pPr>
-            <a:r>
-              <a:rPr lang="en-US" dirty="0" smtClean="0">
-                <a:solidFill>
-                  <a:schemeClr val="bg1">
-                    <a:lumMod val="65000"/>
-                  </a:schemeClr>
-                </a:solidFill>
-              </a:rPr>
-              <a:t>System Detailed Design</a:t>
-            </a:r>
-          </a:p>
-          <a:p>
-            <a:pPr>
-              <a:buFont typeface="Wingdings" pitchFamily="2" charset="2"/>
-              <a:buChar char="v"/>
-            </a:pPr>
-            <a:r>
-              <a:rPr lang="en-US" dirty="0" smtClean="0">
-                <a:solidFill>
-                  <a:schemeClr val="bg1">
-                    <a:lumMod val="65000"/>
-                  </a:schemeClr>
-                </a:solidFill>
-              </a:rPr>
-              <a:t>Development Process</a:t>
-            </a:r>
-          </a:p>
-          <a:p>
-            <a:pPr>
-              <a:buFont typeface="Wingdings" pitchFamily="2" charset="2"/>
-              <a:buChar char="v"/>
-            </a:pPr>
-            <a:r>
-              <a:rPr lang="en-US" dirty="0" smtClean="0">
-                <a:solidFill>
-                  <a:schemeClr val="bg1">
-                    <a:lumMod val="65000"/>
-                  </a:schemeClr>
-                </a:solidFill>
-              </a:rPr>
-              <a:t>Quality Management Process</a:t>
-            </a:r>
-            <a:endParaRPr lang="en-US" dirty="0" smtClean="0">
-              <a:solidFill>
-                <a:schemeClr val="bg1">
-                  <a:lumMod val="65000"/>
-                </a:schemeClr>
-              </a:solidFill>
-            </a:endParaRPr>
-          </a:p>
-          <a:p>
-            <a:pPr>
-              <a:buFont typeface="Wingdings" pitchFamily="2" charset="2"/>
-              <a:buChar char="v"/>
-            </a:pPr>
-            <a:r>
-              <a:rPr lang="en-US" dirty="0" smtClean="0">
-                <a:solidFill>
-                  <a:schemeClr val="bg1">
-                    <a:lumMod val="65000"/>
-                  </a:schemeClr>
-                </a:solidFill>
-              </a:rPr>
-              <a:t>Demo – VMS v1.0</a:t>
-            </a:r>
-            <a:endParaRPr lang="en-US" dirty="0" smtClean="0">
-              <a:solidFill>
-                <a:schemeClr val="bg1">
-                  <a:lumMod val="65000"/>
-                </a:schemeClr>
-              </a:solidFill>
-            </a:endParaRPr>
-          </a:p>
-          <a:p>
-            <a:pPr>
-              <a:buFont typeface="Wingdings" pitchFamily="2" charset="2"/>
-              <a:buChar char="v"/>
-            </a:pPr>
-            <a:r>
-              <a:rPr lang="en-US" dirty="0" smtClean="0">
-                <a:solidFill>
-                  <a:schemeClr val="bg1">
-                    <a:lumMod val="65000"/>
-                  </a:schemeClr>
-                </a:solidFill>
-              </a:rPr>
-              <a:t>End Project Report</a:t>
-            </a:r>
-            <a:endParaRPr lang="en-US" dirty="0" smtClean="0">
-              <a:solidFill>
-                <a:schemeClr val="bg1">
-                  <a:lumMod val="65000"/>
-                </a:schemeClr>
-              </a:solidFill>
-            </a:endParaRPr>
-          </a:p>
-          <a:p>
-            <a:pPr>
-              <a:buFont typeface="Wingdings" pitchFamily="2" charset="2"/>
-              <a:buChar char="v"/>
-            </a:pPr>
-            <a:r>
-              <a:rPr lang="en-US" dirty="0" smtClean="0">
-                <a:solidFill>
-                  <a:schemeClr val="bg1">
-                    <a:lumMod val="65000"/>
-                  </a:schemeClr>
-                </a:solidFill>
-              </a:rPr>
-              <a:t>Q &amp; A</a:t>
-            </a:r>
           </a:p>
         </p:txBody>
       </p:sp>
@@ -17643,6 +19349,391 @@
           <a:effectLst/>
         </p:spPr>
       </p:pic>
+      <p:sp>
+        <p:nvSpPr>
+          <p:cNvPr id="7" name="Rectangle 5"/>
+          <p:cNvSpPr txBox="1">
+            <a:spLocks noChangeArrowheads="1"/>
+          </p:cNvSpPr>
+          <p:nvPr/>
+        </p:nvSpPr>
+        <p:spPr bwMode="auto">
+          <a:xfrm>
+            <a:off x="1143000" y="1524000"/>
+            <a:ext cx="7391400" cy="4648200"/>
+          </a:xfrm>
+          <a:prstGeom prst="rect">
+            <a:avLst/>
+          </a:prstGeom>
+          <a:noFill/>
+          <a:ln w="9525">
+            <a:noFill/>
+            <a:miter lim="800000"/>
+            <a:headEnd/>
+            <a:tailEnd/>
+          </a:ln>
+          <a:effectLst/>
+        </p:spPr>
+        <p:txBody>
+          <a:bodyPr vert="horz" wrap="square" lIns="91440" tIns="45720" rIns="91440" bIns="45720" numCol="1" anchor="t" anchorCtr="0" compatLnSpc="1">
+            <a:prstTxWarp prst="textNoShape">
+              <a:avLst/>
+            </a:prstTxWarp>
+          </a:bodyPr>
+          <a:lstStyle>
+            <a:lvl1pPr marL="342900" indent="-342900" algn="l" rtl="0" eaLnBrk="1" fontAlgn="base" hangingPunct="1">
+              <a:spcBef>
+                <a:spcPct val="25000"/>
+              </a:spcBef>
+              <a:spcAft>
+                <a:spcPct val="0"/>
+              </a:spcAft>
+              <a:buClr>
+                <a:schemeClr val="tx2"/>
+              </a:buClr>
+              <a:buSzPct val="60000"/>
+              <a:buFont typeface="Wingdings" pitchFamily="2" charset="2"/>
+              <a:defRPr sz="2700">
+                <a:solidFill>
+                  <a:schemeClr val="tx1"/>
+                </a:solidFill>
+                <a:latin typeface="+mn-lt"/>
+                <a:ea typeface="+mn-ea"/>
+                <a:cs typeface="+mn-cs"/>
+              </a:defRPr>
+            </a:lvl1pPr>
+            <a:lvl2pPr marL="692150" indent="-347663" algn="l" rtl="0" eaLnBrk="1" fontAlgn="base" hangingPunct="1">
+              <a:spcBef>
+                <a:spcPct val="0"/>
+              </a:spcBef>
+              <a:spcAft>
+                <a:spcPct val="25000"/>
+              </a:spcAft>
+              <a:buClr>
+                <a:schemeClr val="accent2"/>
+              </a:buClr>
+              <a:buSzPct val="55000"/>
+              <a:buFont typeface="Wingdings" pitchFamily="2" charset="2"/>
+              <a:buChar char="l"/>
+              <a:defRPr sz="2400">
+                <a:solidFill>
+                  <a:schemeClr val="tx1"/>
+                </a:solidFill>
+                <a:latin typeface="+mn-lt"/>
+              </a:defRPr>
+            </a:lvl2pPr>
+            <a:lvl3pPr marL="987425" indent="-293688" algn="l" rtl="0" eaLnBrk="1" fontAlgn="base" hangingPunct="1">
+              <a:spcBef>
+                <a:spcPct val="0"/>
+              </a:spcBef>
+              <a:spcAft>
+                <a:spcPct val="25000"/>
+              </a:spcAft>
+              <a:buClr>
+                <a:schemeClr val="accent1"/>
+              </a:buClr>
+              <a:buSzPct val="50000"/>
+              <a:buFont typeface="Wingdings" pitchFamily="2" charset="2"/>
+              <a:buChar char="l"/>
+              <a:defRPr sz="2200">
+                <a:solidFill>
+                  <a:schemeClr val="tx1"/>
+                </a:solidFill>
+                <a:latin typeface="+mn-lt"/>
+              </a:defRPr>
+            </a:lvl3pPr>
+            <a:lvl4pPr marL="1281113" indent="-292100" algn="l" rtl="0" eaLnBrk="1" fontAlgn="base" hangingPunct="1">
+              <a:spcBef>
+                <a:spcPct val="20000"/>
+              </a:spcBef>
+              <a:spcAft>
+                <a:spcPct val="0"/>
+              </a:spcAft>
+              <a:buClr>
+                <a:schemeClr val="tx2"/>
+              </a:buClr>
+              <a:buSzPct val="75000"/>
+              <a:buFont typeface="Wingdings" pitchFamily="2" charset="2"/>
+              <a:buChar char="§"/>
+              <a:defRPr sz="2000">
+                <a:solidFill>
+                  <a:schemeClr val="tx1"/>
+                </a:solidFill>
+                <a:latin typeface="+mn-lt"/>
+              </a:defRPr>
+            </a:lvl4pPr>
+            <a:lvl5pPr marL="1598613" indent="-315913" algn="l" rtl="0" eaLnBrk="1" fontAlgn="base" hangingPunct="1">
+              <a:spcBef>
+                <a:spcPct val="20000"/>
+              </a:spcBef>
+              <a:spcAft>
+                <a:spcPct val="0"/>
+              </a:spcAft>
+              <a:buClr>
+                <a:schemeClr val="folHlink"/>
+              </a:buClr>
+              <a:buSzPct val="80000"/>
+              <a:buFont typeface="Wingdings" pitchFamily="2" charset="2"/>
+              <a:buChar char="§"/>
+              <a:defRPr sz="2000">
+                <a:solidFill>
+                  <a:schemeClr val="tx1"/>
+                </a:solidFill>
+                <a:latin typeface="+mn-lt"/>
+              </a:defRPr>
+            </a:lvl5pPr>
+            <a:lvl6pPr marL="2055813" indent="-315913" algn="l" rtl="0" eaLnBrk="1" fontAlgn="base" hangingPunct="1">
+              <a:spcBef>
+                <a:spcPct val="20000"/>
+              </a:spcBef>
+              <a:spcAft>
+                <a:spcPct val="0"/>
+              </a:spcAft>
+              <a:buClr>
+                <a:schemeClr val="folHlink"/>
+              </a:buClr>
+              <a:buSzPct val="80000"/>
+              <a:buFont typeface="Wingdings" pitchFamily="2" charset="2"/>
+              <a:buChar char="§"/>
+              <a:defRPr sz="2000">
+                <a:solidFill>
+                  <a:schemeClr val="tx1"/>
+                </a:solidFill>
+                <a:latin typeface="+mn-lt"/>
+              </a:defRPr>
+            </a:lvl6pPr>
+            <a:lvl7pPr marL="2513013" indent="-315913" algn="l" rtl="0" eaLnBrk="1" fontAlgn="base" hangingPunct="1">
+              <a:spcBef>
+                <a:spcPct val="20000"/>
+              </a:spcBef>
+              <a:spcAft>
+                <a:spcPct val="0"/>
+              </a:spcAft>
+              <a:buClr>
+                <a:schemeClr val="folHlink"/>
+              </a:buClr>
+              <a:buSzPct val="80000"/>
+              <a:buFont typeface="Wingdings" pitchFamily="2" charset="2"/>
+              <a:buChar char="§"/>
+              <a:defRPr sz="2000">
+                <a:solidFill>
+                  <a:schemeClr val="tx1"/>
+                </a:solidFill>
+                <a:latin typeface="+mn-lt"/>
+              </a:defRPr>
+            </a:lvl7pPr>
+            <a:lvl8pPr marL="2970213" indent="-315913" algn="l" rtl="0" eaLnBrk="1" fontAlgn="base" hangingPunct="1">
+              <a:spcBef>
+                <a:spcPct val="20000"/>
+              </a:spcBef>
+              <a:spcAft>
+                <a:spcPct val="0"/>
+              </a:spcAft>
+              <a:buClr>
+                <a:schemeClr val="folHlink"/>
+              </a:buClr>
+              <a:buSzPct val="80000"/>
+              <a:buFont typeface="Wingdings" pitchFamily="2" charset="2"/>
+              <a:buChar char="§"/>
+              <a:defRPr sz="2000">
+                <a:solidFill>
+                  <a:schemeClr val="tx1"/>
+                </a:solidFill>
+                <a:latin typeface="+mn-lt"/>
+              </a:defRPr>
+            </a:lvl8pPr>
+            <a:lvl9pPr marL="3427413" indent="-315913" algn="l" rtl="0" eaLnBrk="1" fontAlgn="base" hangingPunct="1">
+              <a:spcBef>
+                <a:spcPct val="20000"/>
+              </a:spcBef>
+              <a:spcAft>
+                <a:spcPct val="0"/>
+              </a:spcAft>
+              <a:buClr>
+                <a:schemeClr val="folHlink"/>
+              </a:buClr>
+              <a:buSzPct val="80000"/>
+              <a:buFont typeface="Wingdings" pitchFamily="2" charset="2"/>
+              <a:buChar char="§"/>
+              <a:defRPr sz="2000">
+                <a:solidFill>
+                  <a:schemeClr val="tx1"/>
+                </a:solidFill>
+                <a:latin typeface="+mn-lt"/>
+              </a:defRPr>
+            </a:lvl9pPr>
+          </a:lstStyle>
+          <a:p>
+            <a:pPr>
+              <a:buFont typeface="Wingdings" pitchFamily="2" charset="2"/>
+              <a:buChar char="v"/>
+            </a:pPr>
+            <a:r>
+              <a:rPr lang="en-US" dirty="0">
+                <a:solidFill>
+                  <a:schemeClr val="bg1">
+                    <a:lumMod val="65000"/>
+                  </a:schemeClr>
+                </a:solidFill>
+              </a:rPr>
+              <a:t>Project </a:t>
+            </a:r>
+            <a:r>
+              <a:rPr lang="en-US" dirty="0" smtClean="0">
+                <a:solidFill>
+                  <a:schemeClr val="bg1">
+                    <a:lumMod val="65000"/>
+                  </a:schemeClr>
+                </a:solidFill>
+              </a:rPr>
+              <a:t>Background</a:t>
+            </a:r>
+            <a:endParaRPr lang="en-US" dirty="0">
+              <a:solidFill>
+                <a:schemeClr val="bg1">
+                  <a:lumMod val="65000"/>
+                </a:schemeClr>
+              </a:solidFill>
+            </a:endParaRPr>
+          </a:p>
+          <a:p>
+            <a:pPr>
+              <a:buFont typeface="Wingdings" pitchFamily="2" charset="2"/>
+              <a:buChar char="v"/>
+            </a:pPr>
+            <a:r>
+              <a:rPr lang="en-US" b="1" dirty="0">
+                <a:solidFill>
+                  <a:schemeClr val="tx2"/>
+                </a:solidFill>
+              </a:rPr>
+              <a:t>High Level Architecture</a:t>
+            </a:r>
+          </a:p>
+          <a:p>
+            <a:pPr>
+              <a:buFont typeface="Wingdings" pitchFamily="2" charset="2"/>
+              <a:buChar char="v"/>
+            </a:pPr>
+            <a:r>
+              <a:rPr lang="en-US" dirty="0" smtClean="0">
+                <a:solidFill>
+                  <a:schemeClr val="bg1">
+                    <a:lumMod val="65000"/>
+                  </a:schemeClr>
+                </a:solidFill>
+              </a:rPr>
+              <a:t>System Detailed Design</a:t>
+            </a:r>
+          </a:p>
+          <a:p>
+            <a:pPr>
+              <a:buFont typeface="Wingdings" pitchFamily="2" charset="2"/>
+              <a:buChar char="v"/>
+            </a:pPr>
+            <a:r>
+              <a:rPr lang="en-US" dirty="0">
+                <a:solidFill>
+                  <a:schemeClr val="bg1">
+                    <a:lumMod val="65000"/>
+                  </a:schemeClr>
+                </a:solidFill>
+              </a:rPr>
+              <a:t>Implementation </a:t>
+            </a:r>
+            <a:r>
+              <a:rPr lang="en-US" dirty="0" smtClean="0">
+                <a:solidFill>
+                  <a:schemeClr val="bg1">
+                    <a:lumMod val="65000"/>
+                  </a:schemeClr>
+                </a:solidFill>
+              </a:rPr>
+              <a:t>Strategy</a:t>
+            </a:r>
+          </a:p>
+          <a:p>
+            <a:pPr>
+              <a:buFont typeface="Wingdings" pitchFamily="2" charset="2"/>
+              <a:buChar char="v"/>
+            </a:pPr>
+            <a:r>
+              <a:rPr lang="en-US" dirty="0" smtClean="0">
+                <a:solidFill>
+                  <a:schemeClr val="bg1">
+                    <a:lumMod val="65000"/>
+                  </a:schemeClr>
+                </a:solidFill>
+              </a:rPr>
+              <a:t>QA Management</a:t>
+            </a:r>
+          </a:p>
+          <a:p>
+            <a:pPr>
+              <a:buFont typeface="Wingdings" pitchFamily="2" charset="2"/>
+              <a:buChar char="v"/>
+            </a:pPr>
+            <a:r>
+              <a:rPr lang="en-US" dirty="0" smtClean="0">
+                <a:solidFill>
+                  <a:schemeClr val="bg1">
+                    <a:lumMod val="65000"/>
+                  </a:schemeClr>
+                </a:solidFill>
+              </a:rPr>
+              <a:t>Demo of VMS v1.0</a:t>
+            </a:r>
+          </a:p>
+          <a:p>
+            <a:pPr>
+              <a:buFont typeface="Wingdings" pitchFamily="2" charset="2"/>
+              <a:buChar char="v"/>
+            </a:pPr>
+            <a:r>
+              <a:rPr lang="en-US" dirty="0" smtClean="0">
+                <a:solidFill>
+                  <a:schemeClr val="bg1">
+                    <a:lumMod val="65000"/>
+                  </a:schemeClr>
+                </a:solidFill>
+              </a:rPr>
+              <a:t>End Project Report</a:t>
+            </a:r>
+          </a:p>
+          <a:p>
+            <a:pPr>
+              <a:buFont typeface="Wingdings" pitchFamily="2" charset="2"/>
+              <a:buChar char="v"/>
+            </a:pPr>
+            <a:r>
+              <a:rPr lang="en-US" dirty="0" smtClean="0">
+                <a:solidFill>
+                  <a:schemeClr val="bg1">
+                    <a:lumMod val="65000"/>
+                  </a:schemeClr>
+                </a:solidFill>
+              </a:rPr>
+              <a:t>Evaluation &amp; Conclusion</a:t>
+            </a:r>
+          </a:p>
+          <a:p>
+            <a:pPr>
+              <a:buFont typeface="Wingdings" pitchFamily="2" charset="2"/>
+              <a:buChar char="v"/>
+            </a:pPr>
+            <a:r>
+              <a:rPr lang="en-US" dirty="0" smtClean="0">
+                <a:solidFill>
+                  <a:schemeClr val="bg1">
+                    <a:lumMod val="65000"/>
+                  </a:schemeClr>
+                </a:solidFill>
+              </a:rPr>
+              <a:t>Q &amp; A</a:t>
+            </a:r>
+          </a:p>
+        </p:txBody>
+      </p:sp>
     </p:spTree>
     <p:extLst>
       <p:ext uri="{BB962C8B-B14F-4D97-AF65-F5344CB8AC3E}">
@@ -17697,19 +19788,7 @@
           <a:p>
             <a:r>
               <a:rPr lang="en-US" dirty="0" smtClean="0"/>
-              <a:t>High </a:t>
-            </a:r>
-            <a:r>
-              <a:rPr lang="en-US" dirty="0" smtClean="0"/>
-              <a:t>Level </a:t>
-            </a:r>
-            <a:r>
-              <a:rPr lang="en-US" dirty="0" smtClean="0"/>
-              <a:t>Architecture - 1 </a:t>
-            </a:r>
-            <a:r>
-              <a:rPr lang="en-US" dirty="0" smtClean="0"/>
-              <a:t/>
+              <a:t>High Level Architecture - 1 </a:t>
             </a:r>
             <a:br>
               <a:rPr lang="en-US" dirty="0" smtClean="0"/>
@@ -18045,10 +20124,6 @@
               <a:rPr lang="en-US" dirty="0" smtClean="0"/>
               <a:t>Architecture - 2</a:t>
             </a:r>
-            <a:r>
-              <a:rPr lang="en-US" dirty="0" smtClean="0"/>
-              <a:t/>
-            </a:r>
             <a:br>
               <a:rPr lang="en-US" dirty="0" smtClean="0"/>
             </a:br>
@@ -18099,145 +20174,6 @@
       </p:grpSpPr>
       <p:sp>
         <p:nvSpPr>
-          <p:cNvPr id="16388" name="Rectangle 4"/>
-          <p:cNvSpPr>
-            <a:spLocks noGrp="1" noChangeArrowheads="1"/>
-          </p:cNvSpPr>
-          <p:nvPr>
-            <p:ph type="title"/>
-          </p:nvPr>
-        </p:nvSpPr>
-        <p:spPr/>
-        <p:txBody>
-          <a:bodyPr/>
-          <a:lstStyle/>
-          <a:p>
-            <a:r>
-              <a:rPr lang="en-US" dirty="0"/>
-              <a:t>High Level </a:t>
-            </a:r>
-            <a:r>
-              <a:rPr lang="en-US" dirty="0" smtClean="0"/>
-              <a:t>Architecture - 3</a:t>
-            </a:r>
-            <a:r>
-              <a:rPr lang="en-US" dirty="0" smtClean="0"/>
-              <a:t/>
-            </a:r>
-            <a:br>
-              <a:rPr lang="en-US" dirty="0" smtClean="0"/>
-            </a:br>
-            <a:r>
-              <a:rPr lang="en-US" sz="2400" dirty="0" smtClean="0"/>
-              <a:t>Logical Application Sample</a:t>
-            </a:r>
-            <a:endParaRPr lang="en-US" sz="2400" dirty="0"/>
-          </a:p>
-        </p:txBody>
-      </p:sp>
-      <p:pic>
-        <p:nvPicPr>
-          <p:cNvPr id="2050" name="Picture 2"/>
-          <p:cNvPicPr>
-            <a:picLocks noChangeAspect="1" noChangeArrowheads="1"/>
-          </p:cNvPicPr>
-          <p:nvPr/>
-        </p:nvPicPr>
-        <p:blipFill>
-          <a:blip r:embed="rId2" cstate="print">
-            <a:extLst>
-              <a:ext uri="{28A0092B-C50C-407E-A947-70E740481C1C}">
-                <a14:useLocalDpi xmlns:a14="http://schemas.microsoft.com/office/drawing/2010/main" val="0"/>
-              </a:ext>
-            </a:extLst>
-          </a:blip>
-          <a:srcRect/>
-          <a:stretch>
-            <a:fillRect/>
-          </a:stretch>
-        </p:blipFill>
-        <p:spPr bwMode="auto">
-          <a:xfrm>
-            <a:off x="1143000" y="1756089"/>
-            <a:ext cx="7010400" cy="4911603"/>
-          </a:xfrm>
-          <a:prstGeom prst="rect">
-            <a:avLst/>
-          </a:prstGeom>
-          <a:noFill/>
-          <a:ln>
-            <a:noFill/>
-          </a:ln>
-          <a:effectLst/>
-          <a:extLst>
-            <a:ext uri="{909E8E84-426E-40DD-AFC4-6F175D3DCCD1}">
-              <a14:hiddenFill xmlns:a14="http://schemas.microsoft.com/office/drawing/2010/main">
-                <a:solidFill>
-                  <a:schemeClr val="accent1"/>
-                </a:solidFill>
-              </a14:hiddenFill>
-            </a:ext>
-            <a:ext uri="{91240B29-F687-4F45-9708-019B960494DF}">
-              <a14:hiddenLine xmlns:a14="http://schemas.microsoft.com/office/drawing/2010/main" w="9525">
-                <a:solidFill>
-                  <a:schemeClr val="tx1"/>
-                </a:solidFill>
-                <a:miter lim="800000"/>
-                <a:headEnd/>
-                <a:tailEnd/>
-              </a14:hiddenLine>
-            </a:ext>
-            <a:ext uri="{AF507438-7753-43E0-B8FC-AC1667EBCBE1}">
-              <a14:hiddenEffects xmlns:a14="http://schemas.microsoft.com/office/drawing/2010/main">
-                <a:effectLst>
-                  <a:outerShdw dist="35921" dir="2700000" algn="ctr" rotWithShape="0">
-                    <a:schemeClr val="bg2"/>
-                  </a:outerShdw>
-                </a:effectLst>
-              </a14:hiddenEffects>
-            </a:ext>
-          </a:extLst>
-        </p:spPr>
-      </p:pic>
-    </p:spTree>
-    <p:extLst>
-      <p:ext uri="{BB962C8B-B14F-4D97-AF65-F5344CB8AC3E}">
-        <p14:creationId xmlns:p14="http://schemas.microsoft.com/office/powerpoint/2010/main" val="1486874553"/>
-      </p:ext>
-    </p:extLst>
-  </p:cSld>
-  <p:clrMapOvr>
-    <a:masterClrMapping/>
-  </p:clrMapOvr>
-  <p:timing>
-    <p:tnLst>
-      <p:par>
-        <p:cTn id="1" dur="indefinite" restart="never" nodeType="tmRoot"/>
-      </p:par>
-    </p:tnLst>
-  </p:timing>
-</p:sld>
-</file>
-
-<file path=ppt/slides/slide8.xml><?xml version="1.0" encoding="utf-8"?>
-<p:sld xmlns:a="http://schemas.openxmlformats.org/drawingml/2006/main" xmlns:r="http://schemas.openxmlformats.org/officeDocument/2006/relationships" xmlns:p="http://schemas.openxmlformats.org/presentationml/2006/main">
-  <p:cSld>
-    <p:spTree>
-      <p:nvGrpSpPr>
-        <p:cNvPr id="1" name=""/>
-        <p:cNvGrpSpPr/>
-        <p:nvPr/>
-      </p:nvGrpSpPr>
-      <p:grpSpPr>
-        <a:xfrm>
-          <a:off x="0" y="0"/>
-          <a:ext cx="0" cy="0"/>
-          <a:chOff x="0" y="0"/>
-          <a:chExt cx="0" cy="0"/>
-        </a:xfrm>
-      </p:grpSpPr>
-      <p:sp>
-        <p:nvSpPr>
           <p:cNvPr id="22532" name="Rectangle 4"/>
           <p:cNvSpPr>
             <a:spLocks noGrp="1" noChangeArrowheads="1"/>
@@ -18256,153 +20192,6 @@
               <a:t>Agenda</a:t>
             </a:r>
             <a:endParaRPr lang="en-US" dirty="0"/>
-          </a:p>
-        </p:txBody>
-      </p:sp>
-      <p:sp>
-        <p:nvSpPr>
-          <p:cNvPr id="22533" name="Rectangle 5"/>
-          <p:cNvSpPr>
-            <a:spLocks noGrp="1" noChangeArrowheads="1"/>
-          </p:cNvSpPr>
-          <p:nvPr>
-            <p:ph type="body" idx="1"/>
-          </p:nvPr>
-        </p:nvSpPr>
-        <p:spPr>
-          <a:xfrm>
-            <a:off x="1143000" y="1524000"/>
-            <a:ext cx="7391400" cy="4648200"/>
-          </a:xfrm>
-        </p:spPr>
-        <p:txBody>
-          <a:bodyPr/>
-          <a:lstStyle/>
-          <a:p>
-            <a:pPr>
-              <a:buFont typeface="Wingdings" pitchFamily="2" charset="2"/>
-              <a:buChar char="v"/>
-            </a:pPr>
-            <a:r>
-              <a:rPr lang="en-US" dirty="0">
-                <a:solidFill>
-                  <a:schemeClr val="bg1">
-                    <a:lumMod val="65000"/>
-                  </a:schemeClr>
-                </a:solidFill>
-              </a:rPr>
-              <a:t>Project Revisit</a:t>
-            </a:r>
-          </a:p>
-          <a:p>
-            <a:pPr>
-              <a:buFont typeface="Wingdings" pitchFamily="2" charset="2"/>
-              <a:buChar char="v"/>
-            </a:pPr>
-            <a:r>
-              <a:rPr lang="en-US" dirty="0">
-                <a:solidFill>
-                  <a:schemeClr val="bg1">
-                    <a:lumMod val="65000"/>
-                  </a:schemeClr>
-                </a:solidFill>
-              </a:rPr>
-              <a:t>High Level Architecture</a:t>
-            </a:r>
-          </a:p>
-          <a:p>
-            <a:pPr>
-              <a:buFont typeface="Wingdings" pitchFamily="2" charset="2"/>
-              <a:buChar char="v"/>
-            </a:pPr>
-            <a:r>
-              <a:rPr lang="en-US" b="1" dirty="0">
-                <a:solidFill>
-                  <a:schemeClr val="tx2"/>
-                </a:solidFill>
-              </a:rPr>
-              <a:t>System Detailed Design</a:t>
-            </a:r>
-          </a:p>
-          <a:p>
-            <a:pPr>
-              <a:buFont typeface="Wingdings" pitchFamily="2" charset="2"/>
-              <a:buChar char="v"/>
-            </a:pPr>
-            <a:r>
-              <a:rPr lang="en-US" dirty="0">
-                <a:solidFill>
-                  <a:schemeClr val="bg1">
-                    <a:lumMod val="65000"/>
-                  </a:schemeClr>
-                </a:solidFill>
-              </a:rPr>
-              <a:t>Development Process</a:t>
-            </a:r>
-          </a:p>
-          <a:p>
-            <a:pPr>
-              <a:buFont typeface="Wingdings" pitchFamily="2" charset="2"/>
-              <a:buChar char="v"/>
-            </a:pPr>
-            <a:r>
-              <a:rPr lang="en-US" dirty="0">
-                <a:solidFill>
-                  <a:schemeClr val="bg1">
-                    <a:lumMod val="65000"/>
-                  </a:schemeClr>
-                </a:solidFill>
-              </a:rPr>
-              <a:t>Quality Management Process</a:t>
-            </a:r>
-          </a:p>
-          <a:p>
-            <a:pPr>
-              <a:buFont typeface="Wingdings" pitchFamily="2" charset="2"/>
-              <a:buChar char="v"/>
-            </a:pPr>
-            <a:r>
-              <a:rPr lang="en-US" dirty="0">
-                <a:solidFill>
-                  <a:schemeClr val="bg1">
-                    <a:lumMod val="65000"/>
-                  </a:schemeClr>
-                </a:solidFill>
-              </a:rPr>
-              <a:t>Demo – VMS v1.0</a:t>
-            </a:r>
-          </a:p>
-          <a:p>
-            <a:pPr>
-              <a:buFont typeface="Wingdings" pitchFamily="2" charset="2"/>
-              <a:buChar char="v"/>
-            </a:pPr>
-            <a:r>
-              <a:rPr lang="en-US" dirty="0">
-                <a:solidFill>
-                  <a:schemeClr val="bg1">
-                    <a:lumMod val="65000"/>
-                  </a:schemeClr>
-                </a:solidFill>
-              </a:rPr>
-              <a:t>End Project Report</a:t>
-            </a:r>
-          </a:p>
-          <a:p>
-            <a:pPr>
-              <a:buFont typeface="Wingdings" pitchFamily="2" charset="2"/>
-              <a:buChar char="v"/>
-            </a:pPr>
-            <a:r>
-              <a:rPr lang="en-US" dirty="0">
-                <a:solidFill>
-                  <a:schemeClr val="bg1">
-                    <a:lumMod val="65000"/>
-                  </a:schemeClr>
-                </a:solidFill>
-              </a:rPr>
-              <a:t>Q &amp; A</a:t>
-            </a:r>
           </a:p>
         </p:txBody>
       </p:sp>
@@ -18447,10 +20236,670 @@
           </a:extLst>
         </p:spPr>
       </p:pic>
+      <p:sp>
+        <p:nvSpPr>
+          <p:cNvPr id="6" name="Rectangle 5"/>
+          <p:cNvSpPr txBox="1">
+            <a:spLocks noChangeArrowheads="1"/>
+          </p:cNvSpPr>
+          <p:nvPr/>
+        </p:nvSpPr>
+        <p:spPr bwMode="auto">
+          <a:xfrm>
+            <a:off x="1143000" y="1524000"/>
+            <a:ext cx="7391400" cy="4648200"/>
+          </a:xfrm>
+          <a:prstGeom prst="rect">
+            <a:avLst/>
+          </a:prstGeom>
+          <a:noFill/>
+          <a:ln w="9525">
+            <a:noFill/>
+            <a:miter lim="800000"/>
+            <a:headEnd/>
+            <a:tailEnd/>
+          </a:ln>
+          <a:effectLst/>
+        </p:spPr>
+        <p:txBody>
+          <a:bodyPr vert="horz" wrap="square" lIns="91440" tIns="45720" rIns="91440" bIns="45720" numCol="1" anchor="t" anchorCtr="0" compatLnSpc="1">
+            <a:prstTxWarp prst="textNoShape">
+              <a:avLst/>
+            </a:prstTxWarp>
+          </a:bodyPr>
+          <a:lstStyle>
+            <a:lvl1pPr marL="342900" indent="-342900" algn="l" rtl="0" eaLnBrk="1" fontAlgn="base" hangingPunct="1">
+              <a:spcBef>
+                <a:spcPct val="25000"/>
+              </a:spcBef>
+              <a:spcAft>
+                <a:spcPct val="0"/>
+              </a:spcAft>
+              <a:buClr>
+                <a:schemeClr val="tx2"/>
+              </a:buClr>
+              <a:buSzPct val="60000"/>
+              <a:buFont typeface="Wingdings" pitchFamily="2" charset="2"/>
+              <a:defRPr sz="2700">
+                <a:solidFill>
+                  <a:schemeClr val="tx1"/>
+                </a:solidFill>
+                <a:latin typeface="+mn-lt"/>
+                <a:ea typeface="+mn-ea"/>
+                <a:cs typeface="+mn-cs"/>
+              </a:defRPr>
+            </a:lvl1pPr>
+            <a:lvl2pPr marL="692150" indent="-347663" algn="l" rtl="0" eaLnBrk="1" fontAlgn="base" hangingPunct="1">
+              <a:spcBef>
+                <a:spcPct val="0"/>
+              </a:spcBef>
+              <a:spcAft>
+                <a:spcPct val="25000"/>
+              </a:spcAft>
+              <a:buClr>
+                <a:schemeClr val="accent2"/>
+              </a:buClr>
+              <a:buSzPct val="55000"/>
+              <a:buFont typeface="Wingdings" pitchFamily="2" charset="2"/>
+              <a:buChar char="l"/>
+              <a:defRPr sz="2400">
+                <a:solidFill>
+                  <a:schemeClr val="tx1"/>
+                </a:solidFill>
+                <a:latin typeface="+mn-lt"/>
+              </a:defRPr>
+            </a:lvl2pPr>
+            <a:lvl3pPr marL="987425" indent="-293688" algn="l" rtl="0" eaLnBrk="1" fontAlgn="base" hangingPunct="1">
+              <a:spcBef>
+                <a:spcPct val="0"/>
+              </a:spcBef>
+              <a:spcAft>
+                <a:spcPct val="25000"/>
+              </a:spcAft>
+              <a:buClr>
+                <a:schemeClr val="accent1"/>
+              </a:buClr>
+              <a:buSzPct val="50000"/>
+              <a:buFont typeface="Wingdings" pitchFamily="2" charset="2"/>
+              <a:buChar char="l"/>
+              <a:defRPr sz="2200">
+                <a:solidFill>
+                  <a:schemeClr val="tx1"/>
+                </a:solidFill>
+                <a:latin typeface="+mn-lt"/>
+              </a:defRPr>
+            </a:lvl3pPr>
+            <a:lvl4pPr marL="1281113" indent="-292100" algn="l" rtl="0" eaLnBrk="1" fontAlgn="base" hangingPunct="1">
+              <a:spcBef>
+                <a:spcPct val="20000"/>
+              </a:spcBef>
+              <a:spcAft>
+                <a:spcPct val="0"/>
+              </a:spcAft>
+              <a:buClr>
+                <a:schemeClr val="tx2"/>
+              </a:buClr>
+              <a:buSzPct val="75000"/>
+              <a:buFont typeface="Wingdings" pitchFamily="2" charset="2"/>
+              <a:buChar char="§"/>
+              <a:defRPr sz="2000">
+                <a:solidFill>
+                  <a:schemeClr val="tx1"/>
+                </a:solidFill>
+                <a:latin typeface="+mn-lt"/>
+              </a:defRPr>
+            </a:lvl4pPr>
+            <a:lvl5pPr marL="1598613" indent="-315913" algn="l" rtl="0" eaLnBrk="1" fontAlgn="base" hangingPunct="1">
+              <a:spcBef>
+                <a:spcPct val="20000"/>
+              </a:spcBef>
+              <a:spcAft>
+                <a:spcPct val="0"/>
+              </a:spcAft>
+              <a:buClr>
+                <a:schemeClr val="folHlink"/>
+              </a:buClr>
+              <a:buSzPct val="80000"/>
+              <a:buFont typeface="Wingdings" pitchFamily="2" charset="2"/>
+              <a:buChar char="§"/>
+              <a:defRPr sz="2000">
+                <a:solidFill>
+                  <a:schemeClr val="tx1"/>
+                </a:solidFill>
+                <a:latin typeface="+mn-lt"/>
+              </a:defRPr>
+            </a:lvl5pPr>
+            <a:lvl6pPr marL="2055813" indent="-315913" algn="l" rtl="0" eaLnBrk="1" fontAlgn="base" hangingPunct="1">
+              <a:spcBef>
+                <a:spcPct val="20000"/>
+              </a:spcBef>
+              <a:spcAft>
+                <a:spcPct val="0"/>
+              </a:spcAft>
+              <a:buClr>
+                <a:schemeClr val="folHlink"/>
+              </a:buClr>
+              <a:buSzPct val="80000"/>
+              <a:buFont typeface="Wingdings" pitchFamily="2" charset="2"/>
+              <a:buChar char="§"/>
+              <a:defRPr sz="2000">
+                <a:solidFill>
+                  <a:schemeClr val="tx1"/>
+                </a:solidFill>
+                <a:latin typeface="+mn-lt"/>
+              </a:defRPr>
+            </a:lvl6pPr>
+            <a:lvl7pPr marL="2513013" indent="-315913" algn="l" rtl="0" eaLnBrk="1" fontAlgn="base" hangingPunct="1">
+              <a:spcBef>
+                <a:spcPct val="20000"/>
+              </a:spcBef>
+              <a:spcAft>
+                <a:spcPct val="0"/>
+              </a:spcAft>
+              <a:buClr>
+                <a:schemeClr val="folHlink"/>
+              </a:buClr>
+              <a:buSzPct val="80000"/>
+              <a:buFont typeface="Wingdings" pitchFamily="2" charset="2"/>
+              <a:buChar char="§"/>
+              <a:defRPr sz="2000">
+                <a:solidFill>
+                  <a:schemeClr val="tx1"/>
+                </a:solidFill>
+                <a:latin typeface="+mn-lt"/>
+              </a:defRPr>
+            </a:lvl7pPr>
+            <a:lvl8pPr marL="2970213" indent="-315913" algn="l" rtl="0" eaLnBrk="1" fontAlgn="base" hangingPunct="1">
+              <a:spcBef>
+                <a:spcPct val="20000"/>
+              </a:spcBef>
+              <a:spcAft>
+                <a:spcPct val="0"/>
+              </a:spcAft>
+              <a:buClr>
+                <a:schemeClr val="folHlink"/>
+              </a:buClr>
+              <a:buSzPct val="80000"/>
+              <a:buFont typeface="Wingdings" pitchFamily="2" charset="2"/>
+              <a:buChar char="§"/>
+              <a:defRPr sz="2000">
+                <a:solidFill>
+                  <a:schemeClr val="tx1"/>
+                </a:solidFill>
+                <a:latin typeface="+mn-lt"/>
+              </a:defRPr>
+            </a:lvl8pPr>
+            <a:lvl9pPr marL="3427413" indent="-315913" algn="l" rtl="0" eaLnBrk="1" fontAlgn="base" hangingPunct="1">
+              <a:spcBef>
+                <a:spcPct val="20000"/>
+              </a:spcBef>
+              <a:spcAft>
+                <a:spcPct val="0"/>
+              </a:spcAft>
+              <a:buClr>
+                <a:schemeClr val="folHlink"/>
+              </a:buClr>
+              <a:buSzPct val="80000"/>
+              <a:buFont typeface="Wingdings" pitchFamily="2" charset="2"/>
+              <a:buChar char="§"/>
+              <a:defRPr sz="2000">
+                <a:solidFill>
+                  <a:schemeClr val="tx1"/>
+                </a:solidFill>
+                <a:latin typeface="+mn-lt"/>
+              </a:defRPr>
+            </a:lvl9pPr>
+          </a:lstStyle>
+          <a:p>
+            <a:pPr>
+              <a:buFont typeface="Wingdings" pitchFamily="2" charset="2"/>
+              <a:buChar char="v"/>
+            </a:pPr>
+            <a:r>
+              <a:rPr lang="en-US" dirty="0">
+                <a:solidFill>
+                  <a:schemeClr val="bg1">
+                    <a:lumMod val="65000"/>
+                  </a:schemeClr>
+                </a:solidFill>
+              </a:rPr>
+              <a:t>Project Background</a:t>
+            </a:r>
+          </a:p>
+          <a:p>
+            <a:pPr>
+              <a:buFont typeface="Wingdings" pitchFamily="2" charset="2"/>
+              <a:buChar char="v"/>
+            </a:pPr>
+            <a:r>
+              <a:rPr lang="en-US" dirty="0">
+                <a:solidFill>
+                  <a:schemeClr val="bg1">
+                    <a:lumMod val="65000"/>
+                  </a:schemeClr>
+                </a:solidFill>
+              </a:rPr>
+              <a:t>High Level Architecture</a:t>
+            </a:r>
+          </a:p>
+          <a:p>
+            <a:pPr>
+              <a:buFont typeface="Wingdings" pitchFamily="2" charset="2"/>
+              <a:buChar char="v"/>
+            </a:pPr>
+            <a:r>
+              <a:rPr lang="en-US" b="1" dirty="0">
+                <a:solidFill>
+                  <a:schemeClr val="tx2"/>
+                </a:solidFill>
+              </a:rPr>
+              <a:t>System Detailed Design</a:t>
+            </a:r>
+          </a:p>
+          <a:p>
+            <a:pPr>
+              <a:buFont typeface="Wingdings" pitchFamily="2" charset="2"/>
+              <a:buChar char="v"/>
+            </a:pPr>
+            <a:r>
+              <a:rPr lang="en-US" dirty="0">
+                <a:solidFill>
+                  <a:schemeClr val="bg1">
+                    <a:lumMod val="65000"/>
+                  </a:schemeClr>
+                </a:solidFill>
+              </a:rPr>
+              <a:t>Implementation Strategy</a:t>
+            </a:r>
+          </a:p>
+          <a:p>
+            <a:pPr>
+              <a:buFont typeface="Wingdings" pitchFamily="2" charset="2"/>
+              <a:buChar char="v"/>
+            </a:pPr>
+            <a:r>
+              <a:rPr lang="en-US" dirty="0">
+                <a:solidFill>
+                  <a:schemeClr val="bg1">
+                    <a:lumMod val="65000"/>
+                  </a:schemeClr>
+                </a:solidFill>
+              </a:rPr>
+              <a:t>Challenges &amp; Solution</a:t>
+            </a:r>
+          </a:p>
+          <a:p>
+            <a:pPr>
+              <a:buFont typeface="Wingdings" pitchFamily="2" charset="2"/>
+              <a:buChar char="v"/>
+            </a:pPr>
+            <a:r>
+              <a:rPr lang="en-US" dirty="0">
+                <a:solidFill>
+                  <a:schemeClr val="bg1">
+                    <a:lumMod val="65000"/>
+                  </a:schemeClr>
+                </a:solidFill>
+              </a:rPr>
+              <a:t>Demo of VMS v1.0</a:t>
+            </a:r>
+          </a:p>
+          <a:p>
+            <a:pPr>
+              <a:buFont typeface="Wingdings" pitchFamily="2" charset="2"/>
+              <a:buChar char="v"/>
+            </a:pPr>
+            <a:r>
+              <a:rPr lang="en-US" dirty="0">
+                <a:solidFill>
+                  <a:schemeClr val="bg1">
+                    <a:lumMod val="65000"/>
+                  </a:schemeClr>
+                </a:solidFill>
+              </a:rPr>
+              <a:t>End Project Report</a:t>
+            </a:r>
+          </a:p>
+          <a:p>
+            <a:pPr>
+              <a:buFont typeface="Wingdings" pitchFamily="2" charset="2"/>
+              <a:buChar char="v"/>
+            </a:pPr>
+            <a:r>
+              <a:rPr lang="en-US" dirty="0">
+                <a:solidFill>
+                  <a:schemeClr val="bg1">
+                    <a:lumMod val="65000"/>
+                  </a:schemeClr>
+                </a:solidFill>
+              </a:rPr>
+              <a:t>Evaluation &amp; Conclusion</a:t>
+            </a:r>
+          </a:p>
+          <a:p>
+            <a:pPr>
+              <a:buFont typeface="Wingdings" pitchFamily="2" charset="2"/>
+              <a:buChar char="v"/>
+            </a:pPr>
+            <a:r>
+              <a:rPr lang="en-US" dirty="0">
+                <a:solidFill>
+                  <a:schemeClr val="bg1">
+                    <a:lumMod val="65000"/>
+                  </a:schemeClr>
+                </a:solidFill>
+              </a:rPr>
+              <a:t>Q &amp; A</a:t>
+            </a:r>
+          </a:p>
+        </p:txBody>
+      </p:sp>
     </p:spTree>
     <p:extLst>
       <p:ext uri="{BB962C8B-B14F-4D97-AF65-F5344CB8AC3E}">
         <p14:creationId xmlns:p14="http://schemas.microsoft.com/office/powerpoint/2010/main" val="1046194575"/>
+      </p:ext>
+    </p:extLst>
+  </p:cSld>
+  <p:clrMapOvr>
+    <a:masterClrMapping/>
+  </p:clrMapOvr>
+  <p:timing>
+    <p:tnLst>
+      <p:par>
+        <p:cTn id="1" dur="indefinite" restart="never" nodeType="tmRoot"/>
+      </p:par>
+    </p:tnLst>
+  </p:timing>
+</p:sld>
+</file>
+
+<file path=ppt/slides/slide8.xml><?xml version="1.0" encoding="utf-8"?>
+<p:sld xmlns:a="http://schemas.openxmlformats.org/drawingml/2006/main" xmlns:r="http://schemas.openxmlformats.org/officeDocument/2006/relationships" xmlns:p="http://schemas.openxmlformats.org/presentationml/2006/main">
+  <p:cSld>
+    <p:spTree>
+      <p:nvGrpSpPr>
+        <p:cNvPr id="1" name=""/>
+        <p:cNvGrpSpPr/>
+        <p:nvPr/>
+      </p:nvGrpSpPr>
+      <p:grpSpPr>
+        <a:xfrm>
+          <a:off x="0" y="0"/>
+          <a:ext cx="0" cy="0"/>
+          <a:chOff x="0" y="0"/>
+          <a:chExt cx="0" cy="0"/>
+        </a:xfrm>
+      </p:grpSpPr>
+      <p:sp>
+        <p:nvSpPr>
+          <p:cNvPr id="2" name="Title 1"/>
+          <p:cNvSpPr>
+            <a:spLocks noGrp="1"/>
+          </p:cNvSpPr>
+          <p:nvPr>
+            <p:ph type="title"/>
+          </p:nvPr>
+        </p:nvSpPr>
+        <p:spPr/>
+        <p:txBody>
+          <a:bodyPr/>
+          <a:lstStyle/>
+          <a:p>
+            <a:r>
+              <a:rPr lang="en-US" dirty="0" smtClean="0"/>
+              <a:t>System Detailed Design - 1</a:t>
+            </a:r>
+            <a:endParaRPr lang="en-US" dirty="0"/>
+          </a:p>
+        </p:txBody>
+      </p:sp>
+      <p:sp>
+        <p:nvSpPr>
+          <p:cNvPr id="7" name="Rectangle 5"/>
+          <p:cNvSpPr>
+            <a:spLocks noGrp="1" noChangeArrowheads="1"/>
+          </p:cNvSpPr>
+          <p:nvPr>
+            <p:ph idx="1"/>
+          </p:nvPr>
+        </p:nvSpPr>
+        <p:spPr>
+          <a:xfrm>
+            <a:off x="381000" y="1524000"/>
+            <a:ext cx="8305800" cy="5029200"/>
+          </a:xfrm>
+        </p:spPr>
+        <p:txBody>
+          <a:bodyPr/>
+          <a:lstStyle/>
+          <a:p>
+            <a:pPr>
+              <a:buFont typeface="Wingdings" pitchFamily="2" charset="2"/>
+              <a:buChar char="v"/>
+            </a:pPr>
+            <a:r>
+              <a:rPr lang="en-US" sz="2800" b="1" dirty="0" smtClean="0"/>
+              <a:t>Design Consideration:</a:t>
+            </a:r>
+          </a:p>
+          <a:p>
+            <a:pPr lvl="1">
+              <a:buFont typeface="Wingdings" pitchFamily="2" charset="2"/>
+              <a:buChar char="v"/>
+            </a:pPr>
+            <a:r>
+              <a:rPr lang="en-US" sz="2100" b="1" dirty="0" smtClean="0"/>
+              <a:t>Application layer: </a:t>
+            </a:r>
+          </a:p>
+          <a:p>
+            <a:pPr lvl="2">
+              <a:buFont typeface="Wingdings" pitchFamily="2" charset="2"/>
+              <a:buChar char="v"/>
+            </a:pPr>
+            <a:r>
+              <a:rPr lang="en-US" sz="1900" dirty="0"/>
+              <a:t>Apache Tomcat 6, Spring 2.5 </a:t>
+            </a:r>
+            <a:r>
+              <a:rPr lang="en-US" sz="1900" dirty="0" smtClean="0"/>
+              <a:t>Framework </a:t>
+            </a:r>
+          </a:p>
+          <a:p>
+            <a:pPr lvl="1">
+              <a:buFont typeface="Wingdings" pitchFamily="2" charset="2"/>
+              <a:buChar char="v"/>
+            </a:pPr>
+            <a:r>
+              <a:rPr lang="en-US" sz="2100" b="1" dirty="0" smtClean="0"/>
+              <a:t>Data access layer: </a:t>
+            </a:r>
+          </a:p>
+          <a:p>
+            <a:pPr lvl="2">
+              <a:buFont typeface="Wingdings" pitchFamily="2" charset="2"/>
+              <a:buChar char="v"/>
+            </a:pPr>
+            <a:r>
+              <a:rPr lang="en-US" sz="1900" dirty="0" smtClean="0"/>
+              <a:t>MySQL 5.0 </a:t>
+            </a:r>
+            <a:r>
+              <a:rPr lang="en-US" sz="1900" b="1" dirty="0" smtClean="0"/>
+              <a:t>- </a:t>
+            </a:r>
+            <a:r>
+              <a:rPr lang="en-US" sz="1900" dirty="0" smtClean="0"/>
+              <a:t>Hibernate 3.0 Framework</a:t>
+            </a:r>
+          </a:p>
+          <a:p>
+            <a:pPr lvl="2">
+              <a:buFont typeface="Wingdings" pitchFamily="2" charset="2"/>
+              <a:buChar char="v"/>
+            </a:pPr>
+            <a:r>
+              <a:rPr lang="en-US" sz="1900" dirty="0" smtClean="0"/>
+              <a:t>Domain entity mapping: Fluent Hibernate syntax</a:t>
+            </a:r>
+          </a:p>
+          <a:p>
+            <a:pPr lvl="1">
+              <a:buFont typeface="Wingdings" pitchFamily="2" charset="2"/>
+              <a:buChar char="v"/>
+            </a:pPr>
+            <a:r>
+              <a:rPr lang="en-US" sz="2100" b="1" dirty="0" smtClean="0"/>
+              <a:t>UI layer: </a:t>
+            </a:r>
+          </a:p>
+          <a:p>
+            <a:pPr lvl="2">
+              <a:buFont typeface="Wingdings" pitchFamily="2" charset="2"/>
+              <a:buChar char="v"/>
+            </a:pPr>
+            <a:r>
+              <a:rPr lang="en-US" sz="1900" dirty="0" err="1" smtClean="0"/>
+              <a:t>Sitemesh</a:t>
+            </a:r>
+            <a:r>
+              <a:rPr lang="en-US" sz="1900" dirty="0" smtClean="0"/>
+              <a:t>, JTSL</a:t>
+            </a:r>
+          </a:p>
+          <a:p>
+            <a:pPr lvl="2">
+              <a:buFont typeface="Wingdings" pitchFamily="2" charset="2"/>
+              <a:buChar char="v"/>
+            </a:pPr>
+            <a:r>
+              <a:rPr lang="en-US" sz="1900" dirty="0" err="1"/>
+              <a:t>jQuery</a:t>
+            </a:r>
+            <a:r>
+              <a:rPr lang="en-US" sz="1900" dirty="0"/>
+              <a:t>, </a:t>
+            </a:r>
+            <a:r>
+              <a:rPr lang="en-US" sz="1900" dirty="0" err="1"/>
+              <a:t>jQuery</a:t>
+            </a:r>
+            <a:r>
+              <a:rPr lang="en-US" sz="1900" dirty="0"/>
+              <a:t> </a:t>
+            </a:r>
+            <a:r>
+              <a:rPr lang="en-US" sz="1900" dirty="0" smtClean="0"/>
+              <a:t>plugins</a:t>
+            </a:r>
+            <a:r>
+              <a:rPr lang="en-US" sz="2100" dirty="0" smtClean="0"/>
+              <a:t>, JavaScript lib</a:t>
+            </a:r>
+          </a:p>
+          <a:p>
+            <a:pPr lvl="1">
+              <a:buFont typeface="Wingdings" pitchFamily="2" charset="2"/>
+              <a:buChar char="v"/>
+            </a:pPr>
+            <a:r>
+              <a:rPr lang="en-US" sz="2100" b="1" dirty="0" smtClean="0"/>
+              <a:t>Utility components: </a:t>
+            </a:r>
+          </a:p>
+          <a:p>
+            <a:pPr lvl="2">
+              <a:buFont typeface="Wingdings" pitchFamily="2" charset="2"/>
+              <a:buChar char="v"/>
+            </a:pPr>
+            <a:r>
+              <a:rPr lang="en-US" sz="1900" dirty="0" smtClean="0"/>
+              <a:t>Log4j, </a:t>
+            </a:r>
+            <a:r>
+              <a:rPr lang="en-US" sz="1900" dirty="0" err="1" smtClean="0"/>
+              <a:t>JasperReport</a:t>
+            </a:r>
+            <a:endParaRPr lang="en-US" sz="1900" dirty="0" smtClean="0"/>
+          </a:p>
+          <a:p>
+            <a:pPr lvl="1">
+              <a:buFont typeface="Wingdings" pitchFamily="2" charset="2"/>
+              <a:buChar char="v"/>
+            </a:pPr>
+            <a:r>
+              <a:rPr lang="en-US" sz="2100" b="1" dirty="0" smtClean="0"/>
+              <a:t>Testing: </a:t>
+            </a:r>
+          </a:p>
+          <a:p>
+            <a:pPr lvl="2">
+              <a:buFont typeface="Wingdings" pitchFamily="2" charset="2"/>
+              <a:buChar char="v"/>
+            </a:pPr>
+            <a:r>
+              <a:rPr lang="en-US" sz="1900" dirty="0" err="1" smtClean="0"/>
+              <a:t>jUnit</a:t>
+            </a:r>
+            <a:r>
+              <a:rPr lang="en-US" sz="1900" dirty="0" smtClean="0"/>
+              <a:t>, </a:t>
+            </a:r>
+            <a:r>
+              <a:rPr lang="en-US" sz="1900" dirty="0" err="1" smtClean="0"/>
+              <a:t>Mockitory</a:t>
+            </a:r>
+            <a:endParaRPr lang="en-US" sz="1900" dirty="0"/>
+          </a:p>
+        </p:txBody>
+      </p:sp>
+      <p:pic>
+        <p:nvPicPr>
+          <p:cNvPr id="4" name="Picture 2" descr="C:\Users\Dio\AppData\Local\Microsoft\Windows\Temporary Internet Files\Content.IE5\4DO3IWVQ\MC900331673[1].wmf"/>
+          <p:cNvPicPr>
+            <a:picLocks noChangeAspect="1" noChangeArrowheads="1"/>
+          </p:cNvPicPr>
+          <p:nvPr/>
+        </p:nvPicPr>
+        <p:blipFill>
+          <a:blip r:embed="rId2" cstate="print">
+            <a:extLst>
+              <a:ext uri="{28A0092B-C50C-407E-A947-70E740481C1C}">
+                <a14:useLocalDpi xmlns:a14="http://schemas.microsoft.com/office/drawing/2010/main" val="0"/>
+              </a:ext>
+            </a:extLst>
+          </a:blip>
+          <a:srcRect/>
+          <a:stretch>
+            <a:fillRect/>
+          </a:stretch>
+        </p:blipFill>
+        <p:spPr bwMode="auto">
+          <a:xfrm>
+            <a:off x="6629400" y="4114800"/>
+            <a:ext cx="2072857" cy="2223178"/>
+          </a:xfrm>
+          <a:prstGeom prst="rect">
+            <a:avLst/>
+          </a:prstGeom>
+          <a:noFill/>
+          <a:extLst>
+            <a:ext uri="{909E8E84-426E-40DD-AFC4-6F175D3DCCD1}">
+              <a14:hiddenFill xmlns:a14="http://schemas.microsoft.com/office/drawing/2010/main">
+                <a:solidFill>
+                  <a:srgbClr val="FFFFFF"/>
+                </a:solidFill>
+              </a14:hiddenFill>
+            </a:ext>
+          </a:extLst>
+        </p:spPr>
+      </p:pic>
+    </p:spTree>
+    <p:extLst>
+      <p:ext uri="{BB962C8B-B14F-4D97-AF65-F5344CB8AC3E}">
+        <p14:creationId xmlns:p14="http://schemas.microsoft.com/office/powerpoint/2010/main" val="765919113"/>
       </p:ext>
     </p:extLst>
   </p:cSld>
@@ -18501,7 +20950,7 @@
           <a:p>
             <a:r>
               <a:rPr lang="en-US" dirty="0" smtClean="0"/>
-              <a:t>System Detailed Design - 1</a:t>
+              <a:t>System Detailed Design - 2</a:t>
             </a:r>
             <a:endParaRPr lang="en-US" dirty="0"/>
           </a:p>
@@ -18533,9 +20982,8 @@
             </a:pPr>
             <a:r>
               <a:rPr lang="en-US" sz="2800" b="1" dirty="0" smtClean="0"/>
-              <a:t>Design Consideration:</a:t>
-            </a:r>
-            <a:endParaRPr lang="en-US" sz="2800" b="1" dirty="0" smtClean="0"/>
+              <a:t>UCRR (Design) sample:</a:t>
+            </a:r>
           </a:p>
           <a:p>
             <a:pPr lvl="1">
@@ -18544,12 +20992,9 @@
             </a:pPr>
             <a:r>
               <a:rPr lang="en-US" sz="2100" b="1" dirty="0" smtClean="0"/>
-              <a:t>Application layer: </a:t>
-            </a:r>
-            <a:r>
-              <a:rPr lang="en-US" sz="2100" dirty="0" smtClean="0"/>
-              <a:t>Spring Framework / DWR </a:t>
-            </a:r>
+              <a:t>Register Volunteer Account</a:t>
+            </a:r>
+            <a:endParaRPr lang="en-US" sz="2000" dirty="0" smtClean="0"/>
           </a:p>
           <a:p>
             <a:pPr lvl="2">
@@ -18557,135 +21002,27 @@
               <a:buChar char="v"/>
             </a:pPr>
             <a:r>
-              <a:rPr lang="en-US" sz="1900" dirty="0" smtClean="0"/>
-              <a:t>Security </a:t>
-            </a:r>
-          </a:p>
-          <a:p>
-            <a:pPr lvl="2">
+              <a:rPr lang="en-US" sz="1600" b="1" dirty="0" smtClean="0"/>
+              <a:t>&lt;&lt;</a:t>
+            </a:r>
+            <a:r>
+              <a:rPr lang="en-US" sz="1600" b="1" dirty="0"/>
+              <a:t>UCRR design&gt;&gt;</a:t>
+            </a:r>
+          </a:p>
+          <a:p>
+            <a:pPr lvl="1">
               <a:buFont typeface="Wingdings" pitchFamily="2" charset="2"/>
               <a:buChar char="v"/>
             </a:pPr>
-            <a:r>
-              <a:rPr lang="en-US" sz="1900" dirty="0" smtClean="0"/>
-              <a:t>Service / Façade</a:t>
-            </a:r>
-          </a:p>
-          <a:p>
-            <a:pPr lvl="2">
-              <a:buFont typeface="Wingdings" pitchFamily="2" charset="2"/>
-              <a:buChar char="v"/>
-            </a:pPr>
-            <a:r>
-              <a:rPr lang="en-US" sz="1900" dirty="0" smtClean="0"/>
-              <a:t>Interface - Implementation</a:t>
-            </a:r>
-          </a:p>
-          <a:p>
-            <a:pPr lvl="1">
-              <a:buFont typeface="Wingdings" pitchFamily="2" charset="2"/>
-              <a:buChar char="v"/>
-            </a:pPr>
-            <a:r>
-              <a:rPr lang="en-US" sz="2100" b="1" dirty="0" smtClean="0"/>
-              <a:t>Data access layer: </a:t>
-            </a:r>
-            <a:r>
-              <a:rPr lang="en-US" sz="2100" dirty="0" smtClean="0"/>
-              <a:t>Hibernate Framework</a:t>
-            </a:r>
-          </a:p>
-          <a:p>
-            <a:pPr lvl="1">
-              <a:buFont typeface="Wingdings" pitchFamily="2" charset="2"/>
-              <a:buChar char="v"/>
-            </a:pPr>
-            <a:r>
-              <a:rPr lang="en-US" sz="2100" b="1" dirty="0" smtClean="0"/>
-              <a:t>UI layer: </a:t>
-            </a:r>
-            <a:r>
-              <a:rPr lang="en-US" sz="2100" dirty="0" err="1" smtClean="0"/>
-              <a:t>jQuery</a:t>
-            </a:r>
-            <a:r>
-              <a:rPr lang="en-US" sz="2100" dirty="0" smtClean="0"/>
-              <a:t> &amp; Plugins</a:t>
-            </a:r>
-          </a:p>
-          <a:p>
-            <a:pPr lvl="1">
-              <a:buFont typeface="Wingdings" pitchFamily="2" charset="2"/>
-              <a:buChar char="v"/>
-            </a:pPr>
-            <a:r>
-              <a:rPr lang="en-US" sz="2100" b="1" dirty="0" smtClean="0"/>
-              <a:t>Utility components: </a:t>
-            </a:r>
-            <a:r>
-              <a:rPr lang="en-US" sz="2100" dirty="0" smtClean="0"/>
-              <a:t>log4J / </a:t>
-            </a:r>
-            <a:r>
-              <a:rPr lang="en-US" sz="2100" dirty="0" err="1" smtClean="0"/>
-              <a:t>JasperReport</a:t>
-            </a:r>
-            <a:endParaRPr lang="en-US" sz="2100" dirty="0" smtClean="0"/>
-          </a:p>
-          <a:p>
-            <a:pPr>
-              <a:buFont typeface="Wingdings" pitchFamily="2" charset="2"/>
-              <a:buChar char="v"/>
-            </a:pPr>
-            <a:endParaRPr lang="en-US" sz="2000" dirty="0" smtClean="0"/>
+            <a:endParaRPr lang="en-US" sz="2100" b="1" dirty="0" smtClean="0"/>
           </a:p>
         </p:txBody>
       </p:sp>
-      <p:pic>
-        <p:nvPicPr>
-          <p:cNvPr id="4" name="Picture 2" descr="C:\Users\Dio\AppData\Local\Microsoft\Windows\Temporary Internet Files\Content.IE5\4DO3IWVQ\MC900331673[1].wmf"/>
-          <p:cNvPicPr>
-            <a:picLocks noChangeAspect="1" noChangeArrowheads="1"/>
-          </p:cNvPicPr>
-          <p:nvPr/>
-        </p:nvPicPr>
-        <p:blipFill>
-          <a:blip r:embed="rId2" cstate="print">
-            <a:extLst>
-              <a:ext uri="{28A0092B-C50C-407E-A947-70E740481C1C}">
-                <a14:useLocalDpi xmlns:a14="http://schemas.microsoft.com/office/drawing/2010/main" val="0"/>
-              </a:ext>
-            </a:extLst>
-          </a:blip>
-          <a:srcRect/>
-          <a:stretch>
-            <a:fillRect/>
-          </a:stretch>
-        </p:blipFill>
-        <p:spPr bwMode="auto">
-          <a:xfrm>
-            <a:off x="6705600" y="4343400"/>
-            <a:ext cx="2072857" cy="2223178"/>
-          </a:xfrm>
-          <a:prstGeom prst="rect">
-            <a:avLst/>
-          </a:prstGeom>
-          <a:noFill/>
-          <a:extLst>
-            <a:ext uri="{909E8E84-426E-40DD-AFC4-6F175D3DCCD1}">
-              <a14:hiddenFill xmlns:a14="http://schemas.microsoft.com/office/drawing/2010/main">
-                <a:solidFill>
-                  <a:srgbClr val="FFFFFF"/>
-                </a:solidFill>
-              </a14:hiddenFill>
-            </a:ext>
-          </a:extLst>
-        </p:spPr>
-      </p:pic>
     </p:spTree>
     <p:extLst>
       <p:ext uri="{BB962C8B-B14F-4D97-AF65-F5344CB8AC3E}">
-        <p14:creationId xmlns:p14="http://schemas.microsoft.com/office/powerpoint/2010/main" val="765919113"/>
+        <p14:creationId xmlns:p14="http://schemas.microsoft.com/office/powerpoint/2010/main" val="1870856012"/>
       </p:ext>
     </p:extLst>
   </p:cSld>

--- a/docs/W-9 Working Document/W-9.3 Presentation Slides/Phase 3/vms_presentation_3_v0.1.pptx
+++ b/docs/W-9 Working Document/W-9.3 Presentation Slides/Phase 3/vms_presentation_3_v0.1.pptx
@@ -19,26 +19,26 @@
     <p:sldId id="326" r:id="rId7"/>
     <p:sldId id="330" r:id="rId8"/>
     <p:sldId id="331" r:id="rId9"/>
-    <p:sldId id="332" r:id="rId10"/>
-    <p:sldId id="348" r:id="rId11"/>
-    <p:sldId id="333" r:id="rId12"/>
-    <p:sldId id="334" r:id="rId13"/>
-    <p:sldId id="337" r:id="rId14"/>
-    <p:sldId id="335" r:id="rId15"/>
-    <p:sldId id="351" r:id="rId16"/>
-    <p:sldId id="352" r:id="rId17"/>
-    <p:sldId id="350" r:id="rId18"/>
-    <p:sldId id="336" r:id="rId19"/>
-    <p:sldId id="349" r:id="rId20"/>
-    <p:sldId id="338" r:id="rId21"/>
-    <p:sldId id="339" r:id="rId22"/>
-    <p:sldId id="342" r:id="rId23"/>
-    <p:sldId id="319" r:id="rId24"/>
-    <p:sldId id="343" r:id="rId25"/>
-    <p:sldId id="344" r:id="rId26"/>
-    <p:sldId id="261" r:id="rId27"/>
-    <p:sldId id="354" r:id="rId28"/>
-    <p:sldId id="353" r:id="rId29"/>
+    <p:sldId id="333" r:id="rId10"/>
+    <p:sldId id="334" r:id="rId11"/>
+    <p:sldId id="337" r:id="rId12"/>
+    <p:sldId id="335" r:id="rId13"/>
+    <p:sldId id="351" r:id="rId14"/>
+    <p:sldId id="352" r:id="rId15"/>
+    <p:sldId id="350" r:id="rId16"/>
+    <p:sldId id="336" r:id="rId17"/>
+    <p:sldId id="349" r:id="rId18"/>
+    <p:sldId id="358" r:id="rId19"/>
+    <p:sldId id="338" r:id="rId20"/>
+    <p:sldId id="342" r:id="rId21"/>
+    <p:sldId id="319" r:id="rId22"/>
+    <p:sldId id="343" r:id="rId23"/>
+    <p:sldId id="344" r:id="rId24"/>
+    <p:sldId id="355" r:id="rId25"/>
+    <p:sldId id="261" r:id="rId26"/>
+    <p:sldId id="354" r:id="rId27"/>
+    <p:sldId id="356" r:id="rId28"/>
+    <p:sldId id="357" r:id="rId29"/>
     <p:sldId id="311" r:id="rId30"/>
     <p:sldId id="282" r:id="rId31"/>
     <p:sldId id="345" r:id="rId32"/>
@@ -12992,435 +12992,6 @@
           <a:p>
             <a:r>
               <a:rPr lang="en-US" dirty="0" smtClean="0"/>
-              <a:t>System Detailed Design - 3</a:t>
-            </a:r>
-            <a:endParaRPr lang="en-US" dirty="0"/>
-          </a:p>
-        </p:txBody>
-      </p:sp>
-      <p:sp>
-        <p:nvSpPr>
-          <p:cNvPr id="7" name="Rectangle 5"/>
-          <p:cNvSpPr>
-            <a:spLocks noGrp="1" noChangeArrowheads="1"/>
-          </p:cNvSpPr>
-          <p:nvPr>
-            <p:ph idx="1"/>
-          </p:nvPr>
-        </p:nvSpPr>
-        <p:spPr>
-          <a:xfrm>
-            <a:off x="381000" y="1524000"/>
-            <a:ext cx="8305800" cy="4876800"/>
-          </a:xfrm>
-        </p:spPr>
-        <p:txBody>
-          <a:bodyPr/>
-          <a:lstStyle/>
-          <a:p>
-            <a:pPr>
-              <a:buFont typeface="Wingdings" pitchFamily="2" charset="2"/>
-              <a:buChar char="v"/>
-            </a:pPr>
-            <a:r>
-              <a:rPr lang="en-US" sz="2800" b="1" dirty="0" smtClean="0"/>
-              <a:t>UCRR (Design) sample: </a:t>
-            </a:r>
-          </a:p>
-          <a:p>
-            <a:pPr lvl="1">
-              <a:buFont typeface="Wingdings" pitchFamily="2" charset="2"/>
-              <a:buChar char="v"/>
-            </a:pPr>
-            <a:r>
-              <a:rPr lang="en-US" sz="2000" b="1" dirty="0" smtClean="0"/>
-              <a:t>Generate Certificate</a:t>
-            </a:r>
-          </a:p>
-          <a:p>
-            <a:pPr lvl="2">
-              <a:buFont typeface="Wingdings" pitchFamily="2" charset="2"/>
-              <a:buChar char="v"/>
-            </a:pPr>
-            <a:r>
-              <a:rPr lang="en-US" sz="1600" b="1" dirty="0"/>
-              <a:t>&lt;&lt;UCRR design&gt;&gt;</a:t>
-            </a:r>
-          </a:p>
-          <a:p>
-            <a:pPr lvl="1">
-              <a:buFont typeface="Wingdings" pitchFamily="2" charset="2"/>
-              <a:buChar char="v"/>
-            </a:pPr>
-            <a:endParaRPr lang="en-US" sz="2100" b="1" dirty="0" smtClean="0"/>
-          </a:p>
-        </p:txBody>
-      </p:sp>
-    </p:spTree>
-    <p:extLst>
-      <p:ext uri="{BB962C8B-B14F-4D97-AF65-F5344CB8AC3E}">
-        <p14:creationId xmlns:p14="http://schemas.microsoft.com/office/powerpoint/2010/main" val="3655498213"/>
-      </p:ext>
-    </p:extLst>
-  </p:cSld>
-  <p:clrMapOvr>
-    <a:masterClrMapping/>
-  </p:clrMapOvr>
-  <p:timing>
-    <p:tnLst>
-      <p:par>
-        <p:cTn id="1" dur="indefinite" restart="never" nodeType="tmRoot"/>
-      </p:par>
-    </p:tnLst>
-  </p:timing>
-</p:sld>
-</file>
-
-<file path=ppt/slides/slide11.xml><?xml version="1.0" encoding="utf-8"?>
-<p:sld xmlns:a="http://schemas.openxmlformats.org/drawingml/2006/main" xmlns:r="http://schemas.openxmlformats.org/officeDocument/2006/relationships" xmlns:p="http://schemas.openxmlformats.org/presentationml/2006/main">
-  <p:cSld>
-    <p:spTree>
-      <p:nvGrpSpPr>
-        <p:cNvPr id="1" name=""/>
-        <p:cNvGrpSpPr/>
-        <p:nvPr/>
-      </p:nvGrpSpPr>
-      <p:grpSpPr>
-        <a:xfrm>
-          <a:off x="0" y="0"/>
-          <a:ext cx="0" cy="0"/>
-          <a:chOff x="0" y="0"/>
-          <a:chExt cx="0" cy="0"/>
-        </a:xfrm>
-      </p:grpSpPr>
-      <p:sp>
-        <p:nvSpPr>
-          <p:cNvPr id="22532" name="Rectangle 4"/>
-          <p:cNvSpPr>
-            <a:spLocks noGrp="1" noChangeArrowheads="1"/>
-          </p:cNvSpPr>
-          <p:nvPr>
-            <p:ph type="title"/>
-          </p:nvPr>
-        </p:nvSpPr>
-        <p:spPr/>
-        <p:txBody>
-          <a:bodyPr/>
-          <a:lstStyle/>
-          <a:p>
-            <a:r>
-              <a:rPr lang="en-US" dirty="0" smtClean="0"/>
-              <a:t>Agenda</a:t>
-            </a:r>
-            <a:endParaRPr lang="en-US" dirty="0"/>
-          </a:p>
-        </p:txBody>
-      </p:sp>
-      <p:sp>
-        <p:nvSpPr>
-          <p:cNvPr id="22533" name="Rectangle 5"/>
-          <p:cNvSpPr>
-            <a:spLocks noGrp="1" noChangeArrowheads="1"/>
-          </p:cNvSpPr>
-          <p:nvPr>
-            <p:ph type="body" idx="1"/>
-          </p:nvPr>
-        </p:nvSpPr>
-        <p:spPr>
-          <a:xfrm>
-            <a:off x="1143000" y="1524000"/>
-            <a:ext cx="7391400" cy="4648200"/>
-          </a:xfrm>
-        </p:spPr>
-        <p:txBody>
-          <a:bodyPr/>
-          <a:lstStyle/>
-          <a:p>
-            <a:pPr>
-              <a:buFont typeface="Wingdings" pitchFamily="2" charset="2"/>
-              <a:buChar char="v"/>
-            </a:pPr>
-            <a:r>
-              <a:rPr lang="en-US" dirty="0">
-                <a:solidFill>
-                  <a:schemeClr val="bg1">
-                    <a:lumMod val="65000"/>
-                  </a:schemeClr>
-                </a:solidFill>
-              </a:rPr>
-              <a:t>Project Revisit</a:t>
-            </a:r>
-          </a:p>
-          <a:p>
-            <a:pPr>
-              <a:buFont typeface="Wingdings" pitchFamily="2" charset="2"/>
-              <a:buChar char="v"/>
-            </a:pPr>
-            <a:r>
-              <a:rPr lang="en-US" dirty="0">
-                <a:solidFill>
-                  <a:schemeClr val="bg1">
-                    <a:lumMod val="65000"/>
-                  </a:schemeClr>
-                </a:solidFill>
-              </a:rPr>
-              <a:t>High Level Architecture</a:t>
-            </a:r>
-          </a:p>
-          <a:p>
-            <a:pPr>
-              <a:buFont typeface="Wingdings" pitchFamily="2" charset="2"/>
-              <a:buChar char="v"/>
-            </a:pPr>
-            <a:r>
-              <a:rPr lang="en-US" dirty="0">
-                <a:solidFill>
-                  <a:schemeClr val="bg1">
-                    <a:lumMod val="65000"/>
-                  </a:schemeClr>
-                </a:solidFill>
-              </a:rPr>
-              <a:t>System Detailed Design</a:t>
-            </a:r>
-          </a:p>
-          <a:p>
-            <a:pPr>
-              <a:buFont typeface="Wingdings" pitchFamily="2" charset="2"/>
-              <a:buChar char="v"/>
-            </a:pPr>
-            <a:r>
-              <a:rPr lang="en-US" b="1" dirty="0">
-                <a:solidFill>
-                  <a:schemeClr val="tx2"/>
-                </a:solidFill>
-              </a:rPr>
-              <a:t>Implementation Strategy</a:t>
-            </a:r>
-          </a:p>
-          <a:p>
-            <a:pPr>
-              <a:buFont typeface="Wingdings" pitchFamily="2" charset="2"/>
-              <a:buChar char="v"/>
-            </a:pPr>
-            <a:r>
-              <a:rPr lang="en-US" dirty="0" smtClean="0">
-                <a:solidFill>
-                  <a:schemeClr val="bg1">
-                    <a:lumMod val="65000"/>
-                  </a:schemeClr>
-                </a:solidFill>
-              </a:rPr>
-              <a:t>Challenges &amp; Solution</a:t>
-            </a:r>
-            <a:endParaRPr lang="en-US" dirty="0">
-              <a:solidFill>
-                <a:schemeClr val="bg1">
-                  <a:lumMod val="65000"/>
-                </a:schemeClr>
-              </a:solidFill>
-            </a:endParaRPr>
-          </a:p>
-          <a:p>
-            <a:pPr>
-              <a:buFont typeface="Wingdings" pitchFamily="2" charset="2"/>
-              <a:buChar char="v"/>
-            </a:pPr>
-            <a:r>
-              <a:rPr lang="en-US" dirty="0">
-                <a:solidFill>
-                  <a:schemeClr val="bg1">
-                    <a:lumMod val="65000"/>
-                  </a:schemeClr>
-                </a:solidFill>
-              </a:rPr>
-              <a:t>Demo </a:t>
-            </a:r>
-            <a:r>
-              <a:rPr lang="en-US" dirty="0" smtClean="0">
-                <a:solidFill>
-                  <a:schemeClr val="bg1">
-                    <a:lumMod val="65000"/>
-                  </a:schemeClr>
-                </a:solidFill>
-              </a:rPr>
-              <a:t>of </a:t>
-            </a:r>
-            <a:r>
-              <a:rPr lang="en-US" dirty="0">
-                <a:solidFill>
-                  <a:schemeClr val="bg1">
-                    <a:lumMod val="65000"/>
-                  </a:schemeClr>
-                </a:solidFill>
-              </a:rPr>
-              <a:t>VMS v1.0</a:t>
-            </a:r>
-          </a:p>
-          <a:p>
-            <a:pPr>
-              <a:buFont typeface="Wingdings" pitchFamily="2" charset="2"/>
-              <a:buChar char="v"/>
-            </a:pPr>
-            <a:r>
-              <a:rPr lang="en-US" dirty="0">
-                <a:solidFill>
-                  <a:schemeClr val="bg1">
-                    <a:lumMod val="65000"/>
-                  </a:schemeClr>
-                </a:solidFill>
-              </a:rPr>
-              <a:t>End Project </a:t>
-            </a:r>
-            <a:r>
-              <a:rPr lang="en-US" dirty="0" smtClean="0">
-                <a:solidFill>
-                  <a:schemeClr val="bg1">
-                    <a:lumMod val="65000"/>
-                  </a:schemeClr>
-                </a:solidFill>
-              </a:rPr>
-              <a:t>Report</a:t>
-            </a:r>
-          </a:p>
-          <a:p>
-            <a:pPr>
-              <a:buFont typeface="Wingdings" pitchFamily="2" charset="2"/>
-              <a:buChar char="v"/>
-            </a:pPr>
-            <a:r>
-              <a:rPr lang="en-US" dirty="0">
-                <a:solidFill>
-                  <a:schemeClr val="bg1">
-                    <a:lumMod val="65000"/>
-                  </a:schemeClr>
-                </a:solidFill>
-              </a:rPr>
-              <a:t>Evaluation &amp; Conclusion</a:t>
-            </a:r>
-          </a:p>
-          <a:p>
-            <a:pPr>
-              <a:buFont typeface="Wingdings" pitchFamily="2" charset="2"/>
-              <a:buChar char="v"/>
-            </a:pPr>
-            <a:r>
-              <a:rPr lang="en-US" dirty="0" smtClean="0">
-                <a:solidFill>
-                  <a:schemeClr val="bg1">
-                    <a:lumMod val="65000"/>
-                  </a:schemeClr>
-                </a:solidFill>
-              </a:rPr>
-              <a:t>Q </a:t>
-            </a:r>
-            <a:r>
-              <a:rPr lang="en-US" dirty="0">
-                <a:solidFill>
-                  <a:schemeClr val="bg1">
-                    <a:lumMod val="65000"/>
-                  </a:schemeClr>
-                </a:solidFill>
-              </a:rPr>
-              <a:t>&amp; A</a:t>
-            </a:r>
-          </a:p>
-        </p:txBody>
-      </p:sp>
-      <p:pic>
-        <p:nvPicPr>
-          <p:cNvPr id="5" name="Picture 4" descr="C:\Users\Dio\AppData\Local\Microsoft\Windows\Temporary Internet Files\Content.IE5\J694V2JJ\MC900330873[1].wmf"/>
-          <p:cNvPicPr>
-            <a:picLocks noChangeAspect="1" noChangeArrowheads="1"/>
-          </p:cNvPicPr>
-          <p:nvPr/>
-        </p:nvPicPr>
-        <p:blipFill>
-          <a:blip r:embed="rId2" cstate="print">
-            <a:extLst>
-              <a:ext uri="{28A0092B-C50C-407E-A947-70E740481C1C}">
-                <a14:useLocalDpi xmlns:a14="http://schemas.microsoft.com/office/drawing/2010/main" val="0"/>
-              </a:ext>
-            </a:extLst>
-          </a:blip>
-          <a:srcRect/>
-          <a:stretch>
-            <a:fillRect/>
-          </a:stretch>
-        </p:blipFill>
-        <p:spPr bwMode="auto">
-          <a:xfrm>
-            <a:off x="6781800" y="2362200"/>
-            <a:ext cx="2139029" cy="2819400"/>
-          </a:xfrm>
-          <a:prstGeom prst="rect">
-            <a:avLst/>
-          </a:prstGeom>
-          <a:noFill/>
-          <a:extLst>
-            <a:ext uri="{909E8E84-426E-40DD-AFC4-6F175D3DCCD1}">
-              <a14:hiddenFill xmlns:a14="http://schemas.microsoft.com/office/drawing/2010/main">
-                <a:solidFill>
-                  <a:srgbClr val="FFFFFF"/>
-                </a:solidFill>
-              </a14:hiddenFill>
-            </a:ext>
-          </a:extLst>
-        </p:spPr>
-      </p:pic>
-    </p:spTree>
-    <p:extLst>
-      <p:ext uri="{BB962C8B-B14F-4D97-AF65-F5344CB8AC3E}">
-        <p14:creationId xmlns:p14="http://schemas.microsoft.com/office/powerpoint/2010/main" val="4200890774"/>
-      </p:ext>
-    </p:extLst>
-  </p:cSld>
-  <p:clrMapOvr>
-    <a:masterClrMapping/>
-  </p:clrMapOvr>
-  <p:timing>
-    <p:tnLst>
-      <p:par>
-        <p:cTn id="1" dur="indefinite" restart="never" nodeType="tmRoot"/>
-      </p:par>
-    </p:tnLst>
-  </p:timing>
-</p:sld>
-</file>
-
-<file path=ppt/slides/slide12.xml><?xml version="1.0" encoding="utf-8"?>
-<p:sld xmlns:a="http://schemas.openxmlformats.org/drawingml/2006/main" xmlns:r="http://schemas.openxmlformats.org/officeDocument/2006/relationships" xmlns:p="http://schemas.openxmlformats.org/presentationml/2006/main">
-  <p:cSld>
-    <p:spTree>
-      <p:nvGrpSpPr>
-        <p:cNvPr id="1" name=""/>
-        <p:cNvGrpSpPr/>
-        <p:nvPr/>
-      </p:nvGrpSpPr>
-      <p:grpSpPr>
-        <a:xfrm>
-          <a:off x="0" y="0"/>
-          <a:ext cx="0" cy="0"/>
-          <a:chOff x="0" y="0"/>
-          <a:chExt cx="0" cy="0"/>
-        </a:xfrm>
-      </p:grpSpPr>
-      <p:sp>
-        <p:nvSpPr>
-          <p:cNvPr id="2" name="Title 1"/>
-          <p:cNvSpPr>
-            <a:spLocks noGrp="1"/>
-          </p:cNvSpPr>
-          <p:nvPr>
-            <p:ph type="title"/>
-          </p:nvPr>
-        </p:nvSpPr>
-        <p:spPr/>
-        <p:txBody>
-          <a:bodyPr/>
-          <a:lstStyle/>
-          <a:p>
-            <a:r>
-              <a:rPr lang="en-US" dirty="0" smtClean="0"/>
               <a:t>Implementation Strategy - 1</a:t>
             </a:r>
             <a:endParaRPr lang="en-US" dirty="0"/>
@@ -13537,7 +13108,7 @@
 </p:sld>
 </file>
 
-<file path=ppt/slides/slide13.xml><?xml version="1.0" encoding="utf-8"?>
+<file path=ppt/slides/slide11.xml><?xml version="1.0" encoding="utf-8"?>
 <p:sld xmlns:a="http://schemas.openxmlformats.org/drawingml/2006/main" xmlns:r="http://schemas.openxmlformats.org/officeDocument/2006/relationships" xmlns:p="http://schemas.openxmlformats.org/presentationml/2006/main">
   <p:cSld>
     <p:spTree>
@@ -13755,7 +13326,7 @@
 </p:sld>
 </file>
 
-<file path=ppt/slides/slide14.xml><?xml version="1.0" encoding="utf-8"?>
+<file path=ppt/slides/slide12.xml><?xml version="1.0" encoding="utf-8"?>
 <p:sld xmlns:a="http://schemas.openxmlformats.org/drawingml/2006/main" xmlns:r="http://schemas.openxmlformats.org/officeDocument/2006/relationships" xmlns:p="http://schemas.openxmlformats.org/presentationml/2006/main">
   <p:cSld>
     <p:spTree>
@@ -13995,7 +13566,7 @@
 </p:sld>
 </file>
 
-<file path=ppt/slides/slide15.xml><?xml version="1.0" encoding="utf-8"?>
+<file path=ppt/slides/slide13.xml><?xml version="1.0" encoding="utf-8"?>
 <p:sld xmlns:a="http://schemas.openxmlformats.org/drawingml/2006/main" xmlns:r="http://schemas.openxmlformats.org/officeDocument/2006/relationships" xmlns:p="http://schemas.openxmlformats.org/presentationml/2006/main">
   <p:cSld>
     <p:spTree>
@@ -14183,7 +13754,7 @@
 </p:sld>
 </file>
 
-<file path=ppt/slides/slide16.xml><?xml version="1.0" encoding="utf-8"?>
+<file path=ppt/slides/slide14.xml><?xml version="1.0" encoding="utf-8"?>
 <p:sld xmlns:a="http://schemas.openxmlformats.org/drawingml/2006/main" xmlns:r="http://schemas.openxmlformats.org/officeDocument/2006/relationships" xmlns:p="http://schemas.openxmlformats.org/presentationml/2006/main">
   <p:cSld>
     <p:spTree>
@@ -14527,7 +14098,7 @@
 </p:sld>
 </file>
 
-<file path=ppt/slides/slide17.xml><?xml version="1.0" encoding="utf-8"?>
+<file path=ppt/slides/slide15.xml><?xml version="1.0" encoding="utf-8"?>
 <p:sld xmlns:a="http://schemas.openxmlformats.org/drawingml/2006/main" xmlns:r="http://schemas.openxmlformats.org/officeDocument/2006/relationships" xmlns:p="http://schemas.openxmlformats.org/presentationml/2006/main">
   <p:cSld>
     <p:spTree>
@@ -14831,7 +14402,7 @@
 </p:sld>
 </file>
 
-<file path=ppt/slides/slide18.xml><?xml version="1.0" encoding="utf-8"?>
+<file path=ppt/slides/slide16.xml><?xml version="1.0" encoding="utf-8"?>
 <p:sld xmlns:a="http://schemas.openxmlformats.org/drawingml/2006/main" xmlns:r="http://schemas.openxmlformats.org/officeDocument/2006/relationships" xmlns:p="http://schemas.openxmlformats.org/presentationml/2006/main">
   <p:cSld>
     <p:spTree>
@@ -15117,7 +14688,7 @@
 </p:sld>
 </file>
 
-<file path=ppt/slides/slide19.xml><?xml version="1.0" encoding="utf-8"?>
+<file path=ppt/slides/slide17.xml><?xml version="1.0" encoding="utf-8"?>
 <p:sld xmlns:a="http://schemas.openxmlformats.org/drawingml/2006/main" xmlns:r="http://schemas.openxmlformats.org/officeDocument/2006/relationships" xmlns:p="http://schemas.openxmlformats.org/presentationml/2006/main">
   <p:cSld>
     <p:spTree>
@@ -15186,8 +14757,12 @@
               <a:t>Management Challenges : </a:t>
             </a:r>
             <a:r>
+              <a:rPr lang="en-US" dirty="0" smtClean="0"/>
+              <a:t>Fragmented </a:t>
+            </a:r>
+            <a:r>
               <a:rPr lang="en-US" dirty="0"/>
-              <a:t>fragmented Project Management </a:t>
+              <a:t>Project Management </a:t>
             </a:r>
             <a:r>
               <a:rPr lang="en-US" dirty="0" smtClean="0"/>
@@ -15201,8 +14776,13 @@
             </a:pPr>
             <a:r>
               <a:rPr lang="en-US" dirty="0" smtClean="0"/>
-              <a:t>Slippage by 2 weeks for code implementation</a:t>
-            </a:r>
+              <a:t>Slippage by 2 weeks for code </a:t>
+            </a:r>
+            <a:r>
+              <a:rPr lang="en-US" dirty="0" smtClean="0"/>
+              <a:t>implementation due to refactoring needed for non-standard works</a:t>
+            </a:r>
+            <a:endParaRPr lang="en-US" dirty="0" smtClean="0"/>
           </a:p>
           <a:p>
             <a:pPr lvl="2">
@@ -15211,8 +14791,13 @@
             </a:pPr>
             <a:r>
               <a:rPr lang="en-US" dirty="0"/>
-              <a:t>Slippage by 1 week for SIT &amp; testing</a:t>
-            </a:r>
+              <a:t>Slippage by 1 week for SIT &amp; </a:t>
+            </a:r>
+            <a:r>
+              <a:rPr lang="en-US" dirty="0" smtClean="0"/>
+              <a:t>testing due to delay in implementation</a:t>
+            </a:r>
+            <a:endParaRPr lang="en-US" dirty="0"/>
           </a:p>
           <a:p>
             <a:pPr>
@@ -15348,6 +14933,517 @@
     <p:extLst>
       <p:ext uri="{BB962C8B-B14F-4D97-AF65-F5344CB8AC3E}">
         <p14:creationId xmlns:p14="http://schemas.microsoft.com/office/powerpoint/2010/main" val="514353539"/>
+      </p:ext>
+    </p:extLst>
+  </p:cSld>
+  <p:clrMapOvr>
+    <a:masterClrMapping/>
+  </p:clrMapOvr>
+  <p:timing>
+    <p:tnLst>
+      <p:par>
+        <p:cTn id="1" dur="indefinite" restart="never" nodeType="tmRoot"/>
+      </p:par>
+    </p:tnLst>
+  </p:timing>
+</p:sld>
+</file>
+
+<file path=ppt/slides/slide18.xml><?xml version="1.0" encoding="utf-8"?>
+<p:sld xmlns:a="http://schemas.openxmlformats.org/drawingml/2006/main" xmlns:r="http://schemas.openxmlformats.org/officeDocument/2006/relationships" xmlns:p="http://schemas.openxmlformats.org/presentationml/2006/main">
+  <p:cSld>
+    <p:spTree>
+      <p:nvGrpSpPr>
+        <p:cNvPr id="1" name=""/>
+        <p:cNvGrpSpPr/>
+        <p:nvPr/>
+      </p:nvGrpSpPr>
+      <p:grpSpPr>
+        <a:xfrm>
+          <a:off x="0" y="0"/>
+          <a:ext cx="0" cy="0"/>
+          <a:chOff x="0" y="0"/>
+          <a:chExt cx="0" cy="0"/>
+        </a:xfrm>
+      </p:grpSpPr>
+      <p:sp>
+        <p:nvSpPr>
+          <p:cNvPr id="2" name="Title 1"/>
+          <p:cNvSpPr>
+            <a:spLocks noGrp="1"/>
+          </p:cNvSpPr>
+          <p:nvPr>
+            <p:ph type="title"/>
+          </p:nvPr>
+        </p:nvSpPr>
+        <p:spPr/>
+        <p:txBody>
+          <a:bodyPr/>
+          <a:lstStyle/>
+          <a:p>
+            <a:r>
+              <a:rPr lang="en-US" dirty="0" smtClean="0"/>
+              <a:t>Challenges &amp; Solution - </a:t>
+            </a:r>
+            <a:r>
+              <a:rPr lang="en-US" dirty="0" smtClean="0"/>
+              <a:t>3</a:t>
+            </a:r>
+            <a:endParaRPr lang="en-US" dirty="0"/>
+          </a:p>
+        </p:txBody>
+      </p:sp>
+      <p:sp>
+        <p:nvSpPr>
+          <p:cNvPr id="7" name="Rectangle 5"/>
+          <p:cNvSpPr>
+            <a:spLocks noGrp="1" noChangeArrowheads="1"/>
+          </p:cNvSpPr>
+          <p:nvPr>
+            <p:ph idx="1"/>
+          </p:nvPr>
+        </p:nvSpPr>
+        <p:spPr>
+          <a:xfrm>
+            <a:off x="667068" y="1500186"/>
+            <a:ext cx="8305800" cy="5129213"/>
+          </a:xfrm>
+        </p:spPr>
+        <p:txBody>
+          <a:bodyPr/>
+          <a:lstStyle/>
+          <a:p>
+            <a:pPr>
+              <a:buFont typeface="Wingdings" pitchFamily="2" charset="2"/>
+              <a:buChar char="v"/>
+            </a:pPr>
+            <a:r>
+              <a:rPr lang="en-US" b="1" dirty="0" smtClean="0"/>
+              <a:t>Technical Challenges : </a:t>
+            </a:r>
+            <a:r>
+              <a:rPr lang="en-US" dirty="0" smtClean="0"/>
+              <a:t>implementation code are not consistent due to late code review</a:t>
+            </a:r>
+          </a:p>
+          <a:p>
+            <a:pPr lvl="2">
+              <a:buFont typeface="Wingdings" pitchFamily="2" charset="2"/>
+              <a:buChar char="v"/>
+            </a:pPr>
+            <a:r>
+              <a:rPr lang="en-US" dirty="0" smtClean="0"/>
+              <a:t>Slippage </a:t>
+            </a:r>
+            <a:r>
+              <a:rPr lang="en-US" dirty="0" smtClean="0"/>
+              <a:t>by 2 weeks </a:t>
+            </a:r>
+            <a:r>
+              <a:rPr lang="en-US" dirty="0" smtClean="0"/>
+              <a:t>due to</a:t>
+            </a:r>
+            <a:r>
+              <a:rPr lang="en-US" dirty="0" smtClean="0"/>
+              <a:t> refactoring</a:t>
+            </a:r>
+            <a:endParaRPr lang="en-US" dirty="0" smtClean="0"/>
+          </a:p>
+          <a:p>
+            <a:pPr lvl="2">
+              <a:buFont typeface="Wingdings" pitchFamily="2" charset="2"/>
+              <a:buChar char="v"/>
+            </a:pPr>
+            <a:r>
+              <a:rPr lang="en-US" dirty="0"/>
+              <a:t>Slippage by 1 week for SIT &amp; testing</a:t>
+            </a:r>
+          </a:p>
+          <a:p>
+            <a:pPr>
+              <a:buFont typeface="Wingdings" pitchFamily="2" charset="2"/>
+              <a:buChar char="v"/>
+            </a:pPr>
+            <a:r>
+              <a:rPr lang="en-US" b="1" dirty="0" smtClean="0"/>
+              <a:t>Solution:</a:t>
+            </a:r>
+          </a:p>
+          <a:p>
+            <a:pPr lvl="1">
+              <a:buFont typeface="Wingdings" pitchFamily="2" charset="2"/>
+              <a:buChar char="v"/>
+            </a:pPr>
+            <a:r>
+              <a:rPr lang="en-US" dirty="0" smtClean="0"/>
+              <a:t>Proactive engagement of </a:t>
+            </a:r>
+            <a:r>
+              <a:rPr lang="en-US" dirty="0" smtClean="0"/>
+              <a:t>code review:</a:t>
+            </a:r>
+            <a:endParaRPr lang="en-US" dirty="0" smtClean="0"/>
+          </a:p>
+          <a:p>
+            <a:pPr lvl="2">
+              <a:buFont typeface="Wingdings" pitchFamily="2" charset="2"/>
+              <a:buChar char="v"/>
+            </a:pPr>
+            <a:r>
+              <a:rPr lang="en-US" dirty="0" smtClean="0"/>
+              <a:t>Extensive </a:t>
+            </a:r>
+            <a:r>
+              <a:rPr lang="en-US" dirty="0" smtClean="0"/>
+              <a:t>code walk through, meeting minutes</a:t>
+            </a:r>
+            <a:endParaRPr lang="en-US" dirty="0" smtClean="0"/>
+          </a:p>
+          <a:p>
+            <a:pPr lvl="1">
+              <a:buFont typeface="Wingdings" pitchFamily="2" charset="2"/>
+              <a:buChar char="v"/>
+            </a:pPr>
+            <a:r>
+              <a:rPr lang="en-US" dirty="0" smtClean="0"/>
+              <a:t>Make-up slippage by:</a:t>
+            </a:r>
+          </a:p>
+          <a:p>
+            <a:pPr lvl="2">
+              <a:buFont typeface="Wingdings" pitchFamily="2" charset="2"/>
+              <a:buChar char="v"/>
+            </a:pPr>
+            <a:r>
+              <a:rPr lang="en-US" dirty="0" smtClean="0"/>
+              <a:t>Extra time spend on weekends / holidays</a:t>
+            </a:r>
+          </a:p>
+          <a:p>
+            <a:pPr lvl="2">
+              <a:buFont typeface="Wingdings" pitchFamily="2" charset="2"/>
+              <a:buChar char="v"/>
+            </a:pPr>
+            <a:r>
+              <a:rPr lang="en-US" dirty="0" smtClean="0"/>
+              <a:t>Early problem report / </a:t>
+            </a:r>
+            <a:r>
+              <a:rPr lang="en-US" dirty="0" smtClean="0"/>
+              <a:t>surface </a:t>
+            </a:r>
+            <a:r>
+              <a:rPr lang="en-US" dirty="0" smtClean="0"/>
+              <a:t>issue </a:t>
+            </a:r>
+            <a:r>
+              <a:rPr lang="en-US" dirty="0" err="1" smtClean="0"/>
+              <a:t>asap</a:t>
+            </a:r>
+            <a:r>
+              <a:rPr lang="en-US" dirty="0" smtClean="0"/>
+              <a:t>.</a:t>
+            </a:r>
+          </a:p>
+        </p:txBody>
+      </p:sp>
+      <p:pic>
+        <p:nvPicPr>
+          <p:cNvPr id="3" name="Picture 2"/>
+          <p:cNvPicPr>
+            <a:picLocks noChangeAspect="1"/>
+          </p:cNvPicPr>
+          <p:nvPr/>
+        </p:nvPicPr>
+        <p:blipFill>
+          <a:blip r:embed="rId2" cstate="print">
+            <a:extLst>
+              <a:ext uri="{28A0092B-C50C-407E-A947-70E740481C1C}">
+                <a14:useLocalDpi xmlns:a14="http://schemas.microsoft.com/office/drawing/2010/main" val="0"/>
+              </a:ext>
+            </a:extLst>
+          </a:blip>
+          <a:stretch>
+            <a:fillRect/>
+          </a:stretch>
+        </p:blipFill>
+        <p:spPr>
+          <a:xfrm>
+            <a:off x="115299" y="1524000"/>
+            <a:ext cx="617444" cy="552450"/>
+          </a:xfrm>
+          <a:prstGeom prst="rect">
+            <a:avLst/>
+          </a:prstGeom>
+        </p:spPr>
+      </p:pic>
+      <p:pic>
+        <p:nvPicPr>
+          <p:cNvPr id="5" name="Picture 4"/>
+          <p:cNvPicPr>
+            <a:picLocks noChangeAspect="1"/>
+          </p:cNvPicPr>
+          <p:nvPr/>
+        </p:nvPicPr>
+        <p:blipFill>
+          <a:blip r:embed="rId3" cstate="print">
+            <a:extLst>
+              <a:ext uri="{28A0092B-C50C-407E-A947-70E740481C1C}">
+                <a14:useLocalDpi xmlns:a14="http://schemas.microsoft.com/office/drawing/2010/main" val="0"/>
+              </a:ext>
+            </a:extLst>
+          </a:blip>
+          <a:stretch>
+            <a:fillRect/>
+          </a:stretch>
+        </p:blipFill>
+        <p:spPr>
+          <a:xfrm>
+            <a:off x="228600" y="3276600"/>
+            <a:ext cx="543243" cy="561975"/>
+          </a:xfrm>
+          <a:prstGeom prst="rect">
+            <a:avLst/>
+          </a:prstGeom>
+        </p:spPr>
+      </p:pic>
+    </p:spTree>
+    <p:extLst>
+      <p:ext uri="{BB962C8B-B14F-4D97-AF65-F5344CB8AC3E}">
+        <p14:creationId xmlns:p14="http://schemas.microsoft.com/office/powerpoint/2010/main" val="4271766611"/>
+      </p:ext>
+    </p:extLst>
+  </p:cSld>
+  <p:clrMapOvr>
+    <a:masterClrMapping/>
+  </p:clrMapOvr>
+  <p:timing>
+    <p:tnLst>
+      <p:par>
+        <p:cTn id="1" dur="indefinite" restart="never" nodeType="tmRoot"/>
+      </p:par>
+    </p:tnLst>
+  </p:timing>
+</p:sld>
+</file>
+
+<file path=ppt/slides/slide19.xml><?xml version="1.0" encoding="utf-8"?>
+<p:sld xmlns:a="http://schemas.openxmlformats.org/drawingml/2006/main" xmlns:r="http://schemas.openxmlformats.org/officeDocument/2006/relationships" xmlns:p="http://schemas.openxmlformats.org/presentationml/2006/main">
+  <p:cSld>
+    <p:spTree>
+      <p:nvGrpSpPr>
+        <p:cNvPr id="1" name=""/>
+        <p:cNvGrpSpPr/>
+        <p:nvPr/>
+      </p:nvGrpSpPr>
+      <p:grpSpPr>
+        <a:xfrm>
+          <a:off x="0" y="0"/>
+          <a:ext cx="0" cy="0"/>
+          <a:chOff x="0" y="0"/>
+          <a:chExt cx="0" cy="0"/>
+        </a:xfrm>
+      </p:grpSpPr>
+      <p:sp>
+        <p:nvSpPr>
+          <p:cNvPr id="2" name="Title 1"/>
+          <p:cNvSpPr>
+            <a:spLocks noGrp="1"/>
+          </p:cNvSpPr>
+          <p:nvPr>
+            <p:ph type="title"/>
+          </p:nvPr>
+        </p:nvSpPr>
+        <p:spPr/>
+        <p:txBody>
+          <a:bodyPr/>
+          <a:lstStyle/>
+          <a:p>
+            <a:r>
+              <a:rPr lang="en-US" dirty="0"/>
+              <a:t>Challenges &amp; Solution - </a:t>
+            </a:r>
+            <a:r>
+              <a:rPr lang="en-US" dirty="0" smtClean="0"/>
+              <a:t>4</a:t>
+            </a:r>
+            <a:endParaRPr lang="en-US" dirty="0"/>
+          </a:p>
+        </p:txBody>
+      </p:sp>
+      <p:sp>
+        <p:nvSpPr>
+          <p:cNvPr id="7" name="Rectangle 5"/>
+          <p:cNvSpPr>
+            <a:spLocks noGrp="1" noChangeArrowheads="1"/>
+          </p:cNvSpPr>
+          <p:nvPr>
+            <p:ph idx="1"/>
+          </p:nvPr>
+        </p:nvSpPr>
+        <p:spPr>
+          <a:xfrm>
+            <a:off x="609600" y="1524000"/>
+            <a:ext cx="8305800" cy="4876800"/>
+          </a:xfrm>
+        </p:spPr>
+        <p:txBody>
+          <a:bodyPr/>
+          <a:lstStyle/>
+          <a:p>
+            <a:pPr>
+              <a:buFont typeface="Wingdings" pitchFamily="2" charset="2"/>
+              <a:buChar char="v"/>
+            </a:pPr>
+            <a:r>
+              <a:rPr lang="en-US" b="1" dirty="0" smtClean="0"/>
+              <a:t>Technical Challenges : </a:t>
+            </a:r>
+            <a:endParaRPr lang="en-US" dirty="0" smtClean="0"/>
+          </a:p>
+          <a:p>
+            <a:pPr lvl="1">
+              <a:buFont typeface="Wingdings" pitchFamily="2" charset="2"/>
+              <a:buChar char="v"/>
+            </a:pPr>
+            <a:r>
+              <a:rPr lang="en-US" dirty="0" smtClean="0"/>
+              <a:t>Multi-action form causes: </a:t>
+            </a:r>
+          </a:p>
+          <a:p>
+            <a:pPr lvl="2">
+              <a:buFont typeface="Wingdings" pitchFamily="2" charset="2"/>
+              <a:buChar char="v"/>
+            </a:pPr>
+            <a:r>
+              <a:rPr lang="en-US" dirty="0" smtClean="0"/>
+              <a:t>Difficulties in form validation</a:t>
+            </a:r>
+          </a:p>
+          <a:p>
+            <a:pPr lvl="2">
+              <a:buFont typeface="Wingdings" pitchFamily="2" charset="2"/>
+              <a:buChar char="v"/>
+            </a:pPr>
+            <a:r>
+              <a:rPr lang="en-US" dirty="0" smtClean="0"/>
+              <a:t>Error message post-back</a:t>
+            </a:r>
+            <a:endParaRPr lang="en-US" dirty="0" smtClean="0"/>
+          </a:p>
+          <a:p>
+            <a:pPr>
+              <a:buFont typeface="Wingdings" pitchFamily="2" charset="2"/>
+              <a:buChar char="v"/>
+            </a:pPr>
+            <a:r>
+              <a:rPr lang="en-US" b="1" dirty="0" smtClean="0"/>
+              <a:t>Solution:</a:t>
+            </a:r>
+          </a:p>
+          <a:p>
+            <a:pPr lvl="1">
+              <a:buFont typeface="Wingdings" pitchFamily="2" charset="2"/>
+              <a:buChar char="v"/>
+            </a:pPr>
+            <a:r>
+              <a:rPr lang="en-US" dirty="0" smtClean="0"/>
+              <a:t>Perform manual validation over Spring </a:t>
+            </a:r>
+          </a:p>
+          <a:p>
+            <a:pPr lvl="1">
+              <a:buFont typeface="Wingdings" pitchFamily="2" charset="2"/>
+              <a:buChar char="v"/>
+            </a:pPr>
+            <a:r>
+              <a:rPr lang="en-US" dirty="0" smtClean="0"/>
+              <a:t>Saving error message to </a:t>
+            </a:r>
+            <a:r>
+              <a:rPr lang="en-US" dirty="0" err="1" smtClean="0"/>
+              <a:t>HttpResponse</a:t>
+            </a:r>
+            <a:r>
+              <a:rPr lang="en-US" dirty="0" smtClean="0"/>
+              <a:t> before post-back</a:t>
+            </a:r>
+            <a:endParaRPr lang="en-US" dirty="0" smtClean="0"/>
+          </a:p>
+          <a:p>
+            <a:pPr>
+              <a:buFont typeface="Wingdings" pitchFamily="2" charset="2"/>
+              <a:buChar char="v"/>
+            </a:pPr>
+            <a:endParaRPr lang="en-US" b="1" dirty="0" smtClean="0"/>
+          </a:p>
+        </p:txBody>
+      </p:sp>
+      <p:pic>
+        <p:nvPicPr>
+          <p:cNvPr id="5" name="Picture 4"/>
+          <p:cNvPicPr>
+            <a:picLocks noChangeAspect="1"/>
+          </p:cNvPicPr>
+          <p:nvPr/>
+        </p:nvPicPr>
+        <p:blipFill>
+          <a:blip r:embed="rId2" cstate="print">
+            <a:extLst>
+              <a:ext uri="{28A0092B-C50C-407E-A947-70E740481C1C}">
+                <a14:useLocalDpi xmlns:a14="http://schemas.microsoft.com/office/drawing/2010/main" val="0"/>
+              </a:ext>
+            </a:extLst>
+          </a:blip>
+          <a:stretch>
+            <a:fillRect/>
+          </a:stretch>
+        </p:blipFill>
+        <p:spPr>
+          <a:xfrm>
+            <a:off x="115299" y="1524000"/>
+            <a:ext cx="617444" cy="552450"/>
+          </a:xfrm>
+          <a:prstGeom prst="rect">
+            <a:avLst/>
+          </a:prstGeom>
+        </p:spPr>
+      </p:pic>
+      <p:pic>
+        <p:nvPicPr>
+          <p:cNvPr id="6" name="Picture 5"/>
+          <p:cNvPicPr>
+            <a:picLocks noChangeAspect="1"/>
+          </p:cNvPicPr>
+          <p:nvPr/>
+        </p:nvPicPr>
+        <p:blipFill>
+          <a:blip r:embed="rId3" cstate="print">
+            <a:extLst>
+              <a:ext uri="{28A0092B-C50C-407E-A947-70E740481C1C}">
+                <a14:useLocalDpi xmlns:a14="http://schemas.microsoft.com/office/drawing/2010/main" val="0"/>
+              </a:ext>
+            </a:extLst>
+          </a:blip>
+          <a:stretch>
+            <a:fillRect/>
+          </a:stretch>
+        </p:blipFill>
+        <p:spPr>
+          <a:xfrm>
+            <a:off x="189500" y="3352800"/>
+            <a:ext cx="543243" cy="561975"/>
+          </a:xfrm>
+          <a:prstGeom prst="rect">
+            <a:avLst/>
+          </a:prstGeom>
+        </p:spPr>
+      </p:pic>
+    </p:spTree>
+    <p:extLst>
+      <p:ext uri="{BB962C8B-B14F-4D97-AF65-F5344CB8AC3E}">
+        <p14:creationId xmlns:p14="http://schemas.microsoft.com/office/powerpoint/2010/main" val="2796234740"/>
       </p:ext>
     </p:extLst>
   </p:cSld>
@@ -15652,745 +15748,6 @@
       </p:grpSpPr>
       <p:sp>
         <p:nvSpPr>
-          <p:cNvPr id="2" name="Title 1"/>
-          <p:cNvSpPr>
-            <a:spLocks noGrp="1"/>
-          </p:cNvSpPr>
-          <p:nvPr>
-            <p:ph type="title"/>
-          </p:nvPr>
-        </p:nvSpPr>
-        <p:spPr/>
-        <p:txBody>
-          <a:bodyPr/>
-          <a:lstStyle/>
-          <a:p>
-            <a:r>
-              <a:rPr lang="en-US" dirty="0"/>
-              <a:t>Challenges &amp; Solution - </a:t>
-            </a:r>
-            <a:r>
-              <a:rPr lang="en-US" dirty="0" smtClean="0"/>
-              <a:t>3</a:t>
-            </a:r>
-            <a:endParaRPr lang="en-US" dirty="0"/>
-          </a:p>
-        </p:txBody>
-      </p:sp>
-      <p:sp>
-        <p:nvSpPr>
-          <p:cNvPr id="7" name="Rectangle 5"/>
-          <p:cNvSpPr>
-            <a:spLocks noGrp="1" noChangeArrowheads="1"/>
-          </p:cNvSpPr>
-          <p:nvPr>
-            <p:ph idx="1"/>
-          </p:nvPr>
-        </p:nvSpPr>
-        <p:spPr>
-          <a:xfrm>
-            <a:off x="609600" y="1524000"/>
-            <a:ext cx="8305800" cy="4876800"/>
-          </a:xfrm>
-        </p:spPr>
-        <p:txBody>
-          <a:bodyPr/>
-          <a:lstStyle/>
-          <a:p>
-            <a:pPr>
-              <a:buFont typeface="Wingdings" pitchFamily="2" charset="2"/>
-              <a:buChar char="v"/>
-            </a:pPr>
-            <a:r>
-              <a:rPr lang="en-US" b="1" dirty="0" smtClean="0"/>
-              <a:t>Technical Challenges : </a:t>
-            </a:r>
-            <a:r>
-              <a:rPr lang="en-US" dirty="0" smtClean="0"/>
-              <a:t>Multi-action form controller:</a:t>
-            </a:r>
-          </a:p>
-          <a:p>
-            <a:pPr lvl="2">
-              <a:buFont typeface="Wingdings" pitchFamily="2" charset="2"/>
-              <a:buChar char="v"/>
-            </a:pPr>
-            <a:r>
-              <a:rPr lang="en-US" dirty="0" smtClean="0"/>
-              <a:t>Tight coupling between controller and business layer</a:t>
-            </a:r>
-          </a:p>
-          <a:p>
-            <a:pPr lvl="3">
-              <a:buFont typeface="Wingdings" pitchFamily="2" charset="2"/>
-              <a:buChar char="v"/>
-            </a:pPr>
-            <a:r>
-              <a:rPr lang="en-US" dirty="0" smtClean="0"/>
-              <a:t>For </a:t>
-            </a:r>
-            <a:r>
-              <a:rPr lang="en-US" dirty="0" err="1" smtClean="0"/>
-              <a:t>e.g</a:t>
-            </a:r>
-            <a:r>
-              <a:rPr lang="en-US" dirty="0" smtClean="0"/>
-              <a:t>: </a:t>
-            </a:r>
-            <a:r>
-              <a:rPr lang="en-US" dirty="0" err="1" smtClean="0"/>
-              <a:t>ProjectController</a:t>
-            </a:r>
-            <a:r>
-              <a:rPr lang="en-US" dirty="0" smtClean="0"/>
-              <a:t> is tied to all sub business façades</a:t>
-            </a:r>
-          </a:p>
-          <a:p>
-            <a:pPr lvl="4">
-              <a:buFont typeface="Wingdings" pitchFamily="2" charset="2"/>
-              <a:buChar char="v"/>
-            </a:pPr>
-            <a:r>
-              <a:rPr lang="en-US" dirty="0" err="1" smtClean="0"/>
-              <a:t>ProjectMemberServiceImpl</a:t>
-            </a:r>
-            <a:endParaRPr lang="en-US" dirty="0" smtClean="0"/>
-          </a:p>
-          <a:p>
-            <a:pPr lvl="4">
-              <a:buFont typeface="Wingdings" pitchFamily="2" charset="2"/>
-              <a:buChar char="v"/>
-            </a:pPr>
-            <a:r>
-              <a:rPr lang="en-US" dirty="0" err="1" smtClean="0"/>
-              <a:t>ProjectFeedbackServiceImpl</a:t>
-            </a:r>
-            <a:r>
-              <a:rPr lang="en-US" dirty="0" smtClean="0"/>
-              <a:t>…</a:t>
-            </a:r>
-          </a:p>
-          <a:p>
-            <a:pPr>
-              <a:buFont typeface="Wingdings" pitchFamily="2" charset="2"/>
-              <a:buChar char="v"/>
-            </a:pPr>
-            <a:r>
-              <a:rPr lang="en-US" b="1" dirty="0" smtClean="0"/>
-              <a:t>Solution:</a:t>
-            </a:r>
-          </a:p>
-          <a:p>
-            <a:pPr lvl="1">
-              <a:buFont typeface="Wingdings" pitchFamily="2" charset="2"/>
-              <a:buChar char="v"/>
-            </a:pPr>
-            <a:r>
-              <a:rPr lang="en-US" dirty="0" smtClean="0"/>
-              <a:t>Refactor into 1 action – 1 form to</a:t>
-            </a:r>
-            <a:r>
-              <a:rPr lang="en-US" dirty="0" smtClean="0">
-                <a:sym typeface="Wingdings" pitchFamily="2" charset="2"/>
-              </a:rPr>
-              <a:t> acquire modularity and coherence.</a:t>
-            </a:r>
-          </a:p>
-          <a:p>
-            <a:pPr lvl="1">
-              <a:buFont typeface="Wingdings" pitchFamily="2" charset="2"/>
-              <a:buChar char="v"/>
-            </a:pPr>
-            <a:r>
-              <a:rPr lang="en-US" dirty="0" smtClean="0">
-                <a:sym typeface="Wingdings" pitchFamily="2" charset="2"/>
-              </a:rPr>
-              <a:t>Provide design guideline to direct proper implementation</a:t>
-            </a:r>
-            <a:endParaRPr lang="en-US" dirty="0" smtClean="0"/>
-          </a:p>
-          <a:p>
-            <a:pPr lvl="1">
-              <a:buFont typeface="Wingdings" pitchFamily="2" charset="2"/>
-              <a:buChar char="v"/>
-            </a:pPr>
-            <a:endParaRPr lang="en-US" dirty="0" smtClean="0"/>
-          </a:p>
-          <a:p>
-            <a:pPr>
-              <a:buFont typeface="Wingdings" pitchFamily="2" charset="2"/>
-              <a:buChar char="v"/>
-            </a:pPr>
-            <a:endParaRPr lang="en-US" b="1" dirty="0" smtClean="0"/>
-          </a:p>
-        </p:txBody>
-      </p:sp>
-      <p:pic>
-        <p:nvPicPr>
-          <p:cNvPr id="5" name="Picture 4"/>
-          <p:cNvPicPr>
-            <a:picLocks noChangeAspect="1"/>
-          </p:cNvPicPr>
-          <p:nvPr/>
-        </p:nvPicPr>
-        <p:blipFill>
-          <a:blip r:embed="rId2" cstate="print">
-            <a:extLst>
-              <a:ext uri="{28A0092B-C50C-407E-A947-70E740481C1C}">
-                <a14:useLocalDpi xmlns:a14="http://schemas.microsoft.com/office/drawing/2010/main" val="0"/>
-              </a:ext>
-            </a:extLst>
-          </a:blip>
-          <a:stretch>
-            <a:fillRect/>
-          </a:stretch>
-        </p:blipFill>
-        <p:spPr>
-          <a:xfrm>
-            <a:off x="115299" y="1524000"/>
-            <a:ext cx="617444" cy="552450"/>
-          </a:xfrm>
-          <a:prstGeom prst="rect">
-            <a:avLst/>
-          </a:prstGeom>
-        </p:spPr>
-      </p:pic>
-      <p:pic>
-        <p:nvPicPr>
-          <p:cNvPr id="6" name="Picture 5"/>
-          <p:cNvPicPr>
-            <a:picLocks noChangeAspect="1"/>
-          </p:cNvPicPr>
-          <p:nvPr/>
-        </p:nvPicPr>
-        <p:blipFill>
-          <a:blip r:embed="rId3" cstate="print">
-            <a:extLst>
-              <a:ext uri="{28A0092B-C50C-407E-A947-70E740481C1C}">
-                <a14:useLocalDpi xmlns:a14="http://schemas.microsoft.com/office/drawing/2010/main" val="0"/>
-              </a:ext>
-            </a:extLst>
-          </a:blip>
-          <a:stretch>
-            <a:fillRect/>
-          </a:stretch>
-        </p:blipFill>
-        <p:spPr>
-          <a:xfrm>
-            <a:off x="182597" y="3142264"/>
-            <a:ext cx="543243" cy="561975"/>
-          </a:xfrm>
-          <a:prstGeom prst="rect">
-            <a:avLst/>
-          </a:prstGeom>
-        </p:spPr>
-      </p:pic>
-    </p:spTree>
-    <p:extLst>
-      <p:ext uri="{BB962C8B-B14F-4D97-AF65-F5344CB8AC3E}">
-        <p14:creationId xmlns:p14="http://schemas.microsoft.com/office/powerpoint/2010/main" val="2796234740"/>
-      </p:ext>
-    </p:extLst>
-  </p:cSld>
-  <p:clrMapOvr>
-    <a:masterClrMapping/>
-  </p:clrMapOvr>
-  <p:timing>
-    <p:tnLst>
-      <p:par>
-        <p:cTn id="1" dur="indefinite" restart="never" nodeType="tmRoot"/>
-      </p:par>
-    </p:tnLst>
-  </p:timing>
-</p:sld>
-</file>
-
-<file path=ppt/slides/slide21.xml><?xml version="1.0" encoding="utf-8"?>
-<p:sld xmlns:a="http://schemas.openxmlformats.org/drawingml/2006/main" xmlns:r="http://schemas.openxmlformats.org/officeDocument/2006/relationships" xmlns:p="http://schemas.openxmlformats.org/presentationml/2006/main">
-  <p:cSld>
-    <p:spTree>
-      <p:nvGrpSpPr>
-        <p:cNvPr id="1" name=""/>
-        <p:cNvGrpSpPr/>
-        <p:nvPr/>
-      </p:nvGrpSpPr>
-      <p:grpSpPr>
-        <a:xfrm>
-          <a:off x="0" y="0"/>
-          <a:ext cx="0" cy="0"/>
-          <a:chOff x="0" y="0"/>
-          <a:chExt cx="0" cy="0"/>
-        </a:xfrm>
-      </p:grpSpPr>
-      <p:sp>
-        <p:nvSpPr>
-          <p:cNvPr id="22532" name="Rectangle 4"/>
-          <p:cNvSpPr>
-            <a:spLocks noGrp="1" noChangeArrowheads="1"/>
-          </p:cNvSpPr>
-          <p:nvPr>
-            <p:ph type="title"/>
-          </p:nvPr>
-        </p:nvSpPr>
-        <p:spPr/>
-        <p:txBody>
-          <a:bodyPr/>
-          <a:lstStyle/>
-          <a:p>
-            <a:r>
-              <a:rPr lang="en-US" dirty="0" smtClean="0"/>
-              <a:t>Agenda</a:t>
-            </a:r>
-            <a:endParaRPr lang="en-US" dirty="0"/>
-          </a:p>
-        </p:txBody>
-      </p:sp>
-      <p:pic>
-        <p:nvPicPr>
-          <p:cNvPr id="6" name="Picture 2" descr="C:\Users\Dio\AppData\Local\Microsoft\Windows\Temporary Internet Files\Content.IE5\QY2JGCM3\MC900295360[1].wmf"/>
-          <p:cNvPicPr>
-            <a:picLocks noChangeAspect="1" noChangeArrowheads="1"/>
-          </p:cNvPicPr>
-          <p:nvPr/>
-        </p:nvPicPr>
-        <p:blipFill>
-          <a:blip r:embed="rId2" cstate="print">
-            <a:extLst>
-              <a:ext uri="{28A0092B-C50C-407E-A947-70E740481C1C}">
-                <a14:useLocalDpi xmlns:a14="http://schemas.microsoft.com/office/drawing/2010/main" val="0"/>
-              </a:ext>
-            </a:extLst>
-          </a:blip>
-          <a:srcRect/>
-          <a:stretch>
-            <a:fillRect/>
-          </a:stretch>
-        </p:blipFill>
-        <p:spPr bwMode="auto">
-          <a:xfrm>
-            <a:off x="5867400" y="1143000"/>
-            <a:ext cx="2221400" cy="2374900"/>
-          </a:xfrm>
-          <a:prstGeom prst="rect">
-            <a:avLst/>
-          </a:prstGeom>
-          <a:noFill/>
-          <a:extLst>
-            <a:ext uri="{909E8E84-426E-40DD-AFC4-6F175D3DCCD1}">
-              <a14:hiddenFill xmlns:a14="http://schemas.microsoft.com/office/drawing/2010/main">
-                <a:solidFill>
-                  <a:srgbClr val="FFFFFF"/>
-                </a:solidFill>
-              </a14:hiddenFill>
-            </a:ext>
-          </a:extLst>
-        </p:spPr>
-      </p:pic>
-      <p:sp>
-        <p:nvSpPr>
-          <p:cNvPr id="8" name="Rectangle 5"/>
-          <p:cNvSpPr txBox="1">
-            <a:spLocks noChangeArrowheads="1"/>
-          </p:cNvSpPr>
-          <p:nvPr/>
-        </p:nvSpPr>
-        <p:spPr bwMode="auto">
-          <a:xfrm>
-            <a:off x="1143000" y="1524000"/>
-            <a:ext cx="7391400" cy="4648200"/>
-          </a:xfrm>
-          <a:prstGeom prst="rect">
-            <a:avLst/>
-          </a:prstGeom>
-          <a:noFill/>
-          <a:ln w="9525">
-            <a:noFill/>
-            <a:miter lim="800000"/>
-            <a:headEnd/>
-            <a:tailEnd/>
-          </a:ln>
-          <a:effectLst/>
-        </p:spPr>
-        <p:txBody>
-          <a:bodyPr vert="horz" wrap="square" lIns="91440" tIns="45720" rIns="91440" bIns="45720" numCol="1" anchor="t" anchorCtr="0" compatLnSpc="1">
-            <a:prstTxWarp prst="textNoShape">
-              <a:avLst/>
-            </a:prstTxWarp>
-          </a:bodyPr>
-          <a:lstStyle>
-            <a:lvl1pPr marL="342900" indent="-342900" algn="l" rtl="0" eaLnBrk="1" fontAlgn="base" hangingPunct="1">
-              <a:spcBef>
-                <a:spcPct val="25000"/>
-              </a:spcBef>
-              <a:spcAft>
-                <a:spcPct val="0"/>
-              </a:spcAft>
-              <a:buClr>
-                <a:schemeClr val="tx2"/>
-              </a:buClr>
-              <a:buSzPct val="60000"/>
-              <a:buFont typeface="Wingdings" pitchFamily="2" charset="2"/>
-              <a:defRPr sz="2700">
-                <a:solidFill>
-                  <a:schemeClr val="tx1"/>
-                </a:solidFill>
-                <a:latin typeface="+mn-lt"/>
-                <a:ea typeface="+mn-ea"/>
-                <a:cs typeface="+mn-cs"/>
-              </a:defRPr>
-            </a:lvl1pPr>
-            <a:lvl2pPr marL="692150" indent="-347663" algn="l" rtl="0" eaLnBrk="1" fontAlgn="base" hangingPunct="1">
-              <a:spcBef>
-                <a:spcPct val="0"/>
-              </a:spcBef>
-              <a:spcAft>
-                <a:spcPct val="25000"/>
-              </a:spcAft>
-              <a:buClr>
-                <a:schemeClr val="accent2"/>
-              </a:buClr>
-              <a:buSzPct val="55000"/>
-              <a:buFont typeface="Wingdings" pitchFamily="2" charset="2"/>
-              <a:buChar char="l"/>
-              <a:defRPr sz="2400">
-                <a:solidFill>
-                  <a:schemeClr val="tx1"/>
-                </a:solidFill>
-                <a:latin typeface="+mn-lt"/>
-              </a:defRPr>
-            </a:lvl2pPr>
-            <a:lvl3pPr marL="987425" indent="-293688" algn="l" rtl="0" eaLnBrk="1" fontAlgn="base" hangingPunct="1">
-              <a:spcBef>
-                <a:spcPct val="0"/>
-              </a:spcBef>
-              <a:spcAft>
-                <a:spcPct val="25000"/>
-              </a:spcAft>
-              <a:buClr>
-                <a:schemeClr val="accent1"/>
-              </a:buClr>
-              <a:buSzPct val="50000"/>
-              <a:buFont typeface="Wingdings" pitchFamily="2" charset="2"/>
-              <a:buChar char="l"/>
-              <a:defRPr sz="2200">
-                <a:solidFill>
-                  <a:schemeClr val="tx1"/>
-                </a:solidFill>
-                <a:latin typeface="+mn-lt"/>
-              </a:defRPr>
-            </a:lvl3pPr>
-            <a:lvl4pPr marL="1281113" indent="-292100" algn="l" rtl="0" eaLnBrk="1" fontAlgn="base" hangingPunct="1">
-              <a:spcBef>
-                <a:spcPct val="20000"/>
-              </a:spcBef>
-              <a:spcAft>
-                <a:spcPct val="0"/>
-              </a:spcAft>
-              <a:buClr>
-                <a:schemeClr val="tx2"/>
-              </a:buClr>
-              <a:buSzPct val="75000"/>
-              <a:buFont typeface="Wingdings" pitchFamily="2" charset="2"/>
-              <a:buChar char="§"/>
-              <a:defRPr sz="2000">
-                <a:solidFill>
-                  <a:schemeClr val="tx1"/>
-                </a:solidFill>
-                <a:latin typeface="+mn-lt"/>
-              </a:defRPr>
-            </a:lvl4pPr>
-            <a:lvl5pPr marL="1598613" indent="-315913" algn="l" rtl="0" eaLnBrk="1" fontAlgn="base" hangingPunct="1">
-              <a:spcBef>
-                <a:spcPct val="20000"/>
-              </a:spcBef>
-              <a:spcAft>
-                <a:spcPct val="0"/>
-              </a:spcAft>
-              <a:buClr>
-                <a:schemeClr val="folHlink"/>
-              </a:buClr>
-              <a:buSzPct val="80000"/>
-              <a:buFont typeface="Wingdings" pitchFamily="2" charset="2"/>
-              <a:buChar char="§"/>
-              <a:defRPr sz="2000">
-                <a:solidFill>
-                  <a:schemeClr val="tx1"/>
-                </a:solidFill>
-                <a:latin typeface="+mn-lt"/>
-              </a:defRPr>
-            </a:lvl5pPr>
-            <a:lvl6pPr marL="2055813" indent="-315913" algn="l" rtl="0" eaLnBrk="1" fontAlgn="base" hangingPunct="1">
-              <a:spcBef>
-                <a:spcPct val="20000"/>
-              </a:spcBef>
-              <a:spcAft>
-                <a:spcPct val="0"/>
-              </a:spcAft>
-              <a:buClr>
-                <a:schemeClr val="folHlink"/>
-              </a:buClr>
-              <a:buSzPct val="80000"/>
-              <a:buFont typeface="Wingdings" pitchFamily="2" charset="2"/>
-              <a:buChar char="§"/>
-              <a:defRPr sz="2000">
-                <a:solidFill>
-                  <a:schemeClr val="tx1"/>
-                </a:solidFill>
-                <a:latin typeface="+mn-lt"/>
-              </a:defRPr>
-            </a:lvl6pPr>
-            <a:lvl7pPr marL="2513013" indent="-315913" algn="l" rtl="0" eaLnBrk="1" fontAlgn="base" hangingPunct="1">
-              <a:spcBef>
-                <a:spcPct val="20000"/>
-              </a:spcBef>
-              <a:spcAft>
-                <a:spcPct val="0"/>
-              </a:spcAft>
-              <a:buClr>
-                <a:schemeClr val="folHlink"/>
-              </a:buClr>
-              <a:buSzPct val="80000"/>
-              <a:buFont typeface="Wingdings" pitchFamily="2" charset="2"/>
-              <a:buChar char="§"/>
-              <a:defRPr sz="2000">
-                <a:solidFill>
-                  <a:schemeClr val="tx1"/>
-                </a:solidFill>
-                <a:latin typeface="+mn-lt"/>
-              </a:defRPr>
-            </a:lvl7pPr>
-            <a:lvl8pPr marL="2970213" indent="-315913" algn="l" rtl="0" eaLnBrk="1" fontAlgn="base" hangingPunct="1">
-              <a:spcBef>
-                <a:spcPct val="20000"/>
-              </a:spcBef>
-              <a:spcAft>
-                <a:spcPct val="0"/>
-              </a:spcAft>
-              <a:buClr>
-                <a:schemeClr val="folHlink"/>
-              </a:buClr>
-              <a:buSzPct val="80000"/>
-              <a:buFont typeface="Wingdings" pitchFamily="2" charset="2"/>
-              <a:buChar char="§"/>
-              <a:defRPr sz="2000">
-                <a:solidFill>
-                  <a:schemeClr val="tx1"/>
-                </a:solidFill>
-                <a:latin typeface="+mn-lt"/>
-              </a:defRPr>
-            </a:lvl8pPr>
-            <a:lvl9pPr marL="3427413" indent="-315913" algn="l" rtl="0" eaLnBrk="1" fontAlgn="base" hangingPunct="1">
-              <a:spcBef>
-                <a:spcPct val="20000"/>
-              </a:spcBef>
-              <a:spcAft>
-                <a:spcPct val="0"/>
-              </a:spcAft>
-              <a:buClr>
-                <a:schemeClr val="folHlink"/>
-              </a:buClr>
-              <a:buSzPct val="80000"/>
-              <a:buFont typeface="Wingdings" pitchFamily="2" charset="2"/>
-              <a:buChar char="§"/>
-              <a:defRPr sz="2000">
-                <a:solidFill>
-                  <a:schemeClr val="tx1"/>
-                </a:solidFill>
-                <a:latin typeface="+mn-lt"/>
-              </a:defRPr>
-            </a:lvl9pPr>
-          </a:lstStyle>
-          <a:p>
-            <a:pPr>
-              <a:buFont typeface="Wingdings" pitchFamily="2" charset="2"/>
-              <a:buChar char="v"/>
-            </a:pPr>
-            <a:r>
-              <a:rPr lang="en-US" dirty="0" smtClean="0">
-                <a:solidFill>
-                  <a:schemeClr val="bg1">
-                    <a:lumMod val="65000"/>
-                  </a:schemeClr>
-                </a:solidFill>
-              </a:rPr>
-              <a:t>Project Revisit</a:t>
-            </a:r>
-          </a:p>
-          <a:p>
-            <a:pPr>
-              <a:buFont typeface="Wingdings" pitchFamily="2" charset="2"/>
-              <a:buChar char="v"/>
-            </a:pPr>
-            <a:r>
-              <a:rPr lang="en-US" dirty="0" smtClean="0">
-                <a:solidFill>
-                  <a:schemeClr val="bg1">
-                    <a:lumMod val="65000"/>
-                  </a:schemeClr>
-                </a:solidFill>
-              </a:rPr>
-              <a:t>High Level Architecture</a:t>
-            </a:r>
-          </a:p>
-          <a:p>
-            <a:pPr>
-              <a:buFont typeface="Wingdings" pitchFamily="2" charset="2"/>
-              <a:buChar char="v"/>
-            </a:pPr>
-            <a:r>
-              <a:rPr lang="en-US" dirty="0" smtClean="0">
-                <a:solidFill>
-                  <a:schemeClr val="bg1">
-                    <a:lumMod val="65000"/>
-                  </a:schemeClr>
-                </a:solidFill>
-              </a:rPr>
-              <a:t>System Detailed Design</a:t>
-            </a:r>
-          </a:p>
-          <a:p>
-            <a:pPr>
-              <a:buFont typeface="Wingdings" pitchFamily="2" charset="2"/>
-              <a:buChar char="v"/>
-            </a:pPr>
-            <a:r>
-              <a:rPr lang="en-US" dirty="0" smtClean="0">
-                <a:solidFill>
-                  <a:schemeClr val="bg1">
-                    <a:lumMod val="65000"/>
-                  </a:schemeClr>
-                </a:solidFill>
-              </a:rPr>
-              <a:t>Implementation Strategy</a:t>
-            </a:r>
-          </a:p>
-          <a:p>
-            <a:pPr>
-              <a:buFont typeface="Wingdings" pitchFamily="2" charset="2"/>
-              <a:buChar char="v"/>
-            </a:pPr>
-            <a:r>
-              <a:rPr lang="en-US" dirty="0">
-                <a:solidFill>
-                  <a:schemeClr val="bg1">
-                    <a:lumMod val="65000"/>
-                  </a:schemeClr>
-                </a:solidFill>
-              </a:rPr>
-              <a:t>Challenges &amp; Solution</a:t>
-            </a:r>
-          </a:p>
-          <a:p>
-            <a:pPr>
-              <a:buFont typeface="Wingdings" pitchFamily="2" charset="2"/>
-              <a:buChar char="v"/>
-            </a:pPr>
-            <a:r>
-              <a:rPr lang="en-US" b="1" dirty="0">
-                <a:solidFill>
-                  <a:schemeClr val="tx2"/>
-                </a:solidFill>
-              </a:rPr>
-              <a:t>Demo of VMS v1.0</a:t>
-            </a:r>
-          </a:p>
-          <a:p>
-            <a:pPr>
-              <a:buFont typeface="Wingdings" pitchFamily="2" charset="2"/>
-              <a:buChar char="v"/>
-            </a:pPr>
-            <a:r>
-              <a:rPr lang="en-US" dirty="0" smtClean="0">
-                <a:solidFill>
-                  <a:schemeClr val="bg1">
-                    <a:lumMod val="65000"/>
-                  </a:schemeClr>
-                </a:solidFill>
-              </a:rPr>
-              <a:t>End Project Report</a:t>
-            </a:r>
-          </a:p>
-          <a:p>
-            <a:pPr>
-              <a:buFont typeface="Wingdings" pitchFamily="2" charset="2"/>
-              <a:buChar char="v"/>
-            </a:pPr>
-            <a:r>
-              <a:rPr lang="en-US" dirty="0" smtClean="0">
-                <a:solidFill>
-                  <a:schemeClr val="bg1">
-                    <a:lumMod val="65000"/>
-                  </a:schemeClr>
-                </a:solidFill>
-              </a:rPr>
-              <a:t>Evaluation &amp; Conclusion</a:t>
-            </a:r>
-          </a:p>
-          <a:p>
-            <a:pPr>
-              <a:buFont typeface="Wingdings" pitchFamily="2" charset="2"/>
-              <a:buChar char="v"/>
-            </a:pPr>
-            <a:r>
-              <a:rPr lang="en-US" dirty="0" smtClean="0">
-                <a:solidFill>
-                  <a:schemeClr val="bg1">
-                    <a:lumMod val="65000"/>
-                  </a:schemeClr>
-                </a:solidFill>
-              </a:rPr>
-              <a:t>Q &amp; A</a:t>
-            </a:r>
-            <a:endParaRPr lang="en-US" dirty="0">
-              <a:solidFill>
-                <a:schemeClr val="bg1">
-                  <a:lumMod val="65000"/>
-                </a:schemeClr>
-              </a:solidFill>
-            </a:endParaRPr>
-          </a:p>
-        </p:txBody>
-      </p:sp>
-    </p:spTree>
-    <p:extLst>
-      <p:ext uri="{BB962C8B-B14F-4D97-AF65-F5344CB8AC3E}">
-        <p14:creationId xmlns:p14="http://schemas.microsoft.com/office/powerpoint/2010/main" val="1374555784"/>
-      </p:ext>
-    </p:extLst>
-  </p:cSld>
-  <p:clrMapOvr>
-    <a:masterClrMapping/>
-  </p:clrMapOvr>
-  <p:timing>
-    <p:tnLst>
-      <p:par>
-        <p:cTn id="1" dur="indefinite" restart="never" nodeType="tmRoot"/>
-      </p:par>
-    </p:tnLst>
-  </p:timing>
-</p:sld>
-</file>
-
-<file path=ppt/slides/slide22.xml><?xml version="1.0" encoding="utf-8"?>
-<p:sld xmlns:a="http://schemas.openxmlformats.org/drawingml/2006/main" xmlns:r="http://schemas.openxmlformats.org/officeDocument/2006/relationships" xmlns:p="http://schemas.openxmlformats.org/presentationml/2006/main">
-  <p:cSld>
-    <p:spTree>
-      <p:nvGrpSpPr>
-        <p:cNvPr id="1" name=""/>
-        <p:cNvGrpSpPr/>
-        <p:nvPr/>
-      </p:nvGrpSpPr>
-      <p:grpSpPr>
-        <a:xfrm>
-          <a:off x="0" y="0"/>
-          <a:ext cx="0" cy="0"/>
-          <a:chOff x="0" y="0"/>
-          <a:chExt cx="0" cy="0"/>
-        </a:xfrm>
-      </p:grpSpPr>
-      <p:sp>
-        <p:nvSpPr>
           <p:cNvPr id="22532" name="Rectangle 4"/>
           <p:cNvSpPr>
             <a:spLocks noGrp="1" noChangeArrowheads="1"/>
@@ -16838,7 +16195,7 @@
 </p:sld>
 </file>
 
-<file path=ppt/slides/slide23.xml><?xml version="1.0" encoding="utf-8"?>
+<file path=ppt/slides/slide21.xml><?xml version="1.0" encoding="utf-8"?>
 <p:sld xmlns:a="http://schemas.openxmlformats.org/drawingml/2006/main" xmlns:r="http://schemas.openxmlformats.org/officeDocument/2006/relationships" xmlns:p="http://schemas.openxmlformats.org/presentationml/2006/main">
   <p:cSld>
     <p:spTree>
@@ -17007,7 +16364,7 @@
 </p:sld>
 </file>
 
-<file path=ppt/slides/slide24.xml><?xml version="1.0" encoding="utf-8"?>
+<file path=ppt/slides/slide22.xml><?xml version="1.0" encoding="utf-8"?>
 <p:sld xmlns:a="http://schemas.openxmlformats.org/drawingml/2006/main" xmlns:r="http://schemas.openxmlformats.org/officeDocument/2006/relationships" xmlns:p="http://schemas.openxmlformats.org/presentationml/2006/main">
   <p:cSld>
     <p:spTree>
@@ -17110,7 +16467,7 @@
 </p:sld>
 </file>
 
-<file path=ppt/slides/slide25.xml><?xml version="1.0" encoding="utf-8"?>
+<file path=ppt/slides/slide23.xml><?xml version="1.0" encoding="utf-8"?>
 <p:sld xmlns:a="http://schemas.openxmlformats.org/drawingml/2006/main" xmlns:r="http://schemas.openxmlformats.org/officeDocument/2006/relationships" xmlns:p="http://schemas.openxmlformats.org/presentationml/2006/main">
   <p:cSld>
     <p:spTree>
@@ -17425,7 +16782,7 @@
 </p:sld>
 </file>
 
-<file path=ppt/slides/slide26.xml><?xml version="1.0" encoding="utf-8"?>
+<file path=ppt/slides/slide24.xml><?xml version="1.0" encoding="utf-8"?>
 <p:sld xmlns:a="http://schemas.openxmlformats.org/drawingml/2006/main" xmlns:r="http://schemas.openxmlformats.org/officeDocument/2006/relationships" xmlns:p="http://schemas.openxmlformats.org/presentationml/2006/main">
   <p:cSld>
     <p:spTree>
@@ -17467,7 +16824,7 @@
       </p:sp>
       <p:pic>
         <p:nvPicPr>
-          <p:cNvPr id="3074" name="Picture 2"/>
+          <p:cNvPr id="2050" name="Picture 2"/>
           <p:cNvPicPr>
             <a:picLocks noChangeAspect="1" noChangeArrowheads="1"/>
           </p:cNvPicPr>
@@ -17488,8 +16845,8 @@
         </p:blipFill>
         <p:spPr bwMode="auto">
           <a:xfrm>
-            <a:off x="304800" y="1828800"/>
-            <a:ext cx="8348518" cy="3733800"/>
+            <a:off x="344487" y="1600200"/>
+            <a:ext cx="8189913" cy="4200525"/>
           </a:xfrm>
           <a:prstGeom prst="rect">
             <a:avLst/>
@@ -17529,6 +16886,66 @@
           </a:extLst>
         </p:spPr>
       </p:pic>
+    </p:spTree>
+    <p:extLst>
+      <p:ext uri="{BB962C8B-B14F-4D97-AF65-F5344CB8AC3E}">
+        <p14:creationId xmlns:p14="http://schemas.microsoft.com/office/powerpoint/2010/main" val="2661701972"/>
+      </p:ext>
+    </p:extLst>
+  </p:cSld>
+  <p:clrMapOvr>
+    <a:masterClrMapping/>
+  </p:clrMapOvr>
+  <p:timing>
+    <p:tnLst>
+      <p:par>
+        <p:cTn id="1" dur="indefinite" restart="never" nodeType="tmRoot"/>
+      </p:par>
+    </p:tnLst>
+  </p:timing>
+</p:sld>
+</file>
+
+<file path=ppt/slides/slide25.xml><?xml version="1.0" encoding="utf-8"?>
+<p:sld xmlns:a="http://schemas.openxmlformats.org/drawingml/2006/main" xmlns:r="http://schemas.openxmlformats.org/officeDocument/2006/relationships" xmlns:p="http://schemas.openxmlformats.org/presentationml/2006/main">
+  <p:cSld>
+    <p:spTree>
+      <p:nvGrpSpPr>
+        <p:cNvPr id="1" name=""/>
+        <p:cNvGrpSpPr/>
+        <p:nvPr/>
+      </p:nvGrpSpPr>
+      <p:grpSpPr>
+        <a:xfrm>
+          <a:off x="0" y="0"/>
+          <a:ext cx="0" cy="0"/>
+          <a:chOff x="0" y="0"/>
+          <a:chExt cx="0" cy="0"/>
+        </a:xfrm>
+      </p:grpSpPr>
+      <p:sp>
+        <p:nvSpPr>
+          <p:cNvPr id="12292" name="Rectangle 4"/>
+          <p:cNvSpPr>
+            <a:spLocks noGrp="1" noChangeArrowheads="1"/>
+          </p:cNvSpPr>
+          <p:nvPr>
+            <p:ph type="title"/>
+          </p:nvPr>
+        </p:nvSpPr>
+        <p:spPr/>
+        <p:txBody>
+          <a:bodyPr/>
+          <a:lstStyle/>
+          <a:p>
+            <a:r>
+              <a:rPr lang="en-US" dirty="0" smtClean="0"/>
+              <a:t>End Project Report</a:t>
+            </a:r>
+            <a:endParaRPr lang="en-US" dirty="0"/>
+          </a:p>
+        </p:txBody>
+      </p:sp>
       <p:sp>
         <p:nvSpPr>
           <p:cNvPr id="11" name="Rectangle 5"/>
@@ -17541,7 +16958,7 @@
         </p:nvSpPr>
         <p:spPr>
           <a:xfrm>
-            <a:off x="381000" y="5715000"/>
+            <a:off x="262082" y="5867400"/>
             <a:ext cx="8272318" cy="914400"/>
           </a:xfrm>
         </p:spPr>
@@ -17632,6 +17049,70 @@
           </a:p>
         </p:txBody>
       </p:sp>
+      <p:pic>
+        <p:nvPicPr>
+          <p:cNvPr id="1026" name="Picture 2"/>
+          <p:cNvPicPr>
+            <a:picLocks noChangeAspect="1" noChangeArrowheads="1"/>
+          </p:cNvPicPr>
+          <p:nvPr/>
+        </p:nvPicPr>
+        <p:blipFill>
+          <a:blip r:embed="rId2">
+            <a:extLst>
+              <a:ext uri="{28A0092B-C50C-407E-A947-70E740481C1C}">
+                <a14:useLocalDpi xmlns:a14="http://schemas.microsoft.com/office/drawing/2010/main" val="0"/>
+              </a:ext>
+            </a:extLst>
+          </a:blip>
+          <a:srcRect/>
+          <a:stretch>
+            <a:fillRect/>
+          </a:stretch>
+        </p:blipFill>
+        <p:spPr bwMode="auto">
+          <a:xfrm>
+            <a:off x="334963" y="1600200"/>
+            <a:ext cx="8199437" cy="4191000"/>
+          </a:xfrm>
+          <a:prstGeom prst="rect">
+            <a:avLst/>
+          </a:prstGeom>
+          <a:noFill/>
+          <a:ln>
+            <a:noFill/>
+          </a:ln>
+          <a:effectLst/>
+          <a:extLst>
+            <a:ext uri="{909E8E84-426E-40DD-AFC4-6F175D3DCCD1}">
+              <a14:hiddenFill xmlns:a14="http://schemas.microsoft.com/office/drawing/2010/main">
+                <a:solidFill>
+                  <a:schemeClr val="accent1"/>
+                </a:solidFill>
+              </a14:hiddenFill>
+            </a:ext>
+            <a:ext uri="{91240B29-F687-4F45-9708-019B960494DF}">
+              <a14:hiddenLine xmlns:a14="http://schemas.microsoft.com/office/drawing/2010/main" w="9525">
+                <a:solidFill>
+                  <a:schemeClr val="tx1"/>
+                </a:solidFill>
+                <a:miter lim="800000"/>
+                <a:headEnd/>
+                <a:tailEnd/>
+              </a14:hiddenLine>
+            </a:ext>
+            <a:ext uri="{AF507438-7753-43E0-B8FC-AC1667EBCBE1}">
+              <a14:hiddenEffects xmlns:a14="http://schemas.microsoft.com/office/drawing/2010/main">
+                <a:effectLst>
+                  <a:outerShdw dist="35921" dir="2700000" algn="ctr" rotWithShape="0">
+                    <a:schemeClr val="bg2"/>
+                  </a:outerShdw>
+                </a:effectLst>
+              </a14:hiddenEffects>
+            </a:ext>
+          </a:extLst>
+        </p:spPr>
+      </p:pic>
     </p:spTree>
   </p:cSld>
   <p:clrMapOvr>
@@ -17647,7 +17128,7 @@
 </p:sld>
 </file>
 
-<file path=ppt/slides/slide27.xml><?xml version="1.0" encoding="utf-8"?>
+<file path=ppt/slides/slide26.xml><?xml version="1.0" encoding="utf-8"?>
 <p:sld xmlns:a="http://schemas.openxmlformats.org/drawingml/2006/main" xmlns:r="http://schemas.openxmlformats.org/officeDocument/2006/relationships" xmlns:p="http://schemas.openxmlformats.org/presentationml/2006/main">
   <p:cSld>
     <p:spTree>
@@ -17964,6 +17445,172 @@
 </p:sld>
 </file>
 
+<file path=ppt/slides/slide27.xml><?xml version="1.0" encoding="utf-8"?>
+<p:sld xmlns:a="http://schemas.openxmlformats.org/drawingml/2006/main" xmlns:r="http://schemas.openxmlformats.org/officeDocument/2006/relationships" xmlns:p="http://schemas.openxmlformats.org/presentationml/2006/main">
+  <p:cSld>
+    <p:spTree>
+      <p:nvGrpSpPr>
+        <p:cNvPr id="1" name=""/>
+        <p:cNvGrpSpPr/>
+        <p:nvPr/>
+      </p:nvGrpSpPr>
+      <p:grpSpPr>
+        <a:xfrm>
+          <a:off x="0" y="0"/>
+          <a:ext cx="0" cy="0"/>
+          <a:chOff x="0" y="0"/>
+          <a:chExt cx="0" cy="0"/>
+        </a:xfrm>
+      </p:grpSpPr>
+      <p:sp>
+        <p:nvSpPr>
+          <p:cNvPr id="2" name="Title 1"/>
+          <p:cNvSpPr>
+            <a:spLocks noGrp="1"/>
+          </p:cNvSpPr>
+          <p:nvPr>
+            <p:ph type="title"/>
+          </p:nvPr>
+        </p:nvSpPr>
+        <p:spPr/>
+        <p:txBody>
+          <a:bodyPr/>
+          <a:lstStyle/>
+          <a:p>
+            <a:r>
+              <a:rPr lang="en-US" dirty="0" smtClean="0"/>
+              <a:t>Evaluation &amp; Conclusion</a:t>
+            </a:r>
+            <a:endParaRPr lang="en-US" dirty="0"/>
+          </a:p>
+        </p:txBody>
+      </p:sp>
+      <p:sp>
+        <p:nvSpPr>
+          <p:cNvPr id="7" name="Rectangle 5"/>
+          <p:cNvSpPr>
+            <a:spLocks noGrp="1" noChangeArrowheads="1"/>
+          </p:cNvSpPr>
+          <p:nvPr>
+            <p:ph idx="1"/>
+          </p:nvPr>
+        </p:nvSpPr>
+        <p:spPr>
+          <a:xfrm>
+            <a:off x="381000" y="1524000"/>
+            <a:ext cx="8305800" cy="4876800"/>
+          </a:xfrm>
+        </p:spPr>
+        <p:txBody>
+          <a:bodyPr/>
+          <a:lstStyle/>
+          <a:p>
+            <a:pPr>
+              <a:buFont typeface="Wingdings" pitchFamily="2" charset="2"/>
+              <a:buChar char="v"/>
+            </a:pPr>
+            <a:r>
+              <a:rPr lang="en-US" sz="2800" b="1" dirty="0" smtClean="0"/>
+              <a:t>Lessons learnt:</a:t>
+            </a:r>
+          </a:p>
+          <a:p>
+            <a:pPr marL="0" indent="0"/>
+            <a:endParaRPr lang="en-US" sz="2400" b="1" dirty="0" smtClean="0"/>
+          </a:p>
+          <a:p>
+            <a:pPr lvl="1">
+              <a:buFont typeface="Wingdings" pitchFamily="2" charset="2"/>
+              <a:buChar char="v"/>
+            </a:pPr>
+            <a:r>
+              <a:rPr lang="en-US" sz="2100" b="1" dirty="0" smtClean="0"/>
+              <a:t>Planning is everything: </a:t>
+            </a:r>
+            <a:r>
+              <a:rPr lang="en-US" sz="2100" dirty="0" smtClean="0"/>
+              <a:t>required for successful delivery</a:t>
+            </a:r>
+          </a:p>
+          <a:p>
+            <a:pPr marL="344487" lvl="1" indent="0">
+              <a:buNone/>
+            </a:pPr>
+            <a:endParaRPr lang="en-US" sz="2100" dirty="0" smtClean="0"/>
+          </a:p>
+          <a:p>
+            <a:pPr lvl="1">
+              <a:buFont typeface="Wingdings" pitchFamily="2" charset="2"/>
+              <a:buChar char="v"/>
+            </a:pPr>
+            <a:r>
+              <a:rPr lang="en-US" sz="2100" b="1" dirty="0" smtClean="0"/>
+              <a:t>Process management is crucial: </a:t>
+            </a:r>
+            <a:r>
+              <a:rPr lang="en-US" sz="2100" dirty="0" smtClean="0"/>
+              <a:t>Requirement, Analysis, Design, Implementation &amp; Testing procedures must be strictly followed</a:t>
+            </a:r>
+          </a:p>
+          <a:p>
+            <a:pPr marL="344487" lvl="1" indent="0">
+              <a:buNone/>
+            </a:pPr>
+            <a:endParaRPr lang="en-US" sz="2100" dirty="0"/>
+          </a:p>
+          <a:p>
+            <a:pPr lvl="1">
+              <a:buFont typeface="Wingdings" pitchFamily="2" charset="2"/>
+              <a:buChar char="v"/>
+            </a:pPr>
+            <a:r>
+              <a:rPr lang="en-US" sz="2100" b="1" dirty="0" smtClean="0"/>
+              <a:t>Quality management:</a:t>
+            </a:r>
+            <a:r>
+              <a:rPr lang="en-US" sz="2100" dirty="0" smtClean="0"/>
+              <a:t> final gateway, quality guardian for project</a:t>
+            </a:r>
+          </a:p>
+          <a:p>
+            <a:pPr lvl="1">
+              <a:buFont typeface="Wingdings" pitchFamily="2" charset="2"/>
+              <a:buChar char="v"/>
+            </a:pPr>
+            <a:endParaRPr lang="en-US" sz="2100" b="1" dirty="0"/>
+          </a:p>
+          <a:p>
+            <a:pPr lvl="1">
+              <a:buFont typeface="Wingdings" pitchFamily="2" charset="2"/>
+              <a:buChar char="v"/>
+            </a:pPr>
+            <a:r>
+              <a:rPr lang="en-US" sz="2100" b="1" dirty="0" smtClean="0"/>
+              <a:t>Active team engagement can solve everything</a:t>
+            </a:r>
+          </a:p>
+        </p:txBody>
+      </p:sp>
+    </p:spTree>
+    <p:extLst>
+      <p:ext uri="{BB962C8B-B14F-4D97-AF65-F5344CB8AC3E}">
+        <p14:creationId xmlns:p14="http://schemas.microsoft.com/office/powerpoint/2010/main" val="1485446147"/>
+      </p:ext>
+    </p:extLst>
+  </p:cSld>
+  <p:clrMapOvr>
+    <a:masterClrMapping/>
+  </p:clrMapOvr>
+  <p:timing>
+    <p:tnLst>
+      <p:par>
+        <p:cTn id="1" dur="indefinite" restart="never" nodeType="tmRoot"/>
+      </p:par>
+    </p:tnLst>
+  </p:timing>
+</p:sld>
+</file>
+
 <file path=ppt/slides/slide28.xml><?xml version="1.0" encoding="utf-8"?>
 <p:sld xmlns:a="http://schemas.openxmlformats.org/drawingml/2006/main" xmlns:r="http://schemas.openxmlformats.org/officeDocument/2006/relationships" xmlns:p="http://schemas.openxmlformats.org/presentationml/2006/main">
   <p:cSld>
@@ -18030,7 +17677,7 @@
             </a:pPr>
             <a:r>
               <a:rPr lang="en-US" sz="2400" b="1" dirty="0" smtClean="0"/>
-              <a:t>Business perspective: develop more components</a:t>
+              <a:t>Further recommendation</a:t>
             </a:r>
           </a:p>
           <a:p>
@@ -18040,39 +17687,58 @@
             </a:pPr>
             <a:r>
               <a:rPr lang="en-US" sz="2100" b="1" dirty="0" smtClean="0"/>
-              <a:t>Itinerary Management</a:t>
-            </a:r>
-          </a:p>
-          <a:p>
-            <a:pPr lvl="1">
+              <a:t>New Functionalities :</a:t>
+            </a:r>
+            <a:endParaRPr lang="en-US" sz="2100" b="1" dirty="0" smtClean="0"/>
+          </a:p>
+          <a:p>
+            <a:pPr lvl="2">
               <a:buFont typeface="Wingdings" pitchFamily="2" charset="2"/>
               <a:buChar char="v"/>
             </a:pPr>
             <a:r>
-              <a:rPr lang="en-US" sz="2100" b="1" dirty="0" smtClean="0"/>
-              <a:t>Project Calendar </a:t>
-            </a:r>
-          </a:p>
-          <a:p>
-            <a:pPr lvl="1">
+              <a:rPr lang="en-US" sz="1900" dirty="0" smtClean="0"/>
+              <a:t>Itinerary </a:t>
+            </a:r>
+            <a:r>
+              <a:rPr lang="en-US" sz="1900" dirty="0" smtClean="0"/>
+              <a:t>Management (new)</a:t>
+            </a:r>
+            <a:endParaRPr lang="en-US" sz="1900" dirty="0" smtClean="0"/>
+          </a:p>
+          <a:p>
+            <a:pPr lvl="2">
               <a:buFont typeface="Wingdings" pitchFamily="2" charset="2"/>
               <a:buChar char="v"/>
             </a:pPr>
             <a:r>
-              <a:rPr lang="en-US" sz="2100" b="1" dirty="0" smtClean="0"/>
-              <a:t>Project Tracking</a:t>
-            </a:r>
-          </a:p>
-          <a:p>
-            <a:pPr>
+              <a:rPr lang="en-US" sz="1900" dirty="0" smtClean="0"/>
+              <a:t>Project </a:t>
+            </a:r>
+            <a:r>
+              <a:rPr lang="en-US" sz="1900" dirty="0" smtClean="0"/>
+              <a:t>Tasks / Calendar </a:t>
+            </a:r>
+            <a:r>
+              <a:rPr lang="en-US" sz="1900" dirty="0" smtClean="0"/>
+              <a:t>(new)</a:t>
+            </a:r>
+            <a:endParaRPr lang="en-US" sz="1900" dirty="0" smtClean="0"/>
+          </a:p>
+          <a:p>
+            <a:pPr lvl="2">
               <a:buFont typeface="Wingdings" pitchFamily="2" charset="2"/>
               <a:buChar char="v"/>
             </a:pPr>
             <a:r>
-              <a:rPr lang="en-US" sz="2400" b="1" dirty="0" smtClean="0"/>
-              <a:t> Technical perspective: integration of new components</a:t>
-            </a:r>
-            <a:endParaRPr lang="en-US" sz="1700" dirty="0"/>
+              <a:rPr lang="en-US" sz="1900" dirty="0" smtClean="0"/>
+              <a:t>Project </a:t>
+            </a:r>
+            <a:r>
+              <a:rPr lang="en-US" sz="1900" dirty="0" smtClean="0"/>
+              <a:t>Tracking (new)</a:t>
+            </a:r>
+            <a:endParaRPr lang="en-US" sz="1900" dirty="0" smtClean="0"/>
           </a:p>
           <a:p>
             <a:pPr lvl="1">
@@ -18081,60 +17747,74 @@
             </a:pPr>
             <a:r>
               <a:rPr lang="en-US" sz="2100" b="1" dirty="0" smtClean="0"/>
-              <a:t>Web services</a:t>
-            </a:r>
-          </a:p>
-          <a:p>
-            <a:pPr lvl="1">
+              <a:t>Technical Points: </a:t>
+            </a:r>
+          </a:p>
+          <a:p>
+            <a:pPr lvl="2">
               <a:buFont typeface="Wingdings" pitchFamily="2" charset="2"/>
               <a:buChar char="v"/>
             </a:pPr>
             <a:r>
-              <a:rPr lang="en-US" sz="2100" b="1" dirty="0" smtClean="0"/>
-              <a:t>Mass email component: email queues</a:t>
-            </a:r>
-          </a:p>
-          <a:p>
-            <a:pPr lvl="1">
+              <a:rPr lang="en-US" sz="1900" dirty="0" smtClean="0"/>
+              <a:t>Mass </a:t>
+            </a:r>
+            <a:r>
+              <a:rPr lang="en-US" sz="1900" dirty="0" smtClean="0"/>
+              <a:t>email component: email queues</a:t>
+            </a:r>
+          </a:p>
+          <a:p>
+            <a:pPr lvl="2">
               <a:buFont typeface="Wingdings" pitchFamily="2" charset="2"/>
               <a:buChar char="v"/>
             </a:pPr>
             <a:r>
-              <a:rPr lang="en-US" sz="2100" b="1" dirty="0" smtClean="0"/>
-              <a:t>Messaging / Integration Touch-point</a:t>
-            </a:r>
-          </a:p>
-          <a:p>
-            <a:pPr lvl="1">
+              <a:rPr lang="en-US" sz="1900" dirty="0" smtClean="0"/>
+              <a:t>Messaging, Integration point</a:t>
+            </a:r>
+            <a:endParaRPr lang="en-US" sz="1900" dirty="0" smtClean="0"/>
+          </a:p>
+          <a:p>
+            <a:pPr lvl="2">
               <a:buFont typeface="Wingdings" pitchFamily="2" charset="2"/>
               <a:buChar char="v"/>
             </a:pPr>
             <a:r>
-              <a:rPr lang="en-US" sz="2100" b="1" dirty="0" smtClean="0"/>
-              <a:t>Exposed API / Interfacing</a:t>
-            </a:r>
-          </a:p>
-          <a:p>
-            <a:pPr lvl="1">
+              <a:rPr lang="en-US" sz="1900" dirty="0" smtClean="0"/>
+              <a:t>Exposed </a:t>
+            </a:r>
+            <a:r>
+              <a:rPr lang="en-US" sz="1900" dirty="0" smtClean="0"/>
+              <a:t>API</a:t>
+            </a:r>
+            <a:endParaRPr lang="en-US" sz="1900" dirty="0" smtClean="0"/>
+          </a:p>
+          <a:p>
+            <a:pPr lvl="2">
               <a:buFont typeface="Wingdings" pitchFamily="2" charset="2"/>
               <a:buChar char="v"/>
             </a:pPr>
             <a:r>
-              <a:rPr lang="en-US" sz="2100" b="1" dirty="0" smtClean="0"/>
-              <a:t>Integration with popular platform: Facebook, Twitter…</a:t>
-            </a:r>
-            <a:r>
-              <a:rPr lang="en-US" sz="2100" b="1" dirty="0" err="1" smtClean="0"/>
-              <a:t>etc</a:t>
-            </a:r>
-            <a:endParaRPr lang="en-US" sz="2100" b="1" dirty="0" smtClean="0"/>
+              <a:rPr lang="en-US" sz="1900" dirty="0" smtClean="0"/>
+              <a:t>Integrate </a:t>
+            </a:r>
+            <a:r>
+              <a:rPr lang="en-US" sz="1900" dirty="0" smtClean="0"/>
+              <a:t>with popular platform: Facebook, </a:t>
+            </a:r>
+            <a:r>
+              <a:rPr lang="en-US" sz="1900" dirty="0" smtClean="0"/>
+              <a:t>Twitter…etc.</a:t>
+            </a:r>
+            <a:endParaRPr lang="en-US" sz="1900" dirty="0" smtClean="0"/>
           </a:p>
         </p:txBody>
       </p:sp>
     </p:spTree>
     <p:extLst>
       <p:ext uri="{BB962C8B-B14F-4D97-AF65-F5344CB8AC3E}">
-        <p14:creationId xmlns:p14="http://schemas.microsoft.com/office/powerpoint/2010/main" val="3986043378"/>
+        <p14:creationId xmlns:p14="http://schemas.microsoft.com/office/powerpoint/2010/main" val="3025040483"/>
       </p:ext>
     </p:extLst>
   </p:cSld>
@@ -19658,6 +19338,22 @@
               <a:buChar char="v"/>
             </a:pPr>
             <a:r>
+              <a:rPr lang="en-US" dirty="0">
+                <a:solidFill>
+                  <a:schemeClr val="bg1">
+                    <a:lumMod val="65000"/>
+                  </a:schemeClr>
+                </a:solidFill>
+              </a:rPr>
+              <a:t>Challenges &amp; Solution</a:t>
+            </a:r>
+          </a:p>
+          <a:p>
+            <a:pPr>
+              <a:buFont typeface="Wingdings" pitchFamily="2" charset="2"/>
+              <a:buChar char="v"/>
+            </a:pPr>
+            <a:r>
               <a:rPr lang="en-US" dirty="0" smtClean="0">
                 <a:solidFill>
                   <a:schemeClr val="bg1">
@@ -19665,14 +19361,8 @@
                   </a:schemeClr>
                 </a:solidFill>
               </a:rPr>
-              <a:t>QA Management</a:t>
-            </a:r>
-          </a:p>
-          <a:p>
-            <a:pPr>
-              <a:buFont typeface="Wingdings" pitchFamily="2" charset="2"/>
-              <a:buChar char="v"/>
-            </a:pPr>
+              <a:t>Demo </a:t>
+            </a:r>
             <a:r>
               <a:rPr lang="en-US" dirty="0" smtClean="0">
                 <a:solidFill>
@@ -19681,7 +19371,7 @@
                   </a:schemeClr>
                 </a:solidFill>
               </a:rPr>
-              <a:t>Demo of VMS v1.0</a:t>
+              <a:t>of VMS v1.0</a:t>
             </a:r>
           </a:p>
           <a:p>
@@ -20488,13 +20178,18 @@
               <a:buChar char="v"/>
             </a:pPr>
             <a:r>
-              <a:rPr lang="en-US" b="1" dirty="0">
+              <a:rPr lang="en-US" b="1" dirty="0" smtClean="0">
                 <a:solidFill>
                   <a:schemeClr val="tx2"/>
                 </a:solidFill>
               </a:rPr>
               <a:t>System Detailed Design</a:t>
             </a:r>
+            <a:endParaRPr lang="en-US" b="1" dirty="0">
+              <a:solidFill>
+                <a:schemeClr val="tx2"/>
+              </a:solidFill>
+            </a:endParaRPr>
           </a:p>
           <a:p>
             <a:pPr>
@@ -20935,9 +20630,9 @@
       </p:grpSpPr>
       <p:sp>
         <p:nvSpPr>
-          <p:cNvPr id="2" name="Title 1"/>
+          <p:cNvPr id="22532" name="Rectangle 4"/>
           <p:cNvSpPr>
-            <a:spLocks noGrp="1"/>
+            <a:spLocks noGrp="1" noChangeArrowheads="1"/>
           </p:cNvSpPr>
           <p:nvPr>
             <p:ph type="title"/>
@@ -20950,7 +20645,7 @@
           <a:p>
             <a:r>
               <a:rPr lang="en-US" dirty="0" smtClean="0"/>
-              <a:t>System Detailed Design - 2</a:t>
+              <a:t>Agenda</a:t>
             </a:r>
             <a:endParaRPr lang="en-US" dirty="0"/>
           </a:p>
@@ -20958,18 +20653,18 @@
       </p:sp>
       <p:sp>
         <p:nvSpPr>
-          <p:cNvPr id="7" name="Rectangle 5"/>
+          <p:cNvPr id="22533" name="Rectangle 5"/>
           <p:cNvSpPr>
             <a:spLocks noGrp="1" noChangeArrowheads="1"/>
           </p:cNvSpPr>
           <p:nvPr>
-            <p:ph idx="1"/>
+            <p:ph type="body" idx="1"/>
           </p:nvPr>
         </p:nvSpPr>
         <p:spPr>
           <a:xfrm>
-            <a:off x="381000" y="1524000"/>
-            <a:ext cx="8305800" cy="4876800"/>
+            <a:off x="1143000" y="1524000"/>
+            <a:ext cx="7391400" cy="4648200"/>
           </a:xfrm>
         </p:spPr>
         <p:txBody>
@@ -20981,48 +20676,236 @@
               <a:buChar char="v"/>
             </a:pPr>
             <a:r>
-              <a:rPr lang="en-US" sz="2800" b="1" dirty="0" smtClean="0"/>
-              <a:t>UCRR (Design) sample:</a:t>
-            </a:r>
-          </a:p>
-          <a:p>
-            <a:pPr lvl="1">
+              <a:rPr lang="en-US" dirty="0">
+                <a:solidFill>
+                  <a:schemeClr val="bg1">
+                    <a:lumMod val="65000"/>
+                  </a:schemeClr>
+                </a:solidFill>
+              </a:rPr>
+              <a:t>Project Revisit</a:t>
+            </a:r>
+          </a:p>
+          <a:p>
+            <a:pPr>
               <a:buFont typeface="Wingdings" pitchFamily="2" charset="2"/>
               <a:buChar char="v"/>
             </a:pPr>
             <a:r>
-              <a:rPr lang="en-US" sz="2100" b="1" dirty="0" smtClean="0"/>
-              <a:t>Register Volunteer Account</a:t>
-            </a:r>
-            <a:endParaRPr lang="en-US" sz="2000" dirty="0" smtClean="0"/>
-          </a:p>
-          <a:p>
-            <a:pPr lvl="2">
+              <a:rPr lang="en-US" dirty="0">
+                <a:solidFill>
+                  <a:schemeClr val="bg1">
+                    <a:lumMod val="65000"/>
+                  </a:schemeClr>
+                </a:solidFill>
+              </a:rPr>
+              <a:t>High Level Architecture</a:t>
+            </a:r>
+          </a:p>
+          <a:p>
+            <a:pPr>
               <a:buFont typeface="Wingdings" pitchFamily="2" charset="2"/>
               <a:buChar char="v"/>
             </a:pPr>
             <a:r>
-              <a:rPr lang="en-US" sz="1600" b="1" dirty="0" smtClean="0"/>
-              <a:t>&lt;&lt;</a:t>
-            </a:r>
-            <a:r>
-              <a:rPr lang="en-US" sz="1600" b="1" dirty="0"/>
-              <a:t>UCRR design&gt;&gt;</a:t>
-            </a:r>
-          </a:p>
-          <a:p>
-            <a:pPr lvl="1">
+              <a:rPr lang="en-US" dirty="0">
+                <a:solidFill>
+                  <a:schemeClr val="bg1">
+                    <a:lumMod val="65000"/>
+                  </a:schemeClr>
+                </a:solidFill>
+              </a:rPr>
+              <a:t>System Detailed Design</a:t>
+            </a:r>
+          </a:p>
+          <a:p>
+            <a:pPr>
               <a:buFont typeface="Wingdings" pitchFamily="2" charset="2"/>
               <a:buChar char="v"/>
             </a:pPr>
-            <a:endParaRPr lang="en-US" sz="2100" b="1" dirty="0" smtClean="0"/>
+            <a:r>
+              <a:rPr lang="en-US" b="1" dirty="0">
+                <a:solidFill>
+                  <a:schemeClr val="tx2"/>
+                </a:solidFill>
+              </a:rPr>
+              <a:t>Implementation Strategy</a:t>
+            </a:r>
+          </a:p>
+          <a:p>
+            <a:pPr>
+              <a:buFont typeface="Wingdings" pitchFamily="2" charset="2"/>
+              <a:buChar char="v"/>
+            </a:pPr>
+            <a:r>
+              <a:rPr lang="en-US" dirty="0" smtClean="0">
+                <a:solidFill>
+                  <a:schemeClr val="bg1">
+                    <a:lumMod val="65000"/>
+                  </a:schemeClr>
+                </a:solidFill>
+              </a:rPr>
+              <a:t>Challenges &amp; Solution</a:t>
+            </a:r>
+            <a:endParaRPr lang="en-US" dirty="0">
+              <a:solidFill>
+                <a:schemeClr val="bg1">
+                  <a:lumMod val="65000"/>
+                </a:schemeClr>
+              </a:solidFill>
+            </a:endParaRPr>
+          </a:p>
+          <a:p>
+            <a:pPr>
+              <a:buFont typeface="Wingdings" pitchFamily="2" charset="2"/>
+              <a:buChar char="v"/>
+            </a:pPr>
+            <a:r>
+              <a:rPr lang="en-US" dirty="0">
+                <a:solidFill>
+                  <a:schemeClr val="bg1">
+                    <a:lumMod val="65000"/>
+                  </a:schemeClr>
+                </a:solidFill>
+              </a:rPr>
+              <a:t>Demo </a:t>
+            </a:r>
+            <a:r>
+              <a:rPr lang="en-US" dirty="0" smtClean="0">
+                <a:solidFill>
+                  <a:schemeClr val="bg1">
+                    <a:lumMod val="65000"/>
+                  </a:schemeClr>
+                </a:solidFill>
+              </a:rPr>
+              <a:t>of </a:t>
+            </a:r>
+            <a:r>
+              <a:rPr lang="en-US" dirty="0">
+                <a:solidFill>
+                  <a:schemeClr val="bg1">
+                    <a:lumMod val="65000"/>
+                  </a:schemeClr>
+                </a:solidFill>
+              </a:rPr>
+              <a:t>VMS v1.0</a:t>
+            </a:r>
+          </a:p>
+          <a:p>
+            <a:pPr>
+              <a:buFont typeface="Wingdings" pitchFamily="2" charset="2"/>
+              <a:buChar char="v"/>
+            </a:pPr>
+            <a:r>
+              <a:rPr lang="en-US" dirty="0">
+                <a:solidFill>
+                  <a:schemeClr val="bg1">
+                    <a:lumMod val="65000"/>
+                  </a:schemeClr>
+                </a:solidFill>
+              </a:rPr>
+              <a:t>End Project </a:t>
+            </a:r>
+            <a:r>
+              <a:rPr lang="en-US" dirty="0" smtClean="0">
+                <a:solidFill>
+                  <a:schemeClr val="bg1">
+                    <a:lumMod val="65000"/>
+                  </a:schemeClr>
+                </a:solidFill>
+              </a:rPr>
+              <a:t>Report</a:t>
+            </a:r>
+          </a:p>
+          <a:p>
+            <a:pPr>
+              <a:buFont typeface="Wingdings" pitchFamily="2" charset="2"/>
+              <a:buChar char="v"/>
+            </a:pPr>
+            <a:r>
+              <a:rPr lang="en-US" dirty="0">
+                <a:solidFill>
+                  <a:schemeClr val="bg1">
+                    <a:lumMod val="65000"/>
+                  </a:schemeClr>
+                </a:solidFill>
+              </a:rPr>
+              <a:t>Evaluation &amp; Conclusion</a:t>
+            </a:r>
+          </a:p>
+          <a:p>
+            <a:pPr>
+              <a:buFont typeface="Wingdings" pitchFamily="2" charset="2"/>
+              <a:buChar char="v"/>
+            </a:pPr>
+            <a:r>
+              <a:rPr lang="en-US" dirty="0" smtClean="0">
+                <a:solidFill>
+                  <a:schemeClr val="bg1">
+                    <a:lumMod val="65000"/>
+                  </a:schemeClr>
+                </a:solidFill>
+              </a:rPr>
+              <a:t>Q </a:t>
+            </a:r>
+            <a:r>
+              <a:rPr lang="en-US" dirty="0">
+                <a:solidFill>
+                  <a:schemeClr val="bg1">
+                    <a:lumMod val="65000"/>
+                  </a:schemeClr>
+                </a:solidFill>
+              </a:rPr>
+              <a:t>&amp; A</a:t>
+            </a:r>
           </a:p>
         </p:txBody>
       </p:sp>
+      <p:pic>
+        <p:nvPicPr>
+          <p:cNvPr id="5" name="Picture 4" descr="C:\Users\Dio\AppData\Local\Microsoft\Windows\Temporary Internet Files\Content.IE5\J694V2JJ\MC900330873[1].wmf"/>
+          <p:cNvPicPr>
+            <a:picLocks noChangeAspect="1" noChangeArrowheads="1"/>
+          </p:cNvPicPr>
+          <p:nvPr/>
+        </p:nvPicPr>
+        <p:blipFill>
+          <a:blip r:embed="rId2" cstate="print">
+            <a:extLst>
+              <a:ext uri="{28A0092B-C50C-407E-A947-70E740481C1C}">
+                <a14:useLocalDpi xmlns:a14="http://schemas.microsoft.com/office/drawing/2010/main" val="0"/>
+              </a:ext>
+            </a:extLst>
+          </a:blip>
+          <a:srcRect/>
+          <a:stretch>
+            <a:fillRect/>
+          </a:stretch>
+        </p:blipFill>
+        <p:spPr bwMode="auto">
+          <a:xfrm>
+            <a:off x="6781800" y="2362200"/>
+            <a:ext cx="2139029" cy="2819400"/>
+          </a:xfrm>
+          <a:prstGeom prst="rect">
+            <a:avLst/>
+          </a:prstGeom>
+          <a:noFill/>
+          <a:extLst>
+            <a:ext uri="{909E8E84-426E-40DD-AFC4-6F175D3DCCD1}">
+              <a14:hiddenFill xmlns:a14="http://schemas.microsoft.com/office/drawing/2010/main">
+                <a:solidFill>
+                  <a:srgbClr val="FFFFFF"/>
+                </a:solidFill>
+              </a14:hiddenFill>
+            </a:ext>
+          </a:extLst>
+        </p:spPr>
+      </p:pic>
     </p:spTree>
     <p:extLst>
       <p:ext uri="{BB962C8B-B14F-4D97-AF65-F5344CB8AC3E}">
-        <p14:creationId xmlns:p14="http://schemas.microsoft.com/office/powerpoint/2010/main" val="1870856012"/>
+        <p14:creationId xmlns:p14="http://schemas.microsoft.com/office/powerpoint/2010/main" val="4200890774"/>
       </p:ext>
     </p:extLst>
   </p:cSld>
